--- a/NaturalDisasters.pptx
+++ b/NaturalDisasters.pptx
@@ -3148,7 +3148,7 @@
         <a:p>
           <a:r>
             <a:rPr lang="en-US" dirty="0"/>
-            <a:t>Data needed</a:t>
+            <a:t>Data</a:t>
           </a:r>
         </a:p>
       </dgm:t>
@@ -3675,7 +3675,7 @@
       <dgm:spPr/>
     </dgm:pt>
     <dgm:pt modelId="{45E3B86A-E5DA-4B29-BEED-858F6515DE6F}" type="pres">
-      <dgm:prSet presAssocID="{85759021-8AC6-4915-B44F-3CFEC6133EFD}" presName="bgRect" presStyleLbl="bgShp" presStyleIdx="2" presStyleCnt="3" custScaleY="284402" custLinFactNeighborY="73554"/>
+      <dgm:prSet presAssocID="{85759021-8AC6-4915-B44F-3CFEC6133EFD}" presName="bgRect" presStyleLbl="bgShp" presStyleIdx="2" presStyleCnt="3" custScaleY="284402" custLinFactNeighborX="-4387" custLinFactNeighborY="71196"/>
       <dgm:spPr/>
     </dgm:pt>
     <dgm:pt modelId="{E8369211-7CA7-43A2-867D-FA81DE4DC881}" type="pres">
@@ -3972,6 +3972,13 @@
           </a:r>
         </a:p>
       </dgm:t>
+      <dgm:extLst>
+        <a:ext uri="{E40237B7-FDA0-4F09-8148-C483321AD2D9}">
+          <dgm14:cNvPr xmlns:dgm14="http://schemas.microsoft.com/office/drawing/2010/diagram" id="0" name="">
+            <a:hlinkClick xmlns:r="http://schemas.openxmlformats.org/officeDocument/2006/relationships" r:id="rId1"/>
+          </dgm14:cNvPr>
+        </a:ext>
+      </dgm:extLst>
     </dgm:pt>
     <dgm:pt modelId="{6CBA1852-8BDE-4B0F-BA28-B78BF058579F}" type="parTrans" cxnId="{53285747-4EFD-490C-8D85-571596B8B223}">
       <dgm:prSet/>
@@ -3996,14 +4003,14 @@
       </dgm:t>
     </dgm:pt>
     <dgm:pt modelId="{86BFE1F0-23C4-4794-8ADB-59CF9038B7CF}">
-      <dgm:prSet phldrT="[Text]"/>
+      <dgm:prSet phldrT="[Text]" custT="1"/>
       <dgm:spPr/>
       <dgm:t>
         <a:bodyPr/>
         <a:lstStyle/>
         <a:p>
           <a:r>
-            <a:rPr lang="en-US" dirty="0"/>
+            <a:rPr lang="en-US" sz="2300" dirty="0"/>
             <a:t>Weather event</a:t>
           </a:r>
         </a:p>
@@ -4032,14 +4039,14 @@
       </dgm:t>
     </dgm:pt>
     <dgm:pt modelId="{F5361E89-D726-494F-A7EB-1E62F0E67686}">
-      <dgm:prSet phldrT="[Text]"/>
+      <dgm:prSet phldrT="[Text]" custT="1"/>
       <dgm:spPr/>
       <dgm:t>
         <a:bodyPr/>
         <a:lstStyle/>
         <a:p>
           <a:r>
-            <a:rPr lang="en-US" dirty="0"/>
+            <a:rPr lang="en-US" sz="2300" dirty="0"/>
             <a:t>Energy system impact(s)</a:t>
           </a:r>
         </a:p>
@@ -4068,15 +4075,15 @@
       </dgm:t>
     </dgm:pt>
     <dgm:pt modelId="{85759021-8AC6-4915-B44F-3CFEC6133EFD}">
-      <dgm:prSet phldrT="[Text]"/>
+      <dgm:prSet phldrT="[Text]" custT="1"/>
       <dgm:spPr/>
       <dgm:t>
         <a:bodyPr/>
         <a:lstStyle/>
         <a:p>
           <a:r>
-            <a:rPr lang="en-US" dirty="0"/>
-            <a:t>Data needed</a:t>
+            <a:rPr lang="en-US" sz="2300" dirty="0"/>
+            <a:t>Data</a:t>
           </a:r>
         </a:p>
       </dgm:t>
@@ -4260,6 +4267,13 @@
           </a:r>
         </a:p>
       </dgm:t>
+      <dgm:extLst>
+        <a:ext uri="{E40237B7-FDA0-4F09-8148-C483321AD2D9}">
+          <dgm14:cNvPr xmlns:dgm14="http://schemas.microsoft.com/office/drawing/2010/diagram" id="0" name="">
+            <a:hlinkClick xmlns:r="http://schemas.openxmlformats.org/officeDocument/2006/relationships" r:id="rId2"/>
+          </dgm14:cNvPr>
+        </a:ext>
+      </dgm:extLst>
     </dgm:pt>
     <dgm:pt modelId="{5DBBCB38-11FB-43BA-A8D8-93D1C37174BD}" type="parTrans" cxnId="{53D1E43F-EA0A-4B80-B9F2-CC54CA182CA1}">
       <dgm:prSet/>
@@ -4903,14 +4917,14 @@
       </dgm:t>
     </dgm:pt>
     <dgm:pt modelId="{86BFE1F0-23C4-4794-8ADB-59CF9038B7CF}">
-      <dgm:prSet phldrT="[Text]"/>
+      <dgm:prSet phldrT="[Text]" custT="1"/>
       <dgm:spPr/>
       <dgm:t>
         <a:bodyPr/>
         <a:lstStyle/>
         <a:p>
           <a:r>
-            <a:rPr lang="en-US" dirty="0"/>
+            <a:rPr lang="en-US" sz="2300" dirty="0"/>
             <a:t>Weather event</a:t>
           </a:r>
         </a:p>
@@ -5023,6 +5037,13 @@
           </a:r>
         </a:p>
       </dgm:t>
+      <dgm:extLst>
+        <a:ext uri="{E40237B7-FDA0-4F09-8148-C483321AD2D9}">
+          <dgm14:cNvPr xmlns:dgm14="http://schemas.microsoft.com/office/drawing/2010/diagram" id="0" name="">
+            <a:hlinkClick xmlns:r="http://schemas.openxmlformats.org/officeDocument/2006/relationships" r:id="rId1"/>
+          </dgm14:cNvPr>
+        </a:ext>
+      </dgm:extLst>
     </dgm:pt>
     <dgm:pt modelId="{FFE95D6D-D611-428D-95A8-1BD7978E9D73}" type="parTrans" cxnId="{15F9AC6E-D5C4-4130-992B-F2014381329E}">
       <dgm:prSet/>
@@ -5164,15 +5185,15 @@
       </dgm:t>
     </dgm:pt>
     <dgm:pt modelId="{85759021-8AC6-4915-B44F-3CFEC6133EFD}">
-      <dgm:prSet phldrT="[Text]"/>
+      <dgm:prSet phldrT="[Text]" custT="1"/>
       <dgm:spPr/>
       <dgm:t>
         <a:bodyPr/>
         <a:lstStyle/>
         <a:p>
           <a:r>
-            <a:rPr lang="en-US" dirty="0"/>
-            <a:t>Data needed</a:t>
+            <a:rPr lang="en-US" sz="2300" dirty="0"/>
+            <a:t>Data</a:t>
           </a:r>
         </a:p>
       </dgm:t>
@@ -5200,14 +5221,14 @@
       </dgm:t>
     </dgm:pt>
     <dgm:pt modelId="{F5361E89-D726-494F-A7EB-1E62F0E67686}">
-      <dgm:prSet phldrT="[Text]"/>
+      <dgm:prSet phldrT="[Text]" custT="1"/>
       <dgm:spPr/>
       <dgm:t>
         <a:bodyPr/>
         <a:lstStyle/>
         <a:p>
           <a:r>
-            <a:rPr lang="en-US" dirty="0"/>
+            <a:rPr lang="en-US" sz="2300" dirty="0"/>
             <a:t>Energy system impact(s)</a:t>
           </a:r>
         </a:p>
@@ -5322,7 +5343,7 @@
       <dgm:spPr/>
     </dgm:pt>
     <dgm:pt modelId="{B8341881-1E1C-4A3F-85EE-6217C98810E0}" type="pres">
-      <dgm:prSet presAssocID="{84526F7E-2D6E-4836-A246-44CAEEBDDB80}" presName="level2Shape" presStyleLbl="node3" presStyleIdx="1" presStyleCnt="6" custScaleX="157184" custScaleY="199812" custLinFactY="200000" custLinFactNeighborX="-5881" custLinFactNeighborY="244038"/>
+      <dgm:prSet presAssocID="{84526F7E-2D6E-4836-A246-44CAEEBDDB80}" presName="level2Shape" presStyleLbl="node3" presStyleIdx="1" presStyleCnt="6" custScaleX="157184" custScaleY="199812" custLinFactY="200000" custLinFactNeighborX="-34946" custLinFactNeighborY="244038"/>
       <dgm:spPr/>
     </dgm:pt>
     <dgm:pt modelId="{94023795-516D-422E-9401-9F0751C0021B}" type="pres">
@@ -5338,7 +5359,7 @@
       <dgm:spPr/>
     </dgm:pt>
     <dgm:pt modelId="{12D6EFA1-E9B7-4657-9935-B1D340A75847}" type="pres">
-      <dgm:prSet presAssocID="{EDD05278-1A7D-4731-A09E-93F0A04AE703}" presName="level2Shape" presStyleLbl="node3" presStyleIdx="2" presStyleCnt="6" custScaleX="179125" custScaleY="419385" custLinFactY="200000" custLinFactNeighborX="-16458" custLinFactNeighborY="243733"/>
+      <dgm:prSet presAssocID="{EDD05278-1A7D-4731-A09E-93F0A04AE703}" presName="level2Shape" presStyleLbl="node3" presStyleIdx="2" presStyleCnt="6" custScaleX="179125" custScaleY="419385" custLinFactY="200000" custLinFactNeighborX="-24528" custLinFactNeighborY="243733"/>
       <dgm:spPr/>
     </dgm:pt>
     <dgm:pt modelId="{9658D409-A6D9-4520-BF17-55E279A572CC}" type="pres">
@@ -5639,7 +5660,7 @@
       </dsp:nvSpPr>
       <dsp:spPr>
         <a:xfrm>
-          <a:off x="0" y="3652554"/>
+          <a:off x="0" y="3636650"/>
           <a:ext cx="9605818" cy="1918209"/>
         </a:xfrm>
         <a:prstGeom prst="roundRect">
@@ -5693,12 +5714,12 @@
           </a:pPr>
           <a:r>
             <a:rPr lang="en-US" sz="2300" kern="1200" dirty="0"/>
-            <a:t>Data needed</a:t>
+            <a:t>Data</a:t>
           </a:r>
         </a:p>
       </dsp:txBody>
       <dsp:txXfrm>
-        <a:off x="0" y="3652554"/>
+        <a:off x="0" y="3636650"/>
         <a:ext cx="2881745" cy="1918209"/>
       </dsp:txXfrm>
     </dsp:sp>
@@ -7374,12 +7395,12 @@
         <a:fontRef idx="minor"/>
       </dsp:style>
       <dsp:txBody>
-        <a:bodyPr spcFirstLastPara="0" vert="horz" wrap="square" lIns="113792" tIns="113792" rIns="113792" bIns="113792" numCol="1" spcCol="1270" anchor="ctr" anchorCtr="0">
+        <a:bodyPr spcFirstLastPara="0" vert="horz" wrap="square" lIns="163576" tIns="163576" rIns="163576" bIns="163576" numCol="1" spcCol="1270" anchor="ctr" anchorCtr="0">
           <a:noAutofit/>
         </a:bodyPr>
         <a:lstStyle/>
         <a:p>
-          <a:pPr marL="0" lvl="0" indent="0" algn="ctr" defTabSz="711200">
+          <a:pPr marL="0" lvl="0" indent="0" algn="ctr" defTabSz="1022350">
             <a:lnSpc>
               <a:spcPct val="90000"/>
             </a:lnSpc>
@@ -7392,8 +7413,8 @@
             <a:buNone/>
           </a:pPr>
           <a:r>
-            <a:rPr lang="en-US" sz="1600" kern="1200" dirty="0"/>
-            <a:t>Data needed</a:t>
+            <a:rPr lang="en-US" sz="2300" kern="1200" dirty="0"/>
+            <a:t>Data</a:t>
           </a:r>
         </a:p>
       </dsp:txBody>
@@ -7444,12 +7465,12 @@
         <a:fontRef idx="minor"/>
       </dsp:style>
       <dsp:txBody>
-        <a:bodyPr spcFirstLastPara="0" vert="horz" wrap="square" lIns="113792" tIns="113792" rIns="113792" bIns="113792" numCol="1" spcCol="1270" anchor="ctr" anchorCtr="0">
+        <a:bodyPr spcFirstLastPara="0" vert="horz" wrap="square" lIns="163576" tIns="163576" rIns="163576" bIns="163576" numCol="1" spcCol="1270" anchor="ctr" anchorCtr="0">
           <a:noAutofit/>
         </a:bodyPr>
         <a:lstStyle/>
         <a:p>
-          <a:pPr marL="0" lvl="0" indent="0" algn="ctr" defTabSz="711200">
+          <a:pPr marL="0" lvl="0" indent="0" algn="ctr" defTabSz="1022350">
             <a:lnSpc>
               <a:spcPct val="90000"/>
             </a:lnSpc>
@@ -7462,7 +7483,7 @@
             <a:buNone/>
           </a:pPr>
           <a:r>
-            <a:rPr lang="en-US" sz="1600" kern="1200" dirty="0"/>
+            <a:rPr lang="en-US" sz="2300" kern="1200" dirty="0"/>
             <a:t>Energy system impact(s)</a:t>
           </a:r>
         </a:p>
@@ -7514,12 +7535,12 @@
         <a:fontRef idx="minor"/>
       </dsp:style>
       <dsp:txBody>
-        <a:bodyPr spcFirstLastPara="0" vert="horz" wrap="square" lIns="113792" tIns="113792" rIns="113792" bIns="113792" numCol="1" spcCol="1270" anchor="ctr" anchorCtr="0">
+        <a:bodyPr spcFirstLastPara="0" vert="horz" wrap="square" lIns="163576" tIns="163576" rIns="163576" bIns="163576" numCol="1" spcCol="1270" anchor="ctr" anchorCtr="0">
           <a:noAutofit/>
         </a:bodyPr>
         <a:lstStyle/>
         <a:p>
-          <a:pPr marL="0" lvl="0" indent="0" algn="ctr" defTabSz="711200">
+          <a:pPr marL="0" lvl="0" indent="0" algn="ctr" defTabSz="1022350">
             <a:lnSpc>
               <a:spcPct val="90000"/>
             </a:lnSpc>
@@ -7532,7 +7553,7 @@
             <a:buNone/>
           </a:pPr>
           <a:r>
-            <a:rPr lang="en-US" sz="1600" kern="1200" dirty="0"/>
+            <a:rPr lang="en-US" sz="2300" kern="1200" dirty="0"/>
             <a:t>Weather event</a:t>
           </a:r>
         </a:p>
@@ -9086,12 +9107,12 @@
         <a:fontRef idx="minor"/>
       </dsp:style>
       <dsp:txBody>
-        <a:bodyPr spcFirstLastPara="0" vert="horz" wrap="square" lIns="99568" tIns="99568" rIns="99568" bIns="99568" numCol="1" spcCol="1270" anchor="ctr" anchorCtr="0">
+        <a:bodyPr spcFirstLastPara="0" vert="horz" wrap="square" lIns="163576" tIns="163576" rIns="163576" bIns="163576" numCol="1" spcCol="1270" anchor="ctr" anchorCtr="0">
           <a:noAutofit/>
         </a:bodyPr>
         <a:lstStyle/>
         <a:p>
-          <a:pPr marL="0" lvl="0" indent="0" algn="ctr" defTabSz="622300">
+          <a:pPr marL="0" lvl="0" indent="0" algn="ctr" defTabSz="1022350">
             <a:lnSpc>
               <a:spcPct val="90000"/>
             </a:lnSpc>
@@ -9104,8 +9125,8 @@
             <a:buNone/>
           </a:pPr>
           <a:r>
-            <a:rPr lang="en-US" sz="1400" kern="1200" dirty="0"/>
-            <a:t>Data needed</a:t>
+            <a:rPr lang="en-US" sz="2300" kern="1200" dirty="0"/>
+            <a:t>Data</a:t>
           </a:r>
         </a:p>
       </dsp:txBody>
@@ -9156,12 +9177,12 @@
         <a:fontRef idx="minor"/>
       </dsp:style>
       <dsp:txBody>
-        <a:bodyPr spcFirstLastPara="0" vert="horz" wrap="square" lIns="99568" tIns="99568" rIns="99568" bIns="99568" numCol="1" spcCol="1270" anchor="ctr" anchorCtr="0">
+        <a:bodyPr spcFirstLastPara="0" vert="horz" wrap="square" lIns="163576" tIns="163576" rIns="163576" bIns="163576" numCol="1" spcCol="1270" anchor="ctr" anchorCtr="0">
           <a:noAutofit/>
         </a:bodyPr>
         <a:lstStyle/>
         <a:p>
-          <a:pPr marL="0" lvl="0" indent="0" algn="ctr" defTabSz="622300">
+          <a:pPr marL="0" lvl="0" indent="0" algn="ctr" defTabSz="1022350">
             <a:lnSpc>
               <a:spcPct val="90000"/>
             </a:lnSpc>
@@ -9174,7 +9195,7 @@
             <a:buNone/>
           </a:pPr>
           <a:r>
-            <a:rPr lang="en-US" sz="1400" kern="1200" dirty="0"/>
+            <a:rPr lang="en-US" sz="2300" kern="1200" dirty="0"/>
             <a:t>Energy system impact(s)</a:t>
           </a:r>
         </a:p>
@@ -9226,12 +9247,12 @@
         <a:fontRef idx="minor"/>
       </dsp:style>
       <dsp:txBody>
-        <a:bodyPr spcFirstLastPara="0" vert="horz" wrap="square" lIns="99568" tIns="99568" rIns="99568" bIns="99568" numCol="1" spcCol="1270" anchor="ctr" anchorCtr="0">
+        <a:bodyPr spcFirstLastPara="0" vert="horz" wrap="square" lIns="163576" tIns="163576" rIns="163576" bIns="163576" numCol="1" spcCol="1270" anchor="ctr" anchorCtr="0">
           <a:noAutofit/>
         </a:bodyPr>
         <a:lstStyle/>
         <a:p>
-          <a:pPr marL="0" lvl="0" indent="0" algn="ctr" defTabSz="622300">
+          <a:pPr marL="0" lvl="0" indent="0" algn="ctr" defTabSz="1022350">
             <a:lnSpc>
               <a:spcPct val="90000"/>
             </a:lnSpc>
@@ -9244,7 +9265,7 @@
             <a:buNone/>
           </a:pPr>
           <a:r>
-            <a:rPr lang="en-US" sz="1400" kern="1200" dirty="0"/>
+            <a:rPr lang="en-US" sz="2300" kern="1200" dirty="0"/>
             <a:t>Weather event</a:t>
           </a:r>
         </a:p>
@@ -9623,8 +9644,8 @@
       </dsp:nvSpPr>
       <dsp:spPr>
         <a:xfrm>
-          <a:off x="4280539" y="2620886"/>
-          <a:ext cx="91440" cy="1426757"/>
+          <a:off x="4183118" y="2620886"/>
+          <a:ext cx="154798" cy="1426757"/>
         </a:xfrm>
         <a:custGeom>
           <a:avLst/>
@@ -9635,16 +9656,16 @@
           <a:pathLst>
             <a:path>
               <a:moveTo>
-                <a:pt x="57377" y="0"/>
+                <a:pt x="154798" y="0"/>
               </a:moveTo>
               <a:lnTo>
-                <a:pt x="57377" y="713378"/>
+                <a:pt x="154798" y="713378"/>
               </a:lnTo>
               <a:lnTo>
-                <a:pt x="45720" y="713378"/>
+                <a:pt x="0" y="713378"/>
               </a:lnTo>
               <a:lnTo>
-                <a:pt x="45720" y="1426757"/>
+                <a:pt x="0" y="1426757"/>
               </a:lnTo>
             </a:path>
           </a:pathLst>
@@ -9684,7 +9705,7 @@
       </dsp:nvSpPr>
       <dsp:spPr>
         <a:xfrm>
-          <a:off x="3939205" y="4047643"/>
+          <a:off x="3796064" y="4047643"/>
           <a:ext cx="774108" cy="656030"/>
         </a:xfrm>
         <a:prstGeom prst="roundRect">
@@ -9753,7 +9774,7 @@
         </a:p>
       </dsp:txBody>
       <dsp:txXfrm>
-        <a:off x="3958419" y="4066857"/>
+        <a:off x="3815278" y="4066857"/>
         <a:ext cx="735680" cy="617602"/>
       </dsp:txXfrm>
     </dsp:sp>
@@ -9765,7 +9786,7 @@
       <dsp:spPr>
         <a:xfrm>
           <a:off x="4337917" y="2620886"/>
-          <a:ext cx="912135" cy="1425756"/>
+          <a:ext cx="872391" cy="1425756"/>
         </a:xfrm>
         <a:custGeom>
           <a:avLst/>
@@ -9782,10 +9803,10 @@
                 <a:pt x="0" y="712878"/>
               </a:lnTo>
               <a:lnTo>
-                <a:pt x="912135" y="712878"/>
+                <a:pt x="872391" y="712878"/>
               </a:lnTo>
               <a:lnTo>
-                <a:pt x="912135" y="1425756"/>
+                <a:pt x="872391" y="1425756"/>
               </a:lnTo>
             </a:path>
           </a:pathLst>
@@ -9825,7 +9846,7 @@
       </dsp:nvSpPr>
       <dsp:spPr>
         <a:xfrm>
-          <a:off x="4808969" y="4046642"/>
+          <a:off x="4769226" y="4046642"/>
           <a:ext cx="882165" cy="1376941"/>
         </a:xfrm>
         <a:prstGeom prst="roundRect">
@@ -9894,7 +9915,7 @@
         </a:p>
       </dsp:txBody>
       <dsp:txXfrm>
-        <a:off x="4834807" y="4072480"/>
+        <a:off x="4795064" y="4072480"/>
         <a:ext cx="830489" cy="1325265"/>
       </dsp:txXfrm>
     </dsp:sp>
@@ -17052,7 +17073,7 @@
           <a:p>
             <a:fld id="{8F72BA41-EC5B-4197-BCC8-0FD2E523CD7A}" type="datetimeFigureOut">
               <a:rPr lang="en-US" smtClean="0"/>
-              <a:t>2/2/2022</a:t>
+              <a:t>2/3/2022</a:t>
             </a:fld>
             <a:endParaRPr lang="en-US"/>
           </a:p>
@@ -17255,7 +17276,7 @@
           <a:p>
             <a:fld id="{8F72BA41-EC5B-4197-BCC8-0FD2E523CD7A}" type="datetimeFigureOut">
               <a:rPr lang="en-US" smtClean="0"/>
-              <a:t>2/2/2022</a:t>
+              <a:t>2/3/2022</a:t>
             </a:fld>
             <a:endParaRPr lang="en-US"/>
           </a:p>
@@ -18976,7 +18997,7 @@
           <a:p>
             <a:fld id="{8F72BA41-EC5B-4197-BCC8-0FD2E523CD7A}" type="datetimeFigureOut">
               <a:rPr lang="en-US" smtClean="0"/>
-              <a:t>2/2/2022</a:t>
+              <a:t>2/3/2022</a:t>
             </a:fld>
             <a:endParaRPr lang="en-US"/>
           </a:p>
@@ -19175,7 +19196,7 @@
           <a:p>
             <a:fld id="{8F72BA41-EC5B-4197-BCC8-0FD2E523CD7A}" type="datetimeFigureOut">
               <a:rPr lang="en-US" smtClean="0"/>
-              <a:t>2/2/2022</a:t>
+              <a:t>2/3/2022</a:t>
             </a:fld>
             <a:endParaRPr lang="en-US"/>
           </a:p>
@@ -20965,7 +20986,7 @@
           <a:p>
             <a:fld id="{8F72BA41-EC5B-4197-BCC8-0FD2E523CD7A}" type="datetimeFigureOut">
               <a:rPr lang="en-US" smtClean="0"/>
-              <a:t>2/2/2022</a:t>
+              <a:t>2/3/2022</a:t>
             </a:fld>
             <a:endParaRPr lang="en-US"/>
           </a:p>
@@ -21238,7 +21259,7 @@
           <a:p>
             <a:fld id="{8F72BA41-EC5B-4197-BCC8-0FD2E523CD7A}" type="datetimeFigureOut">
               <a:rPr lang="en-US" smtClean="0"/>
-              <a:t>2/2/2022</a:t>
+              <a:t>2/3/2022</a:t>
             </a:fld>
             <a:endParaRPr lang="en-US"/>
           </a:p>
@@ -21658,7 +21679,7 @@
           <a:p>
             <a:fld id="{8F72BA41-EC5B-4197-BCC8-0FD2E523CD7A}" type="datetimeFigureOut">
               <a:rPr lang="en-US" smtClean="0"/>
-              <a:t>2/2/2022</a:t>
+              <a:t>2/3/2022</a:t>
             </a:fld>
             <a:endParaRPr lang="en-US"/>
           </a:p>
@@ -21814,7 +21835,7 @@
           <a:p>
             <a:fld id="{8F72BA41-EC5B-4197-BCC8-0FD2E523CD7A}" type="datetimeFigureOut">
               <a:rPr lang="en-US" smtClean="0"/>
-              <a:t>2/2/2022</a:t>
+              <a:t>2/3/2022</a:t>
             </a:fld>
             <a:endParaRPr lang="en-US"/>
           </a:p>
@@ -23382,7 +23403,7 @@
           <a:p>
             <a:fld id="{8F72BA41-EC5B-4197-BCC8-0FD2E523CD7A}" type="datetimeFigureOut">
               <a:rPr lang="en-US" smtClean="0"/>
-              <a:t>2/2/2022</a:t>
+              <a:t>2/3/2022</a:t>
             </a:fld>
             <a:endParaRPr lang="en-US"/>
           </a:p>
@@ -25233,7 +25254,7 @@
           <a:p>
             <a:fld id="{8F72BA41-EC5B-4197-BCC8-0FD2E523CD7A}" type="datetimeFigureOut">
               <a:rPr lang="en-US" smtClean="0"/>
-              <a:t>2/2/2022</a:t>
+              <a:t>2/3/2022</a:t>
             </a:fld>
             <a:endParaRPr lang="en-US"/>
           </a:p>
@@ -27046,7 +27067,7 @@
           <a:p>
             <a:fld id="{8F72BA41-EC5B-4197-BCC8-0FD2E523CD7A}" type="datetimeFigureOut">
               <a:rPr lang="en-US" smtClean="0"/>
-              <a:t>2/2/2022</a:t>
+              <a:t>2/3/2022</a:t>
             </a:fld>
             <a:endParaRPr lang="en-US"/>
           </a:p>
@@ -28740,7 +28761,7 @@
             <a:fld id="{8F72BA41-EC5B-4197-BCC8-0FD2E523CD7A}" type="datetimeFigureOut">
               <a:rPr lang="en-US" smtClean="0"/>
               <a:pPr/>
-              <a:t>2/2/2022</a:t>
+              <a:t>2/3/2022</a:t>
             </a:fld>
             <a:endParaRPr lang="en-US" dirty="0"/>
           </a:p>
@@ -31330,7 +31351,7 @@
           <p:nvPr>
             <p:extLst>
               <p:ext uri="{D42A27DB-BD31-4B8C-83A1-F6EECF244321}">
-                <p14:modId xmlns:p14="http://schemas.microsoft.com/office/powerpoint/2010/main" val="3762446045"/>
+                <p14:modId xmlns:p14="http://schemas.microsoft.com/office/powerpoint/2010/main" val="3379303354"/>
               </p:ext>
             </p:extLst>
           </p:nvPr>
@@ -31521,7 +31542,7 @@
           <p:nvPr>
             <p:extLst>
               <p:ext uri="{D42A27DB-BD31-4B8C-83A1-F6EECF244321}">
-                <p14:modId xmlns:p14="http://schemas.microsoft.com/office/powerpoint/2010/main" val="4123566697"/>
+                <p14:modId xmlns:p14="http://schemas.microsoft.com/office/powerpoint/2010/main" val="1639361604"/>
               </p:ext>
             </p:extLst>
           </p:nvPr>
@@ -31579,7 +31600,7 @@
           <p:nvPr>
             <p:extLst>
               <p:ext uri="{D42A27DB-BD31-4B8C-83A1-F6EECF244321}">
-                <p14:modId xmlns:p14="http://schemas.microsoft.com/office/powerpoint/2010/main" val="3080200099"/>
+                <p14:modId xmlns:p14="http://schemas.microsoft.com/office/powerpoint/2010/main" val="726905235"/>
               </p:ext>
             </p:extLst>
           </p:nvPr>

--- a/NaturalDisasters.pptx
+++ b/NaturalDisasters.pptx
@@ -10,6 +10,10 @@
     <p:sldId id="264" r:id="rId4"/>
     <p:sldId id="262" r:id="rId5"/>
     <p:sldId id="263" r:id="rId6"/>
+    <p:sldId id="267" r:id="rId7"/>
+    <p:sldId id="265" r:id="rId8"/>
+    <p:sldId id="266" r:id="rId9"/>
+    <p:sldId id="268" r:id="rId10"/>
   </p:sldIdLst>
   <p:sldSz cx="12192000" cy="6858000"/>
   <p:notesSz cx="6858000" cy="9144000"/>
@@ -2873,6 +2877,1844 @@
 </dgm:colorsDef>
 </file>
 
+<file path=ppt/diagrams/colors4.xml><?xml version="1.0" encoding="utf-8"?>
+<dgm:colorsDef xmlns:dgm="http://schemas.openxmlformats.org/drawingml/2006/diagram" xmlns:a="http://schemas.openxmlformats.org/drawingml/2006/main" uniqueId="urn:microsoft.com/office/officeart/2005/8/colors/colorful1">
+  <dgm:title val=""/>
+  <dgm:desc val=""/>
+  <dgm:catLst>
+    <dgm:cat type="colorful" pri="10100"/>
+  </dgm:catLst>
+  <dgm:styleLbl name="node0">
+    <dgm:fillClrLst meth="repeat">
+      <a:schemeClr val="accent1"/>
+    </dgm:fillClrLst>
+    <dgm:linClrLst meth="repeat">
+      <a:schemeClr val="lt1"/>
+    </dgm:linClrLst>
+    <dgm:effectClrLst/>
+    <dgm:txLinClrLst/>
+    <dgm:txFillClrLst/>
+    <dgm:txEffectClrLst/>
+  </dgm:styleLbl>
+  <dgm:styleLbl name="node1">
+    <dgm:fillClrLst meth="repeat">
+      <a:schemeClr val="accent2"/>
+      <a:schemeClr val="accent3"/>
+      <a:schemeClr val="accent4"/>
+      <a:schemeClr val="accent5"/>
+      <a:schemeClr val="accent6"/>
+    </dgm:fillClrLst>
+    <dgm:linClrLst meth="repeat">
+      <a:schemeClr val="lt1"/>
+    </dgm:linClrLst>
+    <dgm:effectClrLst/>
+    <dgm:txLinClrLst/>
+    <dgm:txFillClrLst/>
+    <dgm:txEffectClrLst/>
+  </dgm:styleLbl>
+  <dgm:styleLbl name="alignNode1">
+    <dgm:fillClrLst meth="repeat">
+      <a:schemeClr val="accent2"/>
+      <a:schemeClr val="accent3"/>
+      <a:schemeClr val="accent4"/>
+      <a:schemeClr val="accent5"/>
+      <a:schemeClr val="accent6"/>
+    </dgm:fillClrLst>
+    <dgm:linClrLst meth="repeat">
+      <a:schemeClr val="accent2"/>
+      <a:schemeClr val="accent3"/>
+      <a:schemeClr val="accent4"/>
+      <a:schemeClr val="accent5"/>
+      <a:schemeClr val="accent6"/>
+    </dgm:linClrLst>
+    <dgm:effectClrLst/>
+    <dgm:txLinClrLst/>
+    <dgm:txFillClrLst/>
+    <dgm:txEffectClrLst/>
+  </dgm:styleLbl>
+  <dgm:styleLbl name="lnNode1">
+    <dgm:fillClrLst meth="repeat">
+      <a:schemeClr val="accent2"/>
+      <a:schemeClr val="accent3"/>
+      <a:schemeClr val="accent4"/>
+      <a:schemeClr val="accent5"/>
+      <a:schemeClr val="accent6"/>
+    </dgm:fillClrLst>
+    <dgm:linClrLst meth="repeat">
+      <a:schemeClr val="lt1"/>
+    </dgm:linClrLst>
+    <dgm:effectClrLst/>
+    <dgm:txLinClrLst/>
+    <dgm:txFillClrLst/>
+    <dgm:txEffectClrLst/>
+  </dgm:styleLbl>
+  <dgm:styleLbl name="vennNode1">
+    <dgm:fillClrLst meth="repeat">
+      <a:schemeClr val="accent2">
+        <a:alpha val="50000"/>
+      </a:schemeClr>
+      <a:schemeClr val="accent3">
+        <a:alpha val="50000"/>
+      </a:schemeClr>
+      <a:schemeClr val="accent4">
+        <a:alpha val="50000"/>
+      </a:schemeClr>
+      <a:schemeClr val="accent5">
+        <a:alpha val="50000"/>
+      </a:schemeClr>
+      <a:schemeClr val="accent6">
+        <a:alpha val="50000"/>
+      </a:schemeClr>
+    </dgm:fillClrLst>
+    <dgm:linClrLst meth="repeat">
+      <a:schemeClr val="lt1"/>
+    </dgm:linClrLst>
+    <dgm:effectClrLst/>
+    <dgm:txLinClrLst/>
+    <dgm:txFillClrLst/>
+    <dgm:txEffectClrLst/>
+  </dgm:styleLbl>
+  <dgm:styleLbl name="node2">
+    <dgm:fillClrLst>
+      <a:schemeClr val="accent2"/>
+    </dgm:fillClrLst>
+    <dgm:linClrLst meth="repeat">
+      <a:schemeClr val="lt1"/>
+    </dgm:linClrLst>
+    <dgm:effectClrLst/>
+    <dgm:txLinClrLst/>
+    <dgm:txFillClrLst/>
+    <dgm:txEffectClrLst/>
+  </dgm:styleLbl>
+  <dgm:styleLbl name="node3">
+    <dgm:fillClrLst>
+      <a:schemeClr val="accent3"/>
+    </dgm:fillClrLst>
+    <dgm:linClrLst meth="repeat">
+      <a:schemeClr val="lt1"/>
+    </dgm:linClrLst>
+    <dgm:effectClrLst/>
+    <dgm:txLinClrLst/>
+    <dgm:txFillClrLst/>
+    <dgm:txEffectClrLst/>
+  </dgm:styleLbl>
+  <dgm:styleLbl name="node4">
+    <dgm:fillClrLst>
+      <a:schemeClr val="accent4"/>
+    </dgm:fillClrLst>
+    <dgm:linClrLst meth="repeat">
+      <a:schemeClr val="lt1"/>
+    </dgm:linClrLst>
+    <dgm:effectClrLst/>
+    <dgm:txLinClrLst/>
+    <dgm:txFillClrLst/>
+    <dgm:txEffectClrLst/>
+  </dgm:styleLbl>
+  <dgm:styleLbl name="fgImgPlace1">
+    <dgm:fillClrLst meth="repeat">
+      <a:schemeClr val="accent2">
+        <a:tint val="50000"/>
+      </a:schemeClr>
+      <a:schemeClr val="accent3">
+        <a:tint val="50000"/>
+      </a:schemeClr>
+      <a:schemeClr val="accent4">
+        <a:tint val="50000"/>
+      </a:schemeClr>
+      <a:schemeClr val="accent5">
+        <a:tint val="50000"/>
+      </a:schemeClr>
+      <a:schemeClr val="accent6">
+        <a:tint val="50000"/>
+      </a:schemeClr>
+    </dgm:fillClrLst>
+    <dgm:linClrLst meth="repeat">
+      <a:schemeClr val="lt1"/>
+    </dgm:linClrLst>
+    <dgm:effectClrLst/>
+    <dgm:txLinClrLst/>
+    <dgm:txFillClrLst meth="repeat">
+      <a:schemeClr val="lt1"/>
+    </dgm:txFillClrLst>
+    <dgm:txEffectClrLst/>
+  </dgm:styleLbl>
+  <dgm:styleLbl name="alignImgPlace1">
+    <dgm:fillClrLst>
+      <a:schemeClr val="accent1">
+        <a:tint val="50000"/>
+      </a:schemeClr>
+      <a:schemeClr val="accent2">
+        <a:tint val="20000"/>
+      </a:schemeClr>
+    </dgm:fillClrLst>
+    <dgm:linClrLst meth="repeat">
+      <a:schemeClr val="lt1"/>
+    </dgm:linClrLst>
+    <dgm:effectClrLst/>
+    <dgm:txLinClrLst/>
+    <dgm:txFillClrLst meth="repeat">
+      <a:schemeClr val="lt1"/>
+    </dgm:txFillClrLst>
+    <dgm:txEffectClrLst/>
+  </dgm:styleLbl>
+  <dgm:styleLbl name="bgImgPlace1">
+    <dgm:fillClrLst>
+      <a:schemeClr val="accent1">
+        <a:tint val="50000"/>
+      </a:schemeClr>
+      <a:schemeClr val="accent2">
+        <a:tint val="20000"/>
+      </a:schemeClr>
+    </dgm:fillClrLst>
+    <dgm:linClrLst meth="repeat">
+      <a:schemeClr val="lt1"/>
+    </dgm:linClrLst>
+    <dgm:effectClrLst/>
+    <dgm:txLinClrLst/>
+    <dgm:txFillClrLst meth="repeat">
+      <a:schemeClr val="lt1"/>
+    </dgm:txFillClrLst>
+    <dgm:txEffectClrLst/>
+  </dgm:styleLbl>
+  <dgm:styleLbl name="sibTrans2D1">
+    <dgm:fillClrLst meth="repeat">
+      <a:schemeClr val="accent2"/>
+      <a:schemeClr val="accent3"/>
+      <a:schemeClr val="accent4"/>
+      <a:schemeClr val="accent5"/>
+      <a:schemeClr val="accent6"/>
+    </dgm:fillClrLst>
+    <dgm:linClrLst meth="cycle">
+      <a:schemeClr val="lt1"/>
+    </dgm:linClrLst>
+    <dgm:effectClrLst/>
+    <dgm:txLinClrLst/>
+    <dgm:txFillClrLst/>
+    <dgm:txEffectClrLst/>
+  </dgm:styleLbl>
+  <dgm:styleLbl name="fgSibTrans2D1">
+    <dgm:fillClrLst meth="repeat">
+      <a:schemeClr val="accent2"/>
+      <a:schemeClr val="accent3"/>
+      <a:schemeClr val="accent4"/>
+      <a:schemeClr val="accent5"/>
+      <a:schemeClr val="accent6"/>
+    </dgm:fillClrLst>
+    <dgm:linClrLst meth="cycle">
+      <a:schemeClr val="lt1"/>
+    </dgm:linClrLst>
+    <dgm:effectClrLst/>
+    <dgm:txLinClrLst/>
+    <dgm:txFillClrLst meth="repeat">
+      <a:schemeClr val="lt1"/>
+    </dgm:txFillClrLst>
+    <dgm:txEffectClrLst/>
+  </dgm:styleLbl>
+  <dgm:styleLbl name="bgSibTrans2D1">
+    <dgm:fillClrLst meth="repeat">
+      <a:schemeClr val="accent2"/>
+      <a:schemeClr val="accent3"/>
+      <a:schemeClr val="accent4"/>
+      <a:schemeClr val="accent5"/>
+      <a:schemeClr val="accent6"/>
+    </dgm:fillClrLst>
+    <dgm:linClrLst meth="cycle">
+      <a:schemeClr val="lt1"/>
+    </dgm:linClrLst>
+    <dgm:effectClrLst/>
+    <dgm:txLinClrLst/>
+    <dgm:txFillClrLst meth="repeat">
+      <a:schemeClr val="lt1"/>
+    </dgm:txFillClrLst>
+    <dgm:txEffectClrLst/>
+  </dgm:styleLbl>
+  <dgm:styleLbl name="sibTrans1D1">
+    <dgm:fillClrLst meth="repeat">
+      <a:schemeClr val="accent2"/>
+      <a:schemeClr val="accent3"/>
+      <a:schemeClr val="accent4"/>
+      <a:schemeClr val="accent5"/>
+      <a:schemeClr val="accent6"/>
+    </dgm:fillClrLst>
+    <dgm:linClrLst meth="repeat">
+      <a:schemeClr val="accent2"/>
+      <a:schemeClr val="accent3"/>
+      <a:schemeClr val="accent4"/>
+      <a:schemeClr val="accent5"/>
+      <a:schemeClr val="accent6"/>
+    </dgm:linClrLst>
+    <dgm:effectClrLst/>
+    <dgm:txLinClrLst/>
+    <dgm:txFillClrLst meth="repeat">
+      <a:schemeClr val="tx1"/>
+    </dgm:txFillClrLst>
+    <dgm:txEffectClrLst/>
+  </dgm:styleLbl>
+  <dgm:styleLbl name="callout">
+    <dgm:fillClrLst meth="repeat">
+      <a:schemeClr val="accent2"/>
+    </dgm:fillClrLst>
+    <dgm:linClrLst meth="repeat">
+      <a:schemeClr val="accent2">
+        <a:tint val="50000"/>
+      </a:schemeClr>
+    </dgm:linClrLst>
+    <dgm:effectClrLst/>
+    <dgm:txLinClrLst/>
+    <dgm:txFillClrLst meth="repeat">
+      <a:schemeClr val="tx1"/>
+    </dgm:txFillClrLst>
+    <dgm:txEffectClrLst/>
+  </dgm:styleLbl>
+  <dgm:styleLbl name="asst0">
+    <dgm:fillClrLst meth="repeat">
+      <a:schemeClr val="accent1"/>
+    </dgm:fillClrLst>
+    <dgm:linClrLst meth="repeat">
+      <a:schemeClr val="lt1"/>
+    </dgm:linClrLst>
+    <dgm:effectClrLst/>
+    <dgm:txLinClrLst/>
+    <dgm:txFillClrLst/>
+    <dgm:txEffectClrLst/>
+  </dgm:styleLbl>
+  <dgm:styleLbl name="asst1">
+    <dgm:fillClrLst meth="repeat">
+      <a:schemeClr val="accent2"/>
+    </dgm:fillClrLst>
+    <dgm:linClrLst meth="repeat">
+      <a:schemeClr val="lt1"/>
+    </dgm:linClrLst>
+    <dgm:effectClrLst/>
+    <dgm:txLinClrLst/>
+    <dgm:txFillClrLst/>
+    <dgm:txEffectClrLst/>
+  </dgm:styleLbl>
+  <dgm:styleLbl name="asst2">
+    <dgm:fillClrLst>
+      <a:schemeClr val="accent3"/>
+    </dgm:fillClrLst>
+    <dgm:linClrLst meth="repeat">
+      <a:schemeClr val="lt1"/>
+    </dgm:linClrLst>
+    <dgm:effectClrLst/>
+    <dgm:txLinClrLst/>
+    <dgm:txFillClrLst/>
+    <dgm:txEffectClrLst/>
+  </dgm:styleLbl>
+  <dgm:styleLbl name="asst3">
+    <dgm:fillClrLst>
+      <a:schemeClr val="accent4"/>
+    </dgm:fillClrLst>
+    <dgm:linClrLst meth="repeat">
+      <a:schemeClr val="lt1"/>
+    </dgm:linClrLst>
+    <dgm:effectClrLst/>
+    <dgm:txLinClrLst/>
+    <dgm:txFillClrLst/>
+    <dgm:txEffectClrLst/>
+  </dgm:styleLbl>
+  <dgm:styleLbl name="asst4">
+    <dgm:fillClrLst>
+      <a:schemeClr val="accent5"/>
+    </dgm:fillClrLst>
+    <dgm:linClrLst meth="repeat">
+      <a:schemeClr val="lt1"/>
+    </dgm:linClrLst>
+    <dgm:effectClrLst/>
+    <dgm:txLinClrLst/>
+    <dgm:txFillClrLst/>
+    <dgm:txEffectClrLst/>
+  </dgm:styleLbl>
+  <dgm:styleLbl name="parChTrans2D1">
+    <dgm:fillClrLst meth="repeat">
+      <a:schemeClr val="accent2"/>
+    </dgm:fillClrLst>
+    <dgm:linClrLst meth="repeat">
+      <a:schemeClr val="lt1"/>
+    </dgm:linClrLst>
+    <dgm:effectClrLst/>
+    <dgm:txLinClrLst/>
+    <dgm:txFillClrLst meth="repeat">
+      <a:schemeClr val="lt1"/>
+    </dgm:txFillClrLst>
+    <dgm:txEffectClrLst/>
+  </dgm:styleLbl>
+  <dgm:styleLbl name="parChTrans2D2">
+    <dgm:fillClrLst meth="repeat">
+      <a:schemeClr val="accent3"/>
+    </dgm:fillClrLst>
+    <dgm:linClrLst meth="repeat">
+      <a:schemeClr val="lt1"/>
+    </dgm:linClrLst>
+    <dgm:effectClrLst/>
+    <dgm:txLinClrLst/>
+    <dgm:txFillClrLst/>
+    <dgm:txEffectClrLst/>
+  </dgm:styleLbl>
+  <dgm:styleLbl name="parChTrans2D3">
+    <dgm:fillClrLst meth="repeat">
+      <a:schemeClr val="accent4"/>
+    </dgm:fillClrLst>
+    <dgm:linClrLst meth="repeat">
+      <a:schemeClr val="lt1"/>
+    </dgm:linClrLst>
+    <dgm:effectClrLst/>
+    <dgm:txLinClrLst/>
+    <dgm:txFillClrLst/>
+    <dgm:txEffectClrLst/>
+  </dgm:styleLbl>
+  <dgm:styleLbl name="parChTrans2D4">
+    <dgm:fillClrLst meth="repeat">
+      <a:schemeClr val="accent5"/>
+    </dgm:fillClrLst>
+    <dgm:linClrLst meth="repeat">
+      <a:schemeClr val="lt1"/>
+    </dgm:linClrLst>
+    <dgm:effectClrLst/>
+    <dgm:txLinClrLst/>
+    <dgm:txFillClrLst meth="repeat">
+      <a:schemeClr val="lt1"/>
+    </dgm:txFillClrLst>
+    <dgm:txEffectClrLst/>
+  </dgm:styleLbl>
+  <dgm:styleLbl name="parChTrans1D1">
+    <dgm:fillClrLst meth="repeat">
+      <a:schemeClr val="accent2"/>
+    </dgm:fillClrLst>
+    <dgm:linClrLst meth="repeat">
+      <a:schemeClr val="accent1"/>
+    </dgm:linClrLst>
+    <dgm:effectClrLst/>
+    <dgm:txLinClrLst/>
+    <dgm:txFillClrLst meth="repeat">
+      <a:schemeClr val="tx1"/>
+    </dgm:txFillClrLst>
+    <dgm:txEffectClrLst/>
+  </dgm:styleLbl>
+  <dgm:styleLbl name="parChTrans1D2">
+    <dgm:fillClrLst meth="repeat">
+      <a:schemeClr val="accent3">
+        <a:tint val="90000"/>
+      </a:schemeClr>
+    </dgm:fillClrLst>
+    <dgm:linClrLst meth="repeat">
+      <a:schemeClr val="accent2"/>
+    </dgm:linClrLst>
+    <dgm:effectClrLst/>
+    <dgm:txLinClrLst/>
+    <dgm:txFillClrLst meth="repeat">
+      <a:schemeClr val="tx1"/>
+    </dgm:txFillClrLst>
+    <dgm:txEffectClrLst/>
+  </dgm:styleLbl>
+  <dgm:styleLbl name="parChTrans1D3">
+    <dgm:fillClrLst meth="repeat">
+      <a:schemeClr val="accent4">
+        <a:tint val="70000"/>
+      </a:schemeClr>
+    </dgm:fillClrLst>
+    <dgm:linClrLst meth="repeat">
+      <a:schemeClr val="accent3"/>
+    </dgm:linClrLst>
+    <dgm:effectClrLst/>
+    <dgm:txLinClrLst/>
+    <dgm:txFillClrLst meth="repeat">
+      <a:schemeClr val="tx1"/>
+    </dgm:txFillClrLst>
+    <dgm:txEffectClrLst/>
+  </dgm:styleLbl>
+  <dgm:styleLbl name="parChTrans1D4">
+    <dgm:fillClrLst meth="repeat">
+      <a:schemeClr val="accent5">
+        <a:tint val="50000"/>
+      </a:schemeClr>
+    </dgm:fillClrLst>
+    <dgm:linClrLst meth="repeat">
+      <a:schemeClr val="accent4"/>
+    </dgm:linClrLst>
+    <dgm:effectClrLst/>
+    <dgm:txLinClrLst/>
+    <dgm:txFillClrLst meth="repeat">
+      <a:schemeClr val="tx1"/>
+    </dgm:txFillClrLst>
+    <dgm:txEffectClrLst/>
+  </dgm:styleLbl>
+  <dgm:styleLbl name="fgAcc1">
+    <dgm:fillClrLst meth="repeat">
+      <a:schemeClr val="lt1">
+        <a:alpha val="90000"/>
+      </a:schemeClr>
+    </dgm:fillClrLst>
+    <dgm:linClrLst meth="repeat">
+      <a:schemeClr val="accent2"/>
+      <a:schemeClr val="accent3"/>
+      <a:schemeClr val="accent4"/>
+      <a:schemeClr val="accent5"/>
+      <a:schemeClr val="accent6"/>
+    </dgm:linClrLst>
+    <dgm:effectClrLst/>
+    <dgm:txLinClrLst/>
+    <dgm:txFillClrLst meth="repeat">
+      <a:schemeClr val="dk1"/>
+    </dgm:txFillClrLst>
+    <dgm:txEffectClrLst/>
+  </dgm:styleLbl>
+  <dgm:styleLbl name="conFgAcc1">
+    <dgm:fillClrLst meth="repeat">
+      <a:schemeClr val="lt1">
+        <a:alpha val="90000"/>
+      </a:schemeClr>
+    </dgm:fillClrLst>
+    <dgm:linClrLst meth="repeat">
+      <a:schemeClr val="accent2"/>
+      <a:schemeClr val="accent3"/>
+      <a:schemeClr val="accent4"/>
+      <a:schemeClr val="accent5"/>
+      <a:schemeClr val="accent6"/>
+    </dgm:linClrLst>
+    <dgm:effectClrLst/>
+    <dgm:txLinClrLst/>
+    <dgm:txFillClrLst meth="repeat">
+      <a:schemeClr val="dk1"/>
+    </dgm:txFillClrLst>
+    <dgm:txEffectClrLst/>
+  </dgm:styleLbl>
+  <dgm:styleLbl name="alignAcc1">
+    <dgm:fillClrLst meth="repeat">
+      <a:schemeClr val="lt1">
+        <a:alpha val="90000"/>
+      </a:schemeClr>
+    </dgm:fillClrLst>
+    <dgm:linClrLst meth="repeat">
+      <a:schemeClr val="accent2"/>
+      <a:schemeClr val="accent3"/>
+      <a:schemeClr val="accent4"/>
+      <a:schemeClr val="accent5"/>
+      <a:schemeClr val="accent6"/>
+    </dgm:linClrLst>
+    <dgm:effectClrLst/>
+    <dgm:txLinClrLst/>
+    <dgm:txFillClrLst meth="repeat">
+      <a:schemeClr val="dk1"/>
+    </dgm:txFillClrLst>
+    <dgm:txEffectClrLst/>
+  </dgm:styleLbl>
+  <dgm:styleLbl name="trAlignAcc1">
+    <dgm:fillClrLst meth="repeat">
+      <a:schemeClr val="lt1">
+        <a:alpha val="40000"/>
+      </a:schemeClr>
+    </dgm:fillClrLst>
+    <dgm:linClrLst meth="repeat">
+      <a:schemeClr val="accent1"/>
+    </dgm:linClrLst>
+    <dgm:effectClrLst/>
+    <dgm:txLinClrLst/>
+    <dgm:txFillClrLst meth="repeat">
+      <a:schemeClr val="dk1"/>
+    </dgm:txFillClrLst>
+    <dgm:txEffectClrLst/>
+  </dgm:styleLbl>
+  <dgm:styleLbl name="bgAcc1">
+    <dgm:fillClrLst meth="repeat">
+      <a:schemeClr val="lt1">
+        <a:alpha val="90000"/>
+      </a:schemeClr>
+    </dgm:fillClrLst>
+    <dgm:linClrLst meth="repeat">
+      <a:schemeClr val="accent2"/>
+      <a:schemeClr val="accent3"/>
+      <a:schemeClr val="accent4"/>
+      <a:schemeClr val="accent5"/>
+      <a:schemeClr val="accent6"/>
+    </dgm:linClrLst>
+    <dgm:effectClrLst/>
+    <dgm:txLinClrLst/>
+    <dgm:txFillClrLst meth="repeat">
+      <a:schemeClr val="dk1"/>
+    </dgm:txFillClrLst>
+    <dgm:txEffectClrLst/>
+  </dgm:styleLbl>
+  <dgm:styleLbl name="solidFgAcc1">
+    <dgm:fillClrLst meth="repeat">
+      <a:schemeClr val="lt1"/>
+    </dgm:fillClrLst>
+    <dgm:linClrLst meth="repeat">
+      <a:schemeClr val="accent2"/>
+      <a:schemeClr val="accent3"/>
+      <a:schemeClr val="accent4"/>
+      <a:schemeClr val="accent5"/>
+      <a:schemeClr val="accent6"/>
+    </dgm:linClrLst>
+    <dgm:effectClrLst/>
+    <dgm:txLinClrLst/>
+    <dgm:txFillClrLst meth="repeat">
+      <a:schemeClr val="dk1"/>
+    </dgm:txFillClrLst>
+    <dgm:txEffectClrLst/>
+  </dgm:styleLbl>
+  <dgm:styleLbl name="solidAlignAcc1">
+    <dgm:fillClrLst meth="repeat">
+      <a:schemeClr val="lt1"/>
+    </dgm:fillClrLst>
+    <dgm:linClrLst meth="repeat">
+      <a:schemeClr val="accent2"/>
+      <a:schemeClr val="accent3"/>
+      <a:schemeClr val="accent4"/>
+      <a:schemeClr val="accent5"/>
+      <a:schemeClr val="accent6"/>
+    </dgm:linClrLst>
+    <dgm:effectClrLst/>
+    <dgm:txLinClrLst/>
+    <dgm:txFillClrLst meth="repeat">
+      <a:schemeClr val="dk1"/>
+    </dgm:txFillClrLst>
+    <dgm:txEffectClrLst/>
+  </dgm:styleLbl>
+  <dgm:styleLbl name="solidBgAcc1">
+    <dgm:fillClrLst meth="repeat">
+      <a:schemeClr val="lt1"/>
+    </dgm:fillClrLst>
+    <dgm:linClrLst meth="repeat">
+      <a:schemeClr val="accent2"/>
+      <a:schemeClr val="accent3"/>
+      <a:schemeClr val="accent4"/>
+      <a:schemeClr val="accent5"/>
+      <a:schemeClr val="accent6"/>
+    </dgm:linClrLst>
+    <dgm:effectClrLst/>
+    <dgm:txLinClrLst/>
+    <dgm:txFillClrLst meth="repeat">
+      <a:schemeClr val="dk1"/>
+    </dgm:txFillClrLst>
+    <dgm:txEffectClrLst/>
+  </dgm:styleLbl>
+  <dgm:styleLbl name="fgAccFollowNode1">
+    <dgm:fillClrLst meth="repeat">
+      <a:schemeClr val="accent2">
+        <a:tint val="40000"/>
+        <a:alpha val="90000"/>
+      </a:schemeClr>
+      <a:schemeClr val="accent3">
+        <a:tint val="40000"/>
+        <a:alpha val="90000"/>
+      </a:schemeClr>
+      <a:schemeClr val="accent4">
+        <a:tint val="40000"/>
+        <a:alpha val="90000"/>
+      </a:schemeClr>
+      <a:schemeClr val="accent5">
+        <a:tint val="40000"/>
+        <a:alpha val="90000"/>
+      </a:schemeClr>
+      <a:schemeClr val="accent6">
+        <a:tint val="40000"/>
+        <a:alpha val="90000"/>
+      </a:schemeClr>
+    </dgm:fillClrLst>
+    <dgm:linClrLst meth="repeat">
+      <a:schemeClr val="accent2">
+        <a:tint val="40000"/>
+        <a:alpha val="90000"/>
+      </a:schemeClr>
+      <a:schemeClr val="accent3">
+        <a:tint val="40000"/>
+        <a:alpha val="90000"/>
+      </a:schemeClr>
+      <a:schemeClr val="accent4">
+        <a:tint val="40000"/>
+        <a:alpha val="90000"/>
+      </a:schemeClr>
+      <a:schemeClr val="accent5">
+        <a:tint val="40000"/>
+        <a:alpha val="90000"/>
+      </a:schemeClr>
+      <a:schemeClr val="accent6">
+        <a:tint val="40000"/>
+        <a:alpha val="90000"/>
+      </a:schemeClr>
+    </dgm:linClrLst>
+    <dgm:effectClrLst/>
+    <dgm:txLinClrLst/>
+    <dgm:txFillClrLst meth="repeat">
+      <a:schemeClr val="dk1"/>
+    </dgm:txFillClrLst>
+    <dgm:txEffectClrLst/>
+  </dgm:styleLbl>
+  <dgm:styleLbl name="alignAccFollowNode1">
+    <dgm:fillClrLst meth="repeat">
+      <a:schemeClr val="accent2">
+        <a:tint val="40000"/>
+        <a:alpha val="90000"/>
+      </a:schemeClr>
+      <a:schemeClr val="accent3">
+        <a:tint val="40000"/>
+        <a:alpha val="90000"/>
+      </a:schemeClr>
+      <a:schemeClr val="accent4">
+        <a:tint val="40000"/>
+        <a:alpha val="90000"/>
+      </a:schemeClr>
+      <a:schemeClr val="accent5">
+        <a:tint val="40000"/>
+        <a:alpha val="90000"/>
+      </a:schemeClr>
+      <a:schemeClr val="accent6">
+        <a:tint val="40000"/>
+        <a:alpha val="90000"/>
+      </a:schemeClr>
+    </dgm:fillClrLst>
+    <dgm:linClrLst meth="repeat">
+      <a:schemeClr val="accent2">
+        <a:tint val="40000"/>
+        <a:alpha val="90000"/>
+      </a:schemeClr>
+      <a:schemeClr val="accent3">
+        <a:tint val="40000"/>
+        <a:alpha val="90000"/>
+      </a:schemeClr>
+      <a:schemeClr val="accent4">
+        <a:tint val="40000"/>
+        <a:alpha val="90000"/>
+      </a:schemeClr>
+      <a:schemeClr val="accent5">
+        <a:tint val="40000"/>
+        <a:alpha val="90000"/>
+      </a:schemeClr>
+      <a:schemeClr val="accent6">
+        <a:tint val="40000"/>
+        <a:alpha val="90000"/>
+      </a:schemeClr>
+    </dgm:linClrLst>
+    <dgm:effectClrLst/>
+    <dgm:txLinClrLst/>
+    <dgm:txFillClrLst meth="repeat">
+      <a:schemeClr val="dk1"/>
+    </dgm:txFillClrLst>
+    <dgm:txEffectClrLst/>
+  </dgm:styleLbl>
+  <dgm:styleLbl name="bgAccFollowNode1">
+    <dgm:fillClrLst meth="repeat">
+      <a:schemeClr val="accent2">
+        <a:tint val="40000"/>
+        <a:alpha val="90000"/>
+      </a:schemeClr>
+      <a:schemeClr val="accent3">
+        <a:tint val="40000"/>
+        <a:alpha val="90000"/>
+      </a:schemeClr>
+      <a:schemeClr val="accent4">
+        <a:tint val="40000"/>
+        <a:alpha val="90000"/>
+      </a:schemeClr>
+      <a:schemeClr val="accent5">
+        <a:tint val="40000"/>
+        <a:alpha val="90000"/>
+      </a:schemeClr>
+      <a:schemeClr val="accent6">
+        <a:tint val="40000"/>
+        <a:alpha val="90000"/>
+      </a:schemeClr>
+    </dgm:fillClrLst>
+    <dgm:linClrLst meth="repeat">
+      <a:schemeClr val="accent2">
+        <a:tint val="40000"/>
+        <a:alpha val="90000"/>
+      </a:schemeClr>
+      <a:schemeClr val="accent3">
+        <a:tint val="40000"/>
+        <a:alpha val="90000"/>
+      </a:schemeClr>
+      <a:schemeClr val="accent4">
+        <a:tint val="40000"/>
+        <a:alpha val="90000"/>
+      </a:schemeClr>
+      <a:schemeClr val="accent5">
+        <a:tint val="40000"/>
+        <a:alpha val="90000"/>
+      </a:schemeClr>
+      <a:schemeClr val="accent6">
+        <a:tint val="40000"/>
+        <a:alpha val="90000"/>
+      </a:schemeClr>
+    </dgm:linClrLst>
+    <dgm:effectClrLst/>
+    <dgm:txLinClrLst/>
+    <dgm:txFillClrLst meth="repeat">
+      <a:schemeClr val="dk1"/>
+    </dgm:txFillClrLst>
+    <dgm:txEffectClrLst/>
+  </dgm:styleLbl>
+  <dgm:styleLbl name="fgAcc0">
+    <dgm:fillClrLst meth="repeat">
+      <a:schemeClr val="lt1">
+        <a:alpha val="90000"/>
+      </a:schemeClr>
+    </dgm:fillClrLst>
+    <dgm:linClrLst>
+      <a:schemeClr val="accent1"/>
+    </dgm:linClrLst>
+    <dgm:effectClrLst/>
+    <dgm:txLinClrLst/>
+    <dgm:txFillClrLst meth="repeat">
+      <a:schemeClr val="dk1"/>
+    </dgm:txFillClrLst>
+    <dgm:txEffectClrLst/>
+  </dgm:styleLbl>
+  <dgm:styleLbl name="fgAcc2">
+    <dgm:fillClrLst meth="repeat">
+      <a:schemeClr val="lt1">
+        <a:alpha val="90000"/>
+      </a:schemeClr>
+    </dgm:fillClrLst>
+    <dgm:linClrLst>
+      <a:schemeClr val="accent2"/>
+    </dgm:linClrLst>
+    <dgm:effectClrLst/>
+    <dgm:txLinClrLst/>
+    <dgm:txFillClrLst meth="repeat">
+      <a:schemeClr val="dk1"/>
+    </dgm:txFillClrLst>
+    <dgm:txEffectClrLst/>
+  </dgm:styleLbl>
+  <dgm:styleLbl name="fgAcc3">
+    <dgm:fillClrLst meth="repeat">
+      <a:schemeClr val="lt1">
+        <a:alpha val="90000"/>
+      </a:schemeClr>
+    </dgm:fillClrLst>
+    <dgm:linClrLst>
+      <a:schemeClr val="accent3"/>
+    </dgm:linClrLst>
+    <dgm:effectClrLst/>
+    <dgm:txLinClrLst/>
+    <dgm:txFillClrLst meth="repeat">
+      <a:schemeClr val="dk1"/>
+    </dgm:txFillClrLst>
+    <dgm:txEffectClrLst/>
+  </dgm:styleLbl>
+  <dgm:styleLbl name="fgAcc4">
+    <dgm:fillClrLst meth="repeat">
+      <a:schemeClr val="lt1">
+        <a:alpha val="90000"/>
+      </a:schemeClr>
+    </dgm:fillClrLst>
+    <dgm:linClrLst>
+      <a:schemeClr val="accent4"/>
+    </dgm:linClrLst>
+    <dgm:effectClrLst/>
+    <dgm:txLinClrLst/>
+    <dgm:txFillClrLst meth="repeat">
+      <a:schemeClr val="dk1"/>
+    </dgm:txFillClrLst>
+    <dgm:txEffectClrLst/>
+  </dgm:styleLbl>
+  <dgm:styleLbl name="bgShp">
+    <dgm:fillClrLst meth="repeat">
+      <a:schemeClr val="accent2">
+        <a:tint val="40000"/>
+      </a:schemeClr>
+    </dgm:fillClrLst>
+    <dgm:linClrLst meth="repeat">
+      <a:schemeClr val="dk1"/>
+    </dgm:linClrLst>
+    <dgm:effectClrLst/>
+    <dgm:txLinClrLst/>
+    <dgm:txFillClrLst meth="repeat">
+      <a:schemeClr val="dk1"/>
+    </dgm:txFillClrLst>
+    <dgm:txEffectClrLst/>
+  </dgm:styleLbl>
+  <dgm:styleLbl name="dkBgShp">
+    <dgm:fillClrLst meth="repeat">
+      <a:schemeClr val="accent2">
+        <a:shade val="90000"/>
+      </a:schemeClr>
+    </dgm:fillClrLst>
+    <dgm:linClrLst meth="repeat">
+      <a:schemeClr val="dk1"/>
+    </dgm:linClrLst>
+    <dgm:effectClrLst/>
+    <dgm:txLinClrLst/>
+    <dgm:txFillClrLst meth="repeat">
+      <a:schemeClr val="lt1"/>
+    </dgm:txFillClrLst>
+    <dgm:txEffectClrLst/>
+  </dgm:styleLbl>
+  <dgm:styleLbl name="trBgShp">
+    <dgm:fillClrLst meth="repeat">
+      <a:schemeClr val="accent1">
+        <a:tint val="50000"/>
+        <a:alpha val="40000"/>
+      </a:schemeClr>
+    </dgm:fillClrLst>
+    <dgm:linClrLst meth="repeat">
+      <a:schemeClr val="accent2"/>
+    </dgm:linClrLst>
+    <dgm:effectClrLst/>
+    <dgm:txLinClrLst/>
+    <dgm:txFillClrLst meth="repeat">
+      <a:schemeClr val="lt1"/>
+    </dgm:txFillClrLst>
+    <dgm:txEffectClrLst/>
+  </dgm:styleLbl>
+  <dgm:styleLbl name="fgShp">
+    <dgm:fillClrLst meth="repeat">
+      <a:schemeClr val="accent2">
+        <a:tint val="40000"/>
+      </a:schemeClr>
+    </dgm:fillClrLst>
+    <dgm:linClrLst meth="repeat">
+      <a:schemeClr val="lt1"/>
+    </dgm:linClrLst>
+    <dgm:effectClrLst/>
+    <dgm:txLinClrLst/>
+    <dgm:txFillClrLst meth="repeat">
+      <a:schemeClr val="dk1"/>
+    </dgm:txFillClrLst>
+    <dgm:txEffectClrLst/>
+  </dgm:styleLbl>
+  <dgm:styleLbl name="revTx">
+    <dgm:fillClrLst meth="repeat">
+      <a:schemeClr val="lt1">
+        <a:alpha val="0"/>
+      </a:schemeClr>
+    </dgm:fillClrLst>
+    <dgm:linClrLst meth="repeat">
+      <a:schemeClr val="dk1">
+        <a:alpha val="0"/>
+      </a:schemeClr>
+    </dgm:linClrLst>
+    <dgm:effectClrLst/>
+    <dgm:txLinClrLst/>
+    <dgm:txFillClrLst meth="repeat">
+      <a:schemeClr val="tx1"/>
+    </dgm:txFillClrLst>
+    <dgm:txEffectClrLst/>
+  </dgm:styleLbl>
+</dgm:colorsDef>
+</file>
+
+<file path=ppt/diagrams/colors5.xml><?xml version="1.0" encoding="utf-8"?>
+<dgm:colorsDef xmlns:dgm="http://schemas.openxmlformats.org/drawingml/2006/diagram" xmlns:a="http://schemas.openxmlformats.org/drawingml/2006/main" uniqueId="urn:microsoft.com/office/officeart/2005/8/colors/colorful1">
+  <dgm:title val=""/>
+  <dgm:desc val=""/>
+  <dgm:catLst>
+    <dgm:cat type="colorful" pri="10100"/>
+  </dgm:catLst>
+  <dgm:styleLbl name="node0">
+    <dgm:fillClrLst meth="repeat">
+      <a:schemeClr val="accent1"/>
+    </dgm:fillClrLst>
+    <dgm:linClrLst meth="repeat">
+      <a:schemeClr val="lt1"/>
+    </dgm:linClrLst>
+    <dgm:effectClrLst/>
+    <dgm:txLinClrLst/>
+    <dgm:txFillClrLst/>
+    <dgm:txEffectClrLst/>
+  </dgm:styleLbl>
+  <dgm:styleLbl name="node1">
+    <dgm:fillClrLst meth="repeat">
+      <a:schemeClr val="accent2"/>
+      <a:schemeClr val="accent3"/>
+      <a:schemeClr val="accent4"/>
+      <a:schemeClr val="accent5"/>
+      <a:schemeClr val="accent6"/>
+    </dgm:fillClrLst>
+    <dgm:linClrLst meth="repeat">
+      <a:schemeClr val="lt1"/>
+    </dgm:linClrLst>
+    <dgm:effectClrLst/>
+    <dgm:txLinClrLst/>
+    <dgm:txFillClrLst/>
+    <dgm:txEffectClrLst/>
+  </dgm:styleLbl>
+  <dgm:styleLbl name="alignNode1">
+    <dgm:fillClrLst meth="repeat">
+      <a:schemeClr val="accent2"/>
+      <a:schemeClr val="accent3"/>
+      <a:schemeClr val="accent4"/>
+      <a:schemeClr val="accent5"/>
+      <a:schemeClr val="accent6"/>
+    </dgm:fillClrLst>
+    <dgm:linClrLst meth="repeat">
+      <a:schemeClr val="accent2"/>
+      <a:schemeClr val="accent3"/>
+      <a:schemeClr val="accent4"/>
+      <a:schemeClr val="accent5"/>
+      <a:schemeClr val="accent6"/>
+    </dgm:linClrLst>
+    <dgm:effectClrLst/>
+    <dgm:txLinClrLst/>
+    <dgm:txFillClrLst/>
+    <dgm:txEffectClrLst/>
+  </dgm:styleLbl>
+  <dgm:styleLbl name="lnNode1">
+    <dgm:fillClrLst meth="repeat">
+      <a:schemeClr val="accent2"/>
+      <a:schemeClr val="accent3"/>
+      <a:schemeClr val="accent4"/>
+      <a:schemeClr val="accent5"/>
+      <a:schemeClr val="accent6"/>
+    </dgm:fillClrLst>
+    <dgm:linClrLst meth="repeat">
+      <a:schemeClr val="lt1"/>
+    </dgm:linClrLst>
+    <dgm:effectClrLst/>
+    <dgm:txLinClrLst/>
+    <dgm:txFillClrLst/>
+    <dgm:txEffectClrLst/>
+  </dgm:styleLbl>
+  <dgm:styleLbl name="vennNode1">
+    <dgm:fillClrLst meth="repeat">
+      <a:schemeClr val="accent2">
+        <a:alpha val="50000"/>
+      </a:schemeClr>
+      <a:schemeClr val="accent3">
+        <a:alpha val="50000"/>
+      </a:schemeClr>
+      <a:schemeClr val="accent4">
+        <a:alpha val="50000"/>
+      </a:schemeClr>
+      <a:schemeClr val="accent5">
+        <a:alpha val="50000"/>
+      </a:schemeClr>
+      <a:schemeClr val="accent6">
+        <a:alpha val="50000"/>
+      </a:schemeClr>
+    </dgm:fillClrLst>
+    <dgm:linClrLst meth="repeat">
+      <a:schemeClr val="lt1"/>
+    </dgm:linClrLst>
+    <dgm:effectClrLst/>
+    <dgm:txLinClrLst/>
+    <dgm:txFillClrLst/>
+    <dgm:txEffectClrLst/>
+  </dgm:styleLbl>
+  <dgm:styleLbl name="node2">
+    <dgm:fillClrLst>
+      <a:schemeClr val="accent2"/>
+    </dgm:fillClrLst>
+    <dgm:linClrLst meth="repeat">
+      <a:schemeClr val="lt1"/>
+    </dgm:linClrLst>
+    <dgm:effectClrLst/>
+    <dgm:txLinClrLst/>
+    <dgm:txFillClrLst/>
+    <dgm:txEffectClrLst/>
+  </dgm:styleLbl>
+  <dgm:styleLbl name="node3">
+    <dgm:fillClrLst>
+      <a:schemeClr val="accent3"/>
+    </dgm:fillClrLst>
+    <dgm:linClrLst meth="repeat">
+      <a:schemeClr val="lt1"/>
+    </dgm:linClrLst>
+    <dgm:effectClrLst/>
+    <dgm:txLinClrLst/>
+    <dgm:txFillClrLst/>
+    <dgm:txEffectClrLst/>
+  </dgm:styleLbl>
+  <dgm:styleLbl name="node4">
+    <dgm:fillClrLst>
+      <a:schemeClr val="accent4"/>
+    </dgm:fillClrLst>
+    <dgm:linClrLst meth="repeat">
+      <a:schemeClr val="lt1"/>
+    </dgm:linClrLst>
+    <dgm:effectClrLst/>
+    <dgm:txLinClrLst/>
+    <dgm:txFillClrLst/>
+    <dgm:txEffectClrLst/>
+  </dgm:styleLbl>
+  <dgm:styleLbl name="fgImgPlace1">
+    <dgm:fillClrLst meth="repeat">
+      <a:schemeClr val="accent2">
+        <a:tint val="50000"/>
+      </a:schemeClr>
+      <a:schemeClr val="accent3">
+        <a:tint val="50000"/>
+      </a:schemeClr>
+      <a:schemeClr val="accent4">
+        <a:tint val="50000"/>
+      </a:schemeClr>
+      <a:schemeClr val="accent5">
+        <a:tint val="50000"/>
+      </a:schemeClr>
+      <a:schemeClr val="accent6">
+        <a:tint val="50000"/>
+      </a:schemeClr>
+    </dgm:fillClrLst>
+    <dgm:linClrLst meth="repeat">
+      <a:schemeClr val="lt1"/>
+    </dgm:linClrLst>
+    <dgm:effectClrLst/>
+    <dgm:txLinClrLst/>
+    <dgm:txFillClrLst meth="repeat">
+      <a:schemeClr val="lt1"/>
+    </dgm:txFillClrLst>
+    <dgm:txEffectClrLst/>
+  </dgm:styleLbl>
+  <dgm:styleLbl name="alignImgPlace1">
+    <dgm:fillClrLst>
+      <a:schemeClr val="accent1">
+        <a:tint val="50000"/>
+      </a:schemeClr>
+      <a:schemeClr val="accent2">
+        <a:tint val="20000"/>
+      </a:schemeClr>
+    </dgm:fillClrLst>
+    <dgm:linClrLst meth="repeat">
+      <a:schemeClr val="lt1"/>
+    </dgm:linClrLst>
+    <dgm:effectClrLst/>
+    <dgm:txLinClrLst/>
+    <dgm:txFillClrLst meth="repeat">
+      <a:schemeClr val="lt1"/>
+    </dgm:txFillClrLst>
+    <dgm:txEffectClrLst/>
+  </dgm:styleLbl>
+  <dgm:styleLbl name="bgImgPlace1">
+    <dgm:fillClrLst>
+      <a:schemeClr val="accent1">
+        <a:tint val="50000"/>
+      </a:schemeClr>
+      <a:schemeClr val="accent2">
+        <a:tint val="20000"/>
+      </a:schemeClr>
+    </dgm:fillClrLst>
+    <dgm:linClrLst meth="repeat">
+      <a:schemeClr val="lt1"/>
+    </dgm:linClrLst>
+    <dgm:effectClrLst/>
+    <dgm:txLinClrLst/>
+    <dgm:txFillClrLst meth="repeat">
+      <a:schemeClr val="lt1"/>
+    </dgm:txFillClrLst>
+    <dgm:txEffectClrLst/>
+  </dgm:styleLbl>
+  <dgm:styleLbl name="sibTrans2D1">
+    <dgm:fillClrLst meth="repeat">
+      <a:schemeClr val="accent2"/>
+      <a:schemeClr val="accent3"/>
+      <a:schemeClr val="accent4"/>
+      <a:schemeClr val="accent5"/>
+      <a:schemeClr val="accent6"/>
+    </dgm:fillClrLst>
+    <dgm:linClrLst meth="cycle">
+      <a:schemeClr val="lt1"/>
+    </dgm:linClrLst>
+    <dgm:effectClrLst/>
+    <dgm:txLinClrLst/>
+    <dgm:txFillClrLst/>
+    <dgm:txEffectClrLst/>
+  </dgm:styleLbl>
+  <dgm:styleLbl name="fgSibTrans2D1">
+    <dgm:fillClrLst meth="repeat">
+      <a:schemeClr val="accent2"/>
+      <a:schemeClr val="accent3"/>
+      <a:schemeClr val="accent4"/>
+      <a:schemeClr val="accent5"/>
+      <a:schemeClr val="accent6"/>
+    </dgm:fillClrLst>
+    <dgm:linClrLst meth="cycle">
+      <a:schemeClr val="lt1"/>
+    </dgm:linClrLst>
+    <dgm:effectClrLst/>
+    <dgm:txLinClrLst/>
+    <dgm:txFillClrLst meth="repeat">
+      <a:schemeClr val="lt1"/>
+    </dgm:txFillClrLst>
+    <dgm:txEffectClrLst/>
+  </dgm:styleLbl>
+  <dgm:styleLbl name="bgSibTrans2D1">
+    <dgm:fillClrLst meth="repeat">
+      <a:schemeClr val="accent2"/>
+      <a:schemeClr val="accent3"/>
+      <a:schemeClr val="accent4"/>
+      <a:schemeClr val="accent5"/>
+      <a:schemeClr val="accent6"/>
+    </dgm:fillClrLst>
+    <dgm:linClrLst meth="cycle">
+      <a:schemeClr val="lt1"/>
+    </dgm:linClrLst>
+    <dgm:effectClrLst/>
+    <dgm:txLinClrLst/>
+    <dgm:txFillClrLst meth="repeat">
+      <a:schemeClr val="lt1"/>
+    </dgm:txFillClrLst>
+    <dgm:txEffectClrLst/>
+  </dgm:styleLbl>
+  <dgm:styleLbl name="sibTrans1D1">
+    <dgm:fillClrLst meth="repeat">
+      <a:schemeClr val="accent2"/>
+      <a:schemeClr val="accent3"/>
+      <a:schemeClr val="accent4"/>
+      <a:schemeClr val="accent5"/>
+      <a:schemeClr val="accent6"/>
+    </dgm:fillClrLst>
+    <dgm:linClrLst meth="repeat">
+      <a:schemeClr val="accent2"/>
+      <a:schemeClr val="accent3"/>
+      <a:schemeClr val="accent4"/>
+      <a:schemeClr val="accent5"/>
+      <a:schemeClr val="accent6"/>
+    </dgm:linClrLst>
+    <dgm:effectClrLst/>
+    <dgm:txLinClrLst/>
+    <dgm:txFillClrLst meth="repeat">
+      <a:schemeClr val="tx1"/>
+    </dgm:txFillClrLst>
+    <dgm:txEffectClrLst/>
+  </dgm:styleLbl>
+  <dgm:styleLbl name="callout">
+    <dgm:fillClrLst meth="repeat">
+      <a:schemeClr val="accent2"/>
+    </dgm:fillClrLst>
+    <dgm:linClrLst meth="repeat">
+      <a:schemeClr val="accent2">
+        <a:tint val="50000"/>
+      </a:schemeClr>
+    </dgm:linClrLst>
+    <dgm:effectClrLst/>
+    <dgm:txLinClrLst/>
+    <dgm:txFillClrLst meth="repeat">
+      <a:schemeClr val="tx1"/>
+    </dgm:txFillClrLst>
+    <dgm:txEffectClrLst/>
+  </dgm:styleLbl>
+  <dgm:styleLbl name="asst0">
+    <dgm:fillClrLst meth="repeat">
+      <a:schemeClr val="accent1"/>
+    </dgm:fillClrLst>
+    <dgm:linClrLst meth="repeat">
+      <a:schemeClr val="lt1"/>
+    </dgm:linClrLst>
+    <dgm:effectClrLst/>
+    <dgm:txLinClrLst/>
+    <dgm:txFillClrLst/>
+    <dgm:txEffectClrLst/>
+  </dgm:styleLbl>
+  <dgm:styleLbl name="asst1">
+    <dgm:fillClrLst meth="repeat">
+      <a:schemeClr val="accent2"/>
+    </dgm:fillClrLst>
+    <dgm:linClrLst meth="repeat">
+      <a:schemeClr val="lt1"/>
+    </dgm:linClrLst>
+    <dgm:effectClrLst/>
+    <dgm:txLinClrLst/>
+    <dgm:txFillClrLst/>
+    <dgm:txEffectClrLst/>
+  </dgm:styleLbl>
+  <dgm:styleLbl name="asst2">
+    <dgm:fillClrLst>
+      <a:schemeClr val="accent3"/>
+    </dgm:fillClrLst>
+    <dgm:linClrLst meth="repeat">
+      <a:schemeClr val="lt1"/>
+    </dgm:linClrLst>
+    <dgm:effectClrLst/>
+    <dgm:txLinClrLst/>
+    <dgm:txFillClrLst/>
+    <dgm:txEffectClrLst/>
+  </dgm:styleLbl>
+  <dgm:styleLbl name="asst3">
+    <dgm:fillClrLst>
+      <a:schemeClr val="accent4"/>
+    </dgm:fillClrLst>
+    <dgm:linClrLst meth="repeat">
+      <a:schemeClr val="lt1"/>
+    </dgm:linClrLst>
+    <dgm:effectClrLst/>
+    <dgm:txLinClrLst/>
+    <dgm:txFillClrLst/>
+    <dgm:txEffectClrLst/>
+  </dgm:styleLbl>
+  <dgm:styleLbl name="asst4">
+    <dgm:fillClrLst>
+      <a:schemeClr val="accent5"/>
+    </dgm:fillClrLst>
+    <dgm:linClrLst meth="repeat">
+      <a:schemeClr val="lt1"/>
+    </dgm:linClrLst>
+    <dgm:effectClrLst/>
+    <dgm:txLinClrLst/>
+    <dgm:txFillClrLst/>
+    <dgm:txEffectClrLst/>
+  </dgm:styleLbl>
+  <dgm:styleLbl name="parChTrans2D1">
+    <dgm:fillClrLst meth="repeat">
+      <a:schemeClr val="accent2"/>
+    </dgm:fillClrLst>
+    <dgm:linClrLst meth="repeat">
+      <a:schemeClr val="lt1"/>
+    </dgm:linClrLst>
+    <dgm:effectClrLst/>
+    <dgm:txLinClrLst/>
+    <dgm:txFillClrLst meth="repeat">
+      <a:schemeClr val="lt1"/>
+    </dgm:txFillClrLst>
+    <dgm:txEffectClrLst/>
+  </dgm:styleLbl>
+  <dgm:styleLbl name="parChTrans2D2">
+    <dgm:fillClrLst meth="repeat">
+      <a:schemeClr val="accent3"/>
+    </dgm:fillClrLst>
+    <dgm:linClrLst meth="repeat">
+      <a:schemeClr val="lt1"/>
+    </dgm:linClrLst>
+    <dgm:effectClrLst/>
+    <dgm:txLinClrLst/>
+    <dgm:txFillClrLst/>
+    <dgm:txEffectClrLst/>
+  </dgm:styleLbl>
+  <dgm:styleLbl name="parChTrans2D3">
+    <dgm:fillClrLst meth="repeat">
+      <a:schemeClr val="accent4"/>
+    </dgm:fillClrLst>
+    <dgm:linClrLst meth="repeat">
+      <a:schemeClr val="lt1"/>
+    </dgm:linClrLst>
+    <dgm:effectClrLst/>
+    <dgm:txLinClrLst/>
+    <dgm:txFillClrLst/>
+    <dgm:txEffectClrLst/>
+  </dgm:styleLbl>
+  <dgm:styleLbl name="parChTrans2D4">
+    <dgm:fillClrLst meth="repeat">
+      <a:schemeClr val="accent5"/>
+    </dgm:fillClrLst>
+    <dgm:linClrLst meth="repeat">
+      <a:schemeClr val="lt1"/>
+    </dgm:linClrLst>
+    <dgm:effectClrLst/>
+    <dgm:txLinClrLst/>
+    <dgm:txFillClrLst meth="repeat">
+      <a:schemeClr val="lt1"/>
+    </dgm:txFillClrLst>
+    <dgm:txEffectClrLst/>
+  </dgm:styleLbl>
+  <dgm:styleLbl name="parChTrans1D1">
+    <dgm:fillClrLst meth="repeat">
+      <a:schemeClr val="accent2"/>
+    </dgm:fillClrLst>
+    <dgm:linClrLst meth="repeat">
+      <a:schemeClr val="accent1"/>
+    </dgm:linClrLst>
+    <dgm:effectClrLst/>
+    <dgm:txLinClrLst/>
+    <dgm:txFillClrLst meth="repeat">
+      <a:schemeClr val="tx1"/>
+    </dgm:txFillClrLst>
+    <dgm:txEffectClrLst/>
+  </dgm:styleLbl>
+  <dgm:styleLbl name="parChTrans1D2">
+    <dgm:fillClrLst meth="repeat">
+      <a:schemeClr val="accent3">
+        <a:tint val="90000"/>
+      </a:schemeClr>
+    </dgm:fillClrLst>
+    <dgm:linClrLst meth="repeat">
+      <a:schemeClr val="accent2"/>
+    </dgm:linClrLst>
+    <dgm:effectClrLst/>
+    <dgm:txLinClrLst/>
+    <dgm:txFillClrLst meth="repeat">
+      <a:schemeClr val="tx1"/>
+    </dgm:txFillClrLst>
+    <dgm:txEffectClrLst/>
+  </dgm:styleLbl>
+  <dgm:styleLbl name="parChTrans1D3">
+    <dgm:fillClrLst meth="repeat">
+      <a:schemeClr val="accent4">
+        <a:tint val="70000"/>
+      </a:schemeClr>
+    </dgm:fillClrLst>
+    <dgm:linClrLst meth="repeat">
+      <a:schemeClr val="accent3"/>
+    </dgm:linClrLst>
+    <dgm:effectClrLst/>
+    <dgm:txLinClrLst/>
+    <dgm:txFillClrLst meth="repeat">
+      <a:schemeClr val="tx1"/>
+    </dgm:txFillClrLst>
+    <dgm:txEffectClrLst/>
+  </dgm:styleLbl>
+  <dgm:styleLbl name="parChTrans1D4">
+    <dgm:fillClrLst meth="repeat">
+      <a:schemeClr val="accent5">
+        <a:tint val="50000"/>
+      </a:schemeClr>
+    </dgm:fillClrLst>
+    <dgm:linClrLst meth="repeat">
+      <a:schemeClr val="accent4"/>
+    </dgm:linClrLst>
+    <dgm:effectClrLst/>
+    <dgm:txLinClrLst/>
+    <dgm:txFillClrLst meth="repeat">
+      <a:schemeClr val="tx1"/>
+    </dgm:txFillClrLst>
+    <dgm:txEffectClrLst/>
+  </dgm:styleLbl>
+  <dgm:styleLbl name="fgAcc1">
+    <dgm:fillClrLst meth="repeat">
+      <a:schemeClr val="lt1">
+        <a:alpha val="90000"/>
+      </a:schemeClr>
+    </dgm:fillClrLst>
+    <dgm:linClrLst meth="repeat">
+      <a:schemeClr val="accent2"/>
+      <a:schemeClr val="accent3"/>
+      <a:schemeClr val="accent4"/>
+      <a:schemeClr val="accent5"/>
+      <a:schemeClr val="accent6"/>
+    </dgm:linClrLst>
+    <dgm:effectClrLst/>
+    <dgm:txLinClrLst/>
+    <dgm:txFillClrLst meth="repeat">
+      <a:schemeClr val="dk1"/>
+    </dgm:txFillClrLst>
+    <dgm:txEffectClrLst/>
+  </dgm:styleLbl>
+  <dgm:styleLbl name="conFgAcc1">
+    <dgm:fillClrLst meth="repeat">
+      <a:schemeClr val="lt1">
+        <a:alpha val="90000"/>
+      </a:schemeClr>
+    </dgm:fillClrLst>
+    <dgm:linClrLst meth="repeat">
+      <a:schemeClr val="accent2"/>
+      <a:schemeClr val="accent3"/>
+      <a:schemeClr val="accent4"/>
+      <a:schemeClr val="accent5"/>
+      <a:schemeClr val="accent6"/>
+    </dgm:linClrLst>
+    <dgm:effectClrLst/>
+    <dgm:txLinClrLst/>
+    <dgm:txFillClrLst meth="repeat">
+      <a:schemeClr val="dk1"/>
+    </dgm:txFillClrLst>
+    <dgm:txEffectClrLst/>
+  </dgm:styleLbl>
+  <dgm:styleLbl name="alignAcc1">
+    <dgm:fillClrLst meth="repeat">
+      <a:schemeClr val="lt1">
+        <a:alpha val="90000"/>
+      </a:schemeClr>
+    </dgm:fillClrLst>
+    <dgm:linClrLst meth="repeat">
+      <a:schemeClr val="accent2"/>
+      <a:schemeClr val="accent3"/>
+      <a:schemeClr val="accent4"/>
+      <a:schemeClr val="accent5"/>
+      <a:schemeClr val="accent6"/>
+    </dgm:linClrLst>
+    <dgm:effectClrLst/>
+    <dgm:txLinClrLst/>
+    <dgm:txFillClrLst meth="repeat">
+      <a:schemeClr val="dk1"/>
+    </dgm:txFillClrLst>
+    <dgm:txEffectClrLst/>
+  </dgm:styleLbl>
+  <dgm:styleLbl name="trAlignAcc1">
+    <dgm:fillClrLst meth="repeat">
+      <a:schemeClr val="lt1">
+        <a:alpha val="40000"/>
+      </a:schemeClr>
+    </dgm:fillClrLst>
+    <dgm:linClrLst meth="repeat">
+      <a:schemeClr val="accent1"/>
+    </dgm:linClrLst>
+    <dgm:effectClrLst/>
+    <dgm:txLinClrLst/>
+    <dgm:txFillClrLst meth="repeat">
+      <a:schemeClr val="dk1"/>
+    </dgm:txFillClrLst>
+    <dgm:txEffectClrLst/>
+  </dgm:styleLbl>
+  <dgm:styleLbl name="bgAcc1">
+    <dgm:fillClrLst meth="repeat">
+      <a:schemeClr val="lt1">
+        <a:alpha val="90000"/>
+      </a:schemeClr>
+    </dgm:fillClrLst>
+    <dgm:linClrLst meth="repeat">
+      <a:schemeClr val="accent2"/>
+      <a:schemeClr val="accent3"/>
+      <a:schemeClr val="accent4"/>
+      <a:schemeClr val="accent5"/>
+      <a:schemeClr val="accent6"/>
+    </dgm:linClrLst>
+    <dgm:effectClrLst/>
+    <dgm:txLinClrLst/>
+    <dgm:txFillClrLst meth="repeat">
+      <a:schemeClr val="dk1"/>
+    </dgm:txFillClrLst>
+    <dgm:txEffectClrLst/>
+  </dgm:styleLbl>
+  <dgm:styleLbl name="solidFgAcc1">
+    <dgm:fillClrLst meth="repeat">
+      <a:schemeClr val="lt1"/>
+    </dgm:fillClrLst>
+    <dgm:linClrLst meth="repeat">
+      <a:schemeClr val="accent2"/>
+      <a:schemeClr val="accent3"/>
+      <a:schemeClr val="accent4"/>
+      <a:schemeClr val="accent5"/>
+      <a:schemeClr val="accent6"/>
+    </dgm:linClrLst>
+    <dgm:effectClrLst/>
+    <dgm:txLinClrLst/>
+    <dgm:txFillClrLst meth="repeat">
+      <a:schemeClr val="dk1"/>
+    </dgm:txFillClrLst>
+    <dgm:txEffectClrLst/>
+  </dgm:styleLbl>
+  <dgm:styleLbl name="solidAlignAcc1">
+    <dgm:fillClrLst meth="repeat">
+      <a:schemeClr val="lt1"/>
+    </dgm:fillClrLst>
+    <dgm:linClrLst meth="repeat">
+      <a:schemeClr val="accent2"/>
+      <a:schemeClr val="accent3"/>
+      <a:schemeClr val="accent4"/>
+      <a:schemeClr val="accent5"/>
+      <a:schemeClr val="accent6"/>
+    </dgm:linClrLst>
+    <dgm:effectClrLst/>
+    <dgm:txLinClrLst/>
+    <dgm:txFillClrLst meth="repeat">
+      <a:schemeClr val="dk1"/>
+    </dgm:txFillClrLst>
+    <dgm:txEffectClrLst/>
+  </dgm:styleLbl>
+  <dgm:styleLbl name="solidBgAcc1">
+    <dgm:fillClrLst meth="repeat">
+      <a:schemeClr val="lt1"/>
+    </dgm:fillClrLst>
+    <dgm:linClrLst meth="repeat">
+      <a:schemeClr val="accent2"/>
+      <a:schemeClr val="accent3"/>
+      <a:schemeClr val="accent4"/>
+      <a:schemeClr val="accent5"/>
+      <a:schemeClr val="accent6"/>
+    </dgm:linClrLst>
+    <dgm:effectClrLst/>
+    <dgm:txLinClrLst/>
+    <dgm:txFillClrLst meth="repeat">
+      <a:schemeClr val="dk1"/>
+    </dgm:txFillClrLst>
+    <dgm:txEffectClrLst/>
+  </dgm:styleLbl>
+  <dgm:styleLbl name="fgAccFollowNode1">
+    <dgm:fillClrLst meth="repeat">
+      <a:schemeClr val="accent2">
+        <a:tint val="40000"/>
+        <a:alpha val="90000"/>
+      </a:schemeClr>
+      <a:schemeClr val="accent3">
+        <a:tint val="40000"/>
+        <a:alpha val="90000"/>
+      </a:schemeClr>
+      <a:schemeClr val="accent4">
+        <a:tint val="40000"/>
+        <a:alpha val="90000"/>
+      </a:schemeClr>
+      <a:schemeClr val="accent5">
+        <a:tint val="40000"/>
+        <a:alpha val="90000"/>
+      </a:schemeClr>
+      <a:schemeClr val="accent6">
+        <a:tint val="40000"/>
+        <a:alpha val="90000"/>
+      </a:schemeClr>
+    </dgm:fillClrLst>
+    <dgm:linClrLst meth="repeat">
+      <a:schemeClr val="accent2">
+        <a:tint val="40000"/>
+        <a:alpha val="90000"/>
+      </a:schemeClr>
+      <a:schemeClr val="accent3">
+        <a:tint val="40000"/>
+        <a:alpha val="90000"/>
+      </a:schemeClr>
+      <a:schemeClr val="accent4">
+        <a:tint val="40000"/>
+        <a:alpha val="90000"/>
+      </a:schemeClr>
+      <a:schemeClr val="accent5">
+        <a:tint val="40000"/>
+        <a:alpha val="90000"/>
+      </a:schemeClr>
+      <a:schemeClr val="accent6">
+        <a:tint val="40000"/>
+        <a:alpha val="90000"/>
+      </a:schemeClr>
+    </dgm:linClrLst>
+    <dgm:effectClrLst/>
+    <dgm:txLinClrLst/>
+    <dgm:txFillClrLst meth="repeat">
+      <a:schemeClr val="dk1"/>
+    </dgm:txFillClrLst>
+    <dgm:txEffectClrLst/>
+  </dgm:styleLbl>
+  <dgm:styleLbl name="alignAccFollowNode1">
+    <dgm:fillClrLst meth="repeat">
+      <a:schemeClr val="accent2">
+        <a:tint val="40000"/>
+        <a:alpha val="90000"/>
+      </a:schemeClr>
+      <a:schemeClr val="accent3">
+        <a:tint val="40000"/>
+        <a:alpha val="90000"/>
+      </a:schemeClr>
+      <a:schemeClr val="accent4">
+        <a:tint val="40000"/>
+        <a:alpha val="90000"/>
+      </a:schemeClr>
+      <a:schemeClr val="accent5">
+        <a:tint val="40000"/>
+        <a:alpha val="90000"/>
+      </a:schemeClr>
+      <a:schemeClr val="accent6">
+        <a:tint val="40000"/>
+        <a:alpha val="90000"/>
+      </a:schemeClr>
+    </dgm:fillClrLst>
+    <dgm:linClrLst meth="repeat">
+      <a:schemeClr val="accent2">
+        <a:tint val="40000"/>
+        <a:alpha val="90000"/>
+      </a:schemeClr>
+      <a:schemeClr val="accent3">
+        <a:tint val="40000"/>
+        <a:alpha val="90000"/>
+      </a:schemeClr>
+      <a:schemeClr val="accent4">
+        <a:tint val="40000"/>
+        <a:alpha val="90000"/>
+      </a:schemeClr>
+      <a:schemeClr val="accent5">
+        <a:tint val="40000"/>
+        <a:alpha val="90000"/>
+      </a:schemeClr>
+      <a:schemeClr val="accent6">
+        <a:tint val="40000"/>
+        <a:alpha val="90000"/>
+      </a:schemeClr>
+    </dgm:linClrLst>
+    <dgm:effectClrLst/>
+    <dgm:txLinClrLst/>
+    <dgm:txFillClrLst meth="repeat">
+      <a:schemeClr val="dk1"/>
+    </dgm:txFillClrLst>
+    <dgm:txEffectClrLst/>
+  </dgm:styleLbl>
+  <dgm:styleLbl name="bgAccFollowNode1">
+    <dgm:fillClrLst meth="repeat">
+      <a:schemeClr val="accent2">
+        <a:tint val="40000"/>
+        <a:alpha val="90000"/>
+      </a:schemeClr>
+      <a:schemeClr val="accent3">
+        <a:tint val="40000"/>
+        <a:alpha val="90000"/>
+      </a:schemeClr>
+      <a:schemeClr val="accent4">
+        <a:tint val="40000"/>
+        <a:alpha val="90000"/>
+      </a:schemeClr>
+      <a:schemeClr val="accent5">
+        <a:tint val="40000"/>
+        <a:alpha val="90000"/>
+      </a:schemeClr>
+      <a:schemeClr val="accent6">
+        <a:tint val="40000"/>
+        <a:alpha val="90000"/>
+      </a:schemeClr>
+    </dgm:fillClrLst>
+    <dgm:linClrLst meth="repeat">
+      <a:schemeClr val="accent2">
+        <a:tint val="40000"/>
+        <a:alpha val="90000"/>
+      </a:schemeClr>
+      <a:schemeClr val="accent3">
+        <a:tint val="40000"/>
+        <a:alpha val="90000"/>
+      </a:schemeClr>
+      <a:schemeClr val="accent4">
+        <a:tint val="40000"/>
+        <a:alpha val="90000"/>
+      </a:schemeClr>
+      <a:schemeClr val="accent5">
+        <a:tint val="40000"/>
+        <a:alpha val="90000"/>
+      </a:schemeClr>
+      <a:schemeClr val="accent6">
+        <a:tint val="40000"/>
+        <a:alpha val="90000"/>
+      </a:schemeClr>
+    </dgm:linClrLst>
+    <dgm:effectClrLst/>
+    <dgm:txLinClrLst/>
+    <dgm:txFillClrLst meth="repeat">
+      <a:schemeClr val="dk1"/>
+    </dgm:txFillClrLst>
+    <dgm:txEffectClrLst/>
+  </dgm:styleLbl>
+  <dgm:styleLbl name="fgAcc0">
+    <dgm:fillClrLst meth="repeat">
+      <a:schemeClr val="lt1">
+        <a:alpha val="90000"/>
+      </a:schemeClr>
+    </dgm:fillClrLst>
+    <dgm:linClrLst>
+      <a:schemeClr val="accent1"/>
+    </dgm:linClrLst>
+    <dgm:effectClrLst/>
+    <dgm:txLinClrLst/>
+    <dgm:txFillClrLst meth="repeat">
+      <a:schemeClr val="dk1"/>
+    </dgm:txFillClrLst>
+    <dgm:txEffectClrLst/>
+  </dgm:styleLbl>
+  <dgm:styleLbl name="fgAcc2">
+    <dgm:fillClrLst meth="repeat">
+      <a:schemeClr val="lt1">
+        <a:alpha val="90000"/>
+      </a:schemeClr>
+    </dgm:fillClrLst>
+    <dgm:linClrLst>
+      <a:schemeClr val="accent2"/>
+    </dgm:linClrLst>
+    <dgm:effectClrLst/>
+    <dgm:txLinClrLst/>
+    <dgm:txFillClrLst meth="repeat">
+      <a:schemeClr val="dk1"/>
+    </dgm:txFillClrLst>
+    <dgm:txEffectClrLst/>
+  </dgm:styleLbl>
+  <dgm:styleLbl name="fgAcc3">
+    <dgm:fillClrLst meth="repeat">
+      <a:schemeClr val="lt1">
+        <a:alpha val="90000"/>
+      </a:schemeClr>
+    </dgm:fillClrLst>
+    <dgm:linClrLst>
+      <a:schemeClr val="accent3"/>
+    </dgm:linClrLst>
+    <dgm:effectClrLst/>
+    <dgm:txLinClrLst/>
+    <dgm:txFillClrLst meth="repeat">
+      <a:schemeClr val="dk1"/>
+    </dgm:txFillClrLst>
+    <dgm:txEffectClrLst/>
+  </dgm:styleLbl>
+  <dgm:styleLbl name="fgAcc4">
+    <dgm:fillClrLst meth="repeat">
+      <a:schemeClr val="lt1">
+        <a:alpha val="90000"/>
+      </a:schemeClr>
+    </dgm:fillClrLst>
+    <dgm:linClrLst>
+      <a:schemeClr val="accent4"/>
+    </dgm:linClrLst>
+    <dgm:effectClrLst/>
+    <dgm:txLinClrLst/>
+    <dgm:txFillClrLst meth="repeat">
+      <a:schemeClr val="dk1"/>
+    </dgm:txFillClrLst>
+    <dgm:txEffectClrLst/>
+  </dgm:styleLbl>
+  <dgm:styleLbl name="bgShp">
+    <dgm:fillClrLst meth="repeat">
+      <a:schemeClr val="accent2">
+        <a:tint val="40000"/>
+      </a:schemeClr>
+    </dgm:fillClrLst>
+    <dgm:linClrLst meth="repeat">
+      <a:schemeClr val="dk1"/>
+    </dgm:linClrLst>
+    <dgm:effectClrLst/>
+    <dgm:txLinClrLst/>
+    <dgm:txFillClrLst meth="repeat">
+      <a:schemeClr val="dk1"/>
+    </dgm:txFillClrLst>
+    <dgm:txEffectClrLst/>
+  </dgm:styleLbl>
+  <dgm:styleLbl name="dkBgShp">
+    <dgm:fillClrLst meth="repeat">
+      <a:schemeClr val="accent2">
+        <a:shade val="90000"/>
+      </a:schemeClr>
+    </dgm:fillClrLst>
+    <dgm:linClrLst meth="repeat">
+      <a:schemeClr val="dk1"/>
+    </dgm:linClrLst>
+    <dgm:effectClrLst/>
+    <dgm:txLinClrLst/>
+    <dgm:txFillClrLst meth="repeat">
+      <a:schemeClr val="lt1"/>
+    </dgm:txFillClrLst>
+    <dgm:txEffectClrLst/>
+  </dgm:styleLbl>
+  <dgm:styleLbl name="trBgShp">
+    <dgm:fillClrLst meth="repeat">
+      <a:schemeClr val="accent1">
+        <a:tint val="50000"/>
+        <a:alpha val="40000"/>
+      </a:schemeClr>
+    </dgm:fillClrLst>
+    <dgm:linClrLst meth="repeat">
+      <a:schemeClr val="accent2"/>
+    </dgm:linClrLst>
+    <dgm:effectClrLst/>
+    <dgm:txLinClrLst/>
+    <dgm:txFillClrLst meth="repeat">
+      <a:schemeClr val="lt1"/>
+    </dgm:txFillClrLst>
+    <dgm:txEffectClrLst/>
+  </dgm:styleLbl>
+  <dgm:styleLbl name="fgShp">
+    <dgm:fillClrLst meth="repeat">
+      <a:schemeClr val="accent2">
+        <a:tint val="40000"/>
+      </a:schemeClr>
+    </dgm:fillClrLst>
+    <dgm:linClrLst meth="repeat">
+      <a:schemeClr val="lt1"/>
+    </dgm:linClrLst>
+    <dgm:effectClrLst/>
+    <dgm:txLinClrLst/>
+    <dgm:txFillClrLst meth="repeat">
+      <a:schemeClr val="dk1"/>
+    </dgm:txFillClrLst>
+    <dgm:txEffectClrLst/>
+  </dgm:styleLbl>
+  <dgm:styleLbl name="revTx">
+    <dgm:fillClrLst meth="repeat">
+      <a:schemeClr val="lt1">
+        <a:alpha val="0"/>
+      </a:schemeClr>
+    </dgm:fillClrLst>
+    <dgm:linClrLst meth="repeat">
+      <a:schemeClr val="dk1">
+        <a:alpha val="0"/>
+      </a:schemeClr>
+    </dgm:linClrLst>
+    <dgm:effectClrLst/>
+    <dgm:txLinClrLst/>
+    <dgm:txFillClrLst meth="repeat">
+      <a:schemeClr val="tx1"/>
+    </dgm:txFillClrLst>
+    <dgm:txEffectClrLst/>
+  </dgm:styleLbl>
+</dgm:colorsDef>
+</file>
+
 <file path=ppt/diagrams/data1.xml><?xml version="1.0" encoding="utf-8"?>
 <dgm:dataModel xmlns:dgm="http://schemas.openxmlformats.org/drawingml/2006/diagram" xmlns:a="http://schemas.openxmlformats.org/drawingml/2006/main">
   <dgm:ptLst>
@@ -4306,7 +6148,15 @@
         <a:p>
           <a:r>
             <a:rPr lang="en-US" sz="900" dirty="0"/>
-            <a:t>According to a study, 21% of the time, solar panels remained operational. The other 79% of the time, the solar performance ratio reduced by 12-22%.</a:t>
+            <a:t>According to a study, 79% of the time, solar panels remained operational. The </a:t>
+          </a:r>
+          <a:r>
+            <a:rPr lang="en-US" sz="900"/>
+            <a:t>other 21% </a:t>
+          </a:r>
+          <a:r>
+            <a:rPr lang="en-US" sz="900" dirty="0"/>
+            <a:t>of the time, the solar performance ratio reduced by 12-22%.</a:t>
           </a:r>
         </a:p>
       </dgm:t>
@@ -4817,7 +6667,7 @@
         <a:p>
           <a:r>
             <a:rPr lang="en-US" sz="900" dirty="0"/>
-            <a:t>Not currently represented in REopt, but may have implications on larger scale generation (not during outages)</a:t>
+            <a:t>Not currently represented in REopt, but may have implications on larger scale generation and would affect the duration of outages</a:t>
           </a:r>
         </a:p>
       </dgm:t>
@@ -4997,7 +6847,7 @@
         <a:p>
           <a:r>
             <a:rPr lang="en-US" sz="900" dirty="0"/>
-            <a:t>Probability of snow-covered panels, 61% of the time there was little to no production</a:t>
+            <a:t>61% of the time there was little to no production due to snow-covered panels</a:t>
           </a:r>
         </a:p>
       </dgm:t>
@@ -5391,7 +7241,7 @@
       <dgm:spPr/>
     </dgm:pt>
     <dgm:pt modelId="{A030F173-DB14-4FC9-8CF6-6C067C6E7465}" type="pres">
-      <dgm:prSet presAssocID="{6E3A4F0A-84DB-4D2A-BB6A-9AC8BE8B9483}" presName="level2Shape" presStyleLbl="node3" presStyleIdx="3" presStyleCnt="6" custScaleX="209614" custScaleY="335499" custLinFactY="200000" custLinFactNeighborX="-25411" custLinFactNeighborY="221421"/>
+      <dgm:prSet presAssocID="{6E3A4F0A-84DB-4D2A-BB6A-9AC8BE8B9483}" presName="level2Shape" presStyleLbl="node3" presStyleIdx="3" presStyleCnt="6" custScaleX="209614" custScaleY="398506" custLinFactY="200000" custLinFactNeighborX="-25411" custLinFactNeighborY="221421"/>
       <dgm:spPr/>
     </dgm:pt>
     <dgm:pt modelId="{4F55A9AE-2D08-490A-BBA1-270B9E025C9A}" type="pres">
@@ -5620,6 +7470,1598 @@
     <dgm:cxn modelId="{8CE8AB17-EC81-4649-B2A8-0FC273DBE5CD}" type="presParOf" srcId="{0E8787F9-F0E4-4C87-8C84-F1CE5BF30EDE}" destId="{B2E73F99-9DB5-4E2E-BCB2-8E696C01B20F}" srcOrd="1" destOrd="0" presId="urn:microsoft.com/office/officeart/2005/8/layout/hierarchy6"/>
     <dgm:cxn modelId="{32B4031E-006E-4A29-8274-47DB44FE241E}" type="presParOf" srcId="{B2E73F99-9DB5-4E2E-BCB2-8E696C01B20F}" destId="{FC91A148-9A12-4E50-9650-20C5B01775B2}" srcOrd="0" destOrd="0" presId="urn:microsoft.com/office/officeart/2005/8/layout/hierarchy6"/>
     <dgm:cxn modelId="{4A02FB44-F267-468F-886C-E61023E7CEDA}" type="presParOf" srcId="{B2E73F99-9DB5-4E2E-BCB2-8E696C01B20F}" destId="{DE35DA60-FB95-4AD1-9EAE-654B9A1DBA84}" srcOrd="1" destOrd="0" presId="urn:microsoft.com/office/officeart/2005/8/layout/hierarchy6"/>
+    <dgm:cxn modelId="{33677905-8750-463E-A0C5-0593CAB81B50}" type="presParOf" srcId="{1C93ACF9-0ACC-45EF-9015-8E836479BCC0}" destId="{F0D9606A-B9B7-448B-BAEE-DF06CC8A527F}" srcOrd="1" destOrd="0" presId="urn:microsoft.com/office/officeart/2005/8/layout/hierarchy6"/>
+    <dgm:cxn modelId="{D8D3EB15-2D7E-4D61-9121-48470EA0DBCA}" type="presParOf" srcId="{F0D9606A-B9B7-448B-BAEE-DF06CC8A527F}" destId="{60DBB78A-3A84-45FA-9EC7-083DB7A530F3}" srcOrd="0" destOrd="0" presId="urn:microsoft.com/office/officeart/2005/8/layout/hierarchy6"/>
+    <dgm:cxn modelId="{BDFA62D4-9618-4BE8-95AE-D7C90943F6A9}" type="presParOf" srcId="{60DBB78A-3A84-45FA-9EC7-083DB7A530F3}" destId="{45EDF92B-B007-4054-868A-FF8F49B471DF}" srcOrd="0" destOrd="0" presId="urn:microsoft.com/office/officeart/2005/8/layout/hierarchy6"/>
+    <dgm:cxn modelId="{46C00B04-C1D3-4070-A438-095DCB44D84A}" type="presParOf" srcId="{60DBB78A-3A84-45FA-9EC7-083DB7A530F3}" destId="{AE75471A-EB1C-44B2-BCBF-6991E1A125FC}" srcOrd="1" destOrd="0" presId="urn:microsoft.com/office/officeart/2005/8/layout/hierarchy6"/>
+    <dgm:cxn modelId="{84469AE2-C112-42F9-BF01-AA8732CFD4BE}" type="presParOf" srcId="{F0D9606A-B9B7-448B-BAEE-DF06CC8A527F}" destId="{E0C7FC93-69E7-4C49-853F-579BBFDA4673}" srcOrd="1" destOrd="0" presId="urn:microsoft.com/office/officeart/2005/8/layout/hierarchy6"/>
+    <dgm:cxn modelId="{8DDCC639-9E50-403F-8643-FC39C14F83AA}" type="presParOf" srcId="{E0C7FC93-69E7-4C49-853F-579BBFDA4673}" destId="{80CD0880-CC92-4D8A-8787-2CBFB406D3D6}" srcOrd="0" destOrd="0" presId="urn:microsoft.com/office/officeart/2005/8/layout/hierarchy6"/>
+    <dgm:cxn modelId="{5E6367C7-CF56-4C7B-9659-1854F951F6E9}" type="presParOf" srcId="{F0D9606A-B9B7-448B-BAEE-DF06CC8A527F}" destId="{CD38246F-79F3-4108-AE27-5D858E78D132}" srcOrd="2" destOrd="0" presId="urn:microsoft.com/office/officeart/2005/8/layout/hierarchy6"/>
+    <dgm:cxn modelId="{7B0BAEE8-3B5A-47FE-B73E-3F1B0684645E}" type="presParOf" srcId="{CD38246F-79F3-4108-AE27-5D858E78D132}" destId="{48B619C1-0227-4BB4-9330-65F19C463727}" srcOrd="0" destOrd="0" presId="urn:microsoft.com/office/officeart/2005/8/layout/hierarchy6"/>
+    <dgm:cxn modelId="{75F2A56A-F0FD-4715-8B7A-587EBBD97746}" type="presParOf" srcId="{CD38246F-79F3-4108-AE27-5D858E78D132}" destId="{C66263BC-2385-4221-B7FB-0812FB8DD0A2}" srcOrd="1" destOrd="0" presId="urn:microsoft.com/office/officeart/2005/8/layout/hierarchy6"/>
+    <dgm:cxn modelId="{182FC90D-198E-4008-831E-5ABC2C4E09B9}" type="presParOf" srcId="{F0D9606A-B9B7-448B-BAEE-DF06CC8A527F}" destId="{30AD958D-9A07-4320-A08F-8CB2386AF188}" srcOrd="3" destOrd="0" presId="urn:microsoft.com/office/officeart/2005/8/layout/hierarchy6"/>
+    <dgm:cxn modelId="{CA738F38-7B90-4B71-9920-7E0FA9AEB246}" type="presParOf" srcId="{30AD958D-9A07-4320-A08F-8CB2386AF188}" destId="{EAF8065A-9A8E-43C2-857D-BEB0B25378F5}" srcOrd="0" destOrd="0" presId="urn:microsoft.com/office/officeart/2005/8/layout/hierarchy6"/>
+    <dgm:cxn modelId="{AC9C5A64-191B-4A15-9CEE-C001FBB1D691}" type="presParOf" srcId="{F0D9606A-B9B7-448B-BAEE-DF06CC8A527F}" destId="{DB7D4AC0-DB9F-4C4B-A562-8AFBA5400EBC}" srcOrd="4" destOrd="0" presId="urn:microsoft.com/office/officeart/2005/8/layout/hierarchy6"/>
+    <dgm:cxn modelId="{205E73CD-6958-4E86-9E71-4F5402ECAF60}" type="presParOf" srcId="{DB7D4AC0-DB9F-4C4B-A562-8AFBA5400EBC}" destId="{45E3B86A-E5DA-4B29-BEED-858F6515DE6F}" srcOrd="0" destOrd="0" presId="urn:microsoft.com/office/officeart/2005/8/layout/hierarchy6"/>
+    <dgm:cxn modelId="{3A744099-C820-410B-AD4C-6AEC2387E9E7}" type="presParOf" srcId="{DB7D4AC0-DB9F-4C4B-A562-8AFBA5400EBC}" destId="{E8369211-7CA7-43A2-867D-FA81DE4DC881}" srcOrd="1" destOrd="0" presId="urn:microsoft.com/office/officeart/2005/8/layout/hierarchy6"/>
+  </dgm:cxnLst>
+  <dgm:bg/>
+  <dgm:whole/>
+  <dgm:extLst>
+    <a:ext uri="http://schemas.microsoft.com/office/drawing/2008/diagram">
+      <dsp:dataModelExt xmlns:dsp="http://schemas.microsoft.com/office/drawing/2008/diagram" relId="rId6" minVer="http://schemas.openxmlformats.org/drawingml/2006/diagram"/>
+    </a:ext>
+  </dgm:extLst>
+</dgm:dataModel>
+</file>
+
+<file path=ppt/diagrams/data4.xml><?xml version="1.0" encoding="utf-8"?>
+<dgm:dataModel xmlns:dgm="http://schemas.openxmlformats.org/drawingml/2006/diagram" xmlns:a="http://schemas.openxmlformats.org/drawingml/2006/main">
+  <dgm:ptLst>
+    <dgm:pt modelId="{102189D2-4297-48AA-864A-B4B686D2F35C}" type="doc">
+      <dgm:prSet loTypeId="urn:microsoft.com/office/officeart/2005/8/layout/hierarchy6" loCatId="hierarchy" qsTypeId="urn:microsoft.com/office/officeart/2005/8/quickstyle/simple1" qsCatId="simple" csTypeId="urn:microsoft.com/office/officeart/2005/8/colors/colorful1" csCatId="colorful" phldr="1"/>
+      <dgm:spPr/>
+      <dgm:t>
+        <a:bodyPr/>
+        <a:lstStyle/>
+        <a:p>
+          <a:endParaRPr lang="en-US"/>
+        </a:p>
+      </dgm:t>
+    </dgm:pt>
+    <dgm:pt modelId="{BD3DC1D5-02DC-482E-9DB7-50138CE7ED44}">
+      <dgm:prSet phldrT="[Text]" custT="1"/>
+      <dgm:spPr/>
+      <dgm:t>
+        <a:bodyPr/>
+        <a:lstStyle/>
+        <a:p>
+          <a:r>
+            <a:rPr lang="en-US" sz="1600" dirty="0"/>
+            <a:t>Utility Response Time</a:t>
+          </a:r>
+        </a:p>
+      </dgm:t>
+    </dgm:pt>
+    <dgm:pt modelId="{963FA17F-97B1-4B5F-8471-EBF8449720C3}" type="parTrans" cxnId="{AD75C0F1-2C9A-4059-B542-160529A29AD1}">
+      <dgm:prSet/>
+      <dgm:spPr/>
+      <dgm:t>
+        <a:bodyPr/>
+        <a:lstStyle/>
+        <a:p>
+          <a:endParaRPr lang="en-US"/>
+        </a:p>
+      </dgm:t>
+    </dgm:pt>
+    <dgm:pt modelId="{38CA10A0-D078-4AF7-A954-7CF7E199ABF1}" type="sibTrans" cxnId="{AD75C0F1-2C9A-4059-B542-160529A29AD1}">
+      <dgm:prSet/>
+      <dgm:spPr/>
+      <dgm:t>
+        <a:bodyPr/>
+        <a:lstStyle/>
+        <a:p>
+          <a:endParaRPr lang="en-US"/>
+        </a:p>
+      </dgm:t>
+    </dgm:pt>
+    <dgm:pt modelId="{3935727E-0D0E-4A4E-9E1E-20747F62120E}">
+      <dgm:prSet phldrT="[Text]" custT="1"/>
+      <dgm:spPr/>
+      <dgm:t>
+        <a:bodyPr/>
+        <a:lstStyle/>
+        <a:p>
+          <a:r>
+            <a:rPr lang="en-US" sz="900" dirty="0"/>
+            <a:t>Wildfires</a:t>
+          </a:r>
+        </a:p>
+      </dgm:t>
+    </dgm:pt>
+    <dgm:pt modelId="{E7D985F0-A729-4470-885A-95F4987C930F}" type="parTrans" cxnId="{74ED5DF6-2B83-49F4-84D6-DA8F83B3963D}">
+      <dgm:prSet/>
+      <dgm:spPr/>
+      <dgm:t>
+        <a:bodyPr/>
+        <a:lstStyle/>
+        <a:p>
+          <a:endParaRPr lang="en-US"/>
+        </a:p>
+      </dgm:t>
+    </dgm:pt>
+    <dgm:pt modelId="{DDD1C10F-DB1D-4212-B68A-3CFF49C3EBF6}" type="sibTrans" cxnId="{74ED5DF6-2B83-49F4-84D6-DA8F83B3963D}">
+      <dgm:prSet/>
+      <dgm:spPr/>
+      <dgm:t>
+        <a:bodyPr/>
+        <a:lstStyle/>
+        <a:p>
+          <a:endParaRPr lang="en-US"/>
+        </a:p>
+      </dgm:t>
+    </dgm:pt>
+    <dgm:pt modelId="{6E3A4F0A-84DB-4D2A-BB6A-9AC8BE8B9483}">
+      <dgm:prSet phldrT="[Text]" custT="1"/>
+      <dgm:spPr/>
+      <dgm:t>
+        <a:bodyPr/>
+        <a:lstStyle/>
+        <a:p>
+          <a:r>
+            <a:rPr lang="en-US" sz="900" dirty="0"/>
+            <a:t>Not currently represented in REopt, but may have implications on larger scale generation (not during outages)</a:t>
+          </a:r>
+        </a:p>
+      </dgm:t>
+    </dgm:pt>
+    <dgm:pt modelId="{78039D1A-6AA0-4A87-BC9B-4AC9DCF9D575}" type="parTrans" cxnId="{C29EA2C6-5A20-402E-95E3-3A28BA658143}">
+      <dgm:prSet/>
+      <dgm:spPr/>
+      <dgm:t>
+        <a:bodyPr/>
+        <a:lstStyle/>
+        <a:p>
+          <a:endParaRPr lang="en-US"/>
+        </a:p>
+      </dgm:t>
+    </dgm:pt>
+    <dgm:pt modelId="{8D64A9CE-23B3-4576-9472-944C6CCF72EF}" type="sibTrans" cxnId="{C29EA2C6-5A20-402E-95E3-3A28BA658143}">
+      <dgm:prSet/>
+      <dgm:spPr/>
+      <dgm:t>
+        <a:bodyPr/>
+        <a:lstStyle/>
+        <a:p>
+          <a:endParaRPr lang="en-US"/>
+        </a:p>
+      </dgm:t>
+    </dgm:pt>
+    <dgm:pt modelId="{BDC52DB4-A235-4B5F-AB1F-AC53F5A977EE}">
+      <dgm:prSet phldrT="[Text]" custT="1"/>
+      <dgm:spPr/>
+      <dgm:t>
+        <a:bodyPr/>
+        <a:lstStyle/>
+        <a:p>
+          <a:r>
+            <a:rPr lang="en-US" sz="900" dirty="0"/>
+            <a:t>Freezes/snowstorms</a:t>
+          </a:r>
+        </a:p>
+      </dgm:t>
+    </dgm:pt>
+    <dgm:pt modelId="{BCFA6D1D-FF1B-4340-93CC-B068D8F5ED10}" type="parTrans" cxnId="{E74FEE30-1A19-497E-8592-65CC2CF9878F}">
+      <dgm:prSet/>
+      <dgm:spPr/>
+      <dgm:t>
+        <a:bodyPr/>
+        <a:lstStyle/>
+        <a:p>
+          <a:endParaRPr lang="en-US"/>
+        </a:p>
+      </dgm:t>
+    </dgm:pt>
+    <dgm:pt modelId="{B15B6035-C44F-4CBD-9A8E-84C500A589CD}" type="sibTrans" cxnId="{E74FEE30-1A19-497E-8592-65CC2CF9878F}">
+      <dgm:prSet/>
+      <dgm:spPr/>
+      <dgm:t>
+        <a:bodyPr/>
+        <a:lstStyle/>
+        <a:p>
+          <a:endParaRPr lang="en-US"/>
+        </a:p>
+      </dgm:t>
+    </dgm:pt>
+    <dgm:pt modelId="{3AA8C9C7-4AB8-412A-9E2F-52B7E6D2573F}">
+      <dgm:prSet phldrT="[Text]" custT="1"/>
+      <dgm:spPr/>
+      <dgm:t>
+        <a:bodyPr/>
+        <a:lstStyle/>
+        <a:p>
+          <a:r>
+            <a:rPr lang="en-US" sz="900" dirty="0"/>
+            <a:t>Acquire or develop approximate data to generate probabilities of whether extra fuel for generators can be acquired (via closed roads)</a:t>
+          </a:r>
+        </a:p>
+      </dgm:t>
+    </dgm:pt>
+    <dgm:pt modelId="{6CBA1852-8BDE-4B0F-BA28-B78BF058579F}" type="parTrans" cxnId="{53285747-4EFD-490C-8D85-571596B8B223}">
+      <dgm:prSet/>
+      <dgm:spPr/>
+      <dgm:t>
+        <a:bodyPr/>
+        <a:lstStyle/>
+        <a:p>
+          <a:endParaRPr lang="en-US"/>
+        </a:p>
+      </dgm:t>
+    </dgm:pt>
+    <dgm:pt modelId="{C3BFF71F-2829-4223-8888-4E734C89FF05}" type="sibTrans" cxnId="{53285747-4EFD-490C-8D85-571596B8B223}">
+      <dgm:prSet/>
+      <dgm:spPr/>
+      <dgm:t>
+        <a:bodyPr/>
+        <a:lstStyle/>
+        <a:p>
+          <a:endParaRPr lang="en-US"/>
+        </a:p>
+      </dgm:t>
+    </dgm:pt>
+    <dgm:pt modelId="{86BFE1F0-23C4-4794-8ADB-59CF9038B7CF}">
+      <dgm:prSet phldrT="[Text]" custT="1"/>
+      <dgm:spPr/>
+      <dgm:t>
+        <a:bodyPr/>
+        <a:lstStyle/>
+        <a:p>
+          <a:r>
+            <a:rPr lang="en-US" sz="2300" dirty="0"/>
+            <a:t>Parameter</a:t>
+          </a:r>
+        </a:p>
+      </dgm:t>
+    </dgm:pt>
+    <dgm:pt modelId="{8360AFCB-F031-4D14-A785-1A829FD2F3BC}" type="parTrans" cxnId="{EEAAE076-24D4-48D0-B73F-482E2FC7644C}">
+      <dgm:prSet/>
+      <dgm:spPr/>
+      <dgm:t>
+        <a:bodyPr/>
+        <a:lstStyle/>
+        <a:p>
+          <a:endParaRPr lang="en-US"/>
+        </a:p>
+      </dgm:t>
+    </dgm:pt>
+    <dgm:pt modelId="{49EB6F6F-562D-4C22-8E5F-D869AAFDE572}" type="sibTrans" cxnId="{EEAAE076-24D4-48D0-B73F-482E2FC7644C}">
+      <dgm:prSet/>
+      <dgm:spPr/>
+      <dgm:t>
+        <a:bodyPr/>
+        <a:lstStyle/>
+        <a:p>
+          <a:endParaRPr lang="en-US"/>
+        </a:p>
+      </dgm:t>
+    </dgm:pt>
+    <dgm:pt modelId="{2E3728DC-0C33-4BF3-B3E0-A87523398836}">
+      <dgm:prSet phldrT="[Text]" custT="1"/>
+      <dgm:spPr/>
+      <dgm:t>
+        <a:bodyPr/>
+        <a:lstStyle/>
+        <a:p>
+          <a:r>
+            <a:rPr lang="en-US" sz="900" dirty="0"/>
+            <a:t>Hurricanes</a:t>
+          </a:r>
+        </a:p>
+      </dgm:t>
+    </dgm:pt>
+    <dgm:pt modelId="{64E76152-433E-448F-8679-F0B795CE6429}" type="parTrans" cxnId="{E4FF8747-67FB-4CEA-858F-361F8B9B93E2}">
+      <dgm:prSet/>
+      <dgm:spPr/>
+      <dgm:t>
+        <a:bodyPr/>
+        <a:lstStyle/>
+        <a:p>
+          <a:endParaRPr lang="en-US"/>
+        </a:p>
+      </dgm:t>
+    </dgm:pt>
+    <dgm:pt modelId="{6837C8D0-2585-4255-A3E7-722F0D1F33DC}" type="sibTrans" cxnId="{E4FF8747-67FB-4CEA-858F-361F8B9B93E2}">
+      <dgm:prSet/>
+      <dgm:spPr/>
+      <dgm:t>
+        <a:bodyPr/>
+        <a:lstStyle/>
+        <a:p>
+          <a:endParaRPr lang="en-US"/>
+        </a:p>
+      </dgm:t>
+    </dgm:pt>
+    <dgm:pt modelId="{92BE5FBD-19E2-4BF8-AF55-5A0703719F9F}">
+      <dgm:prSet phldrT="[Text]" custT="1"/>
+      <dgm:spPr/>
+      <dgm:t>
+        <a:bodyPr/>
+        <a:lstStyle/>
+        <a:p>
+          <a:r>
+            <a:rPr lang="en-US" sz="900" dirty="0"/>
+            <a:t>61% of the time there was little to no production due to snow-covered panels</a:t>
+          </a:r>
+        </a:p>
+      </dgm:t>
+    </dgm:pt>
+    <dgm:pt modelId="{EA707773-3F04-46FC-B16E-2AF962553C02}" type="parTrans" cxnId="{D165DAEF-394B-4127-9187-EDC1CA0DE704}">
+      <dgm:prSet/>
+      <dgm:spPr/>
+      <dgm:t>
+        <a:bodyPr/>
+        <a:lstStyle/>
+        <a:p>
+          <a:endParaRPr lang="en-US"/>
+        </a:p>
+      </dgm:t>
+    </dgm:pt>
+    <dgm:pt modelId="{03FBDC27-37A1-452F-B701-70E752A563B1}" type="sibTrans" cxnId="{D165DAEF-394B-4127-9187-EDC1CA0DE704}">
+      <dgm:prSet/>
+      <dgm:spPr/>
+      <dgm:t>
+        <a:bodyPr/>
+        <a:lstStyle/>
+        <a:p>
+          <a:endParaRPr lang="en-US"/>
+        </a:p>
+      </dgm:t>
+    </dgm:pt>
+    <dgm:pt modelId="{84526F7E-2D6E-4836-A246-44CAEEBDDB80}">
+      <dgm:prSet phldrT="[Text]" custT="1"/>
+      <dgm:spPr/>
+      <dgm:t>
+        <a:bodyPr/>
+        <a:lstStyle/>
+        <a:p>
+          <a:r>
+            <a:rPr lang="en-US" sz="900" dirty="0"/>
+            <a:t>Effects of cloud cover on solar generation</a:t>
+          </a:r>
+        </a:p>
+      </dgm:t>
+      <dgm:extLst>
+        <a:ext uri="{E40237B7-FDA0-4F09-8148-C483321AD2D9}">
+          <dgm14:cNvPr xmlns:dgm14="http://schemas.microsoft.com/office/drawing/2010/diagram" id="0" name="">
+            <a:hlinkClick xmlns:r="http://schemas.openxmlformats.org/officeDocument/2006/relationships" r:id="rId1"/>
+          </dgm14:cNvPr>
+        </a:ext>
+      </dgm:extLst>
+    </dgm:pt>
+    <dgm:pt modelId="{FFE95D6D-D611-428D-95A8-1BD7978E9D73}" type="parTrans" cxnId="{15F9AC6E-D5C4-4130-992B-F2014381329E}">
+      <dgm:prSet/>
+      <dgm:spPr/>
+      <dgm:t>
+        <a:bodyPr/>
+        <a:lstStyle/>
+        <a:p>
+          <a:endParaRPr lang="en-US"/>
+        </a:p>
+      </dgm:t>
+    </dgm:pt>
+    <dgm:pt modelId="{D76C15E6-6BD6-422B-9034-4F7357F403B4}" type="sibTrans" cxnId="{15F9AC6E-D5C4-4130-992B-F2014381329E}">
+      <dgm:prSet/>
+      <dgm:spPr/>
+      <dgm:t>
+        <a:bodyPr/>
+        <a:lstStyle/>
+        <a:p>
+          <a:endParaRPr lang="en-US"/>
+        </a:p>
+      </dgm:t>
+    </dgm:pt>
+    <dgm:pt modelId="{EDD05278-1A7D-4731-A09E-93F0A04AE703}">
+      <dgm:prSet phldrT="[Text]" custT="1"/>
+      <dgm:spPr/>
+      <dgm:t>
+        <a:bodyPr/>
+        <a:lstStyle/>
+        <a:p>
+          <a:r>
+            <a:rPr lang="en-US" sz="900" dirty="0"/>
+            <a:t>Snow days experience a 54% reduction in solar production ratio compared to non-snow days</a:t>
+          </a:r>
+        </a:p>
+      </dgm:t>
+    </dgm:pt>
+    <dgm:pt modelId="{F1C61BE3-D089-4D6C-B103-83FD56146FA3}" type="parTrans" cxnId="{23A3B447-899B-40BE-B979-481A403A4AF6}">
+      <dgm:prSet/>
+      <dgm:spPr/>
+      <dgm:t>
+        <a:bodyPr/>
+        <a:lstStyle/>
+        <a:p>
+          <a:endParaRPr lang="en-US"/>
+        </a:p>
+      </dgm:t>
+    </dgm:pt>
+    <dgm:pt modelId="{9BACBF93-35B6-4735-8A3D-9B0C7C25EA46}" type="sibTrans" cxnId="{23A3B447-899B-40BE-B979-481A403A4AF6}">
+      <dgm:prSet/>
+      <dgm:spPr/>
+      <dgm:t>
+        <a:bodyPr/>
+        <a:lstStyle/>
+        <a:p>
+          <a:endParaRPr lang="en-US"/>
+        </a:p>
+      </dgm:t>
+    </dgm:pt>
+    <dgm:pt modelId="{85759021-8AC6-4915-B44F-3CFEC6133EFD}">
+      <dgm:prSet phldrT="[Text]" custT="1"/>
+      <dgm:spPr/>
+      <dgm:t>
+        <a:bodyPr/>
+        <a:lstStyle/>
+        <a:p>
+          <a:r>
+            <a:rPr lang="en-US" sz="2300" dirty="0"/>
+            <a:t>Data</a:t>
+          </a:r>
+        </a:p>
+      </dgm:t>
+    </dgm:pt>
+    <dgm:pt modelId="{E75235EC-7691-4D8D-9182-B55516643C9E}" type="sibTrans" cxnId="{C4619A66-C966-459E-BB38-DC062AE6FD80}">
+      <dgm:prSet/>
+      <dgm:spPr/>
+      <dgm:t>
+        <a:bodyPr/>
+        <a:lstStyle/>
+        <a:p>
+          <a:endParaRPr lang="en-US"/>
+        </a:p>
+      </dgm:t>
+    </dgm:pt>
+    <dgm:pt modelId="{95DA655C-7AED-4340-80BD-F8D43CD27ADE}" type="parTrans" cxnId="{C4619A66-C966-459E-BB38-DC062AE6FD80}">
+      <dgm:prSet/>
+      <dgm:spPr/>
+      <dgm:t>
+        <a:bodyPr/>
+        <a:lstStyle/>
+        <a:p>
+          <a:endParaRPr lang="en-US"/>
+        </a:p>
+      </dgm:t>
+    </dgm:pt>
+    <dgm:pt modelId="{F5361E89-D726-494F-A7EB-1E62F0E67686}">
+      <dgm:prSet phldrT="[Text]" custT="1"/>
+      <dgm:spPr/>
+      <dgm:t>
+        <a:bodyPr/>
+        <a:lstStyle/>
+        <a:p>
+          <a:r>
+            <a:rPr lang="en-US" sz="2300" dirty="0"/>
+            <a:t>Energy system impact(s)</a:t>
+          </a:r>
+        </a:p>
+      </dgm:t>
+    </dgm:pt>
+    <dgm:pt modelId="{451F6D92-AF10-4808-B4F6-195134CB1E4E}" type="sibTrans" cxnId="{3818BF66-2B23-4724-8883-3466FD60B7D0}">
+      <dgm:prSet/>
+      <dgm:spPr/>
+      <dgm:t>
+        <a:bodyPr/>
+        <a:lstStyle/>
+        <a:p>
+          <a:endParaRPr lang="en-US"/>
+        </a:p>
+      </dgm:t>
+    </dgm:pt>
+    <dgm:pt modelId="{F1DB6B1D-8D8D-408F-8638-1C96D359FE99}" type="parTrans" cxnId="{3818BF66-2B23-4724-8883-3466FD60B7D0}">
+      <dgm:prSet/>
+      <dgm:spPr/>
+      <dgm:t>
+        <a:bodyPr/>
+        <a:lstStyle/>
+        <a:p>
+          <a:endParaRPr lang="en-US"/>
+        </a:p>
+      </dgm:t>
+    </dgm:pt>
+    <dgm:pt modelId="{1C93ACF9-0ACC-45EF-9015-8E836479BCC0}" type="pres">
+      <dgm:prSet presAssocID="{102189D2-4297-48AA-864A-B4B686D2F35C}" presName="mainComposite" presStyleCnt="0">
+        <dgm:presLayoutVars>
+          <dgm:chPref val="1"/>
+          <dgm:dir/>
+          <dgm:animOne val="branch"/>
+          <dgm:animLvl val="lvl"/>
+          <dgm:resizeHandles val="exact"/>
+        </dgm:presLayoutVars>
+      </dgm:prSet>
+      <dgm:spPr/>
+    </dgm:pt>
+    <dgm:pt modelId="{D6546709-1246-4B78-8351-A7EEAE618559}" type="pres">
+      <dgm:prSet presAssocID="{102189D2-4297-48AA-864A-B4B686D2F35C}" presName="hierFlow" presStyleCnt="0"/>
+      <dgm:spPr/>
+    </dgm:pt>
+    <dgm:pt modelId="{8A4B5648-05DE-42A3-9B13-0BDF0B1D9496}" type="pres">
+      <dgm:prSet presAssocID="{102189D2-4297-48AA-864A-B4B686D2F35C}" presName="firstBuf" presStyleCnt="0"/>
+      <dgm:spPr/>
+    </dgm:pt>
+    <dgm:pt modelId="{2E0F21DF-E294-4DC8-A706-1CB258612845}" type="pres">
+      <dgm:prSet presAssocID="{102189D2-4297-48AA-864A-B4B686D2F35C}" presName="hierChild1" presStyleCnt="0">
+        <dgm:presLayoutVars>
+          <dgm:chPref val="1"/>
+          <dgm:animOne val="branch"/>
+          <dgm:animLvl val="lvl"/>
+        </dgm:presLayoutVars>
+      </dgm:prSet>
+      <dgm:spPr/>
+    </dgm:pt>
+    <dgm:pt modelId="{77FF70ED-72B7-4F85-B852-549C8E048787}" type="pres">
+      <dgm:prSet presAssocID="{BD3DC1D5-02DC-482E-9DB7-50138CE7ED44}" presName="Name14" presStyleCnt="0"/>
+      <dgm:spPr/>
+    </dgm:pt>
+    <dgm:pt modelId="{5059CD49-787A-4F97-A63D-258DC2710265}" type="pres">
+      <dgm:prSet presAssocID="{BD3DC1D5-02DC-482E-9DB7-50138CE7ED44}" presName="level1Shape" presStyleLbl="node0" presStyleIdx="0" presStyleCnt="1" custScaleX="442467" custLinFactY="-100000" custLinFactNeighborY="-136903">
+        <dgm:presLayoutVars>
+          <dgm:chPref val="3"/>
+        </dgm:presLayoutVars>
+      </dgm:prSet>
+      <dgm:spPr/>
+    </dgm:pt>
+    <dgm:pt modelId="{512D86A5-A8F7-4D69-9ACE-23B035BC6828}" type="pres">
+      <dgm:prSet presAssocID="{BD3DC1D5-02DC-482E-9DB7-50138CE7ED44}" presName="hierChild2" presStyleCnt="0"/>
+      <dgm:spPr/>
+    </dgm:pt>
+    <dgm:pt modelId="{26FFF9F0-A79F-4808-B871-8A25A06C6293}" type="pres">
+      <dgm:prSet presAssocID="{E7D985F0-A729-4470-885A-95F4987C930F}" presName="Name19" presStyleLbl="parChTrans1D2" presStyleIdx="0" presStyleCnt="3"/>
+      <dgm:spPr/>
+    </dgm:pt>
+    <dgm:pt modelId="{F5DF9083-8AA7-4EE9-8044-6C6231109963}" type="pres">
+      <dgm:prSet presAssocID="{3935727E-0D0E-4A4E-9E1E-20747F62120E}" presName="Name21" presStyleCnt="0"/>
+      <dgm:spPr/>
+    </dgm:pt>
+    <dgm:pt modelId="{24C7E338-E59C-485F-908F-F17326E7FF65}" type="pres">
+      <dgm:prSet presAssocID="{3935727E-0D0E-4A4E-9E1E-20747F62120E}" presName="level2Shape" presStyleLbl="node2" presStyleIdx="0" presStyleCnt="3" custScaleX="160280" custScaleY="176127" custLinFactNeighborX="2210" custLinFactNeighborY="49480"/>
+      <dgm:spPr/>
+    </dgm:pt>
+    <dgm:pt modelId="{471C70A9-9E08-429A-A9EE-F473A1903F6D}" type="pres">
+      <dgm:prSet presAssocID="{3935727E-0D0E-4A4E-9E1E-20747F62120E}" presName="hierChild3" presStyleCnt="0"/>
+      <dgm:spPr/>
+    </dgm:pt>
+    <dgm:pt modelId="{07BACB36-D2AD-4234-ADEC-F45C22EDC1B2}" type="pres">
+      <dgm:prSet presAssocID="{EA707773-3F04-46FC-B16E-2AF962553C02}" presName="Name19" presStyleLbl="parChTrans1D3" presStyleIdx="0" presStyleCnt="5"/>
+      <dgm:spPr/>
+    </dgm:pt>
+    <dgm:pt modelId="{9D432BEA-770F-46F0-98D1-454F302F7C13}" type="pres">
+      <dgm:prSet presAssocID="{92BE5FBD-19E2-4BF8-AF55-5A0703719F9F}" presName="Name21" presStyleCnt="0"/>
+      <dgm:spPr/>
+    </dgm:pt>
+    <dgm:pt modelId="{679876E1-0C87-4A14-AFD0-C9ECC635F932}" type="pres">
+      <dgm:prSet presAssocID="{92BE5FBD-19E2-4BF8-AF55-5A0703719F9F}" presName="level2Shape" presStyleLbl="node3" presStyleIdx="0" presStyleCnt="5" custScaleX="190573" custScaleY="350902" custLinFactY="200000" custLinFactNeighborX="-35374" custLinFactNeighborY="244036"/>
+      <dgm:spPr/>
+    </dgm:pt>
+    <dgm:pt modelId="{FC562539-B31D-4910-90B6-CF691F227171}" type="pres">
+      <dgm:prSet presAssocID="{92BE5FBD-19E2-4BF8-AF55-5A0703719F9F}" presName="hierChild3" presStyleCnt="0"/>
+      <dgm:spPr/>
+    </dgm:pt>
+    <dgm:pt modelId="{47BDBBC5-83BE-4692-95CB-A8D847A367F5}" type="pres">
+      <dgm:prSet presAssocID="{FFE95D6D-D611-428D-95A8-1BD7978E9D73}" presName="Name19" presStyleLbl="parChTrans1D3" presStyleIdx="1" presStyleCnt="5"/>
+      <dgm:spPr/>
+    </dgm:pt>
+    <dgm:pt modelId="{A59245DD-A27B-4E87-8445-C2115061FD7D}" type="pres">
+      <dgm:prSet presAssocID="{84526F7E-2D6E-4836-A246-44CAEEBDDB80}" presName="Name21" presStyleCnt="0"/>
+      <dgm:spPr/>
+    </dgm:pt>
+    <dgm:pt modelId="{B8341881-1E1C-4A3F-85EE-6217C98810E0}" type="pres">
+      <dgm:prSet presAssocID="{84526F7E-2D6E-4836-A246-44CAEEBDDB80}" presName="level2Shape" presStyleLbl="node3" presStyleIdx="1" presStyleCnt="5" custScaleX="157184" custScaleY="199812" custLinFactY="200000" custLinFactNeighborX="-34946" custLinFactNeighborY="244038"/>
+      <dgm:spPr/>
+    </dgm:pt>
+    <dgm:pt modelId="{94023795-516D-422E-9401-9F0751C0021B}" type="pres">
+      <dgm:prSet presAssocID="{84526F7E-2D6E-4836-A246-44CAEEBDDB80}" presName="hierChild3" presStyleCnt="0"/>
+      <dgm:spPr/>
+    </dgm:pt>
+    <dgm:pt modelId="{54C8ABC5-46E6-4715-9751-5ED1137F69FD}" type="pres">
+      <dgm:prSet presAssocID="{F1C61BE3-D089-4D6C-B103-83FD56146FA3}" presName="Name19" presStyleLbl="parChTrans1D3" presStyleIdx="2" presStyleCnt="5"/>
+      <dgm:spPr/>
+    </dgm:pt>
+    <dgm:pt modelId="{3E3D24C5-94FC-49B6-9A8D-0D91AC5DD6CF}" type="pres">
+      <dgm:prSet presAssocID="{EDD05278-1A7D-4731-A09E-93F0A04AE703}" presName="Name21" presStyleCnt="0"/>
+      <dgm:spPr/>
+    </dgm:pt>
+    <dgm:pt modelId="{12D6EFA1-E9B7-4657-9935-B1D340A75847}" type="pres">
+      <dgm:prSet presAssocID="{EDD05278-1A7D-4731-A09E-93F0A04AE703}" presName="level2Shape" presStyleLbl="node3" presStyleIdx="2" presStyleCnt="5" custScaleX="179125" custScaleY="419385" custLinFactY="200000" custLinFactNeighborX="-24528" custLinFactNeighborY="243733"/>
+      <dgm:spPr/>
+    </dgm:pt>
+    <dgm:pt modelId="{9658D409-A6D9-4520-BF17-55E279A572CC}" type="pres">
+      <dgm:prSet presAssocID="{EDD05278-1A7D-4731-A09E-93F0A04AE703}" presName="hierChild3" presStyleCnt="0"/>
+      <dgm:spPr/>
+    </dgm:pt>
+    <dgm:pt modelId="{A32B63AF-FA67-4D50-9C81-974FAF3DFF6E}" type="pres">
+      <dgm:prSet presAssocID="{64E76152-433E-448F-8679-F0B795CE6429}" presName="Name19" presStyleLbl="parChTrans1D2" presStyleIdx="1" presStyleCnt="3"/>
+      <dgm:spPr/>
+    </dgm:pt>
+    <dgm:pt modelId="{9D6FCFC0-B316-4810-822B-DFCA39297CE5}" type="pres">
+      <dgm:prSet presAssocID="{2E3728DC-0C33-4BF3-B3E0-A87523398836}" presName="Name21" presStyleCnt="0"/>
+      <dgm:spPr/>
+    </dgm:pt>
+    <dgm:pt modelId="{0992AC3E-F881-494A-A457-6049D2B2C058}" type="pres">
+      <dgm:prSet presAssocID="{2E3728DC-0C33-4BF3-B3E0-A87523398836}" presName="level2Shape" presStyleLbl="node2" presStyleIdx="1" presStyleCnt="3" custScaleX="186688" custScaleY="205251" custLinFactNeighborX="-25077" custLinFactNeighborY="51268"/>
+      <dgm:spPr/>
+    </dgm:pt>
+    <dgm:pt modelId="{E7750193-4991-4311-AA5A-4ADCEBBA615C}" type="pres">
+      <dgm:prSet presAssocID="{2E3728DC-0C33-4BF3-B3E0-A87523398836}" presName="hierChild3" presStyleCnt="0"/>
+      <dgm:spPr/>
+    </dgm:pt>
+    <dgm:pt modelId="{536D6ED2-29CE-459C-BAF8-05E4F6D16AA4}" type="pres">
+      <dgm:prSet presAssocID="{78039D1A-6AA0-4A87-BC9B-4AC9DCF9D575}" presName="Name19" presStyleLbl="parChTrans1D3" presStyleIdx="3" presStyleCnt="5"/>
+      <dgm:spPr/>
+    </dgm:pt>
+    <dgm:pt modelId="{8DE19567-AD13-4178-AF1E-B5F633473D0A}" type="pres">
+      <dgm:prSet presAssocID="{6E3A4F0A-84DB-4D2A-BB6A-9AC8BE8B9483}" presName="Name21" presStyleCnt="0"/>
+      <dgm:spPr/>
+    </dgm:pt>
+    <dgm:pt modelId="{A030F173-DB14-4FC9-8CF6-6C067C6E7465}" type="pres">
+      <dgm:prSet presAssocID="{6E3A4F0A-84DB-4D2A-BB6A-9AC8BE8B9483}" presName="level2Shape" presStyleLbl="node3" presStyleIdx="3" presStyleCnt="5" custScaleX="209614" custScaleY="335499" custLinFactY="200000" custLinFactNeighborX="-25411" custLinFactNeighborY="221421"/>
+      <dgm:spPr/>
+    </dgm:pt>
+    <dgm:pt modelId="{4F55A9AE-2D08-490A-BBA1-270B9E025C9A}" type="pres">
+      <dgm:prSet presAssocID="{6E3A4F0A-84DB-4D2A-BB6A-9AC8BE8B9483}" presName="hierChild3" presStyleCnt="0"/>
+      <dgm:spPr/>
+    </dgm:pt>
+    <dgm:pt modelId="{77520C0C-9948-451D-AB96-FE0695717798}" type="pres">
+      <dgm:prSet presAssocID="{BCFA6D1D-FF1B-4340-93CC-B068D8F5ED10}" presName="Name19" presStyleLbl="parChTrans1D2" presStyleIdx="2" presStyleCnt="3"/>
+      <dgm:spPr/>
+    </dgm:pt>
+    <dgm:pt modelId="{14B42F8A-179A-4541-A2FA-89D92A1A5EA1}" type="pres">
+      <dgm:prSet presAssocID="{BDC52DB4-A235-4B5F-AB1F-AC53F5A977EE}" presName="Name21" presStyleCnt="0"/>
+      <dgm:spPr/>
+    </dgm:pt>
+    <dgm:pt modelId="{BEC6F031-4764-40F6-98E9-C0821A1786BB}" type="pres">
+      <dgm:prSet presAssocID="{BDC52DB4-A235-4B5F-AB1F-AC53F5A977EE}" presName="level2Shape" presStyleLbl="node2" presStyleIdx="2" presStyleCnt="3" custScaleX="263788" custScaleY="234599" custLinFactNeighborX="-17995" custLinFactNeighborY="49480"/>
+      <dgm:spPr/>
+    </dgm:pt>
+    <dgm:pt modelId="{E10DDEBE-B07A-49B9-87F7-50621CDC5E2E}" type="pres">
+      <dgm:prSet presAssocID="{BDC52DB4-A235-4B5F-AB1F-AC53F5A977EE}" presName="hierChild3" presStyleCnt="0"/>
+      <dgm:spPr/>
+    </dgm:pt>
+    <dgm:pt modelId="{E7B4455F-8CC0-4A49-B48F-F6FA89302B28}" type="pres">
+      <dgm:prSet presAssocID="{6CBA1852-8BDE-4B0F-BA28-B78BF058579F}" presName="Name19" presStyleLbl="parChTrans1D3" presStyleIdx="4" presStyleCnt="5"/>
+      <dgm:spPr/>
+    </dgm:pt>
+    <dgm:pt modelId="{FD99054E-3453-4389-8E73-0F3592B716BC}" type="pres">
+      <dgm:prSet presAssocID="{3AA8C9C7-4AB8-412A-9E2F-52B7E6D2573F}" presName="Name21" presStyleCnt="0"/>
+      <dgm:spPr/>
+    </dgm:pt>
+    <dgm:pt modelId="{4B59D9AD-04E3-4899-9AD5-798825400C09}" type="pres">
+      <dgm:prSet presAssocID="{3AA8C9C7-4AB8-412A-9E2F-52B7E6D2573F}" presName="level2Shape" presStyleLbl="node3" presStyleIdx="4" presStyleCnt="5" custScaleX="201456" custScaleY="456855" custLinFactY="152252" custLinFactNeighborX="-17995" custLinFactNeighborY="200000"/>
+      <dgm:spPr/>
+    </dgm:pt>
+    <dgm:pt modelId="{C1FDC603-E735-449D-B646-B2F4CDE9CDE0}" type="pres">
+      <dgm:prSet presAssocID="{3AA8C9C7-4AB8-412A-9E2F-52B7E6D2573F}" presName="hierChild3" presStyleCnt="0"/>
+      <dgm:spPr/>
+    </dgm:pt>
+    <dgm:pt modelId="{F0D9606A-B9B7-448B-BAEE-DF06CC8A527F}" type="pres">
+      <dgm:prSet presAssocID="{102189D2-4297-48AA-864A-B4B686D2F35C}" presName="bgShapesFlow" presStyleCnt="0"/>
+      <dgm:spPr/>
+    </dgm:pt>
+    <dgm:pt modelId="{60DBB78A-3A84-45FA-9EC7-083DB7A530F3}" type="pres">
+      <dgm:prSet presAssocID="{86BFE1F0-23C4-4794-8ADB-59CF9038B7CF}" presName="rectComp" presStyleCnt="0"/>
+      <dgm:spPr/>
+    </dgm:pt>
+    <dgm:pt modelId="{45EDF92B-B007-4054-868A-FF8F49B471DF}" type="pres">
+      <dgm:prSet presAssocID="{86BFE1F0-23C4-4794-8ADB-59CF9038B7CF}" presName="bgRect" presStyleLbl="bgShp" presStyleIdx="0" presStyleCnt="3" custScaleY="155395" custLinFactY="-100000" custLinFactNeighborY="-157527"/>
+      <dgm:spPr/>
+    </dgm:pt>
+    <dgm:pt modelId="{AE75471A-EB1C-44B2-BCBF-6991E1A125FC}" type="pres">
+      <dgm:prSet presAssocID="{86BFE1F0-23C4-4794-8ADB-59CF9038B7CF}" presName="bgRectTx" presStyleLbl="bgShp" presStyleIdx="0" presStyleCnt="3">
+        <dgm:presLayoutVars>
+          <dgm:bulletEnabled val="1"/>
+        </dgm:presLayoutVars>
+      </dgm:prSet>
+      <dgm:spPr/>
+    </dgm:pt>
+    <dgm:pt modelId="{E0C7FC93-69E7-4C49-853F-579BBFDA4673}" type="pres">
+      <dgm:prSet presAssocID="{86BFE1F0-23C4-4794-8ADB-59CF9038B7CF}" presName="spComp" presStyleCnt="0"/>
+      <dgm:spPr/>
+    </dgm:pt>
+    <dgm:pt modelId="{80CD0880-CC92-4D8A-8787-2CBFB406D3D6}" type="pres">
+      <dgm:prSet presAssocID="{86BFE1F0-23C4-4794-8ADB-59CF9038B7CF}" presName="vSp" presStyleCnt="0"/>
+      <dgm:spPr/>
+    </dgm:pt>
+    <dgm:pt modelId="{CD38246F-79F3-4108-AE27-5D858E78D132}" type="pres">
+      <dgm:prSet presAssocID="{F5361E89-D726-494F-A7EB-1E62F0E67686}" presName="rectComp" presStyleCnt="0"/>
+      <dgm:spPr/>
+    </dgm:pt>
+    <dgm:pt modelId="{48B619C1-0227-4BB4-9330-65F19C463727}" type="pres">
+      <dgm:prSet presAssocID="{F5361E89-D726-494F-A7EB-1E62F0E67686}" presName="bgRect" presStyleLbl="bgShp" presStyleIdx="1" presStyleCnt="3" custScaleY="247952" custLinFactNeighborY="-29767"/>
+      <dgm:spPr/>
+    </dgm:pt>
+    <dgm:pt modelId="{C66263BC-2385-4221-B7FB-0812FB8DD0A2}" type="pres">
+      <dgm:prSet presAssocID="{F5361E89-D726-494F-A7EB-1E62F0E67686}" presName="bgRectTx" presStyleLbl="bgShp" presStyleIdx="1" presStyleCnt="3">
+        <dgm:presLayoutVars>
+          <dgm:bulletEnabled val="1"/>
+        </dgm:presLayoutVars>
+      </dgm:prSet>
+      <dgm:spPr/>
+    </dgm:pt>
+    <dgm:pt modelId="{30AD958D-9A07-4320-A08F-8CB2386AF188}" type="pres">
+      <dgm:prSet presAssocID="{F5361E89-D726-494F-A7EB-1E62F0E67686}" presName="spComp" presStyleCnt="0"/>
+      <dgm:spPr/>
+    </dgm:pt>
+    <dgm:pt modelId="{EAF8065A-9A8E-43C2-857D-BEB0B25378F5}" type="pres">
+      <dgm:prSet presAssocID="{F5361E89-D726-494F-A7EB-1E62F0E67686}" presName="vSp" presStyleCnt="0"/>
+      <dgm:spPr/>
+    </dgm:pt>
+    <dgm:pt modelId="{DB7D4AC0-DB9F-4C4B-A562-8AFBA5400EBC}" type="pres">
+      <dgm:prSet presAssocID="{85759021-8AC6-4915-B44F-3CFEC6133EFD}" presName="rectComp" presStyleCnt="0"/>
+      <dgm:spPr/>
+    </dgm:pt>
+    <dgm:pt modelId="{45E3B86A-E5DA-4B29-BEED-858F6515DE6F}" type="pres">
+      <dgm:prSet presAssocID="{85759021-8AC6-4915-B44F-3CFEC6133EFD}" presName="bgRect" presStyleLbl="bgShp" presStyleIdx="2" presStyleCnt="3" custScaleY="440139" custLinFactY="73032" custLinFactNeighborY="100000"/>
+      <dgm:spPr/>
+    </dgm:pt>
+    <dgm:pt modelId="{E8369211-7CA7-43A2-867D-FA81DE4DC881}" type="pres">
+      <dgm:prSet presAssocID="{85759021-8AC6-4915-B44F-3CFEC6133EFD}" presName="bgRectTx" presStyleLbl="bgShp" presStyleIdx="2" presStyleCnt="3">
+        <dgm:presLayoutVars>
+          <dgm:bulletEnabled val="1"/>
+        </dgm:presLayoutVars>
+      </dgm:prSet>
+      <dgm:spPr/>
+    </dgm:pt>
+  </dgm:ptLst>
+  <dgm:cxnLst>
+    <dgm:cxn modelId="{CD2F970B-5879-4AB6-A269-5874ADEA29E3}" type="presOf" srcId="{102189D2-4297-48AA-864A-B4B686D2F35C}" destId="{1C93ACF9-0ACC-45EF-9015-8E836479BCC0}" srcOrd="0" destOrd="0" presId="urn:microsoft.com/office/officeart/2005/8/layout/hierarchy6"/>
+    <dgm:cxn modelId="{60C21B0E-374C-4C11-B03C-570A00740C7D}" type="presOf" srcId="{F5361E89-D726-494F-A7EB-1E62F0E67686}" destId="{C66263BC-2385-4221-B7FB-0812FB8DD0A2}" srcOrd="1" destOrd="0" presId="urn:microsoft.com/office/officeart/2005/8/layout/hierarchy6"/>
+    <dgm:cxn modelId="{FCE6C512-3A20-48E0-9DB6-F72CDE6DE51B}" type="presOf" srcId="{3935727E-0D0E-4A4E-9E1E-20747F62120E}" destId="{24C7E338-E59C-485F-908F-F17326E7FF65}" srcOrd="0" destOrd="0" presId="urn:microsoft.com/office/officeart/2005/8/layout/hierarchy6"/>
+    <dgm:cxn modelId="{4ABAC016-1FC8-4999-B347-0FABBEE0ABC9}" type="presOf" srcId="{86BFE1F0-23C4-4794-8ADB-59CF9038B7CF}" destId="{AE75471A-EB1C-44B2-BCBF-6991E1A125FC}" srcOrd="1" destOrd="0" presId="urn:microsoft.com/office/officeart/2005/8/layout/hierarchy6"/>
+    <dgm:cxn modelId="{E74FEE30-1A19-497E-8592-65CC2CF9878F}" srcId="{BD3DC1D5-02DC-482E-9DB7-50138CE7ED44}" destId="{BDC52DB4-A235-4B5F-AB1F-AC53F5A977EE}" srcOrd="2" destOrd="0" parTransId="{BCFA6D1D-FF1B-4340-93CC-B068D8F5ED10}" sibTransId="{B15B6035-C44F-4CBD-9A8E-84C500A589CD}"/>
+    <dgm:cxn modelId="{A163FA3B-6368-4AE5-861C-58240328066E}" type="presOf" srcId="{86BFE1F0-23C4-4794-8ADB-59CF9038B7CF}" destId="{45EDF92B-B007-4054-868A-FF8F49B471DF}" srcOrd="0" destOrd="0" presId="urn:microsoft.com/office/officeart/2005/8/layout/hierarchy6"/>
+    <dgm:cxn modelId="{E559153E-81D7-4577-B6AA-7C9ADD500C8C}" type="presOf" srcId="{78039D1A-6AA0-4A87-BC9B-4AC9DCF9D575}" destId="{536D6ED2-29CE-459C-BAF8-05E4F6D16AA4}" srcOrd="0" destOrd="0" presId="urn:microsoft.com/office/officeart/2005/8/layout/hierarchy6"/>
+    <dgm:cxn modelId="{DF366D5D-7A77-4DFD-897A-3E2C56FA86D2}" type="presOf" srcId="{EDD05278-1A7D-4731-A09E-93F0A04AE703}" destId="{12D6EFA1-E9B7-4657-9935-B1D340A75847}" srcOrd="0" destOrd="0" presId="urn:microsoft.com/office/officeart/2005/8/layout/hierarchy6"/>
+    <dgm:cxn modelId="{C4619A66-C966-459E-BB38-DC062AE6FD80}" srcId="{102189D2-4297-48AA-864A-B4B686D2F35C}" destId="{85759021-8AC6-4915-B44F-3CFEC6133EFD}" srcOrd="3" destOrd="0" parTransId="{95DA655C-7AED-4340-80BD-F8D43CD27ADE}" sibTransId="{E75235EC-7691-4D8D-9182-B55516643C9E}"/>
+    <dgm:cxn modelId="{3818BF66-2B23-4724-8883-3466FD60B7D0}" srcId="{102189D2-4297-48AA-864A-B4B686D2F35C}" destId="{F5361E89-D726-494F-A7EB-1E62F0E67686}" srcOrd="2" destOrd="0" parTransId="{F1DB6B1D-8D8D-408F-8638-1C96D359FE99}" sibTransId="{451F6D92-AF10-4808-B4F6-195134CB1E4E}"/>
+    <dgm:cxn modelId="{53285747-4EFD-490C-8D85-571596B8B223}" srcId="{BDC52DB4-A235-4B5F-AB1F-AC53F5A977EE}" destId="{3AA8C9C7-4AB8-412A-9E2F-52B7E6D2573F}" srcOrd="0" destOrd="0" parTransId="{6CBA1852-8BDE-4B0F-BA28-B78BF058579F}" sibTransId="{C3BFF71F-2829-4223-8888-4E734C89FF05}"/>
+    <dgm:cxn modelId="{E4FF8747-67FB-4CEA-858F-361F8B9B93E2}" srcId="{BD3DC1D5-02DC-482E-9DB7-50138CE7ED44}" destId="{2E3728DC-0C33-4BF3-B3E0-A87523398836}" srcOrd="1" destOrd="0" parTransId="{64E76152-433E-448F-8679-F0B795CE6429}" sibTransId="{6837C8D0-2585-4255-A3E7-722F0D1F33DC}"/>
+    <dgm:cxn modelId="{23A3B447-899B-40BE-B979-481A403A4AF6}" srcId="{3935727E-0D0E-4A4E-9E1E-20747F62120E}" destId="{EDD05278-1A7D-4731-A09E-93F0A04AE703}" srcOrd="2" destOrd="0" parTransId="{F1C61BE3-D089-4D6C-B103-83FD56146FA3}" sibTransId="{9BACBF93-35B6-4735-8A3D-9B0C7C25EA46}"/>
+    <dgm:cxn modelId="{15F9AC6E-D5C4-4130-992B-F2014381329E}" srcId="{3935727E-0D0E-4A4E-9E1E-20747F62120E}" destId="{84526F7E-2D6E-4836-A246-44CAEEBDDB80}" srcOrd="1" destOrd="0" parTransId="{FFE95D6D-D611-428D-95A8-1BD7978E9D73}" sibTransId="{D76C15E6-6BD6-422B-9034-4F7357F403B4}"/>
+    <dgm:cxn modelId="{124D3A71-678E-4B2F-958C-41D84EC638F3}" type="presOf" srcId="{2E3728DC-0C33-4BF3-B3E0-A87523398836}" destId="{0992AC3E-F881-494A-A457-6049D2B2C058}" srcOrd="0" destOrd="0" presId="urn:microsoft.com/office/officeart/2005/8/layout/hierarchy6"/>
+    <dgm:cxn modelId="{EEAAE076-24D4-48D0-B73F-482E2FC7644C}" srcId="{102189D2-4297-48AA-864A-B4B686D2F35C}" destId="{86BFE1F0-23C4-4794-8ADB-59CF9038B7CF}" srcOrd="1" destOrd="0" parTransId="{8360AFCB-F031-4D14-A785-1A829FD2F3BC}" sibTransId="{49EB6F6F-562D-4C22-8E5F-D869AAFDE572}"/>
+    <dgm:cxn modelId="{769C7957-79B1-49B9-956D-5A677AEA8EEB}" type="presOf" srcId="{BDC52DB4-A235-4B5F-AB1F-AC53F5A977EE}" destId="{BEC6F031-4764-40F6-98E9-C0821A1786BB}" srcOrd="0" destOrd="0" presId="urn:microsoft.com/office/officeart/2005/8/layout/hierarchy6"/>
+    <dgm:cxn modelId="{9841C47D-6AFD-4440-A3CB-53D58B8C4719}" type="presOf" srcId="{E7D985F0-A729-4470-885A-95F4987C930F}" destId="{26FFF9F0-A79F-4808-B871-8A25A06C6293}" srcOrd="0" destOrd="0" presId="urn:microsoft.com/office/officeart/2005/8/layout/hierarchy6"/>
+    <dgm:cxn modelId="{F8D2D883-EDDF-4C04-BFA5-80803C0E652F}" type="presOf" srcId="{85759021-8AC6-4915-B44F-3CFEC6133EFD}" destId="{45E3B86A-E5DA-4B29-BEED-858F6515DE6F}" srcOrd="0" destOrd="0" presId="urn:microsoft.com/office/officeart/2005/8/layout/hierarchy6"/>
+    <dgm:cxn modelId="{6F4C3B86-4BBF-4ACB-A699-FEFD365A65D0}" type="presOf" srcId="{F1C61BE3-D089-4D6C-B103-83FD56146FA3}" destId="{54C8ABC5-46E6-4715-9751-5ED1137F69FD}" srcOrd="0" destOrd="0" presId="urn:microsoft.com/office/officeart/2005/8/layout/hierarchy6"/>
+    <dgm:cxn modelId="{0AA5F08D-947A-44A6-8F01-8254DB0E6596}" type="presOf" srcId="{6E3A4F0A-84DB-4D2A-BB6A-9AC8BE8B9483}" destId="{A030F173-DB14-4FC9-8CF6-6C067C6E7465}" srcOrd="0" destOrd="0" presId="urn:microsoft.com/office/officeart/2005/8/layout/hierarchy6"/>
+    <dgm:cxn modelId="{72AE548E-ACE4-44A2-A911-68BDFC3629B9}" type="presOf" srcId="{64E76152-433E-448F-8679-F0B795CE6429}" destId="{A32B63AF-FA67-4D50-9C81-974FAF3DFF6E}" srcOrd="0" destOrd="0" presId="urn:microsoft.com/office/officeart/2005/8/layout/hierarchy6"/>
+    <dgm:cxn modelId="{1F92CBAA-5425-433B-9866-94C569447756}" type="presOf" srcId="{92BE5FBD-19E2-4BF8-AF55-5A0703719F9F}" destId="{679876E1-0C87-4A14-AFD0-C9ECC635F932}" srcOrd="0" destOrd="0" presId="urn:microsoft.com/office/officeart/2005/8/layout/hierarchy6"/>
+    <dgm:cxn modelId="{227FB5AD-A99F-41BE-B088-FA5F0DAC6246}" type="presOf" srcId="{84526F7E-2D6E-4836-A246-44CAEEBDDB80}" destId="{B8341881-1E1C-4A3F-85EE-6217C98810E0}" srcOrd="0" destOrd="0" presId="urn:microsoft.com/office/officeart/2005/8/layout/hierarchy6"/>
+    <dgm:cxn modelId="{7E2EFEAD-E41E-4E25-AA64-CC82B7711CEE}" type="presOf" srcId="{BD3DC1D5-02DC-482E-9DB7-50138CE7ED44}" destId="{5059CD49-787A-4F97-A63D-258DC2710265}" srcOrd="0" destOrd="0" presId="urn:microsoft.com/office/officeart/2005/8/layout/hierarchy6"/>
+    <dgm:cxn modelId="{07F0DCB5-E5ED-4432-B965-C701D2ACA8BB}" type="presOf" srcId="{FFE95D6D-D611-428D-95A8-1BD7978E9D73}" destId="{47BDBBC5-83BE-4692-95CB-A8D847A367F5}" srcOrd="0" destOrd="0" presId="urn:microsoft.com/office/officeart/2005/8/layout/hierarchy6"/>
+    <dgm:cxn modelId="{681D19C2-2630-4D3C-9659-43A8E1DC99D5}" type="presOf" srcId="{3AA8C9C7-4AB8-412A-9E2F-52B7E6D2573F}" destId="{4B59D9AD-04E3-4899-9AD5-798825400C09}" srcOrd="0" destOrd="0" presId="urn:microsoft.com/office/officeart/2005/8/layout/hierarchy6"/>
+    <dgm:cxn modelId="{C29EA2C6-5A20-402E-95E3-3A28BA658143}" srcId="{2E3728DC-0C33-4BF3-B3E0-A87523398836}" destId="{6E3A4F0A-84DB-4D2A-BB6A-9AC8BE8B9483}" srcOrd="0" destOrd="0" parTransId="{78039D1A-6AA0-4A87-BC9B-4AC9DCF9D575}" sibTransId="{8D64A9CE-23B3-4576-9472-944C6CCF72EF}"/>
+    <dgm:cxn modelId="{87E34ADD-1278-415A-B64E-BC03A40612C0}" type="presOf" srcId="{EA707773-3F04-46FC-B16E-2AF962553C02}" destId="{07BACB36-D2AD-4234-ADEC-F45C22EDC1B2}" srcOrd="0" destOrd="0" presId="urn:microsoft.com/office/officeart/2005/8/layout/hierarchy6"/>
+    <dgm:cxn modelId="{37ED40E5-50B5-4E3A-ADCC-E8B70017EAB4}" type="presOf" srcId="{F5361E89-D726-494F-A7EB-1E62F0E67686}" destId="{48B619C1-0227-4BB4-9330-65F19C463727}" srcOrd="0" destOrd="0" presId="urn:microsoft.com/office/officeart/2005/8/layout/hierarchy6"/>
+    <dgm:cxn modelId="{DBDD30E9-51E1-4CC7-819D-FCDF20028DF3}" type="presOf" srcId="{85759021-8AC6-4915-B44F-3CFEC6133EFD}" destId="{E8369211-7CA7-43A2-867D-FA81DE4DC881}" srcOrd="1" destOrd="0" presId="urn:microsoft.com/office/officeart/2005/8/layout/hierarchy6"/>
+    <dgm:cxn modelId="{D165DAEF-394B-4127-9187-EDC1CA0DE704}" srcId="{3935727E-0D0E-4A4E-9E1E-20747F62120E}" destId="{92BE5FBD-19E2-4BF8-AF55-5A0703719F9F}" srcOrd="0" destOrd="0" parTransId="{EA707773-3F04-46FC-B16E-2AF962553C02}" sibTransId="{03FBDC27-37A1-452F-B701-70E752A563B1}"/>
+    <dgm:cxn modelId="{AD75C0F1-2C9A-4059-B542-160529A29AD1}" srcId="{102189D2-4297-48AA-864A-B4B686D2F35C}" destId="{BD3DC1D5-02DC-482E-9DB7-50138CE7ED44}" srcOrd="0" destOrd="0" parTransId="{963FA17F-97B1-4B5F-8471-EBF8449720C3}" sibTransId="{38CA10A0-D078-4AF7-A954-7CF7E199ABF1}"/>
+    <dgm:cxn modelId="{74ED5DF6-2B83-49F4-84D6-DA8F83B3963D}" srcId="{BD3DC1D5-02DC-482E-9DB7-50138CE7ED44}" destId="{3935727E-0D0E-4A4E-9E1E-20747F62120E}" srcOrd="0" destOrd="0" parTransId="{E7D985F0-A729-4470-885A-95F4987C930F}" sibTransId="{DDD1C10F-DB1D-4212-B68A-3CFF49C3EBF6}"/>
+    <dgm:cxn modelId="{F76F4EF6-FF24-44EE-B979-46369FA0077F}" type="presOf" srcId="{6CBA1852-8BDE-4B0F-BA28-B78BF058579F}" destId="{E7B4455F-8CC0-4A49-B48F-F6FA89302B28}" srcOrd="0" destOrd="0" presId="urn:microsoft.com/office/officeart/2005/8/layout/hierarchy6"/>
+    <dgm:cxn modelId="{5A0C0DF7-409C-4FDE-9407-A9236F88C7D6}" type="presOf" srcId="{BCFA6D1D-FF1B-4340-93CC-B068D8F5ED10}" destId="{77520C0C-9948-451D-AB96-FE0695717798}" srcOrd="0" destOrd="0" presId="urn:microsoft.com/office/officeart/2005/8/layout/hierarchy6"/>
+    <dgm:cxn modelId="{C2804643-1F8C-4B21-9EDE-6B701F20B097}" type="presParOf" srcId="{1C93ACF9-0ACC-45EF-9015-8E836479BCC0}" destId="{D6546709-1246-4B78-8351-A7EEAE618559}" srcOrd="0" destOrd="0" presId="urn:microsoft.com/office/officeart/2005/8/layout/hierarchy6"/>
+    <dgm:cxn modelId="{8FA549DC-029A-4CD1-AF4A-6E203CF54AD0}" type="presParOf" srcId="{D6546709-1246-4B78-8351-A7EEAE618559}" destId="{8A4B5648-05DE-42A3-9B13-0BDF0B1D9496}" srcOrd="0" destOrd="0" presId="urn:microsoft.com/office/officeart/2005/8/layout/hierarchy6"/>
+    <dgm:cxn modelId="{30DDE015-0619-4004-9B1E-793398BA759A}" type="presParOf" srcId="{D6546709-1246-4B78-8351-A7EEAE618559}" destId="{2E0F21DF-E294-4DC8-A706-1CB258612845}" srcOrd="1" destOrd="0" presId="urn:microsoft.com/office/officeart/2005/8/layout/hierarchy6"/>
+    <dgm:cxn modelId="{9B9BE3BF-E85C-4439-A2D4-533DE39EF6A6}" type="presParOf" srcId="{2E0F21DF-E294-4DC8-A706-1CB258612845}" destId="{77FF70ED-72B7-4F85-B852-549C8E048787}" srcOrd="0" destOrd="0" presId="urn:microsoft.com/office/officeart/2005/8/layout/hierarchy6"/>
+    <dgm:cxn modelId="{CA2F3D53-2E47-4B50-A530-D4F96E268165}" type="presParOf" srcId="{77FF70ED-72B7-4F85-B852-549C8E048787}" destId="{5059CD49-787A-4F97-A63D-258DC2710265}" srcOrd="0" destOrd="0" presId="urn:microsoft.com/office/officeart/2005/8/layout/hierarchy6"/>
+    <dgm:cxn modelId="{14136FA2-8E24-46D0-BCA5-F9E963BCA91A}" type="presParOf" srcId="{77FF70ED-72B7-4F85-B852-549C8E048787}" destId="{512D86A5-A8F7-4D69-9ACE-23B035BC6828}" srcOrd="1" destOrd="0" presId="urn:microsoft.com/office/officeart/2005/8/layout/hierarchy6"/>
+    <dgm:cxn modelId="{E67F60B1-CC60-4ECE-9A0E-2710216DDF1E}" type="presParOf" srcId="{512D86A5-A8F7-4D69-9ACE-23B035BC6828}" destId="{26FFF9F0-A79F-4808-B871-8A25A06C6293}" srcOrd="0" destOrd="0" presId="urn:microsoft.com/office/officeart/2005/8/layout/hierarchy6"/>
+    <dgm:cxn modelId="{DF33696D-3C5B-48DD-A0F0-5EDD16CB271E}" type="presParOf" srcId="{512D86A5-A8F7-4D69-9ACE-23B035BC6828}" destId="{F5DF9083-8AA7-4EE9-8044-6C6231109963}" srcOrd="1" destOrd="0" presId="urn:microsoft.com/office/officeart/2005/8/layout/hierarchy6"/>
+    <dgm:cxn modelId="{FD1AF379-3124-4B49-B8C3-1F2A99FCB0EC}" type="presParOf" srcId="{F5DF9083-8AA7-4EE9-8044-6C6231109963}" destId="{24C7E338-E59C-485F-908F-F17326E7FF65}" srcOrd="0" destOrd="0" presId="urn:microsoft.com/office/officeart/2005/8/layout/hierarchy6"/>
+    <dgm:cxn modelId="{D9E8F315-CF50-4552-A748-A863462C91F9}" type="presParOf" srcId="{F5DF9083-8AA7-4EE9-8044-6C6231109963}" destId="{471C70A9-9E08-429A-A9EE-F473A1903F6D}" srcOrd="1" destOrd="0" presId="urn:microsoft.com/office/officeart/2005/8/layout/hierarchy6"/>
+    <dgm:cxn modelId="{72CF8484-FC28-453B-96BA-5047192B00D6}" type="presParOf" srcId="{471C70A9-9E08-429A-A9EE-F473A1903F6D}" destId="{07BACB36-D2AD-4234-ADEC-F45C22EDC1B2}" srcOrd="0" destOrd="0" presId="urn:microsoft.com/office/officeart/2005/8/layout/hierarchy6"/>
+    <dgm:cxn modelId="{B29852B0-EE0D-4A1B-A17D-882BC1A03537}" type="presParOf" srcId="{471C70A9-9E08-429A-A9EE-F473A1903F6D}" destId="{9D432BEA-770F-46F0-98D1-454F302F7C13}" srcOrd="1" destOrd="0" presId="urn:microsoft.com/office/officeart/2005/8/layout/hierarchy6"/>
+    <dgm:cxn modelId="{99B5239C-0CC3-4FFE-9EC0-3A7A3CF8479E}" type="presParOf" srcId="{9D432BEA-770F-46F0-98D1-454F302F7C13}" destId="{679876E1-0C87-4A14-AFD0-C9ECC635F932}" srcOrd="0" destOrd="0" presId="urn:microsoft.com/office/officeart/2005/8/layout/hierarchy6"/>
+    <dgm:cxn modelId="{4C3FAA36-C413-40B0-A19C-2E9BFB15AE83}" type="presParOf" srcId="{9D432BEA-770F-46F0-98D1-454F302F7C13}" destId="{FC562539-B31D-4910-90B6-CF691F227171}" srcOrd="1" destOrd="0" presId="urn:microsoft.com/office/officeart/2005/8/layout/hierarchy6"/>
+    <dgm:cxn modelId="{322A0BC9-82DC-48AF-8355-4E60585A1115}" type="presParOf" srcId="{471C70A9-9E08-429A-A9EE-F473A1903F6D}" destId="{47BDBBC5-83BE-4692-95CB-A8D847A367F5}" srcOrd="2" destOrd="0" presId="urn:microsoft.com/office/officeart/2005/8/layout/hierarchy6"/>
+    <dgm:cxn modelId="{139980F1-0118-42BD-AC11-E01B81E477DB}" type="presParOf" srcId="{471C70A9-9E08-429A-A9EE-F473A1903F6D}" destId="{A59245DD-A27B-4E87-8445-C2115061FD7D}" srcOrd="3" destOrd="0" presId="urn:microsoft.com/office/officeart/2005/8/layout/hierarchy6"/>
+    <dgm:cxn modelId="{588A6B16-4EEB-4731-8CF0-02A52BDF0E93}" type="presParOf" srcId="{A59245DD-A27B-4E87-8445-C2115061FD7D}" destId="{B8341881-1E1C-4A3F-85EE-6217C98810E0}" srcOrd="0" destOrd="0" presId="urn:microsoft.com/office/officeart/2005/8/layout/hierarchy6"/>
+    <dgm:cxn modelId="{630725B8-B620-4E8D-95D8-F23023F7EA64}" type="presParOf" srcId="{A59245DD-A27B-4E87-8445-C2115061FD7D}" destId="{94023795-516D-422E-9401-9F0751C0021B}" srcOrd="1" destOrd="0" presId="urn:microsoft.com/office/officeart/2005/8/layout/hierarchy6"/>
+    <dgm:cxn modelId="{41366F22-5734-400A-BFE1-1222E80D012E}" type="presParOf" srcId="{471C70A9-9E08-429A-A9EE-F473A1903F6D}" destId="{54C8ABC5-46E6-4715-9751-5ED1137F69FD}" srcOrd="4" destOrd="0" presId="urn:microsoft.com/office/officeart/2005/8/layout/hierarchy6"/>
+    <dgm:cxn modelId="{7810AFF3-FE94-4BBE-9831-CCA5F26616D3}" type="presParOf" srcId="{471C70A9-9E08-429A-A9EE-F473A1903F6D}" destId="{3E3D24C5-94FC-49B6-9A8D-0D91AC5DD6CF}" srcOrd="5" destOrd="0" presId="urn:microsoft.com/office/officeart/2005/8/layout/hierarchy6"/>
+    <dgm:cxn modelId="{46F0D893-8ED6-489E-9D9D-FDB56CFAD5B5}" type="presParOf" srcId="{3E3D24C5-94FC-49B6-9A8D-0D91AC5DD6CF}" destId="{12D6EFA1-E9B7-4657-9935-B1D340A75847}" srcOrd="0" destOrd="0" presId="urn:microsoft.com/office/officeart/2005/8/layout/hierarchy6"/>
+    <dgm:cxn modelId="{67472BD0-785E-4DEB-A744-C21CEFDA9ECE}" type="presParOf" srcId="{3E3D24C5-94FC-49B6-9A8D-0D91AC5DD6CF}" destId="{9658D409-A6D9-4520-BF17-55E279A572CC}" srcOrd="1" destOrd="0" presId="urn:microsoft.com/office/officeart/2005/8/layout/hierarchy6"/>
+    <dgm:cxn modelId="{10CA1A5A-0D7F-434D-BF7E-AC4B79040EB9}" type="presParOf" srcId="{512D86A5-A8F7-4D69-9ACE-23B035BC6828}" destId="{A32B63AF-FA67-4D50-9C81-974FAF3DFF6E}" srcOrd="2" destOrd="0" presId="urn:microsoft.com/office/officeart/2005/8/layout/hierarchy6"/>
+    <dgm:cxn modelId="{AFA6A4C9-DC9F-4DD8-B0DE-DFD48E2836C6}" type="presParOf" srcId="{512D86A5-A8F7-4D69-9ACE-23B035BC6828}" destId="{9D6FCFC0-B316-4810-822B-DFCA39297CE5}" srcOrd="3" destOrd="0" presId="urn:microsoft.com/office/officeart/2005/8/layout/hierarchy6"/>
+    <dgm:cxn modelId="{3F6371F8-EA11-4050-9ED8-95AAE360C6A5}" type="presParOf" srcId="{9D6FCFC0-B316-4810-822B-DFCA39297CE5}" destId="{0992AC3E-F881-494A-A457-6049D2B2C058}" srcOrd="0" destOrd="0" presId="urn:microsoft.com/office/officeart/2005/8/layout/hierarchy6"/>
+    <dgm:cxn modelId="{DA731A96-4D06-41A9-B5F8-FEE7F0E009D7}" type="presParOf" srcId="{9D6FCFC0-B316-4810-822B-DFCA39297CE5}" destId="{E7750193-4991-4311-AA5A-4ADCEBBA615C}" srcOrd="1" destOrd="0" presId="urn:microsoft.com/office/officeart/2005/8/layout/hierarchy6"/>
+    <dgm:cxn modelId="{1CE7974C-1069-4948-9EDB-504B9749D91F}" type="presParOf" srcId="{E7750193-4991-4311-AA5A-4ADCEBBA615C}" destId="{536D6ED2-29CE-459C-BAF8-05E4F6D16AA4}" srcOrd="0" destOrd="0" presId="urn:microsoft.com/office/officeart/2005/8/layout/hierarchy6"/>
+    <dgm:cxn modelId="{704C7349-4CF1-4ADC-8473-E655B4B9E053}" type="presParOf" srcId="{E7750193-4991-4311-AA5A-4ADCEBBA615C}" destId="{8DE19567-AD13-4178-AF1E-B5F633473D0A}" srcOrd="1" destOrd="0" presId="urn:microsoft.com/office/officeart/2005/8/layout/hierarchy6"/>
+    <dgm:cxn modelId="{5F965975-6DF5-4338-8A98-BAB2F797777D}" type="presParOf" srcId="{8DE19567-AD13-4178-AF1E-B5F633473D0A}" destId="{A030F173-DB14-4FC9-8CF6-6C067C6E7465}" srcOrd="0" destOrd="0" presId="urn:microsoft.com/office/officeart/2005/8/layout/hierarchy6"/>
+    <dgm:cxn modelId="{7EB3C623-CEC3-4071-A923-B3A1D52A51F5}" type="presParOf" srcId="{8DE19567-AD13-4178-AF1E-B5F633473D0A}" destId="{4F55A9AE-2D08-490A-BBA1-270B9E025C9A}" srcOrd="1" destOrd="0" presId="urn:microsoft.com/office/officeart/2005/8/layout/hierarchy6"/>
+    <dgm:cxn modelId="{51AD24A4-BA1E-4C15-80FA-3D88C2A0851C}" type="presParOf" srcId="{512D86A5-A8F7-4D69-9ACE-23B035BC6828}" destId="{77520C0C-9948-451D-AB96-FE0695717798}" srcOrd="4" destOrd="0" presId="urn:microsoft.com/office/officeart/2005/8/layout/hierarchy6"/>
+    <dgm:cxn modelId="{AB8F8728-F8FA-4FA4-9D69-66DA2B2766F9}" type="presParOf" srcId="{512D86A5-A8F7-4D69-9ACE-23B035BC6828}" destId="{14B42F8A-179A-4541-A2FA-89D92A1A5EA1}" srcOrd="5" destOrd="0" presId="urn:microsoft.com/office/officeart/2005/8/layout/hierarchy6"/>
+    <dgm:cxn modelId="{32DA7723-1D91-4E89-B957-707CF567DBF8}" type="presParOf" srcId="{14B42F8A-179A-4541-A2FA-89D92A1A5EA1}" destId="{BEC6F031-4764-40F6-98E9-C0821A1786BB}" srcOrd="0" destOrd="0" presId="urn:microsoft.com/office/officeart/2005/8/layout/hierarchy6"/>
+    <dgm:cxn modelId="{B8DDFFBB-2882-4B11-9AB0-03F0E71F3F32}" type="presParOf" srcId="{14B42F8A-179A-4541-A2FA-89D92A1A5EA1}" destId="{E10DDEBE-B07A-49B9-87F7-50621CDC5E2E}" srcOrd="1" destOrd="0" presId="urn:microsoft.com/office/officeart/2005/8/layout/hierarchy6"/>
+    <dgm:cxn modelId="{783786D7-E361-4528-8678-B9381E48E068}" type="presParOf" srcId="{E10DDEBE-B07A-49B9-87F7-50621CDC5E2E}" destId="{E7B4455F-8CC0-4A49-B48F-F6FA89302B28}" srcOrd="0" destOrd="0" presId="urn:microsoft.com/office/officeart/2005/8/layout/hierarchy6"/>
+    <dgm:cxn modelId="{298F4E35-E323-4ED0-9480-10C77ABC6C28}" type="presParOf" srcId="{E10DDEBE-B07A-49B9-87F7-50621CDC5E2E}" destId="{FD99054E-3453-4389-8E73-0F3592B716BC}" srcOrd="1" destOrd="0" presId="urn:microsoft.com/office/officeart/2005/8/layout/hierarchy6"/>
+    <dgm:cxn modelId="{92A0FFE5-2537-4838-9565-556C7DCB98D7}" type="presParOf" srcId="{FD99054E-3453-4389-8E73-0F3592B716BC}" destId="{4B59D9AD-04E3-4899-9AD5-798825400C09}" srcOrd="0" destOrd="0" presId="urn:microsoft.com/office/officeart/2005/8/layout/hierarchy6"/>
+    <dgm:cxn modelId="{D09E1C11-1A88-48AC-A4B2-793BDBADCFEA}" type="presParOf" srcId="{FD99054E-3453-4389-8E73-0F3592B716BC}" destId="{C1FDC603-E735-449D-B646-B2F4CDE9CDE0}" srcOrd="1" destOrd="0" presId="urn:microsoft.com/office/officeart/2005/8/layout/hierarchy6"/>
+    <dgm:cxn modelId="{33677905-8750-463E-A0C5-0593CAB81B50}" type="presParOf" srcId="{1C93ACF9-0ACC-45EF-9015-8E836479BCC0}" destId="{F0D9606A-B9B7-448B-BAEE-DF06CC8A527F}" srcOrd="1" destOrd="0" presId="urn:microsoft.com/office/officeart/2005/8/layout/hierarchy6"/>
+    <dgm:cxn modelId="{D8D3EB15-2D7E-4D61-9121-48470EA0DBCA}" type="presParOf" srcId="{F0D9606A-B9B7-448B-BAEE-DF06CC8A527F}" destId="{60DBB78A-3A84-45FA-9EC7-083DB7A530F3}" srcOrd="0" destOrd="0" presId="urn:microsoft.com/office/officeart/2005/8/layout/hierarchy6"/>
+    <dgm:cxn modelId="{BDFA62D4-9618-4BE8-95AE-D7C90943F6A9}" type="presParOf" srcId="{60DBB78A-3A84-45FA-9EC7-083DB7A530F3}" destId="{45EDF92B-B007-4054-868A-FF8F49B471DF}" srcOrd="0" destOrd="0" presId="urn:microsoft.com/office/officeart/2005/8/layout/hierarchy6"/>
+    <dgm:cxn modelId="{46C00B04-C1D3-4070-A438-095DCB44D84A}" type="presParOf" srcId="{60DBB78A-3A84-45FA-9EC7-083DB7A530F3}" destId="{AE75471A-EB1C-44B2-BCBF-6991E1A125FC}" srcOrd="1" destOrd="0" presId="urn:microsoft.com/office/officeart/2005/8/layout/hierarchy6"/>
+    <dgm:cxn modelId="{84469AE2-C112-42F9-BF01-AA8732CFD4BE}" type="presParOf" srcId="{F0D9606A-B9B7-448B-BAEE-DF06CC8A527F}" destId="{E0C7FC93-69E7-4C49-853F-579BBFDA4673}" srcOrd="1" destOrd="0" presId="urn:microsoft.com/office/officeart/2005/8/layout/hierarchy6"/>
+    <dgm:cxn modelId="{8DDCC639-9E50-403F-8643-FC39C14F83AA}" type="presParOf" srcId="{E0C7FC93-69E7-4C49-853F-579BBFDA4673}" destId="{80CD0880-CC92-4D8A-8787-2CBFB406D3D6}" srcOrd="0" destOrd="0" presId="urn:microsoft.com/office/officeart/2005/8/layout/hierarchy6"/>
+    <dgm:cxn modelId="{5E6367C7-CF56-4C7B-9659-1854F951F6E9}" type="presParOf" srcId="{F0D9606A-B9B7-448B-BAEE-DF06CC8A527F}" destId="{CD38246F-79F3-4108-AE27-5D858E78D132}" srcOrd="2" destOrd="0" presId="urn:microsoft.com/office/officeart/2005/8/layout/hierarchy6"/>
+    <dgm:cxn modelId="{7B0BAEE8-3B5A-47FE-B73E-3F1B0684645E}" type="presParOf" srcId="{CD38246F-79F3-4108-AE27-5D858E78D132}" destId="{48B619C1-0227-4BB4-9330-65F19C463727}" srcOrd="0" destOrd="0" presId="urn:microsoft.com/office/officeart/2005/8/layout/hierarchy6"/>
+    <dgm:cxn modelId="{75F2A56A-F0FD-4715-8B7A-587EBBD97746}" type="presParOf" srcId="{CD38246F-79F3-4108-AE27-5D858E78D132}" destId="{C66263BC-2385-4221-B7FB-0812FB8DD0A2}" srcOrd="1" destOrd="0" presId="urn:microsoft.com/office/officeart/2005/8/layout/hierarchy6"/>
+    <dgm:cxn modelId="{182FC90D-198E-4008-831E-5ABC2C4E09B9}" type="presParOf" srcId="{F0D9606A-B9B7-448B-BAEE-DF06CC8A527F}" destId="{30AD958D-9A07-4320-A08F-8CB2386AF188}" srcOrd="3" destOrd="0" presId="urn:microsoft.com/office/officeart/2005/8/layout/hierarchy6"/>
+    <dgm:cxn modelId="{CA738F38-7B90-4B71-9920-7E0FA9AEB246}" type="presParOf" srcId="{30AD958D-9A07-4320-A08F-8CB2386AF188}" destId="{EAF8065A-9A8E-43C2-857D-BEB0B25378F5}" srcOrd="0" destOrd="0" presId="urn:microsoft.com/office/officeart/2005/8/layout/hierarchy6"/>
+    <dgm:cxn modelId="{AC9C5A64-191B-4A15-9CEE-C001FBB1D691}" type="presParOf" srcId="{F0D9606A-B9B7-448B-BAEE-DF06CC8A527F}" destId="{DB7D4AC0-DB9F-4C4B-A562-8AFBA5400EBC}" srcOrd="4" destOrd="0" presId="urn:microsoft.com/office/officeart/2005/8/layout/hierarchy6"/>
+    <dgm:cxn modelId="{205E73CD-6958-4E86-9E71-4F5402ECAF60}" type="presParOf" srcId="{DB7D4AC0-DB9F-4C4B-A562-8AFBA5400EBC}" destId="{45E3B86A-E5DA-4B29-BEED-858F6515DE6F}" srcOrd="0" destOrd="0" presId="urn:microsoft.com/office/officeart/2005/8/layout/hierarchy6"/>
+    <dgm:cxn modelId="{3A744099-C820-410B-AD4C-6AEC2387E9E7}" type="presParOf" srcId="{DB7D4AC0-DB9F-4C4B-A562-8AFBA5400EBC}" destId="{E8369211-7CA7-43A2-867D-FA81DE4DC881}" srcOrd="1" destOrd="0" presId="urn:microsoft.com/office/officeart/2005/8/layout/hierarchy6"/>
+  </dgm:cxnLst>
+  <dgm:bg/>
+  <dgm:whole/>
+  <dgm:extLst>
+    <a:ext uri="http://schemas.microsoft.com/office/drawing/2008/diagram">
+      <dsp:dataModelExt xmlns:dsp="http://schemas.microsoft.com/office/drawing/2008/diagram" relId="rId6" minVer="http://schemas.openxmlformats.org/drawingml/2006/diagram"/>
+    </a:ext>
+  </dgm:extLst>
+</dgm:dataModel>
+</file>
+
+<file path=ppt/diagrams/data5.xml><?xml version="1.0" encoding="utf-8"?>
+<dgm:dataModel xmlns:dgm="http://schemas.openxmlformats.org/drawingml/2006/diagram" xmlns:a="http://schemas.openxmlformats.org/drawingml/2006/main">
+  <dgm:ptLst>
+    <dgm:pt modelId="{102189D2-4297-48AA-864A-B4B686D2F35C}" type="doc">
+      <dgm:prSet loTypeId="urn:microsoft.com/office/officeart/2005/8/layout/hierarchy6" loCatId="hierarchy" qsTypeId="urn:microsoft.com/office/officeart/2005/8/quickstyle/simple1" qsCatId="simple" csTypeId="urn:microsoft.com/office/officeart/2005/8/colors/colorful1" csCatId="colorful" phldr="1"/>
+      <dgm:spPr/>
+      <dgm:t>
+        <a:bodyPr/>
+        <a:lstStyle/>
+        <a:p>
+          <a:endParaRPr lang="en-US"/>
+        </a:p>
+      </dgm:t>
+    </dgm:pt>
+    <dgm:pt modelId="{BD3DC1D5-02DC-482E-9DB7-50138CE7ED44}">
+      <dgm:prSet phldrT="[Text]" custT="1"/>
+      <dgm:spPr/>
+      <dgm:t>
+        <a:bodyPr/>
+        <a:lstStyle/>
+        <a:p>
+          <a:r>
+            <a:rPr lang="en-US" sz="1600" dirty="0"/>
+            <a:t>Average Outage Duration</a:t>
+          </a:r>
+        </a:p>
+      </dgm:t>
+    </dgm:pt>
+    <dgm:pt modelId="{963FA17F-97B1-4B5F-8471-EBF8449720C3}" type="parTrans" cxnId="{AD75C0F1-2C9A-4059-B542-160529A29AD1}">
+      <dgm:prSet/>
+      <dgm:spPr/>
+      <dgm:t>
+        <a:bodyPr/>
+        <a:lstStyle/>
+        <a:p>
+          <a:endParaRPr lang="en-US"/>
+        </a:p>
+      </dgm:t>
+    </dgm:pt>
+    <dgm:pt modelId="{38CA10A0-D078-4AF7-A954-7CF7E199ABF1}" type="sibTrans" cxnId="{AD75C0F1-2C9A-4059-B542-160529A29AD1}">
+      <dgm:prSet/>
+      <dgm:spPr/>
+      <dgm:t>
+        <a:bodyPr/>
+        <a:lstStyle/>
+        <a:p>
+          <a:endParaRPr lang="en-US"/>
+        </a:p>
+      </dgm:t>
+    </dgm:pt>
+    <dgm:pt modelId="{3935727E-0D0E-4A4E-9E1E-20747F62120E}">
+      <dgm:prSet phldrT="[Text]" custT="1"/>
+      <dgm:spPr/>
+      <dgm:t>
+        <a:bodyPr/>
+        <a:lstStyle/>
+        <a:p>
+          <a:r>
+            <a:rPr lang="en-US" sz="900" dirty="0"/>
+            <a:t>Wildfires</a:t>
+          </a:r>
+        </a:p>
+      </dgm:t>
+    </dgm:pt>
+    <dgm:pt modelId="{E7D985F0-A729-4470-885A-95F4987C930F}" type="parTrans" cxnId="{74ED5DF6-2B83-49F4-84D6-DA8F83B3963D}">
+      <dgm:prSet/>
+      <dgm:spPr/>
+      <dgm:t>
+        <a:bodyPr/>
+        <a:lstStyle/>
+        <a:p>
+          <a:endParaRPr lang="en-US"/>
+        </a:p>
+      </dgm:t>
+    </dgm:pt>
+    <dgm:pt modelId="{DDD1C10F-DB1D-4212-B68A-3CFF49C3EBF6}" type="sibTrans" cxnId="{74ED5DF6-2B83-49F4-84D6-DA8F83B3963D}">
+      <dgm:prSet/>
+      <dgm:spPr/>
+      <dgm:t>
+        <a:bodyPr/>
+        <a:lstStyle/>
+        <a:p>
+          <a:endParaRPr lang="en-US"/>
+        </a:p>
+      </dgm:t>
+    </dgm:pt>
+    <dgm:pt modelId="{6E3A4F0A-84DB-4D2A-BB6A-9AC8BE8B9483}">
+      <dgm:prSet phldrT="[Text]" custT="1"/>
+      <dgm:spPr/>
+      <dgm:t>
+        <a:bodyPr/>
+        <a:lstStyle/>
+        <a:p>
+          <a:r>
+            <a:rPr lang="en-US" sz="900" dirty="0"/>
+            <a:t>Not currently represented in REopt, but may have implications on larger scale generation (not during outages)</a:t>
+          </a:r>
+        </a:p>
+      </dgm:t>
+    </dgm:pt>
+    <dgm:pt modelId="{78039D1A-6AA0-4A87-BC9B-4AC9DCF9D575}" type="parTrans" cxnId="{C29EA2C6-5A20-402E-95E3-3A28BA658143}">
+      <dgm:prSet/>
+      <dgm:spPr/>
+      <dgm:t>
+        <a:bodyPr/>
+        <a:lstStyle/>
+        <a:p>
+          <a:endParaRPr lang="en-US"/>
+        </a:p>
+      </dgm:t>
+    </dgm:pt>
+    <dgm:pt modelId="{8D64A9CE-23B3-4576-9472-944C6CCF72EF}" type="sibTrans" cxnId="{C29EA2C6-5A20-402E-95E3-3A28BA658143}">
+      <dgm:prSet/>
+      <dgm:spPr/>
+      <dgm:t>
+        <a:bodyPr/>
+        <a:lstStyle/>
+        <a:p>
+          <a:endParaRPr lang="en-US"/>
+        </a:p>
+      </dgm:t>
+    </dgm:pt>
+    <dgm:pt modelId="{BDC52DB4-A235-4B5F-AB1F-AC53F5A977EE}">
+      <dgm:prSet phldrT="[Text]" custT="1"/>
+      <dgm:spPr/>
+      <dgm:t>
+        <a:bodyPr/>
+        <a:lstStyle/>
+        <a:p>
+          <a:r>
+            <a:rPr lang="en-US" sz="900" dirty="0"/>
+            <a:t>Freezes/snowstorms</a:t>
+          </a:r>
+        </a:p>
+      </dgm:t>
+    </dgm:pt>
+    <dgm:pt modelId="{BCFA6D1D-FF1B-4340-93CC-B068D8F5ED10}" type="parTrans" cxnId="{E74FEE30-1A19-497E-8592-65CC2CF9878F}">
+      <dgm:prSet/>
+      <dgm:spPr/>
+      <dgm:t>
+        <a:bodyPr/>
+        <a:lstStyle/>
+        <a:p>
+          <a:endParaRPr lang="en-US"/>
+        </a:p>
+      </dgm:t>
+    </dgm:pt>
+    <dgm:pt modelId="{B15B6035-C44F-4CBD-9A8E-84C500A589CD}" type="sibTrans" cxnId="{E74FEE30-1A19-497E-8592-65CC2CF9878F}">
+      <dgm:prSet/>
+      <dgm:spPr/>
+      <dgm:t>
+        <a:bodyPr/>
+        <a:lstStyle/>
+        <a:p>
+          <a:endParaRPr lang="en-US"/>
+        </a:p>
+      </dgm:t>
+    </dgm:pt>
+    <dgm:pt modelId="{3AA8C9C7-4AB8-412A-9E2F-52B7E6D2573F}">
+      <dgm:prSet phldrT="[Text]" custT="1"/>
+      <dgm:spPr/>
+      <dgm:t>
+        <a:bodyPr/>
+        <a:lstStyle/>
+        <a:p>
+          <a:r>
+            <a:rPr lang="en-US" sz="900" dirty="0"/>
+            <a:t>Acquire or develop approximate data to generate probabilities of whether extra fuel for generators can be acquired (via closed roads)</a:t>
+          </a:r>
+        </a:p>
+      </dgm:t>
+    </dgm:pt>
+    <dgm:pt modelId="{6CBA1852-8BDE-4B0F-BA28-B78BF058579F}" type="parTrans" cxnId="{53285747-4EFD-490C-8D85-571596B8B223}">
+      <dgm:prSet/>
+      <dgm:spPr/>
+      <dgm:t>
+        <a:bodyPr/>
+        <a:lstStyle/>
+        <a:p>
+          <a:endParaRPr lang="en-US"/>
+        </a:p>
+      </dgm:t>
+    </dgm:pt>
+    <dgm:pt modelId="{C3BFF71F-2829-4223-8888-4E734C89FF05}" type="sibTrans" cxnId="{53285747-4EFD-490C-8D85-571596B8B223}">
+      <dgm:prSet/>
+      <dgm:spPr/>
+      <dgm:t>
+        <a:bodyPr/>
+        <a:lstStyle/>
+        <a:p>
+          <a:endParaRPr lang="en-US"/>
+        </a:p>
+      </dgm:t>
+    </dgm:pt>
+    <dgm:pt modelId="{86BFE1F0-23C4-4794-8ADB-59CF9038B7CF}">
+      <dgm:prSet phldrT="[Text]" custT="1"/>
+      <dgm:spPr/>
+      <dgm:t>
+        <a:bodyPr/>
+        <a:lstStyle/>
+        <a:p>
+          <a:r>
+            <a:rPr lang="en-US" sz="2300" dirty="0"/>
+            <a:t>Parameter</a:t>
+          </a:r>
+        </a:p>
+      </dgm:t>
+    </dgm:pt>
+    <dgm:pt modelId="{8360AFCB-F031-4D14-A785-1A829FD2F3BC}" type="parTrans" cxnId="{EEAAE076-24D4-48D0-B73F-482E2FC7644C}">
+      <dgm:prSet/>
+      <dgm:spPr/>
+      <dgm:t>
+        <a:bodyPr/>
+        <a:lstStyle/>
+        <a:p>
+          <a:endParaRPr lang="en-US"/>
+        </a:p>
+      </dgm:t>
+    </dgm:pt>
+    <dgm:pt modelId="{49EB6F6F-562D-4C22-8E5F-D869AAFDE572}" type="sibTrans" cxnId="{EEAAE076-24D4-48D0-B73F-482E2FC7644C}">
+      <dgm:prSet/>
+      <dgm:spPr/>
+      <dgm:t>
+        <a:bodyPr/>
+        <a:lstStyle/>
+        <a:p>
+          <a:endParaRPr lang="en-US"/>
+        </a:p>
+      </dgm:t>
+    </dgm:pt>
+    <dgm:pt modelId="{2E3728DC-0C33-4BF3-B3E0-A87523398836}">
+      <dgm:prSet phldrT="[Text]" custT="1"/>
+      <dgm:spPr/>
+      <dgm:t>
+        <a:bodyPr/>
+        <a:lstStyle/>
+        <a:p>
+          <a:r>
+            <a:rPr lang="en-US" sz="900" dirty="0"/>
+            <a:t>Hurricanes</a:t>
+          </a:r>
+        </a:p>
+      </dgm:t>
+    </dgm:pt>
+    <dgm:pt modelId="{64E76152-433E-448F-8679-F0B795CE6429}" type="parTrans" cxnId="{E4FF8747-67FB-4CEA-858F-361F8B9B93E2}">
+      <dgm:prSet/>
+      <dgm:spPr/>
+      <dgm:t>
+        <a:bodyPr/>
+        <a:lstStyle/>
+        <a:p>
+          <a:endParaRPr lang="en-US"/>
+        </a:p>
+      </dgm:t>
+    </dgm:pt>
+    <dgm:pt modelId="{6837C8D0-2585-4255-A3E7-722F0D1F33DC}" type="sibTrans" cxnId="{E4FF8747-67FB-4CEA-858F-361F8B9B93E2}">
+      <dgm:prSet/>
+      <dgm:spPr/>
+      <dgm:t>
+        <a:bodyPr/>
+        <a:lstStyle/>
+        <a:p>
+          <a:endParaRPr lang="en-US"/>
+        </a:p>
+      </dgm:t>
+    </dgm:pt>
+    <dgm:pt modelId="{92BE5FBD-19E2-4BF8-AF55-5A0703719F9F}">
+      <dgm:prSet phldrT="[Text]" custT="1"/>
+      <dgm:spPr/>
+      <dgm:t>
+        <a:bodyPr/>
+        <a:lstStyle/>
+        <a:p>
+          <a:r>
+            <a:rPr lang="en-US" sz="900" dirty="0"/>
+            <a:t>61% of the time there was little to no production due to snow-covered panels</a:t>
+          </a:r>
+        </a:p>
+      </dgm:t>
+    </dgm:pt>
+    <dgm:pt modelId="{EA707773-3F04-46FC-B16E-2AF962553C02}" type="parTrans" cxnId="{D165DAEF-394B-4127-9187-EDC1CA0DE704}">
+      <dgm:prSet/>
+      <dgm:spPr/>
+      <dgm:t>
+        <a:bodyPr/>
+        <a:lstStyle/>
+        <a:p>
+          <a:endParaRPr lang="en-US"/>
+        </a:p>
+      </dgm:t>
+    </dgm:pt>
+    <dgm:pt modelId="{03FBDC27-37A1-452F-B701-70E752A563B1}" type="sibTrans" cxnId="{D165DAEF-394B-4127-9187-EDC1CA0DE704}">
+      <dgm:prSet/>
+      <dgm:spPr/>
+      <dgm:t>
+        <a:bodyPr/>
+        <a:lstStyle/>
+        <a:p>
+          <a:endParaRPr lang="en-US"/>
+        </a:p>
+      </dgm:t>
+    </dgm:pt>
+    <dgm:pt modelId="{84526F7E-2D6E-4836-A246-44CAEEBDDB80}">
+      <dgm:prSet phldrT="[Text]" custT="1"/>
+      <dgm:spPr/>
+      <dgm:t>
+        <a:bodyPr/>
+        <a:lstStyle/>
+        <a:p>
+          <a:r>
+            <a:rPr lang="en-US" sz="900" dirty="0"/>
+            <a:t>Effects of cloud cover on solar generation</a:t>
+          </a:r>
+        </a:p>
+      </dgm:t>
+      <dgm:extLst>
+        <a:ext uri="{E40237B7-FDA0-4F09-8148-C483321AD2D9}">
+          <dgm14:cNvPr xmlns:dgm14="http://schemas.microsoft.com/office/drawing/2010/diagram" id="0" name="">
+            <a:hlinkClick xmlns:r="http://schemas.openxmlformats.org/officeDocument/2006/relationships" r:id="rId1"/>
+          </dgm14:cNvPr>
+        </a:ext>
+      </dgm:extLst>
+    </dgm:pt>
+    <dgm:pt modelId="{FFE95D6D-D611-428D-95A8-1BD7978E9D73}" type="parTrans" cxnId="{15F9AC6E-D5C4-4130-992B-F2014381329E}">
+      <dgm:prSet/>
+      <dgm:spPr/>
+      <dgm:t>
+        <a:bodyPr/>
+        <a:lstStyle/>
+        <a:p>
+          <a:endParaRPr lang="en-US"/>
+        </a:p>
+      </dgm:t>
+    </dgm:pt>
+    <dgm:pt modelId="{D76C15E6-6BD6-422B-9034-4F7357F403B4}" type="sibTrans" cxnId="{15F9AC6E-D5C4-4130-992B-F2014381329E}">
+      <dgm:prSet/>
+      <dgm:spPr/>
+      <dgm:t>
+        <a:bodyPr/>
+        <a:lstStyle/>
+        <a:p>
+          <a:endParaRPr lang="en-US"/>
+        </a:p>
+      </dgm:t>
+    </dgm:pt>
+    <dgm:pt modelId="{EDD05278-1A7D-4731-A09E-93F0A04AE703}">
+      <dgm:prSet phldrT="[Text]" custT="1"/>
+      <dgm:spPr/>
+      <dgm:t>
+        <a:bodyPr/>
+        <a:lstStyle/>
+        <a:p>
+          <a:r>
+            <a:rPr lang="en-US" sz="900" dirty="0"/>
+            <a:t>Snow days experience a 54% reduction in solar production ratio compared to non-snow days</a:t>
+          </a:r>
+        </a:p>
+      </dgm:t>
+    </dgm:pt>
+    <dgm:pt modelId="{F1C61BE3-D089-4D6C-B103-83FD56146FA3}" type="parTrans" cxnId="{23A3B447-899B-40BE-B979-481A403A4AF6}">
+      <dgm:prSet/>
+      <dgm:spPr/>
+      <dgm:t>
+        <a:bodyPr/>
+        <a:lstStyle/>
+        <a:p>
+          <a:endParaRPr lang="en-US"/>
+        </a:p>
+      </dgm:t>
+    </dgm:pt>
+    <dgm:pt modelId="{9BACBF93-35B6-4735-8A3D-9B0C7C25EA46}" type="sibTrans" cxnId="{23A3B447-899B-40BE-B979-481A403A4AF6}">
+      <dgm:prSet/>
+      <dgm:spPr/>
+      <dgm:t>
+        <a:bodyPr/>
+        <a:lstStyle/>
+        <a:p>
+          <a:endParaRPr lang="en-US"/>
+        </a:p>
+      </dgm:t>
+    </dgm:pt>
+    <dgm:pt modelId="{85759021-8AC6-4915-B44F-3CFEC6133EFD}">
+      <dgm:prSet phldrT="[Text]" custT="1"/>
+      <dgm:spPr/>
+      <dgm:t>
+        <a:bodyPr/>
+        <a:lstStyle/>
+        <a:p>
+          <a:r>
+            <a:rPr lang="en-US" sz="2300" dirty="0"/>
+            <a:t>Data</a:t>
+          </a:r>
+        </a:p>
+      </dgm:t>
+    </dgm:pt>
+    <dgm:pt modelId="{E75235EC-7691-4D8D-9182-B55516643C9E}" type="sibTrans" cxnId="{C4619A66-C966-459E-BB38-DC062AE6FD80}">
+      <dgm:prSet/>
+      <dgm:spPr/>
+      <dgm:t>
+        <a:bodyPr/>
+        <a:lstStyle/>
+        <a:p>
+          <a:endParaRPr lang="en-US"/>
+        </a:p>
+      </dgm:t>
+    </dgm:pt>
+    <dgm:pt modelId="{95DA655C-7AED-4340-80BD-F8D43CD27ADE}" type="parTrans" cxnId="{C4619A66-C966-459E-BB38-DC062AE6FD80}">
+      <dgm:prSet/>
+      <dgm:spPr/>
+      <dgm:t>
+        <a:bodyPr/>
+        <a:lstStyle/>
+        <a:p>
+          <a:endParaRPr lang="en-US"/>
+        </a:p>
+      </dgm:t>
+    </dgm:pt>
+    <dgm:pt modelId="{F5361E89-D726-494F-A7EB-1E62F0E67686}">
+      <dgm:prSet phldrT="[Text]" custT="1"/>
+      <dgm:spPr/>
+      <dgm:t>
+        <a:bodyPr/>
+        <a:lstStyle/>
+        <a:p>
+          <a:r>
+            <a:rPr lang="en-US" sz="2300" dirty="0"/>
+            <a:t>Energy system impact(s)</a:t>
+          </a:r>
+        </a:p>
+      </dgm:t>
+    </dgm:pt>
+    <dgm:pt modelId="{451F6D92-AF10-4808-B4F6-195134CB1E4E}" type="sibTrans" cxnId="{3818BF66-2B23-4724-8883-3466FD60B7D0}">
+      <dgm:prSet/>
+      <dgm:spPr/>
+      <dgm:t>
+        <a:bodyPr/>
+        <a:lstStyle/>
+        <a:p>
+          <a:endParaRPr lang="en-US"/>
+        </a:p>
+      </dgm:t>
+    </dgm:pt>
+    <dgm:pt modelId="{F1DB6B1D-8D8D-408F-8638-1C96D359FE99}" type="parTrans" cxnId="{3818BF66-2B23-4724-8883-3466FD60B7D0}">
+      <dgm:prSet/>
+      <dgm:spPr/>
+      <dgm:t>
+        <a:bodyPr/>
+        <a:lstStyle/>
+        <a:p>
+          <a:endParaRPr lang="en-US"/>
+        </a:p>
+      </dgm:t>
+    </dgm:pt>
+    <dgm:pt modelId="{1C93ACF9-0ACC-45EF-9015-8E836479BCC0}" type="pres">
+      <dgm:prSet presAssocID="{102189D2-4297-48AA-864A-B4B686D2F35C}" presName="mainComposite" presStyleCnt="0">
+        <dgm:presLayoutVars>
+          <dgm:chPref val="1"/>
+          <dgm:dir/>
+          <dgm:animOne val="branch"/>
+          <dgm:animLvl val="lvl"/>
+          <dgm:resizeHandles val="exact"/>
+        </dgm:presLayoutVars>
+      </dgm:prSet>
+      <dgm:spPr/>
+    </dgm:pt>
+    <dgm:pt modelId="{D6546709-1246-4B78-8351-A7EEAE618559}" type="pres">
+      <dgm:prSet presAssocID="{102189D2-4297-48AA-864A-B4B686D2F35C}" presName="hierFlow" presStyleCnt="0"/>
+      <dgm:spPr/>
+    </dgm:pt>
+    <dgm:pt modelId="{8A4B5648-05DE-42A3-9B13-0BDF0B1D9496}" type="pres">
+      <dgm:prSet presAssocID="{102189D2-4297-48AA-864A-B4B686D2F35C}" presName="firstBuf" presStyleCnt="0"/>
+      <dgm:spPr/>
+    </dgm:pt>
+    <dgm:pt modelId="{2E0F21DF-E294-4DC8-A706-1CB258612845}" type="pres">
+      <dgm:prSet presAssocID="{102189D2-4297-48AA-864A-B4B686D2F35C}" presName="hierChild1" presStyleCnt="0">
+        <dgm:presLayoutVars>
+          <dgm:chPref val="1"/>
+          <dgm:animOne val="branch"/>
+          <dgm:animLvl val="lvl"/>
+        </dgm:presLayoutVars>
+      </dgm:prSet>
+      <dgm:spPr/>
+    </dgm:pt>
+    <dgm:pt modelId="{77FF70ED-72B7-4F85-B852-549C8E048787}" type="pres">
+      <dgm:prSet presAssocID="{BD3DC1D5-02DC-482E-9DB7-50138CE7ED44}" presName="Name14" presStyleCnt="0"/>
+      <dgm:spPr/>
+    </dgm:pt>
+    <dgm:pt modelId="{5059CD49-787A-4F97-A63D-258DC2710265}" type="pres">
+      <dgm:prSet presAssocID="{BD3DC1D5-02DC-482E-9DB7-50138CE7ED44}" presName="level1Shape" presStyleLbl="node0" presStyleIdx="0" presStyleCnt="1" custScaleX="526877" custLinFactY="-100000" custLinFactNeighborY="-134959">
+        <dgm:presLayoutVars>
+          <dgm:chPref val="3"/>
+        </dgm:presLayoutVars>
+      </dgm:prSet>
+      <dgm:spPr/>
+    </dgm:pt>
+    <dgm:pt modelId="{512D86A5-A8F7-4D69-9ACE-23B035BC6828}" type="pres">
+      <dgm:prSet presAssocID="{BD3DC1D5-02DC-482E-9DB7-50138CE7ED44}" presName="hierChild2" presStyleCnt="0"/>
+      <dgm:spPr/>
+    </dgm:pt>
+    <dgm:pt modelId="{26FFF9F0-A79F-4808-B871-8A25A06C6293}" type="pres">
+      <dgm:prSet presAssocID="{E7D985F0-A729-4470-885A-95F4987C930F}" presName="Name19" presStyleLbl="parChTrans1D2" presStyleIdx="0" presStyleCnt="3"/>
+      <dgm:spPr/>
+    </dgm:pt>
+    <dgm:pt modelId="{F5DF9083-8AA7-4EE9-8044-6C6231109963}" type="pres">
+      <dgm:prSet presAssocID="{3935727E-0D0E-4A4E-9E1E-20747F62120E}" presName="Name21" presStyleCnt="0"/>
+      <dgm:spPr/>
+    </dgm:pt>
+    <dgm:pt modelId="{24C7E338-E59C-485F-908F-F17326E7FF65}" type="pres">
+      <dgm:prSet presAssocID="{3935727E-0D0E-4A4E-9E1E-20747F62120E}" presName="level2Shape" presStyleLbl="node2" presStyleIdx="0" presStyleCnt="3" custScaleX="160280" custScaleY="176127" custLinFactNeighborX="2210" custLinFactNeighborY="49480"/>
+      <dgm:spPr/>
+    </dgm:pt>
+    <dgm:pt modelId="{471C70A9-9E08-429A-A9EE-F473A1903F6D}" type="pres">
+      <dgm:prSet presAssocID="{3935727E-0D0E-4A4E-9E1E-20747F62120E}" presName="hierChild3" presStyleCnt="0"/>
+      <dgm:spPr/>
+    </dgm:pt>
+    <dgm:pt modelId="{07BACB36-D2AD-4234-ADEC-F45C22EDC1B2}" type="pres">
+      <dgm:prSet presAssocID="{EA707773-3F04-46FC-B16E-2AF962553C02}" presName="Name19" presStyleLbl="parChTrans1D3" presStyleIdx="0" presStyleCnt="5"/>
+      <dgm:spPr/>
+    </dgm:pt>
+    <dgm:pt modelId="{9D432BEA-770F-46F0-98D1-454F302F7C13}" type="pres">
+      <dgm:prSet presAssocID="{92BE5FBD-19E2-4BF8-AF55-5A0703719F9F}" presName="Name21" presStyleCnt="0"/>
+      <dgm:spPr/>
+    </dgm:pt>
+    <dgm:pt modelId="{679876E1-0C87-4A14-AFD0-C9ECC635F932}" type="pres">
+      <dgm:prSet presAssocID="{92BE5FBD-19E2-4BF8-AF55-5A0703719F9F}" presName="level2Shape" presStyleLbl="node3" presStyleIdx="0" presStyleCnt="5" custScaleX="190573" custScaleY="350902" custLinFactY="200000" custLinFactNeighborX="-35374" custLinFactNeighborY="244036"/>
+      <dgm:spPr/>
+    </dgm:pt>
+    <dgm:pt modelId="{FC562539-B31D-4910-90B6-CF691F227171}" type="pres">
+      <dgm:prSet presAssocID="{92BE5FBD-19E2-4BF8-AF55-5A0703719F9F}" presName="hierChild3" presStyleCnt="0"/>
+      <dgm:spPr/>
+    </dgm:pt>
+    <dgm:pt modelId="{47BDBBC5-83BE-4692-95CB-A8D847A367F5}" type="pres">
+      <dgm:prSet presAssocID="{FFE95D6D-D611-428D-95A8-1BD7978E9D73}" presName="Name19" presStyleLbl="parChTrans1D3" presStyleIdx="1" presStyleCnt="5"/>
+      <dgm:spPr/>
+    </dgm:pt>
+    <dgm:pt modelId="{A59245DD-A27B-4E87-8445-C2115061FD7D}" type="pres">
+      <dgm:prSet presAssocID="{84526F7E-2D6E-4836-A246-44CAEEBDDB80}" presName="Name21" presStyleCnt="0"/>
+      <dgm:spPr/>
+    </dgm:pt>
+    <dgm:pt modelId="{B8341881-1E1C-4A3F-85EE-6217C98810E0}" type="pres">
+      <dgm:prSet presAssocID="{84526F7E-2D6E-4836-A246-44CAEEBDDB80}" presName="level2Shape" presStyleLbl="node3" presStyleIdx="1" presStyleCnt="5" custScaleX="157184" custScaleY="199812" custLinFactY="200000" custLinFactNeighborX="-34946" custLinFactNeighborY="244038"/>
+      <dgm:spPr/>
+    </dgm:pt>
+    <dgm:pt modelId="{94023795-516D-422E-9401-9F0751C0021B}" type="pres">
+      <dgm:prSet presAssocID="{84526F7E-2D6E-4836-A246-44CAEEBDDB80}" presName="hierChild3" presStyleCnt="0"/>
+      <dgm:spPr/>
+    </dgm:pt>
+    <dgm:pt modelId="{54C8ABC5-46E6-4715-9751-5ED1137F69FD}" type="pres">
+      <dgm:prSet presAssocID="{F1C61BE3-D089-4D6C-B103-83FD56146FA3}" presName="Name19" presStyleLbl="parChTrans1D3" presStyleIdx="2" presStyleCnt="5"/>
+      <dgm:spPr/>
+    </dgm:pt>
+    <dgm:pt modelId="{3E3D24C5-94FC-49B6-9A8D-0D91AC5DD6CF}" type="pres">
+      <dgm:prSet presAssocID="{EDD05278-1A7D-4731-A09E-93F0A04AE703}" presName="Name21" presStyleCnt="0"/>
+      <dgm:spPr/>
+    </dgm:pt>
+    <dgm:pt modelId="{12D6EFA1-E9B7-4657-9935-B1D340A75847}" type="pres">
+      <dgm:prSet presAssocID="{EDD05278-1A7D-4731-A09E-93F0A04AE703}" presName="level2Shape" presStyleLbl="node3" presStyleIdx="2" presStyleCnt="5" custScaleX="179125" custScaleY="419385" custLinFactY="200000" custLinFactNeighborX="-24528" custLinFactNeighborY="243733"/>
+      <dgm:spPr/>
+    </dgm:pt>
+    <dgm:pt modelId="{9658D409-A6D9-4520-BF17-55E279A572CC}" type="pres">
+      <dgm:prSet presAssocID="{EDD05278-1A7D-4731-A09E-93F0A04AE703}" presName="hierChild3" presStyleCnt="0"/>
+      <dgm:spPr/>
+    </dgm:pt>
+    <dgm:pt modelId="{A32B63AF-FA67-4D50-9C81-974FAF3DFF6E}" type="pres">
+      <dgm:prSet presAssocID="{64E76152-433E-448F-8679-F0B795CE6429}" presName="Name19" presStyleLbl="parChTrans1D2" presStyleIdx="1" presStyleCnt="3"/>
+      <dgm:spPr/>
+    </dgm:pt>
+    <dgm:pt modelId="{9D6FCFC0-B316-4810-822B-DFCA39297CE5}" type="pres">
+      <dgm:prSet presAssocID="{2E3728DC-0C33-4BF3-B3E0-A87523398836}" presName="Name21" presStyleCnt="0"/>
+      <dgm:spPr/>
+    </dgm:pt>
+    <dgm:pt modelId="{0992AC3E-F881-494A-A457-6049D2B2C058}" type="pres">
+      <dgm:prSet presAssocID="{2E3728DC-0C33-4BF3-B3E0-A87523398836}" presName="level2Shape" presStyleLbl="node2" presStyleIdx="1" presStyleCnt="3" custScaleX="186688" custScaleY="205251" custLinFactNeighborX="-25077" custLinFactNeighborY="51268"/>
+      <dgm:spPr/>
+    </dgm:pt>
+    <dgm:pt modelId="{E7750193-4991-4311-AA5A-4ADCEBBA615C}" type="pres">
+      <dgm:prSet presAssocID="{2E3728DC-0C33-4BF3-B3E0-A87523398836}" presName="hierChild3" presStyleCnt="0"/>
+      <dgm:spPr/>
+    </dgm:pt>
+    <dgm:pt modelId="{536D6ED2-29CE-459C-BAF8-05E4F6D16AA4}" type="pres">
+      <dgm:prSet presAssocID="{78039D1A-6AA0-4A87-BC9B-4AC9DCF9D575}" presName="Name19" presStyleLbl="parChTrans1D3" presStyleIdx="3" presStyleCnt="5"/>
+      <dgm:spPr/>
+    </dgm:pt>
+    <dgm:pt modelId="{8DE19567-AD13-4178-AF1E-B5F633473D0A}" type="pres">
+      <dgm:prSet presAssocID="{6E3A4F0A-84DB-4D2A-BB6A-9AC8BE8B9483}" presName="Name21" presStyleCnt="0"/>
+      <dgm:spPr/>
+    </dgm:pt>
+    <dgm:pt modelId="{A030F173-DB14-4FC9-8CF6-6C067C6E7465}" type="pres">
+      <dgm:prSet presAssocID="{6E3A4F0A-84DB-4D2A-BB6A-9AC8BE8B9483}" presName="level2Shape" presStyleLbl="node3" presStyleIdx="3" presStyleCnt="5" custScaleX="209614" custScaleY="335499" custLinFactY="200000" custLinFactNeighborX="-25411" custLinFactNeighborY="221421"/>
+      <dgm:spPr/>
+    </dgm:pt>
+    <dgm:pt modelId="{4F55A9AE-2D08-490A-BBA1-270B9E025C9A}" type="pres">
+      <dgm:prSet presAssocID="{6E3A4F0A-84DB-4D2A-BB6A-9AC8BE8B9483}" presName="hierChild3" presStyleCnt="0"/>
+      <dgm:spPr/>
+    </dgm:pt>
+    <dgm:pt modelId="{77520C0C-9948-451D-AB96-FE0695717798}" type="pres">
+      <dgm:prSet presAssocID="{BCFA6D1D-FF1B-4340-93CC-B068D8F5ED10}" presName="Name19" presStyleLbl="parChTrans1D2" presStyleIdx="2" presStyleCnt="3"/>
+      <dgm:spPr/>
+    </dgm:pt>
+    <dgm:pt modelId="{14B42F8A-179A-4541-A2FA-89D92A1A5EA1}" type="pres">
+      <dgm:prSet presAssocID="{BDC52DB4-A235-4B5F-AB1F-AC53F5A977EE}" presName="Name21" presStyleCnt="0"/>
+      <dgm:spPr/>
+    </dgm:pt>
+    <dgm:pt modelId="{BEC6F031-4764-40F6-98E9-C0821A1786BB}" type="pres">
+      <dgm:prSet presAssocID="{BDC52DB4-A235-4B5F-AB1F-AC53F5A977EE}" presName="level2Shape" presStyleLbl="node2" presStyleIdx="2" presStyleCnt="3" custScaleX="263788" custScaleY="234599" custLinFactNeighborX="-17995" custLinFactNeighborY="49480"/>
+      <dgm:spPr/>
+    </dgm:pt>
+    <dgm:pt modelId="{E10DDEBE-B07A-49B9-87F7-50621CDC5E2E}" type="pres">
+      <dgm:prSet presAssocID="{BDC52DB4-A235-4B5F-AB1F-AC53F5A977EE}" presName="hierChild3" presStyleCnt="0"/>
+      <dgm:spPr/>
+    </dgm:pt>
+    <dgm:pt modelId="{E7B4455F-8CC0-4A49-B48F-F6FA89302B28}" type="pres">
+      <dgm:prSet presAssocID="{6CBA1852-8BDE-4B0F-BA28-B78BF058579F}" presName="Name19" presStyleLbl="parChTrans1D3" presStyleIdx="4" presStyleCnt="5"/>
+      <dgm:spPr/>
+    </dgm:pt>
+    <dgm:pt modelId="{FD99054E-3453-4389-8E73-0F3592B716BC}" type="pres">
+      <dgm:prSet presAssocID="{3AA8C9C7-4AB8-412A-9E2F-52B7E6D2573F}" presName="Name21" presStyleCnt="0"/>
+      <dgm:spPr/>
+    </dgm:pt>
+    <dgm:pt modelId="{4B59D9AD-04E3-4899-9AD5-798825400C09}" type="pres">
+      <dgm:prSet presAssocID="{3AA8C9C7-4AB8-412A-9E2F-52B7E6D2573F}" presName="level2Shape" presStyleLbl="node3" presStyleIdx="4" presStyleCnt="5" custScaleX="201456" custScaleY="456855" custLinFactY="152252" custLinFactNeighborX="-17995" custLinFactNeighborY="200000"/>
+      <dgm:spPr/>
+    </dgm:pt>
+    <dgm:pt modelId="{C1FDC603-E735-449D-B646-B2F4CDE9CDE0}" type="pres">
+      <dgm:prSet presAssocID="{3AA8C9C7-4AB8-412A-9E2F-52B7E6D2573F}" presName="hierChild3" presStyleCnt="0"/>
+      <dgm:spPr/>
+    </dgm:pt>
+    <dgm:pt modelId="{F0D9606A-B9B7-448B-BAEE-DF06CC8A527F}" type="pres">
+      <dgm:prSet presAssocID="{102189D2-4297-48AA-864A-B4B686D2F35C}" presName="bgShapesFlow" presStyleCnt="0"/>
+      <dgm:spPr/>
+    </dgm:pt>
+    <dgm:pt modelId="{60DBB78A-3A84-45FA-9EC7-083DB7A530F3}" type="pres">
+      <dgm:prSet presAssocID="{86BFE1F0-23C4-4794-8ADB-59CF9038B7CF}" presName="rectComp" presStyleCnt="0"/>
+      <dgm:spPr/>
+    </dgm:pt>
+    <dgm:pt modelId="{45EDF92B-B007-4054-868A-FF8F49B471DF}" type="pres">
+      <dgm:prSet presAssocID="{86BFE1F0-23C4-4794-8ADB-59CF9038B7CF}" presName="bgRect" presStyleLbl="bgShp" presStyleIdx="0" presStyleCnt="3" custScaleY="155395" custLinFactY="-100000" custLinFactNeighborY="-157527"/>
+      <dgm:spPr/>
+    </dgm:pt>
+    <dgm:pt modelId="{AE75471A-EB1C-44B2-BCBF-6991E1A125FC}" type="pres">
+      <dgm:prSet presAssocID="{86BFE1F0-23C4-4794-8ADB-59CF9038B7CF}" presName="bgRectTx" presStyleLbl="bgShp" presStyleIdx="0" presStyleCnt="3">
+        <dgm:presLayoutVars>
+          <dgm:bulletEnabled val="1"/>
+        </dgm:presLayoutVars>
+      </dgm:prSet>
+      <dgm:spPr/>
+    </dgm:pt>
+    <dgm:pt modelId="{E0C7FC93-69E7-4C49-853F-579BBFDA4673}" type="pres">
+      <dgm:prSet presAssocID="{86BFE1F0-23C4-4794-8ADB-59CF9038B7CF}" presName="spComp" presStyleCnt="0"/>
+      <dgm:spPr/>
+    </dgm:pt>
+    <dgm:pt modelId="{80CD0880-CC92-4D8A-8787-2CBFB406D3D6}" type="pres">
+      <dgm:prSet presAssocID="{86BFE1F0-23C4-4794-8ADB-59CF9038B7CF}" presName="vSp" presStyleCnt="0"/>
+      <dgm:spPr/>
+    </dgm:pt>
+    <dgm:pt modelId="{CD38246F-79F3-4108-AE27-5D858E78D132}" type="pres">
+      <dgm:prSet presAssocID="{F5361E89-D726-494F-A7EB-1E62F0E67686}" presName="rectComp" presStyleCnt="0"/>
+      <dgm:spPr/>
+    </dgm:pt>
+    <dgm:pt modelId="{48B619C1-0227-4BB4-9330-65F19C463727}" type="pres">
+      <dgm:prSet presAssocID="{F5361E89-D726-494F-A7EB-1E62F0E67686}" presName="bgRect" presStyleLbl="bgShp" presStyleIdx="1" presStyleCnt="3" custScaleY="247952" custLinFactNeighborY="-29767"/>
+      <dgm:spPr/>
+    </dgm:pt>
+    <dgm:pt modelId="{C66263BC-2385-4221-B7FB-0812FB8DD0A2}" type="pres">
+      <dgm:prSet presAssocID="{F5361E89-D726-494F-A7EB-1E62F0E67686}" presName="bgRectTx" presStyleLbl="bgShp" presStyleIdx="1" presStyleCnt="3">
+        <dgm:presLayoutVars>
+          <dgm:bulletEnabled val="1"/>
+        </dgm:presLayoutVars>
+      </dgm:prSet>
+      <dgm:spPr/>
+    </dgm:pt>
+    <dgm:pt modelId="{30AD958D-9A07-4320-A08F-8CB2386AF188}" type="pres">
+      <dgm:prSet presAssocID="{F5361E89-D726-494F-A7EB-1E62F0E67686}" presName="spComp" presStyleCnt="0"/>
+      <dgm:spPr/>
+    </dgm:pt>
+    <dgm:pt modelId="{EAF8065A-9A8E-43C2-857D-BEB0B25378F5}" type="pres">
+      <dgm:prSet presAssocID="{F5361E89-D726-494F-A7EB-1E62F0E67686}" presName="vSp" presStyleCnt="0"/>
+      <dgm:spPr/>
+    </dgm:pt>
+    <dgm:pt modelId="{DB7D4AC0-DB9F-4C4B-A562-8AFBA5400EBC}" type="pres">
+      <dgm:prSet presAssocID="{85759021-8AC6-4915-B44F-3CFEC6133EFD}" presName="rectComp" presStyleCnt="0"/>
+      <dgm:spPr/>
+    </dgm:pt>
+    <dgm:pt modelId="{45E3B86A-E5DA-4B29-BEED-858F6515DE6F}" type="pres">
+      <dgm:prSet presAssocID="{85759021-8AC6-4915-B44F-3CFEC6133EFD}" presName="bgRect" presStyleLbl="bgShp" presStyleIdx="2" presStyleCnt="3" custScaleY="440139" custLinFactY="73032" custLinFactNeighborY="100000"/>
+      <dgm:spPr/>
+    </dgm:pt>
+    <dgm:pt modelId="{E8369211-7CA7-43A2-867D-FA81DE4DC881}" type="pres">
+      <dgm:prSet presAssocID="{85759021-8AC6-4915-B44F-3CFEC6133EFD}" presName="bgRectTx" presStyleLbl="bgShp" presStyleIdx="2" presStyleCnt="3">
+        <dgm:presLayoutVars>
+          <dgm:bulletEnabled val="1"/>
+        </dgm:presLayoutVars>
+      </dgm:prSet>
+      <dgm:spPr/>
+    </dgm:pt>
+  </dgm:ptLst>
+  <dgm:cxnLst>
+    <dgm:cxn modelId="{CD2F970B-5879-4AB6-A269-5874ADEA29E3}" type="presOf" srcId="{102189D2-4297-48AA-864A-B4B686D2F35C}" destId="{1C93ACF9-0ACC-45EF-9015-8E836479BCC0}" srcOrd="0" destOrd="0" presId="urn:microsoft.com/office/officeart/2005/8/layout/hierarchy6"/>
+    <dgm:cxn modelId="{60C21B0E-374C-4C11-B03C-570A00740C7D}" type="presOf" srcId="{F5361E89-D726-494F-A7EB-1E62F0E67686}" destId="{C66263BC-2385-4221-B7FB-0812FB8DD0A2}" srcOrd="1" destOrd="0" presId="urn:microsoft.com/office/officeart/2005/8/layout/hierarchy6"/>
+    <dgm:cxn modelId="{FCE6C512-3A20-48E0-9DB6-F72CDE6DE51B}" type="presOf" srcId="{3935727E-0D0E-4A4E-9E1E-20747F62120E}" destId="{24C7E338-E59C-485F-908F-F17326E7FF65}" srcOrd="0" destOrd="0" presId="urn:microsoft.com/office/officeart/2005/8/layout/hierarchy6"/>
+    <dgm:cxn modelId="{4ABAC016-1FC8-4999-B347-0FABBEE0ABC9}" type="presOf" srcId="{86BFE1F0-23C4-4794-8ADB-59CF9038B7CF}" destId="{AE75471A-EB1C-44B2-BCBF-6991E1A125FC}" srcOrd="1" destOrd="0" presId="urn:microsoft.com/office/officeart/2005/8/layout/hierarchy6"/>
+    <dgm:cxn modelId="{E74FEE30-1A19-497E-8592-65CC2CF9878F}" srcId="{BD3DC1D5-02DC-482E-9DB7-50138CE7ED44}" destId="{BDC52DB4-A235-4B5F-AB1F-AC53F5A977EE}" srcOrd="2" destOrd="0" parTransId="{BCFA6D1D-FF1B-4340-93CC-B068D8F5ED10}" sibTransId="{B15B6035-C44F-4CBD-9A8E-84C500A589CD}"/>
+    <dgm:cxn modelId="{A163FA3B-6368-4AE5-861C-58240328066E}" type="presOf" srcId="{86BFE1F0-23C4-4794-8ADB-59CF9038B7CF}" destId="{45EDF92B-B007-4054-868A-FF8F49B471DF}" srcOrd="0" destOrd="0" presId="urn:microsoft.com/office/officeart/2005/8/layout/hierarchy6"/>
+    <dgm:cxn modelId="{E559153E-81D7-4577-B6AA-7C9ADD500C8C}" type="presOf" srcId="{78039D1A-6AA0-4A87-BC9B-4AC9DCF9D575}" destId="{536D6ED2-29CE-459C-BAF8-05E4F6D16AA4}" srcOrd="0" destOrd="0" presId="urn:microsoft.com/office/officeart/2005/8/layout/hierarchy6"/>
+    <dgm:cxn modelId="{DF366D5D-7A77-4DFD-897A-3E2C56FA86D2}" type="presOf" srcId="{EDD05278-1A7D-4731-A09E-93F0A04AE703}" destId="{12D6EFA1-E9B7-4657-9935-B1D340A75847}" srcOrd="0" destOrd="0" presId="urn:microsoft.com/office/officeart/2005/8/layout/hierarchy6"/>
+    <dgm:cxn modelId="{C4619A66-C966-459E-BB38-DC062AE6FD80}" srcId="{102189D2-4297-48AA-864A-B4B686D2F35C}" destId="{85759021-8AC6-4915-B44F-3CFEC6133EFD}" srcOrd="3" destOrd="0" parTransId="{95DA655C-7AED-4340-80BD-F8D43CD27ADE}" sibTransId="{E75235EC-7691-4D8D-9182-B55516643C9E}"/>
+    <dgm:cxn modelId="{3818BF66-2B23-4724-8883-3466FD60B7D0}" srcId="{102189D2-4297-48AA-864A-B4B686D2F35C}" destId="{F5361E89-D726-494F-A7EB-1E62F0E67686}" srcOrd="2" destOrd="0" parTransId="{F1DB6B1D-8D8D-408F-8638-1C96D359FE99}" sibTransId="{451F6D92-AF10-4808-B4F6-195134CB1E4E}"/>
+    <dgm:cxn modelId="{53285747-4EFD-490C-8D85-571596B8B223}" srcId="{BDC52DB4-A235-4B5F-AB1F-AC53F5A977EE}" destId="{3AA8C9C7-4AB8-412A-9E2F-52B7E6D2573F}" srcOrd="0" destOrd="0" parTransId="{6CBA1852-8BDE-4B0F-BA28-B78BF058579F}" sibTransId="{C3BFF71F-2829-4223-8888-4E734C89FF05}"/>
+    <dgm:cxn modelId="{E4FF8747-67FB-4CEA-858F-361F8B9B93E2}" srcId="{BD3DC1D5-02DC-482E-9DB7-50138CE7ED44}" destId="{2E3728DC-0C33-4BF3-B3E0-A87523398836}" srcOrd="1" destOrd="0" parTransId="{64E76152-433E-448F-8679-F0B795CE6429}" sibTransId="{6837C8D0-2585-4255-A3E7-722F0D1F33DC}"/>
+    <dgm:cxn modelId="{23A3B447-899B-40BE-B979-481A403A4AF6}" srcId="{3935727E-0D0E-4A4E-9E1E-20747F62120E}" destId="{EDD05278-1A7D-4731-A09E-93F0A04AE703}" srcOrd="2" destOrd="0" parTransId="{F1C61BE3-D089-4D6C-B103-83FD56146FA3}" sibTransId="{9BACBF93-35B6-4735-8A3D-9B0C7C25EA46}"/>
+    <dgm:cxn modelId="{15F9AC6E-D5C4-4130-992B-F2014381329E}" srcId="{3935727E-0D0E-4A4E-9E1E-20747F62120E}" destId="{84526F7E-2D6E-4836-A246-44CAEEBDDB80}" srcOrd="1" destOrd="0" parTransId="{FFE95D6D-D611-428D-95A8-1BD7978E9D73}" sibTransId="{D76C15E6-6BD6-422B-9034-4F7357F403B4}"/>
+    <dgm:cxn modelId="{124D3A71-678E-4B2F-958C-41D84EC638F3}" type="presOf" srcId="{2E3728DC-0C33-4BF3-B3E0-A87523398836}" destId="{0992AC3E-F881-494A-A457-6049D2B2C058}" srcOrd="0" destOrd="0" presId="urn:microsoft.com/office/officeart/2005/8/layout/hierarchy6"/>
+    <dgm:cxn modelId="{EEAAE076-24D4-48D0-B73F-482E2FC7644C}" srcId="{102189D2-4297-48AA-864A-B4B686D2F35C}" destId="{86BFE1F0-23C4-4794-8ADB-59CF9038B7CF}" srcOrd="1" destOrd="0" parTransId="{8360AFCB-F031-4D14-A785-1A829FD2F3BC}" sibTransId="{49EB6F6F-562D-4C22-8E5F-D869AAFDE572}"/>
+    <dgm:cxn modelId="{769C7957-79B1-49B9-956D-5A677AEA8EEB}" type="presOf" srcId="{BDC52DB4-A235-4B5F-AB1F-AC53F5A977EE}" destId="{BEC6F031-4764-40F6-98E9-C0821A1786BB}" srcOrd="0" destOrd="0" presId="urn:microsoft.com/office/officeart/2005/8/layout/hierarchy6"/>
+    <dgm:cxn modelId="{9841C47D-6AFD-4440-A3CB-53D58B8C4719}" type="presOf" srcId="{E7D985F0-A729-4470-885A-95F4987C930F}" destId="{26FFF9F0-A79F-4808-B871-8A25A06C6293}" srcOrd="0" destOrd="0" presId="urn:microsoft.com/office/officeart/2005/8/layout/hierarchy6"/>
+    <dgm:cxn modelId="{F8D2D883-EDDF-4C04-BFA5-80803C0E652F}" type="presOf" srcId="{85759021-8AC6-4915-B44F-3CFEC6133EFD}" destId="{45E3B86A-E5DA-4B29-BEED-858F6515DE6F}" srcOrd="0" destOrd="0" presId="urn:microsoft.com/office/officeart/2005/8/layout/hierarchy6"/>
+    <dgm:cxn modelId="{6F4C3B86-4BBF-4ACB-A699-FEFD365A65D0}" type="presOf" srcId="{F1C61BE3-D089-4D6C-B103-83FD56146FA3}" destId="{54C8ABC5-46E6-4715-9751-5ED1137F69FD}" srcOrd="0" destOrd="0" presId="urn:microsoft.com/office/officeart/2005/8/layout/hierarchy6"/>
+    <dgm:cxn modelId="{0AA5F08D-947A-44A6-8F01-8254DB0E6596}" type="presOf" srcId="{6E3A4F0A-84DB-4D2A-BB6A-9AC8BE8B9483}" destId="{A030F173-DB14-4FC9-8CF6-6C067C6E7465}" srcOrd="0" destOrd="0" presId="urn:microsoft.com/office/officeart/2005/8/layout/hierarchy6"/>
+    <dgm:cxn modelId="{72AE548E-ACE4-44A2-A911-68BDFC3629B9}" type="presOf" srcId="{64E76152-433E-448F-8679-F0B795CE6429}" destId="{A32B63AF-FA67-4D50-9C81-974FAF3DFF6E}" srcOrd="0" destOrd="0" presId="urn:microsoft.com/office/officeart/2005/8/layout/hierarchy6"/>
+    <dgm:cxn modelId="{1F92CBAA-5425-433B-9866-94C569447756}" type="presOf" srcId="{92BE5FBD-19E2-4BF8-AF55-5A0703719F9F}" destId="{679876E1-0C87-4A14-AFD0-C9ECC635F932}" srcOrd="0" destOrd="0" presId="urn:microsoft.com/office/officeart/2005/8/layout/hierarchy6"/>
+    <dgm:cxn modelId="{227FB5AD-A99F-41BE-B088-FA5F0DAC6246}" type="presOf" srcId="{84526F7E-2D6E-4836-A246-44CAEEBDDB80}" destId="{B8341881-1E1C-4A3F-85EE-6217C98810E0}" srcOrd="0" destOrd="0" presId="urn:microsoft.com/office/officeart/2005/8/layout/hierarchy6"/>
+    <dgm:cxn modelId="{7E2EFEAD-E41E-4E25-AA64-CC82B7711CEE}" type="presOf" srcId="{BD3DC1D5-02DC-482E-9DB7-50138CE7ED44}" destId="{5059CD49-787A-4F97-A63D-258DC2710265}" srcOrd="0" destOrd="0" presId="urn:microsoft.com/office/officeart/2005/8/layout/hierarchy6"/>
+    <dgm:cxn modelId="{07F0DCB5-E5ED-4432-B965-C701D2ACA8BB}" type="presOf" srcId="{FFE95D6D-D611-428D-95A8-1BD7978E9D73}" destId="{47BDBBC5-83BE-4692-95CB-A8D847A367F5}" srcOrd="0" destOrd="0" presId="urn:microsoft.com/office/officeart/2005/8/layout/hierarchy6"/>
+    <dgm:cxn modelId="{681D19C2-2630-4D3C-9659-43A8E1DC99D5}" type="presOf" srcId="{3AA8C9C7-4AB8-412A-9E2F-52B7E6D2573F}" destId="{4B59D9AD-04E3-4899-9AD5-798825400C09}" srcOrd="0" destOrd="0" presId="urn:microsoft.com/office/officeart/2005/8/layout/hierarchy6"/>
+    <dgm:cxn modelId="{C29EA2C6-5A20-402E-95E3-3A28BA658143}" srcId="{2E3728DC-0C33-4BF3-B3E0-A87523398836}" destId="{6E3A4F0A-84DB-4D2A-BB6A-9AC8BE8B9483}" srcOrd="0" destOrd="0" parTransId="{78039D1A-6AA0-4A87-BC9B-4AC9DCF9D575}" sibTransId="{8D64A9CE-23B3-4576-9472-944C6CCF72EF}"/>
+    <dgm:cxn modelId="{87E34ADD-1278-415A-B64E-BC03A40612C0}" type="presOf" srcId="{EA707773-3F04-46FC-B16E-2AF962553C02}" destId="{07BACB36-D2AD-4234-ADEC-F45C22EDC1B2}" srcOrd="0" destOrd="0" presId="urn:microsoft.com/office/officeart/2005/8/layout/hierarchy6"/>
+    <dgm:cxn modelId="{37ED40E5-50B5-4E3A-ADCC-E8B70017EAB4}" type="presOf" srcId="{F5361E89-D726-494F-A7EB-1E62F0E67686}" destId="{48B619C1-0227-4BB4-9330-65F19C463727}" srcOrd="0" destOrd="0" presId="urn:microsoft.com/office/officeart/2005/8/layout/hierarchy6"/>
+    <dgm:cxn modelId="{DBDD30E9-51E1-4CC7-819D-FCDF20028DF3}" type="presOf" srcId="{85759021-8AC6-4915-B44F-3CFEC6133EFD}" destId="{E8369211-7CA7-43A2-867D-FA81DE4DC881}" srcOrd="1" destOrd="0" presId="urn:microsoft.com/office/officeart/2005/8/layout/hierarchy6"/>
+    <dgm:cxn modelId="{D165DAEF-394B-4127-9187-EDC1CA0DE704}" srcId="{3935727E-0D0E-4A4E-9E1E-20747F62120E}" destId="{92BE5FBD-19E2-4BF8-AF55-5A0703719F9F}" srcOrd="0" destOrd="0" parTransId="{EA707773-3F04-46FC-B16E-2AF962553C02}" sibTransId="{03FBDC27-37A1-452F-B701-70E752A563B1}"/>
+    <dgm:cxn modelId="{AD75C0F1-2C9A-4059-B542-160529A29AD1}" srcId="{102189D2-4297-48AA-864A-B4B686D2F35C}" destId="{BD3DC1D5-02DC-482E-9DB7-50138CE7ED44}" srcOrd="0" destOrd="0" parTransId="{963FA17F-97B1-4B5F-8471-EBF8449720C3}" sibTransId="{38CA10A0-D078-4AF7-A954-7CF7E199ABF1}"/>
+    <dgm:cxn modelId="{74ED5DF6-2B83-49F4-84D6-DA8F83B3963D}" srcId="{BD3DC1D5-02DC-482E-9DB7-50138CE7ED44}" destId="{3935727E-0D0E-4A4E-9E1E-20747F62120E}" srcOrd="0" destOrd="0" parTransId="{E7D985F0-A729-4470-885A-95F4987C930F}" sibTransId="{DDD1C10F-DB1D-4212-B68A-3CFF49C3EBF6}"/>
+    <dgm:cxn modelId="{F76F4EF6-FF24-44EE-B979-46369FA0077F}" type="presOf" srcId="{6CBA1852-8BDE-4B0F-BA28-B78BF058579F}" destId="{E7B4455F-8CC0-4A49-B48F-F6FA89302B28}" srcOrd="0" destOrd="0" presId="urn:microsoft.com/office/officeart/2005/8/layout/hierarchy6"/>
+    <dgm:cxn modelId="{5A0C0DF7-409C-4FDE-9407-A9236F88C7D6}" type="presOf" srcId="{BCFA6D1D-FF1B-4340-93CC-B068D8F5ED10}" destId="{77520C0C-9948-451D-AB96-FE0695717798}" srcOrd="0" destOrd="0" presId="urn:microsoft.com/office/officeart/2005/8/layout/hierarchy6"/>
+    <dgm:cxn modelId="{C2804643-1F8C-4B21-9EDE-6B701F20B097}" type="presParOf" srcId="{1C93ACF9-0ACC-45EF-9015-8E836479BCC0}" destId="{D6546709-1246-4B78-8351-A7EEAE618559}" srcOrd="0" destOrd="0" presId="urn:microsoft.com/office/officeart/2005/8/layout/hierarchy6"/>
+    <dgm:cxn modelId="{8FA549DC-029A-4CD1-AF4A-6E203CF54AD0}" type="presParOf" srcId="{D6546709-1246-4B78-8351-A7EEAE618559}" destId="{8A4B5648-05DE-42A3-9B13-0BDF0B1D9496}" srcOrd="0" destOrd="0" presId="urn:microsoft.com/office/officeart/2005/8/layout/hierarchy6"/>
+    <dgm:cxn modelId="{30DDE015-0619-4004-9B1E-793398BA759A}" type="presParOf" srcId="{D6546709-1246-4B78-8351-A7EEAE618559}" destId="{2E0F21DF-E294-4DC8-A706-1CB258612845}" srcOrd="1" destOrd="0" presId="urn:microsoft.com/office/officeart/2005/8/layout/hierarchy6"/>
+    <dgm:cxn modelId="{9B9BE3BF-E85C-4439-A2D4-533DE39EF6A6}" type="presParOf" srcId="{2E0F21DF-E294-4DC8-A706-1CB258612845}" destId="{77FF70ED-72B7-4F85-B852-549C8E048787}" srcOrd="0" destOrd="0" presId="urn:microsoft.com/office/officeart/2005/8/layout/hierarchy6"/>
+    <dgm:cxn modelId="{CA2F3D53-2E47-4B50-A530-D4F96E268165}" type="presParOf" srcId="{77FF70ED-72B7-4F85-B852-549C8E048787}" destId="{5059CD49-787A-4F97-A63D-258DC2710265}" srcOrd="0" destOrd="0" presId="urn:microsoft.com/office/officeart/2005/8/layout/hierarchy6"/>
+    <dgm:cxn modelId="{14136FA2-8E24-46D0-BCA5-F9E963BCA91A}" type="presParOf" srcId="{77FF70ED-72B7-4F85-B852-549C8E048787}" destId="{512D86A5-A8F7-4D69-9ACE-23B035BC6828}" srcOrd="1" destOrd="0" presId="urn:microsoft.com/office/officeart/2005/8/layout/hierarchy6"/>
+    <dgm:cxn modelId="{E67F60B1-CC60-4ECE-9A0E-2710216DDF1E}" type="presParOf" srcId="{512D86A5-A8F7-4D69-9ACE-23B035BC6828}" destId="{26FFF9F0-A79F-4808-B871-8A25A06C6293}" srcOrd="0" destOrd="0" presId="urn:microsoft.com/office/officeart/2005/8/layout/hierarchy6"/>
+    <dgm:cxn modelId="{DF33696D-3C5B-48DD-A0F0-5EDD16CB271E}" type="presParOf" srcId="{512D86A5-A8F7-4D69-9ACE-23B035BC6828}" destId="{F5DF9083-8AA7-4EE9-8044-6C6231109963}" srcOrd="1" destOrd="0" presId="urn:microsoft.com/office/officeart/2005/8/layout/hierarchy6"/>
+    <dgm:cxn modelId="{FD1AF379-3124-4B49-B8C3-1F2A99FCB0EC}" type="presParOf" srcId="{F5DF9083-8AA7-4EE9-8044-6C6231109963}" destId="{24C7E338-E59C-485F-908F-F17326E7FF65}" srcOrd="0" destOrd="0" presId="urn:microsoft.com/office/officeart/2005/8/layout/hierarchy6"/>
+    <dgm:cxn modelId="{D9E8F315-CF50-4552-A748-A863462C91F9}" type="presParOf" srcId="{F5DF9083-8AA7-4EE9-8044-6C6231109963}" destId="{471C70A9-9E08-429A-A9EE-F473A1903F6D}" srcOrd="1" destOrd="0" presId="urn:microsoft.com/office/officeart/2005/8/layout/hierarchy6"/>
+    <dgm:cxn modelId="{72CF8484-FC28-453B-96BA-5047192B00D6}" type="presParOf" srcId="{471C70A9-9E08-429A-A9EE-F473A1903F6D}" destId="{07BACB36-D2AD-4234-ADEC-F45C22EDC1B2}" srcOrd="0" destOrd="0" presId="urn:microsoft.com/office/officeart/2005/8/layout/hierarchy6"/>
+    <dgm:cxn modelId="{B29852B0-EE0D-4A1B-A17D-882BC1A03537}" type="presParOf" srcId="{471C70A9-9E08-429A-A9EE-F473A1903F6D}" destId="{9D432BEA-770F-46F0-98D1-454F302F7C13}" srcOrd="1" destOrd="0" presId="urn:microsoft.com/office/officeart/2005/8/layout/hierarchy6"/>
+    <dgm:cxn modelId="{99B5239C-0CC3-4FFE-9EC0-3A7A3CF8479E}" type="presParOf" srcId="{9D432BEA-770F-46F0-98D1-454F302F7C13}" destId="{679876E1-0C87-4A14-AFD0-C9ECC635F932}" srcOrd="0" destOrd="0" presId="urn:microsoft.com/office/officeart/2005/8/layout/hierarchy6"/>
+    <dgm:cxn modelId="{4C3FAA36-C413-40B0-A19C-2E9BFB15AE83}" type="presParOf" srcId="{9D432BEA-770F-46F0-98D1-454F302F7C13}" destId="{FC562539-B31D-4910-90B6-CF691F227171}" srcOrd="1" destOrd="0" presId="urn:microsoft.com/office/officeart/2005/8/layout/hierarchy6"/>
+    <dgm:cxn modelId="{322A0BC9-82DC-48AF-8355-4E60585A1115}" type="presParOf" srcId="{471C70A9-9E08-429A-A9EE-F473A1903F6D}" destId="{47BDBBC5-83BE-4692-95CB-A8D847A367F5}" srcOrd="2" destOrd="0" presId="urn:microsoft.com/office/officeart/2005/8/layout/hierarchy6"/>
+    <dgm:cxn modelId="{139980F1-0118-42BD-AC11-E01B81E477DB}" type="presParOf" srcId="{471C70A9-9E08-429A-A9EE-F473A1903F6D}" destId="{A59245DD-A27B-4E87-8445-C2115061FD7D}" srcOrd="3" destOrd="0" presId="urn:microsoft.com/office/officeart/2005/8/layout/hierarchy6"/>
+    <dgm:cxn modelId="{588A6B16-4EEB-4731-8CF0-02A52BDF0E93}" type="presParOf" srcId="{A59245DD-A27B-4E87-8445-C2115061FD7D}" destId="{B8341881-1E1C-4A3F-85EE-6217C98810E0}" srcOrd="0" destOrd="0" presId="urn:microsoft.com/office/officeart/2005/8/layout/hierarchy6"/>
+    <dgm:cxn modelId="{630725B8-B620-4E8D-95D8-F23023F7EA64}" type="presParOf" srcId="{A59245DD-A27B-4E87-8445-C2115061FD7D}" destId="{94023795-516D-422E-9401-9F0751C0021B}" srcOrd="1" destOrd="0" presId="urn:microsoft.com/office/officeart/2005/8/layout/hierarchy6"/>
+    <dgm:cxn modelId="{41366F22-5734-400A-BFE1-1222E80D012E}" type="presParOf" srcId="{471C70A9-9E08-429A-A9EE-F473A1903F6D}" destId="{54C8ABC5-46E6-4715-9751-5ED1137F69FD}" srcOrd="4" destOrd="0" presId="urn:microsoft.com/office/officeart/2005/8/layout/hierarchy6"/>
+    <dgm:cxn modelId="{7810AFF3-FE94-4BBE-9831-CCA5F26616D3}" type="presParOf" srcId="{471C70A9-9E08-429A-A9EE-F473A1903F6D}" destId="{3E3D24C5-94FC-49B6-9A8D-0D91AC5DD6CF}" srcOrd="5" destOrd="0" presId="urn:microsoft.com/office/officeart/2005/8/layout/hierarchy6"/>
+    <dgm:cxn modelId="{46F0D893-8ED6-489E-9D9D-FDB56CFAD5B5}" type="presParOf" srcId="{3E3D24C5-94FC-49B6-9A8D-0D91AC5DD6CF}" destId="{12D6EFA1-E9B7-4657-9935-B1D340A75847}" srcOrd="0" destOrd="0" presId="urn:microsoft.com/office/officeart/2005/8/layout/hierarchy6"/>
+    <dgm:cxn modelId="{67472BD0-785E-4DEB-A744-C21CEFDA9ECE}" type="presParOf" srcId="{3E3D24C5-94FC-49B6-9A8D-0D91AC5DD6CF}" destId="{9658D409-A6D9-4520-BF17-55E279A572CC}" srcOrd="1" destOrd="0" presId="urn:microsoft.com/office/officeart/2005/8/layout/hierarchy6"/>
+    <dgm:cxn modelId="{10CA1A5A-0D7F-434D-BF7E-AC4B79040EB9}" type="presParOf" srcId="{512D86A5-A8F7-4D69-9ACE-23B035BC6828}" destId="{A32B63AF-FA67-4D50-9C81-974FAF3DFF6E}" srcOrd="2" destOrd="0" presId="urn:microsoft.com/office/officeart/2005/8/layout/hierarchy6"/>
+    <dgm:cxn modelId="{AFA6A4C9-DC9F-4DD8-B0DE-DFD48E2836C6}" type="presParOf" srcId="{512D86A5-A8F7-4D69-9ACE-23B035BC6828}" destId="{9D6FCFC0-B316-4810-822B-DFCA39297CE5}" srcOrd="3" destOrd="0" presId="urn:microsoft.com/office/officeart/2005/8/layout/hierarchy6"/>
+    <dgm:cxn modelId="{3F6371F8-EA11-4050-9ED8-95AAE360C6A5}" type="presParOf" srcId="{9D6FCFC0-B316-4810-822B-DFCA39297CE5}" destId="{0992AC3E-F881-494A-A457-6049D2B2C058}" srcOrd="0" destOrd="0" presId="urn:microsoft.com/office/officeart/2005/8/layout/hierarchy6"/>
+    <dgm:cxn modelId="{DA731A96-4D06-41A9-B5F8-FEE7F0E009D7}" type="presParOf" srcId="{9D6FCFC0-B316-4810-822B-DFCA39297CE5}" destId="{E7750193-4991-4311-AA5A-4ADCEBBA615C}" srcOrd="1" destOrd="0" presId="urn:microsoft.com/office/officeart/2005/8/layout/hierarchy6"/>
+    <dgm:cxn modelId="{1CE7974C-1069-4948-9EDB-504B9749D91F}" type="presParOf" srcId="{E7750193-4991-4311-AA5A-4ADCEBBA615C}" destId="{536D6ED2-29CE-459C-BAF8-05E4F6D16AA4}" srcOrd="0" destOrd="0" presId="urn:microsoft.com/office/officeart/2005/8/layout/hierarchy6"/>
+    <dgm:cxn modelId="{704C7349-4CF1-4ADC-8473-E655B4B9E053}" type="presParOf" srcId="{E7750193-4991-4311-AA5A-4ADCEBBA615C}" destId="{8DE19567-AD13-4178-AF1E-B5F633473D0A}" srcOrd="1" destOrd="0" presId="urn:microsoft.com/office/officeart/2005/8/layout/hierarchy6"/>
+    <dgm:cxn modelId="{5F965975-6DF5-4338-8A98-BAB2F797777D}" type="presParOf" srcId="{8DE19567-AD13-4178-AF1E-B5F633473D0A}" destId="{A030F173-DB14-4FC9-8CF6-6C067C6E7465}" srcOrd="0" destOrd="0" presId="urn:microsoft.com/office/officeart/2005/8/layout/hierarchy6"/>
+    <dgm:cxn modelId="{7EB3C623-CEC3-4071-A923-B3A1D52A51F5}" type="presParOf" srcId="{8DE19567-AD13-4178-AF1E-B5F633473D0A}" destId="{4F55A9AE-2D08-490A-BBA1-270B9E025C9A}" srcOrd="1" destOrd="0" presId="urn:microsoft.com/office/officeart/2005/8/layout/hierarchy6"/>
+    <dgm:cxn modelId="{51AD24A4-BA1E-4C15-80FA-3D88C2A0851C}" type="presParOf" srcId="{512D86A5-A8F7-4D69-9ACE-23B035BC6828}" destId="{77520C0C-9948-451D-AB96-FE0695717798}" srcOrd="4" destOrd="0" presId="urn:microsoft.com/office/officeart/2005/8/layout/hierarchy6"/>
+    <dgm:cxn modelId="{AB8F8728-F8FA-4FA4-9D69-66DA2B2766F9}" type="presParOf" srcId="{512D86A5-A8F7-4D69-9ACE-23B035BC6828}" destId="{14B42F8A-179A-4541-A2FA-89D92A1A5EA1}" srcOrd="5" destOrd="0" presId="urn:microsoft.com/office/officeart/2005/8/layout/hierarchy6"/>
+    <dgm:cxn modelId="{32DA7723-1D91-4E89-B957-707CF567DBF8}" type="presParOf" srcId="{14B42F8A-179A-4541-A2FA-89D92A1A5EA1}" destId="{BEC6F031-4764-40F6-98E9-C0821A1786BB}" srcOrd="0" destOrd="0" presId="urn:microsoft.com/office/officeart/2005/8/layout/hierarchy6"/>
+    <dgm:cxn modelId="{B8DDFFBB-2882-4B11-9AB0-03F0E71F3F32}" type="presParOf" srcId="{14B42F8A-179A-4541-A2FA-89D92A1A5EA1}" destId="{E10DDEBE-B07A-49B9-87F7-50621CDC5E2E}" srcOrd="1" destOrd="0" presId="urn:microsoft.com/office/officeart/2005/8/layout/hierarchy6"/>
+    <dgm:cxn modelId="{783786D7-E361-4528-8678-B9381E48E068}" type="presParOf" srcId="{E10DDEBE-B07A-49B9-87F7-50621CDC5E2E}" destId="{E7B4455F-8CC0-4A49-B48F-F6FA89302B28}" srcOrd="0" destOrd="0" presId="urn:microsoft.com/office/officeart/2005/8/layout/hierarchy6"/>
+    <dgm:cxn modelId="{298F4E35-E323-4ED0-9480-10C77ABC6C28}" type="presParOf" srcId="{E10DDEBE-B07A-49B9-87F7-50621CDC5E2E}" destId="{FD99054E-3453-4389-8E73-0F3592B716BC}" srcOrd="1" destOrd="0" presId="urn:microsoft.com/office/officeart/2005/8/layout/hierarchy6"/>
+    <dgm:cxn modelId="{92A0FFE5-2537-4838-9565-556C7DCB98D7}" type="presParOf" srcId="{FD99054E-3453-4389-8E73-0F3592B716BC}" destId="{4B59D9AD-04E3-4899-9AD5-798825400C09}" srcOrd="0" destOrd="0" presId="urn:microsoft.com/office/officeart/2005/8/layout/hierarchy6"/>
+    <dgm:cxn modelId="{D09E1C11-1A88-48AC-A4B2-793BDBADCFEA}" type="presParOf" srcId="{FD99054E-3453-4389-8E73-0F3592B716BC}" destId="{C1FDC603-E735-449D-B646-B2F4CDE9CDE0}" srcOrd="1" destOrd="0" presId="urn:microsoft.com/office/officeart/2005/8/layout/hierarchy6"/>
     <dgm:cxn modelId="{33677905-8750-463E-A0C5-0593CAB81B50}" type="presParOf" srcId="{1C93ACF9-0ACC-45EF-9015-8E836479BCC0}" destId="{F0D9606A-B9B7-448B-BAEE-DF06CC8A527F}" srcOrd="1" destOrd="0" presId="urn:microsoft.com/office/officeart/2005/8/layout/hierarchy6"/>
     <dgm:cxn modelId="{D8D3EB15-2D7E-4D61-9121-48470EA0DBCA}" type="presParOf" srcId="{F0D9606A-B9B7-448B-BAEE-DF06CC8A527F}" destId="{60DBB78A-3A84-45FA-9EC7-083DB7A530F3}" srcOrd="0" destOrd="0" presId="urn:microsoft.com/office/officeart/2005/8/layout/hierarchy6"/>
     <dgm:cxn modelId="{BDFA62D4-9618-4BE8-95AE-D7C90943F6A9}" type="presParOf" srcId="{60DBB78A-3A84-45FA-9EC7-083DB7A530F3}" destId="{45EDF92B-B007-4054-868A-FF8F49B471DF}" srcOrd="0" destOrd="0" presId="urn:microsoft.com/office/officeart/2005/8/layout/hierarchy6"/>
@@ -8621,7 +12063,15 @@
           </a:pPr>
           <a:r>
             <a:rPr lang="en-US" sz="900" kern="1200" dirty="0"/>
-            <a:t>According to a study, 21% of the time, solar panels remained operational. The other 79% of the time, the solar performance ratio reduced by 12-22%.</a:t>
+            <a:t>According to a study, 79% of the time, solar panels remained operational. The </a:t>
+          </a:r>
+          <a:r>
+            <a:rPr lang="en-US" sz="900" kern="1200"/>
+            <a:t>other 21% </a:t>
+          </a:r>
+          <a:r>
+            <a:rPr lang="en-US" sz="900" kern="1200" dirty="0"/>
+            <a:t>of the time, the solar performance ratio reduced by 12-22%.</a:t>
           </a:r>
         </a:p>
       </dsp:txBody>
@@ -9628,7 +13078,7 @@
           </a:pPr>
           <a:r>
             <a:rPr lang="en-US" sz="900" kern="1200" dirty="0"/>
-            <a:t>Probability of snow-covered panels, 61% of the time there was little to no production</a:t>
+            <a:t>61% of the time there was little to no production due to snow-covered panels</a:t>
           </a:r>
         </a:p>
       </dsp:txBody>
@@ -10129,7 +13579,7 @@
       <dsp:spPr>
         <a:xfrm>
           <a:off x="5794788" y="4069007"/>
-          <a:ext cx="1032319" cy="1101523"/>
+          <a:ext cx="1032319" cy="1308390"/>
         </a:xfrm>
         <a:prstGeom prst="roundRect">
           <a:avLst>
@@ -10192,13 +13642,13 @@
           </a:pPr>
           <a:r>
             <a:rPr lang="en-US" sz="900" kern="1200" dirty="0"/>
-            <a:t>Not currently represented in REopt, but may have implications on larger scale generation (not during outages)</a:t>
+            <a:t>Not currently represented in REopt, but may have implications on larger scale generation and would affect the duration of outages</a:t>
           </a:r>
         </a:p>
       </dsp:txBody>
       <dsp:txXfrm>
         <a:off x="5825024" y="4099243"/>
-        <a:ext cx="971847" cy="1041051"/>
+        <a:ext cx="971847" cy="1247918"/>
       </dsp:txXfrm>
     </dsp:sp>
     <dsp:sp modelId="{77520C0C-9948-451D-AB96-FE0695717798}">
@@ -10766,6 +14216,2854 @@
       <dsp:txXfrm>
         <a:off x="8591672" y="4062339"/>
         <a:ext cx="769753" cy="1128334"/>
+      </dsp:txXfrm>
+    </dsp:sp>
+  </dsp:spTree>
+</dsp:drawing>
+</file>
+
+<file path=ppt/diagrams/drawing4.xml><?xml version="1.0" encoding="utf-8"?>
+<dsp:drawing xmlns:dgm="http://schemas.openxmlformats.org/drawingml/2006/diagram" xmlns:dsp="http://schemas.microsoft.com/office/drawing/2008/diagram" xmlns:a="http://schemas.openxmlformats.org/drawingml/2006/main">
+  <dsp:spTree>
+    <dsp:nvGrpSpPr>
+      <dsp:cNvPr id="0" name=""/>
+      <dsp:cNvGrpSpPr/>
+    </dsp:nvGrpSpPr>
+    <dsp:grpSpPr/>
+    <dsp:sp modelId="{45E3B86A-E5DA-4B29-BEED-858F6515DE6F}">
+      <dsp:nvSpPr>
+        <dsp:cNvPr id="0" name=""/>
+        <dsp:cNvSpPr/>
+      </dsp:nvSpPr>
+      <dsp:spPr>
+        <a:xfrm>
+          <a:off x="0" y="3921644"/>
+          <a:ext cx="9605818" cy="2072659"/>
+        </a:xfrm>
+        <a:prstGeom prst="roundRect">
+          <a:avLst>
+            <a:gd name="adj" fmla="val 10000"/>
+          </a:avLst>
+        </a:prstGeom>
+        <a:solidFill>
+          <a:schemeClr val="accent2">
+            <a:tint val="40000"/>
+            <a:hueOff val="0"/>
+            <a:satOff val="0"/>
+            <a:lumOff val="0"/>
+            <a:alphaOff val="0"/>
+          </a:schemeClr>
+        </a:solidFill>
+        <a:ln>
+          <a:noFill/>
+        </a:ln>
+        <a:effectLst/>
+      </dsp:spPr>
+      <dsp:style>
+        <a:lnRef idx="0">
+          <a:scrgbClr r="0" g="0" b="0"/>
+        </a:lnRef>
+        <a:fillRef idx="1">
+          <a:scrgbClr r="0" g="0" b="0"/>
+        </a:fillRef>
+        <a:effectRef idx="0">
+          <a:scrgbClr r="0" g="0" b="0"/>
+        </a:effectRef>
+        <a:fontRef idx="minor"/>
+      </dsp:style>
+      <dsp:txBody>
+        <a:bodyPr spcFirstLastPara="0" vert="horz" wrap="square" lIns="163576" tIns="163576" rIns="163576" bIns="163576" numCol="1" spcCol="1270" anchor="ctr" anchorCtr="0">
+          <a:noAutofit/>
+        </a:bodyPr>
+        <a:lstStyle/>
+        <a:p>
+          <a:pPr marL="0" lvl="0" indent="0" algn="ctr" defTabSz="1022350">
+            <a:lnSpc>
+              <a:spcPct val="90000"/>
+            </a:lnSpc>
+            <a:spcBef>
+              <a:spcPct val="0"/>
+            </a:spcBef>
+            <a:spcAft>
+              <a:spcPct val="35000"/>
+            </a:spcAft>
+            <a:buNone/>
+          </a:pPr>
+          <a:r>
+            <a:rPr lang="en-US" sz="2300" kern="1200" dirty="0"/>
+            <a:t>Data</a:t>
+          </a:r>
+        </a:p>
+      </dsp:txBody>
+      <dsp:txXfrm>
+        <a:off x="0" y="3921644"/>
+        <a:ext cx="2881745" cy="2072659"/>
+      </dsp:txXfrm>
+    </dsp:sp>
+    <dsp:sp modelId="{48B619C1-0227-4BB4-9330-65F19C463727}">
+      <dsp:nvSpPr>
+        <dsp:cNvPr id="0" name=""/>
+        <dsp:cNvSpPr/>
+      </dsp:nvSpPr>
+      <dsp:spPr>
+        <a:xfrm>
+          <a:off x="0" y="1720527"/>
+          <a:ext cx="9605818" cy="1167631"/>
+        </a:xfrm>
+        <a:prstGeom prst="roundRect">
+          <a:avLst>
+            <a:gd name="adj" fmla="val 10000"/>
+          </a:avLst>
+        </a:prstGeom>
+        <a:solidFill>
+          <a:schemeClr val="accent2">
+            <a:tint val="40000"/>
+            <a:hueOff val="0"/>
+            <a:satOff val="0"/>
+            <a:lumOff val="0"/>
+            <a:alphaOff val="0"/>
+          </a:schemeClr>
+        </a:solidFill>
+        <a:ln>
+          <a:noFill/>
+        </a:ln>
+        <a:effectLst/>
+      </dsp:spPr>
+      <dsp:style>
+        <a:lnRef idx="0">
+          <a:scrgbClr r="0" g="0" b="0"/>
+        </a:lnRef>
+        <a:fillRef idx="1">
+          <a:scrgbClr r="0" g="0" b="0"/>
+        </a:fillRef>
+        <a:effectRef idx="0">
+          <a:scrgbClr r="0" g="0" b="0"/>
+        </a:effectRef>
+        <a:fontRef idx="minor"/>
+      </dsp:style>
+      <dsp:txBody>
+        <a:bodyPr spcFirstLastPara="0" vert="horz" wrap="square" lIns="163576" tIns="163576" rIns="163576" bIns="163576" numCol="1" spcCol="1270" anchor="ctr" anchorCtr="0">
+          <a:noAutofit/>
+        </a:bodyPr>
+        <a:lstStyle/>
+        <a:p>
+          <a:pPr marL="0" lvl="0" indent="0" algn="ctr" defTabSz="1022350">
+            <a:lnSpc>
+              <a:spcPct val="90000"/>
+            </a:lnSpc>
+            <a:spcBef>
+              <a:spcPct val="0"/>
+            </a:spcBef>
+            <a:spcAft>
+              <a:spcPct val="35000"/>
+            </a:spcAft>
+            <a:buNone/>
+          </a:pPr>
+          <a:r>
+            <a:rPr lang="en-US" sz="2300" kern="1200" dirty="0"/>
+            <a:t>Energy system impact(s)</a:t>
+          </a:r>
+        </a:p>
+      </dsp:txBody>
+      <dsp:txXfrm>
+        <a:off x="0" y="1720527"/>
+        <a:ext cx="2881745" cy="1167631"/>
+      </dsp:txXfrm>
+    </dsp:sp>
+    <dsp:sp modelId="{45EDF92B-B007-4054-868A-FF8F49B471DF}">
+      <dsp:nvSpPr>
+        <dsp:cNvPr id="0" name=""/>
+        <dsp:cNvSpPr/>
+      </dsp:nvSpPr>
+      <dsp:spPr>
+        <a:xfrm>
+          <a:off x="0" y="0"/>
+          <a:ext cx="9605818" cy="731770"/>
+        </a:xfrm>
+        <a:prstGeom prst="roundRect">
+          <a:avLst>
+            <a:gd name="adj" fmla="val 10000"/>
+          </a:avLst>
+        </a:prstGeom>
+        <a:solidFill>
+          <a:schemeClr val="accent2">
+            <a:tint val="40000"/>
+            <a:hueOff val="0"/>
+            <a:satOff val="0"/>
+            <a:lumOff val="0"/>
+            <a:alphaOff val="0"/>
+          </a:schemeClr>
+        </a:solidFill>
+        <a:ln>
+          <a:noFill/>
+        </a:ln>
+        <a:effectLst/>
+      </dsp:spPr>
+      <dsp:style>
+        <a:lnRef idx="0">
+          <a:scrgbClr r="0" g="0" b="0"/>
+        </a:lnRef>
+        <a:fillRef idx="1">
+          <a:scrgbClr r="0" g="0" b="0"/>
+        </a:fillRef>
+        <a:effectRef idx="0">
+          <a:scrgbClr r="0" g="0" b="0"/>
+        </a:effectRef>
+        <a:fontRef idx="minor"/>
+      </dsp:style>
+      <dsp:txBody>
+        <a:bodyPr spcFirstLastPara="0" vert="horz" wrap="square" lIns="163576" tIns="163576" rIns="163576" bIns="163576" numCol="1" spcCol="1270" anchor="ctr" anchorCtr="0">
+          <a:noAutofit/>
+        </a:bodyPr>
+        <a:lstStyle/>
+        <a:p>
+          <a:pPr marL="0" lvl="0" indent="0" algn="ctr" defTabSz="1022350">
+            <a:lnSpc>
+              <a:spcPct val="90000"/>
+            </a:lnSpc>
+            <a:spcBef>
+              <a:spcPct val="0"/>
+            </a:spcBef>
+            <a:spcAft>
+              <a:spcPct val="35000"/>
+            </a:spcAft>
+            <a:buNone/>
+          </a:pPr>
+          <a:r>
+            <a:rPr lang="en-US" sz="2300" kern="1200" dirty="0"/>
+            <a:t>Parameter</a:t>
+          </a:r>
+        </a:p>
+      </dsp:txBody>
+      <dsp:txXfrm>
+        <a:off x="0" y="0"/>
+        <a:ext cx="2881745" cy="731770"/>
+      </dsp:txXfrm>
+    </dsp:sp>
+    <dsp:sp modelId="{5059CD49-787A-4F97-A63D-258DC2710265}">
+      <dsp:nvSpPr>
+        <dsp:cNvPr id="0" name=""/>
+        <dsp:cNvSpPr/>
+      </dsp:nvSpPr>
+      <dsp:spPr>
+        <a:xfrm>
+          <a:off x="5473244" y="160022"/>
+          <a:ext cx="2604527" cy="392425"/>
+        </a:xfrm>
+        <a:prstGeom prst="roundRect">
+          <a:avLst>
+            <a:gd name="adj" fmla="val 10000"/>
+          </a:avLst>
+        </a:prstGeom>
+        <a:solidFill>
+          <a:schemeClr val="accent1">
+            <a:hueOff val="0"/>
+            <a:satOff val="0"/>
+            <a:lumOff val="0"/>
+            <a:alphaOff val="0"/>
+          </a:schemeClr>
+        </a:solidFill>
+        <a:ln w="12700" cap="flat" cmpd="sng" algn="ctr">
+          <a:solidFill>
+            <a:schemeClr val="lt1">
+              <a:hueOff val="0"/>
+              <a:satOff val="0"/>
+              <a:lumOff val="0"/>
+              <a:alphaOff val="0"/>
+            </a:schemeClr>
+          </a:solidFill>
+          <a:prstDash val="solid"/>
+          <a:miter lim="800000"/>
+        </a:ln>
+        <a:effectLst/>
+      </dsp:spPr>
+      <dsp:style>
+        <a:lnRef idx="2">
+          <a:scrgbClr r="0" g="0" b="0"/>
+        </a:lnRef>
+        <a:fillRef idx="1">
+          <a:scrgbClr r="0" g="0" b="0"/>
+        </a:fillRef>
+        <a:effectRef idx="0">
+          <a:scrgbClr r="0" g="0" b="0"/>
+        </a:effectRef>
+        <a:fontRef idx="minor">
+          <a:schemeClr val="lt1"/>
+        </a:fontRef>
+      </dsp:style>
+      <dsp:txBody>
+        <a:bodyPr spcFirstLastPara="0" vert="horz" wrap="square" lIns="60960" tIns="60960" rIns="60960" bIns="60960" numCol="1" spcCol="1270" anchor="ctr" anchorCtr="0">
+          <a:noAutofit/>
+        </a:bodyPr>
+        <a:lstStyle/>
+        <a:p>
+          <a:pPr marL="0" lvl="0" indent="0" algn="ctr" defTabSz="711200">
+            <a:lnSpc>
+              <a:spcPct val="90000"/>
+            </a:lnSpc>
+            <a:spcBef>
+              <a:spcPct val="0"/>
+            </a:spcBef>
+            <a:spcAft>
+              <a:spcPct val="35000"/>
+            </a:spcAft>
+            <a:buNone/>
+          </a:pPr>
+          <a:r>
+            <a:rPr lang="en-US" sz="1600" kern="1200" dirty="0"/>
+            <a:t>Utility Response Time</a:t>
+          </a:r>
+        </a:p>
+      </dsp:txBody>
+      <dsp:txXfrm>
+        <a:off x="5484738" y="171516"/>
+        <a:ext cx="2581539" cy="369437"/>
+      </dsp:txXfrm>
+    </dsp:sp>
+    <dsp:sp modelId="{26FFF9F0-A79F-4808-B871-8A25A06C6293}">
+      <dsp:nvSpPr>
+        <dsp:cNvPr id="0" name=""/>
+        <dsp:cNvSpPr/>
+      </dsp:nvSpPr>
+      <dsp:spPr>
+        <a:xfrm>
+          <a:off x="4624567" y="552447"/>
+          <a:ext cx="2150941" cy="1280809"/>
+        </a:xfrm>
+        <a:custGeom>
+          <a:avLst/>
+          <a:gdLst/>
+          <a:ahLst/>
+          <a:cxnLst/>
+          <a:rect l="0" t="0" r="0" b="0"/>
+          <a:pathLst>
+            <a:path>
+              <a:moveTo>
+                <a:pt x="2150941" y="0"/>
+              </a:moveTo>
+              <a:lnTo>
+                <a:pt x="2150941" y="640404"/>
+              </a:lnTo>
+              <a:lnTo>
+                <a:pt x="0" y="640404"/>
+              </a:lnTo>
+              <a:lnTo>
+                <a:pt x="0" y="1280809"/>
+              </a:lnTo>
+            </a:path>
+          </a:pathLst>
+        </a:custGeom>
+        <a:noFill/>
+        <a:ln w="12700" cap="flat" cmpd="sng" algn="ctr">
+          <a:solidFill>
+            <a:schemeClr val="accent2">
+              <a:hueOff val="0"/>
+              <a:satOff val="0"/>
+              <a:lumOff val="0"/>
+              <a:alphaOff val="0"/>
+            </a:schemeClr>
+          </a:solidFill>
+          <a:prstDash val="solid"/>
+          <a:miter lim="800000"/>
+        </a:ln>
+        <a:effectLst/>
+      </dsp:spPr>
+      <dsp:style>
+        <a:lnRef idx="2">
+          <a:scrgbClr r="0" g="0" b="0"/>
+        </a:lnRef>
+        <a:fillRef idx="0">
+          <a:scrgbClr r="0" g="0" b="0"/>
+        </a:fillRef>
+        <a:effectRef idx="0">
+          <a:scrgbClr r="0" g="0" b="0"/>
+        </a:effectRef>
+        <a:fontRef idx="minor"/>
+      </dsp:style>
+    </dsp:sp>
+    <dsp:sp modelId="{24C7E338-E59C-485F-908F-F17326E7FF65}">
+      <dsp:nvSpPr>
+        <dsp:cNvPr id="0" name=""/>
+        <dsp:cNvSpPr/>
+      </dsp:nvSpPr>
+      <dsp:spPr>
+        <a:xfrm>
+          <a:off x="4152833" y="1833256"/>
+          <a:ext cx="943468" cy="691166"/>
+        </a:xfrm>
+        <a:prstGeom prst="roundRect">
+          <a:avLst>
+            <a:gd name="adj" fmla="val 10000"/>
+          </a:avLst>
+        </a:prstGeom>
+        <a:solidFill>
+          <a:schemeClr val="accent2">
+            <a:hueOff val="0"/>
+            <a:satOff val="0"/>
+            <a:lumOff val="0"/>
+            <a:alphaOff val="0"/>
+          </a:schemeClr>
+        </a:solidFill>
+        <a:ln w="12700" cap="flat" cmpd="sng" algn="ctr">
+          <a:solidFill>
+            <a:schemeClr val="lt1">
+              <a:hueOff val="0"/>
+              <a:satOff val="0"/>
+              <a:lumOff val="0"/>
+              <a:alphaOff val="0"/>
+            </a:schemeClr>
+          </a:solidFill>
+          <a:prstDash val="solid"/>
+          <a:miter lim="800000"/>
+        </a:ln>
+        <a:effectLst/>
+      </dsp:spPr>
+      <dsp:style>
+        <a:lnRef idx="2">
+          <a:scrgbClr r="0" g="0" b="0"/>
+        </a:lnRef>
+        <a:fillRef idx="1">
+          <a:scrgbClr r="0" g="0" b="0"/>
+        </a:fillRef>
+        <a:effectRef idx="0">
+          <a:scrgbClr r="0" g="0" b="0"/>
+        </a:effectRef>
+        <a:fontRef idx="minor">
+          <a:schemeClr val="lt1"/>
+        </a:fontRef>
+      </dsp:style>
+      <dsp:txBody>
+        <a:bodyPr spcFirstLastPara="0" vert="horz" wrap="square" lIns="34290" tIns="34290" rIns="34290" bIns="34290" numCol="1" spcCol="1270" anchor="ctr" anchorCtr="0">
+          <a:noAutofit/>
+        </a:bodyPr>
+        <a:lstStyle/>
+        <a:p>
+          <a:pPr marL="0" lvl="0" indent="0" algn="ctr" defTabSz="400050">
+            <a:lnSpc>
+              <a:spcPct val="90000"/>
+            </a:lnSpc>
+            <a:spcBef>
+              <a:spcPct val="0"/>
+            </a:spcBef>
+            <a:spcAft>
+              <a:spcPct val="35000"/>
+            </a:spcAft>
+            <a:buNone/>
+          </a:pPr>
+          <a:r>
+            <a:rPr lang="en-US" sz="900" kern="1200" dirty="0"/>
+            <a:t>Wildfires</a:t>
+          </a:r>
+        </a:p>
+      </dsp:txBody>
+      <dsp:txXfrm>
+        <a:off x="4173077" y="1853500"/>
+        <a:ext cx="902980" cy="650678"/>
+      </dsp:txXfrm>
+    </dsp:sp>
+    <dsp:sp modelId="{07BACB36-D2AD-4234-ADEC-F45C22EDC1B2}">
+      <dsp:nvSpPr>
+        <dsp:cNvPr id="0" name=""/>
+        <dsp:cNvSpPr/>
+      </dsp:nvSpPr>
+      <dsp:spPr>
+        <a:xfrm>
+          <a:off x="3236921" y="2524423"/>
+          <a:ext cx="1387645" cy="1705307"/>
+        </a:xfrm>
+        <a:custGeom>
+          <a:avLst/>
+          <a:gdLst/>
+          <a:ahLst/>
+          <a:cxnLst/>
+          <a:rect l="0" t="0" r="0" b="0"/>
+          <a:pathLst>
+            <a:path>
+              <a:moveTo>
+                <a:pt x="1387645" y="0"/>
+              </a:moveTo>
+              <a:lnTo>
+                <a:pt x="1387645" y="852653"/>
+              </a:lnTo>
+              <a:lnTo>
+                <a:pt x="0" y="852653"/>
+              </a:lnTo>
+              <a:lnTo>
+                <a:pt x="0" y="1705307"/>
+              </a:lnTo>
+            </a:path>
+          </a:pathLst>
+        </a:custGeom>
+        <a:noFill/>
+        <a:ln w="12700" cap="flat" cmpd="sng" algn="ctr">
+          <a:solidFill>
+            <a:schemeClr val="accent3">
+              <a:hueOff val="0"/>
+              <a:satOff val="0"/>
+              <a:lumOff val="0"/>
+              <a:alphaOff val="0"/>
+            </a:schemeClr>
+          </a:solidFill>
+          <a:prstDash val="solid"/>
+          <a:miter lim="800000"/>
+        </a:ln>
+        <a:effectLst/>
+      </dsp:spPr>
+      <dsp:style>
+        <a:lnRef idx="2">
+          <a:scrgbClr r="0" g="0" b="0"/>
+        </a:lnRef>
+        <a:fillRef idx="0">
+          <a:scrgbClr r="0" g="0" b="0"/>
+        </a:fillRef>
+        <a:effectRef idx="0">
+          <a:scrgbClr r="0" g="0" b="0"/>
+        </a:effectRef>
+        <a:fontRef idx="minor"/>
+      </dsp:style>
+    </dsp:sp>
+    <dsp:sp modelId="{679876E1-0C87-4A14-AFD0-C9ECC635F932}">
+      <dsp:nvSpPr>
+        <dsp:cNvPr id="0" name=""/>
+        <dsp:cNvSpPr/>
+      </dsp:nvSpPr>
+      <dsp:spPr>
+        <a:xfrm>
+          <a:off x="2676029" y="4229730"/>
+          <a:ext cx="1121784" cy="1377027"/>
+        </a:xfrm>
+        <a:prstGeom prst="roundRect">
+          <a:avLst>
+            <a:gd name="adj" fmla="val 10000"/>
+          </a:avLst>
+        </a:prstGeom>
+        <a:solidFill>
+          <a:schemeClr val="accent3">
+            <a:hueOff val="0"/>
+            <a:satOff val="0"/>
+            <a:lumOff val="0"/>
+            <a:alphaOff val="0"/>
+          </a:schemeClr>
+        </a:solidFill>
+        <a:ln w="12700" cap="flat" cmpd="sng" algn="ctr">
+          <a:solidFill>
+            <a:schemeClr val="lt1">
+              <a:hueOff val="0"/>
+              <a:satOff val="0"/>
+              <a:lumOff val="0"/>
+              <a:alphaOff val="0"/>
+            </a:schemeClr>
+          </a:solidFill>
+          <a:prstDash val="solid"/>
+          <a:miter lim="800000"/>
+        </a:ln>
+        <a:effectLst/>
+      </dsp:spPr>
+      <dsp:style>
+        <a:lnRef idx="2">
+          <a:scrgbClr r="0" g="0" b="0"/>
+        </a:lnRef>
+        <a:fillRef idx="1">
+          <a:scrgbClr r="0" g="0" b="0"/>
+        </a:fillRef>
+        <a:effectRef idx="0">
+          <a:scrgbClr r="0" g="0" b="0"/>
+        </a:effectRef>
+        <a:fontRef idx="minor">
+          <a:schemeClr val="lt1"/>
+        </a:fontRef>
+      </dsp:style>
+      <dsp:txBody>
+        <a:bodyPr spcFirstLastPara="0" vert="horz" wrap="square" lIns="34290" tIns="34290" rIns="34290" bIns="34290" numCol="1" spcCol="1270" anchor="ctr" anchorCtr="0">
+          <a:noAutofit/>
+        </a:bodyPr>
+        <a:lstStyle/>
+        <a:p>
+          <a:pPr marL="0" lvl="0" indent="0" algn="ctr" defTabSz="400050">
+            <a:lnSpc>
+              <a:spcPct val="90000"/>
+            </a:lnSpc>
+            <a:spcBef>
+              <a:spcPct val="0"/>
+            </a:spcBef>
+            <a:spcAft>
+              <a:spcPct val="35000"/>
+            </a:spcAft>
+            <a:buNone/>
+          </a:pPr>
+          <a:r>
+            <a:rPr lang="en-US" sz="900" kern="1200" dirty="0"/>
+            <a:t>61% of the time there was little to no production due to snow-covered panels</a:t>
+          </a:r>
+        </a:p>
+      </dsp:txBody>
+      <dsp:txXfrm>
+        <a:off x="2708885" y="4262586"/>
+        <a:ext cx="1056072" cy="1311315"/>
+      </dsp:txXfrm>
+    </dsp:sp>
+    <dsp:sp modelId="{47BDBBC5-83BE-4692-95CB-A8D847A367F5}">
+      <dsp:nvSpPr>
+        <dsp:cNvPr id="0" name=""/>
+        <dsp:cNvSpPr/>
+      </dsp:nvSpPr>
+      <dsp:spPr>
+        <a:xfrm>
+          <a:off x="4439546" y="2524423"/>
+          <a:ext cx="185020" cy="1705315"/>
+        </a:xfrm>
+        <a:custGeom>
+          <a:avLst/>
+          <a:gdLst/>
+          <a:ahLst/>
+          <a:cxnLst/>
+          <a:rect l="0" t="0" r="0" b="0"/>
+          <a:pathLst>
+            <a:path>
+              <a:moveTo>
+                <a:pt x="185020" y="0"/>
+              </a:moveTo>
+              <a:lnTo>
+                <a:pt x="185020" y="852657"/>
+              </a:lnTo>
+              <a:lnTo>
+                <a:pt x="0" y="852657"/>
+              </a:lnTo>
+              <a:lnTo>
+                <a:pt x="0" y="1705315"/>
+              </a:lnTo>
+            </a:path>
+          </a:pathLst>
+        </a:custGeom>
+        <a:noFill/>
+        <a:ln w="12700" cap="flat" cmpd="sng" algn="ctr">
+          <a:solidFill>
+            <a:schemeClr val="accent3">
+              <a:hueOff val="0"/>
+              <a:satOff val="0"/>
+              <a:lumOff val="0"/>
+              <a:alphaOff val="0"/>
+            </a:schemeClr>
+          </a:solidFill>
+          <a:prstDash val="solid"/>
+          <a:miter lim="800000"/>
+        </a:ln>
+        <a:effectLst/>
+      </dsp:spPr>
+      <dsp:style>
+        <a:lnRef idx="2">
+          <a:scrgbClr r="0" g="0" b="0"/>
+        </a:lnRef>
+        <a:fillRef idx="0">
+          <a:scrgbClr r="0" g="0" b="0"/>
+        </a:fillRef>
+        <a:effectRef idx="0">
+          <a:scrgbClr r="0" g="0" b="0"/>
+        </a:effectRef>
+        <a:fontRef idx="minor"/>
+      </dsp:style>
+    </dsp:sp>
+    <dsp:sp modelId="{B8341881-1E1C-4A3F-85EE-6217C98810E0}">
+      <dsp:nvSpPr>
+        <dsp:cNvPr id="0" name=""/>
+        <dsp:cNvSpPr/>
+      </dsp:nvSpPr>
+      <dsp:spPr>
+        <a:xfrm>
+          <a:off x="3976924" y="4229738"/>
+          <a:ext cx="925244" cy="784112"/>
+        </a:xfrm>
+        <a:prstGeom prst="roundRect">
+          <a:avLst>
+            <a:gd name="adj" fmla="val 10000"/>
+          </a:avLst>
+        </a:prstGeom>
+        <a:solidFill>
+          <a:schemeClr val="accent3">
+            <a:hueOff val="0"/>
+            <a:satOff val="0"/>
+            <a:lumOff val="0"/>
+            <a:alphaOff val="0"/>
+          </a:schemeClr>
+        </a:solidFill>
+        <a:ln w="12700" cap="flat" cmpd="sng" algn="ctr">
+          <a:solidFill>
+            <a:schemeClr val="lt1">
+              <a:hueOff val="0"/>
+              <a:satOff val="0"/>
+              <a:lumOff val="0"/>
+              <a:alphaOff val="0"/>
+            </a:schemeClr>
+          </a:solidFill>
+          <a:prstDash val="solid"/>
+          <a:miter lim="800000"/>
+        </a:ln>
+        <a:effectLst/>
+      </dsp:spPr>
+      <dsp:style>
+        <a:lnRef idx="2">
+          <a:scrgbClr r="0" g="0" b="0"/>
+        </a:lnRef>
+        <a:fillRef idx="1">
+          <a:scrgbClr r="0" g="0" b="0"/>
+        </a:fillRef>
+        <a:effectRef idx="0">
+          <a:scrgbClr r="0" g="0" b="0"/>
+        </a:effectRef>
+        <a:fontRef idx="minor">
+          <a:schemeClr val="lt1"/>
+        </a:fontRef>
+      </dsp:style>
+      <dsp:txBody>
+        <a:bodyPr spcFirstLastPara="0" vert="horz" wrap="square" lIns="34290" tIns="34290" rIns="34290" bIns="34290" numCol="1" spcCol="1270" anchor="ctr" anchorCtr="0">
+          <a:noAutofit/>
+        </a:bodyPr>
+        <a:lstStyle/>
+        <a:p>
+          <a:pPr marL="0" lvl="0" indent="0" algn="ctr" defTabSz="400050">
+            <a:lnSpc>
+              <a:spcPct val="90000"/>
+            </a:lnSpc>
+            <a:spcBef>
+              <a:spcPct val="0"/>
+            </a:spcBef>
+            <a:spcAft>
+              <a:spcPct val="35000"/>
+            </a:spcAft>
+            <a:buNone/>
+          </a:pPr>
+          <a:r>
+            <a:rPr lang="en-US" sz="900" kern="1200" dirty="0"/>
+            <a:t>Effects of cloud cover on solar generation</a:t>
+          </a:r>
+        </a:p>
+      </dsp:txBody>
+      <dsp:txXfrm>
+        <a:off x="3999890" y="4252704"/>
+        <a:ext cx="879312" cy="738180"/>
+      </dsp:txXfrm>
+    </dsp:sp>
+    <dsp:sp modelId="{54C8ABC5-46E6-4715-9751-5ED1137F69FD}">
+      <dsp:nvSpPr>
+        <dsp:cNvPr id="0" name=""/>
+        <dsp:cNvSpPr/>
+      </dsp:nvSpPr>
+      <dsp:spPr>
+        <a:xfrm>
+          <a:off x="4624567" y="2524423"/>
+          <a:ext cx="1042715" cy="1704118"/>
+        </a:xfrm>
+        <a:custGeom>
+          <a:avLst/>
+          <a:gdLst/>
+          <a:ahLst/>
+          <a:cxnLst/>
+          <a:rect l="0" t="0" r="0" b="0"/>
+          <a:pathLst>
+            <a:path>
+              <a:moveTo>
+                <a:pt x="0" y="0"/>
+              </a:moveTo>
+              <a:lnTo>
+                <a:pt x="0" y="852059"/>
+              </a:lnTo>
+              <a:lnTo>
+                <a:pt x="1042715" y="852059"/>
+              </a:lnTo>
+              <a:lnTo>
+                <a:pt x="1042715" y="1704118"/>
+              </a:lnTo>
+            </a:path>
+          </a:pathLst>
+        </a:custGeom>
+        <a:noFill/>
+        <a:ln w="12700" cap="flat" cmpd="sng" algn="ctr">
+          <a:solidFill>
+            <a:schemeClr val="accent3">
+              <a:hueOff val="0"/>
+              <a:satOff val="0"/>
+              <a:lumOff val="0"/>
+              <a:alphaOff val="0"/>
+            </a:schemeClr>
+          </a:solidFill>
+          <a:prstDash val="solid"/>
+          <a:miter lim="800000"/>
+        </a:ln>
+        <a:effectLst/>
+      </dsp:spPr>
+      <dsp:style>
+        <a:lnRef idx="2">
+          <a:scrgbClr r="0" g="0" b="0"/>
+        </a:lnRef>
+        <a:fillRef idx="0">
+          <a:scrgbClr r="0" g="0" b="0"/>
+        </a:fillRef>
+        <a:effectRef idx="0">
+          <a:scrgbClr r="0" g="0" b="0"/>
+        </a:effectRef>
+        <a:fontRef idx="minor"/>
+      </dsp:style>
+    </dsp:sp>
+    <dsp:sp modelId="{12D6EFA1-E9B7-4657-9935-B1D340A75847}">
+      <dsp:nvSpPr>
+        <dsp:cNvPr id="0" name=""/>
+        <dsp:cNvSpPr/>
+      </dsp:nvSpPr>
+      <dsp:spPr>
+        <a:xfrm>
+          <a:off x="5140084" y="4228541"/>
+          <a:ext cx="1054397" cy="1645772"/>
+        </a:xfrm>
+        <a:prstGeom prst="roundRect">
+          <a:avLst>
+            <a:gd name="adj" fmla="val 10000"/>
+          </a:avLst>
+        </a:prstGeom>
+        <a:solidFill>
+          <a:schemeClr val="accent3">
+            <a:hueOff val="0"/>
+            <a:satOff val="0"/>
+            <a:lumOff val="0"/>
+            <a:alphaOff val="0"/>
+          </a:schemeClr>
+        </a:solidFill>
+        <a:ln w="12700" cap="flat" cmpd="sng" algn="ctr">
+          <a:solidFill>
+            <a:schemeClr val="lt1">
+              <a:hueOff val="0"/>
+              <a:satOff val="0"/>
+              <a:lumOff val="0"/>
+              <a:alphaOff val="0"/>
+            </a:schemeClr>
+          </a:solidFill>
+          <a:prstDash val="solid"/>
+          <a:miter lim="800000"/>
+        </a:ln>
+        <a:effectLst/>
+      </dsp:spPr>
+      <dsp:style>
+        <a:lnRef idx="2">
+          <a:scrgbClr r="0" g="0" b="0"/>
+        </a:lnRef>
+        <a:fillRef idx="1">
+          <a:scrgbClr r="0" g="0" b="0"/>
+        </a:fillRef>
+        <a:effectRef idx="0">
+          <a:scrgbClr r="0" g="0" b="0"/>
+        </a:effectRef>
+        <a:fontRef idx="minor">
+          <a:schemeClr val="lt1"/>
+        </a:fontRef>
+      </dsp:style>
+      <dsp:txBody>
+        <a:bodyPr spcFirstLastPara="0" vert="horz" wrap="square" lIns="34290" tIns="34290" rIns="34290" bIns="34290" numCol="1" spcCol="1270" anchor="ctr" anchorCtr="0">
+          <a:noAutofit/>
+        </a:bodyPr>
+        <a:lstStyle/>
+        <a:p>
+          <a:pPr marL="0" lvl="0" indent="0" algn="ctr" defTabSz="400050">
+            <a:lnSpc>
+              <a:spcPct val="90000"/>
+            </a:lnSpc>
+            <a:spcBef>
+              <a:spcPct val="0"/>
+            </a:spcBef>
+            <a:spcAft>
+              <a:spcPct val="35000"/>
+            </a:spcAft>
+            <a:buNone/>
+          </a:pPr>
+          <a:r>
+            <a:rPr lang="en-US" sz="900" kern="1200" dirty="0"/>
+            <a:t>Snow days experience a 54% reduction in solar production ratio compared to non-snow days</a:t>
+          </a:r>
+        </a:p>
+      </dsp:txBody>
+      <dsp:txXfrm>
+        <a:off x="5170966" y="4259423"/>
+        <a:ext cx="992633" cy="1584008"/>
+      </dsp:txXfrm>
+    </dsp:sp>
+    <dsp:sp modelId="{A32B63AF-FA67-4D50-9C81-974FAF3DFF6E}">
+      <dsp:nvSpPr>
+        <dsp:cNvPr id="0" name=""/>
+        <dsp:cNvSpPr/>
+      </dsp:nvSpPr>
+      <dsp:spPr>
+        <a:xfrm>
+          <a:off x="6775508" y="552447"/>
+          <a:ext cx="209266" cy="1287825"/>
+        </a:xfrm>
+        <a:custGeom>
+          <a:avLst/>
+          <a:gdLst/>
+          <a:ahLst/>
+          <a:cxnLst/>
+          <a:rect l="0" t="0" r="0" b="0"/>
+          <a:pathLst>
+            <a:path>
+              <a:moveTo>
+                <a:pt x="0" y="0"/>
+              </a:moveTo>
+              <a:lnTo>
+                <a:pt x="0" y="643912"/>
+              </a:lnTo>
+              <a:lnTo>
+                <a:pt x="209266" y="643912"/>
+              </a:lnTo>
+              <a:lnTo>
+                <a:pt x="209266" y="1287825"/>
+              </a:lnTo>
+            </a:path>
+          </a:pathLst>
+        </a:custGeom>
+        <a:noFill/>
+        <a:ln w="12700" cap="flat" cmpd="sng" algn="ctr">
+          <a:solidFill>
+            <a:schemeClr val="accent2">
+              <a:hueOff val="0"/>
+              <a:satOff val="0"/>
+              <a:lumOff val="0"/>
+              <a:alphaOff val="0"/>
+            </a:schemeClr>
+          </a:solidFill>
+          <a:prstDash val="solid"/>
+          <a:miter lim="800000"/>
+        </a:ln>
+        <a:effectLst/>
+      </dsp:spPr>
+      <dsp:style>
+        <a:lnRef idx="2">
+          <a:scrgbClr r="0" g="0" b="0"/>
+        </a:lnRef>
+        <a:fillRef idx="0">
+          <a:scrgbClr r="0" g="0" b="0"/>
+        </a:fillRef>
+        <a:effectRef idx="0">
+          <a:scrgbClr r="0" g="0" b="0"/>
+        </a:effectRef>
+        <a:fontRef idx="minor"/>
+      </dsp:style>
+    </dsp:sp>
+    <dsp:sp modelId="{0992AC3E-F881-494A-A457-6049D2B2C058}">
+      <dsp:nvSpPr>
+        <dsp:cNvPr id="0" name=""/>
+        <dsp:cNvSpPr/>
+      </dsp:nvSpPr>
+      <dsp:spPr>
+        <a:xfrm>
+          <a:off x="6435317" y="1840273"/>
+          <a:ext cx="1098916" cy="805456"/>
+        </a:xfrm>
+        <a:prstGeom prst="roundRect">
+          <a:avLst>
+            <a:gd name="adj" fmla="val 10000"/>
+          </a:avLst>
+        </a:prstGeom>
+        <a:solidFill>
+          <a:schemeClr val="accent2">
+            <a:hueOff val="0"/>
+            <a:satOff val="0"/>
+            <a:lumOff val="0"/>
+            <a:alphaOff val="0"/>
+          </a:schemeClr>
+        </a:solidFill>
+        <a:ln w="12700" cap="flat" cmpd="sng" algn="ctr">
+          <a:solidFill>
+            <a:schemeClr val="lt1">
+              <a:hueOff val="0"/>
+              <a:satOff val="0"/>
+              <a:lumOff val="0"/>
+              <a:alphaOff val="0"/>
+            </a:schemeClr>
+          </a:solidFill>
+          <a:prstDash val="solid"/>
+          <a:miter lim="800000"/>
+        </a:ln>
+        <a:effectLst/>
+      </dsp:spPr>
+      <dsp:style>
+        <a:lnRef idx="2">
+          <a:scrgbClr r="0" g="0" b="0"/>
+        </a:lnRef>
+        <a:fillRef idx="1">
+          <a:scrgbClr r="0" g="0" b="0"/>
+        </a:fillRef>
+        <a:effectRef idx="0">
+          <a:scrgbClr r="0" g="0" b="0"/>
+        </a:effectRef>
+        <a:fontRef idx="minor">
+          <a:schemeClr val="lt1"/>
+        </a:fontRef>
+      </dsp:style>
+      <dsp:txBody>
+        <a:bodyPr spcFirstLastPara="0" vert="horz" wrap="square" lIns="34290" tIns="34290" rIns="34290" bIns="34290" numCol="1" spcCol="1270" anchor="ctr" anchorCtr="0">
+          <a:noAutofit/>
+        </a:bodyPr>
+        <a:lstStyle/>
+        <a:p>
+          <a:pPr marL="0" lvl="0" indent="0" algn="ctr" defTabSz="400050">
+            <a:lnSpc>
+              <a:spcPct val="90000"/>
+            </a:lnSpc>
+            <a:spcBef>
+              <a:spcPct val="0"/>
+            </a:spcBef>
+            <a:spcAft>
+              <a:spcPct val="35000"/>
+            </a:spcAft>
+            <a:buNone/>
+          </a:pPr>
+          <a:r>
+            <a:rPr lang="en-US" sz="900" kern="1200" dirty="0"/>
+            <a:t>Hurricanes</a:t>
+          </a:r>
+        </a:p>
+      </dsp:txBody>
+      <dsp:txXfrm>
+        <a:off x="6458908" y="1863864"/>
+        <a:ext cx="1051734" cy="758274"/>
+      </dsp:txXfrm>
+    </dsp:sp>
+    <dsp:sp modelId="{536D6ED2-29CE-459C-BAF8-05E4F6D16AA4}">
+      <dsp:nvSpPr>
+        <dsp:cNvPr id="0" name=""/>
+        <dsp:cNvSpPr/>
+      </dsp:nvSpPr>
+      <dsp:spPr>
+        <a:xfrm>
+          <a:off x="6937089" y="2645730"/>
+          <a:ext cx="91440" cy="1609543"/>
+        </a:xfrm>
+        <a:custGeom>
+          <a:avLst/>
+          <a:gdLst/>
+          <a:ahLst/>
+          <a:cxnLst/>
+          <a:rect l="0" t="0" r="0" b="0"/>
+          <a:pathLst>
+            <a:path>
+              <a:moveTo>
+                <a:pt x="47686" y="0"/>
+              </a:moveTo>
+              <a:lnTo>
+                <a:pt x="47686" y="804771"/>
+              </a:lnTo>
+              <a:lnTo>
+                <a:pt x="45720" y="804771"/>
+              </a:lnTo>
+              <a:lnTo>
+                <a:pt x="45720" y="1609543"/>
+              </a:lnTo>
+            </a:path>
+          </a:pathLst>
+        </a:custGeom>
+        <a:noFill/>
+        <a:ln w="12700" cap="flat" cmpd="sng" algn="ctr">
+          <a:solidFill>
+            <a:schemeClr val="accent3">
+              <a:hueOff val="0"/>
+              <a:satOff val="0"/>
+              <a:lumOff val="0"/>
+              <a:alphaOff val="0"/>
+            </a:schemeClr>
+          </a:solidFill>
+          <a:prstDash val="solid"/>
+          <a:miter lim="800000"/>
+        </a:ln>
+        <a:effectLst/>
+      </dsp:spPr>
+      <dsp:style>
+        <a:lnRef idx="2">
+          <a:scrgbClr r="0" g="0" b="0"/>
+        </a:lnRef>
+        <a:fillRef idx="0">
+          <a:scrgbClr r="0" g="0" b="0"/>
+        </a:fillRef>
+        <a:effectRef idx="0">
+          <a:scrgbClr r="0" g="0" b="0"/>
+        </a:effectRef>
+        <a:fontRef idx="minor"/>
+      </dsp:style>
+    </dsp:sp>
+    <dsp:sp modelId="{A030F173-DB14-4FC9-8CF6-6C067C6E7465}">
+      <dsp:nvSpPr>
+        <dsp:cNvPr id="0" name=""/>
+        <dsp:cNvSpPr/>
+      </dsp:nvSpPr>
+      <dsp:spPr>
+        <a:xfrm>
+          <a:off x="6365875" y="4255273"/>
+          <a:ext cx="1233867" cy="1316582"/>
+        </a:xfrm>
+        <a:prstGeom prst="roundRect">
+          <a:avLst>
+            <a:gd name="adj" fmla="val 10000"/>
+          </a:avLst>
+        </a:prstGeom>
+        <a:solidFill>
+          <a:schemeClr val="accent3">
+            <a:hueOff val="0"/>
+            <a:satOff val="0"/>
+            <a:lumOff val="0"/>
+            <a:alphaOff val="0"/>
+          </a:schemeClr>
+        </a:solidFill>
+        <a:ln w="12700" cap="flat" cmpd="sng" algn="ctr">
+          <a:solidFill>
+            <a:schemeClr val="lt1">
+              <a:hueOff val="0"/>
+              <a:satOff val="0"/>
+              <a:lumOff val="0"/>
+              <a:alphaOff val="0"/>
+            </a:schemeClr>
+          </a:solidFill>
+          <a:prstDash val="solid"/>
+          <a:miter lim="800000"/>
+        </a:ln>
+        <a:effectLst/>
+      </dsp:spPr>
+      <dsp:style>
+        <a:lnRef idx="2">
+          <a:scrgbClr r="0" g="0" b="0"/>
+        </a:lnRef>
+        <a:fillRef idx="1">
+          <a:scrgbClr r="0" g="0" b="0"/>
+        </a:fillRef>
+        <a:effectRef idx="0">
+          <a:scrgbClr r="0" g="0" b="0"/>
+        </a:effectRef>
+        <a:fontRef idx="minor">
+          <a:schemeClr val="lt1"/>
+        </a:fontRef>
+      </dsp:style>
+      <dsp:txBody>
+        <a:bodyPr spcFirstLastPara="0" vert="horz" wrap="square" lIns="34290" tIns="34290" rIns="34290" bIns="34290" numCol="1" spcCol="1270" anchor="ctr" anchorCtr="0">
+          <a:noAutofit/>
+        </a:bodyPr>
+        <a:lstStyle/>
+        <a:p>
+          <a:pPr marL="0" lvl="0" indent="0" algn="ctr" defTabSz="400050">
+            <a:lnSpc>
+              <a:spcPct val="90000"/>
+            </a:lnSpc>
+            <a:spcBef>
+              <a:spcPct val="0"/>
+            </a:spcBef>
+            <a:spcAft>
+              <a:spcPct val="35000"/>
+            </a:spcAft>
+            <a:buNone/>
+          </a:pPr>
+          <a:r>
+            <a:rPr lang="en-US" sz="900" kern="1200" dirty="0"/>
+            <a:t>Not currently represented in REopt, but may have implications on larger scale generation (not during outages)</a:t>
+          </a:r>
+        </a:p>
+      </dsp:txBody>
+      <dsp:txXfrm>
+        <a:off x="6402014" y="4291412"/>
+        <a:ext cx="1161589" cy="1244304"/>
+      </dsp:txXfrm>
+    </dsp:sp>
+    <dsp:sp modelId="{77520C0C-9948-451D-AB96-FE0695717798}">
+      <dsp:nvSpPr>
+        <dsp:cNvPr id="0" name=""/>
+        <dsp:cNvSpPr/>
+      </dsp:nvSpPr>
+      <dsp:spPr>
+        <a:xfrm>
+          <a:off x="6775508" y="552447"/>
+          <a:ext cx="1753381" cy="1280809"/>
+        </a:xfrm>
+        <a:custGeom>
+          <a:avLst/>
+          <a:gdLst/>
+          <a:ahLst/>
+          <a:cxnLst/>
+          <a:rect l="0" t="0" r="0" b="0"/>
+          <a:pathLst>
+            <a:path>
+              <a:moveTo>
+                <a:pt x="0" y="0"/>
+              </a:moveTo>
+              <a:lnTo>
+                <a:pt x="0" y="640404"/>
+              </a:lnTo>
+              <a:lnTo>
+                <a:pt x="1753381" y="640404"/>
+              </a:lnTo>
+              <a:lnTo>
+                <a:pt x="1753381" y="1280809"/>
+              </a:lnTo>
+            </a:path>
+          </a:pathLst>
+        </a:custGeom>
+        <a:noFill/>
+        <a:ln w="12700" cap="flat" cmpd="sng" algn="ctr">
+          <a:solidFill>
+            <a:schemeClr val="accent2">
+              <a:hueOff val="0"/>
+              <a:satOff val="0"/>
+              <a:lumOff val="0"/>
+              <a:alphaOff val="0"/>
+            </a:schemeClr>
+          </a:solidFill>
+          <a:prstDash val="solid"/>
+          <a:miter lim="800000"/>
+        </a:ln>
+        <a:effectLst/>
+      </dsp:spPr>
+      <dsp:style>
+        <a:lnRef idx="2">
+          <a:scrgbClr r="0" g="0" b="0"/>
+        </a:lnRef>
+        <a:fillRef idx="0">
+          <a:scrgbClr r="0" g="0" b="0"/>
+        </a:fillRef>
+        <a:effectRef idx="0">
+          <a:scrgbClr r="0" g="0" b="0"/>
+        </a:effectRef>
+        <a:fontRef idx="minor"/>
+      </dsp:style>
+    </dsp:sp>
+    <dsp:sp modelId="{BEC6F031-4764-40F6-98E9-C0821A1786BB}">
+      <dsp:nvSpPr>
+        <dsp:cNvPr id="0" name=""/>
+        <dsp:cNvSpPr/>
+      </dsp:nvSpPr>
+      <dsp:spPr>
+        <a:xfrm>
+          <a:off x="7752511" y="1833256"/>
+          <a:ext cx="1552755" cy="920625"/>
+        </a:xfrm>
+        <a:prstGeom prst="roundRect">
+          <a:avLst>
+            <a:gd name="adj" fmla="val 10000"/>
+          </a:avLst>
+        </a:prstGeom>
+        <a:solidFill>
+          <a:schemeClr val="accent2">
+            <a:hueOff val="0"/>
+            <a:satOff val="0"/>
+            <a:lumOff val="0"/>
+            <a:alphaOff val="0"/>
+          </a:schemeClr>
+        </a:solidFill>
+        <a:ln w="12700" cap="flat" cmpd="sng" algn="ctr">
+          <a:solidFill>
+            <a:schemeClr val="lt1">
+              <a:hueOff val="0"/>
+              <a:satOff val="0"/>
+              <a:lumOff val="0"/>
+              <a:alphaOff val="0"/>
+            </a:schemeClr>
+          </a:solidFill>
+          <a:prstDash val="solid"/>
+          <a:miter lim="800000"/>
+        </a:ln>
+        <a:effectLst/>
+      </dsp:spPr>
+      <dsp:style>
+        <a:lnRef idx="2">
+          <a:scrgbClr r="0" g="0" b="0"/>
+        </a:lnRef>
+        <a:fillRef idx="1">
+          <a:scrgbClr r="0" g="0" b="0"/>
+        </a:fillRef>
+        <a:effectRef idx="0">
+          <a:scrgbClr r="0" g="0" b="0"/>
+        </a:effectRef>
+        <a:fontRef idx="minor">
+          <a:schemeClr val="lt1"/>
+        </a:fontRef>
+      </dsp:style>
+      <dsp:txBody>
+        <a:bodyPr spcFirstLastPara="0" vert="horz" wrap="square" lIns="34290" tIns="34290" rIns="34290" bIns="34290" numCol="1" spcCol="1270" anchor="ctr" anchorCtr="0">
+          <a:noAutofit/>
+        </a:bodyPr>
+        <a:lstStyle/>
+        <a:p>
+          <a:pPr marL="0" lvl="0" indent="0" algn="ctr" defTabSz="400050">
+            <a:lnSpc>
+              <a:spcPct val="90000"/>
+            </a:lnSpc>
+            <a:spcBef>
+              <a:spcPct val="0"/>
+            </a:spcBef>
+            <a:spcAft>
+              <a:spcPct val="35000"/>
+            </a:spcAft>
+            <a:buNone/>
+          </a:pPr>
+          <a:r>
+            <a:rPr lang="en-US" sz="900" kern="1200" dirty="0"/>
+            <a:t>Freezes/snowstorms</a:t>
+          </a:r>
+        </a:p>
+      </dsp:txBody>
+      <dsp:txXfrm>
+        <a:off x="7779475" y="1860220"/>
+        <a:ext cx="1498827" cy="866697"/>
+      </dsp:txXfrm>
+    </dsp:sp>
+    <dsp:sp modelId="{E7B4455F-8CC0-4A49-B48F-F6FA89302B28}">
+      <dsp:nvSpPr>
+        <dsp:cNvPr id="0" name=""/>
+        <dsp:cNvSpPr/>
+      </dsp:nvSpPr>
+      <dsp:spPr>
+        <a:xfrm>
+          <a:off x="8483169" y="2753882"/>
+          <a:ext cx="91440" cy="1345123"/>
+        </a:xfrm>
+        <a:custGeom>
+          <a:avLst/>
+          <a:gdLst/>
+          <a:ahLst/>
+          <a:cxnLst/>
+          <a:rect l="0" t="0" r="0" b="0"/>
+          <a:pathLst>
+            <a:path>
+              <a:moveTo>
+                <a:pt x="45720" y="0"/>
+              </a:moveTo>
+              <a:lnTo>
+                <a:pt x="45720" y="1345123"/>
+              </a:lnTo>
+            </a:path>
+          </a:pathLst>
+        </a:custGeom>
+        <a:noFill/>
+        <a:ln w="12700" cap="flat" cmpd="sng" algn="ctr">
+          <a:solidFill>
+            <a:schemeClr val="accent3">
+              <a:hueOff val="0"/>
+              <a:satOff val="0"/>
+              <a:lumOff val="0"/>
+              <a:alphaOff val="0"/>
+            </a:schemeClr>
+          </a:solidFill>
+          <a:prstDash val="solid"/>
+          <a:miter lim="800000"/>
+        </a:ln>
+        <a:effectLst/>
+      </dsp:spPr>
+      <dsp:style>
+        <a:lnRef idx="2">
+          <a:scrgbClr r="0" g="0" b="0"/>
+        </a:lnRef>
+        <a:fillRef idx="0">
+          <a:scrgbClr r="0" g="0" b="0"/>
+        </a:fillRef>
+        <a:effectRef idx="0">
+          <a:scrgbClr r="0" g="0" b="0"/>
+        </a:effectRef>
+        <a:fontRef idx="minor"/>
+      </dsp:style>
+    </dsp:sp>
+    <dsp:sp modelId="{4B59D9AD-04E3-4899-9AD5-798825400C09}">
+      <dsp:nvSpPr>
+        <dsp:cNvPr id="0" name=""/>
+        <dsp:cNvSpPr/>
+      </dsp:nvSpPr>
+      <dsp:spPr>
+        <a:xfrm>
+          <a:off x="7935966" y="4099006"/>
+          <a:ext cx="1185846" cy="1792814"/>
+        </a:xfrm>
+        <a:prstGeom prst="roundRect">
+          <a:avLst>
+            <a:gd name="adj" fmla="val 10000"/>
+          </a:avLst>
+        </a:prstGeom>
+        <a:solidFill>
+          <a:schemeClr val="accent3">
+            <a:hueOff val="0"/>
+            <a:satOff val="0"/>
+            <a:lumOff val="0"/>
+            <a:alphaOff val="0"/>
+          </a:schemeClr>
+        </a:solidFill>
+        <a:ln w="12700" cap="flat" cmpd="sng" algn="ctr">
+          <a:solidFill>
+            <a:schemeClr val="lt1">
+              <a:hueOff val="0"/>
+              <a:satOff val="0"/>
+              <a:lumOff val="0"/>
+              <a:alphaOff val="0"/>
+            </a:schemeClr>
+          </a:solidFill>
+          <a:prstDash val="solid"/>
+          <a:miter lim="800000"/>
+        </a:ln>
+        <a:effectLst/>
+      </dsp:spPr>
+      <dsp:style>
+        <a:lnRef idx="2">
+          <a:scrgbClr r="0" g="0" b="0"/>
+        </a:lnRef>
+        <a:fillRef idx="1">
+          <a:scrgbClr r="0" g="0" b="0"/>
+        </a:fillRef>
+        <a:effectRef idx="0">
+          <a:scrgbClr r="0" g="0" b="0"/>
+        </a:effectRef>
+        <a:fontRef idx="minor">
+          <a:schemeClr val="lt1"/>
+        </a:fontRef>
+      </dsp:style>
+      <dsp:txBody>
+        <a:bodyPr spcFirstLastPara="0" vert="horz" wrap="square" lIns="34290" tIns="34290" rIns="34290" bIns="34290" numCol="1" spcCol="1270" anchor="ctr" anchorCtr="0">
+          <a:noAutofit/>
+        </a:bodyPr>
+        <a:lstStyle/>
+        <a:p>
+          <a:pPr marL="0" lvl="0" indent="0" algn="ctr" defTabSz="400050">
+            <a:lnSpc>
+              <a:spcPct val="90000"/>
+            </a:lnSpc>
+            <a:spcBef>
+              <a:spcPct val="0"/>
+            </a:spcBef>
+            <a:spcAft>
+              <a:spcPct val="35000"/>
+            </a:spcAft>
+            <a:buNone/>
+          </a:pPr>
+          <a:r>
+            <a:rPr lang="en-US" sz="900" kern="1200" dirty="0"/>
+            <a:t>Acquire or develop approximate data to generate probabilities of whether extra fuel for generators can be acquired (via closed roads)</a:t>
+          </a:r>
+        </a:p>
+      </dsp:txBody>
+      <dsp:txXfrm>
+        <a:off x="7970698" y="4133738"/>
+        <a:ext cx="1116382" cy="1723350"/>
+      </dsp:txXfrm>
+    </dsp:sp>
+  </dsp:spTree>
+</dsp:drawing>
+</file>
+
+<file path=ppt/diagrams/drawing5.xml><?xml version="1.0" encoding="utf-8"?>
+<dsp:drawing xmlns:dgm="http://schemas.openxmlformats.org/drawingml/2006/diagram" xmlns:dsp="http://schemas.microsoft.com/office/drawing/2008/diagram" xmlns:a="http://schemas.openxmlformats.org/drawingml/2006/main">
+  <dsp:spTree>
+    <dsp:nvGrpSpPr>
+      <dsp:cNvPr id="0" name=""/>
+      <dsp:cNvGrpSpPr/>
+    </dsp:nvGrpSpPr>
+    <dsp:grpSpPr/>
+    <dsp:sp modelId="{45E3B86A-E5DA-4B29-BEED-858F6515DE6F}">
+      <dsp:nvSpPr>
+        <dsp:cNvPr id="0" name=""/>
+        <dsp:cNvSpPr/>
+      </dsp:nvSpPr>
+      <dsp:spPr>
+        <a:xfrm>
+          <a:off x="0" y="3921644"/>
+          <a:ext cx="9605818" cy="2072659"/>
+        </a:xfrm>
+        <a:prstGeom prst="roundRect">
+          <a:avLst>
+            <a:gd name="adj" fmla="val 10000"/>
+          </a:avLst>
+        </a:prstGeom>
+        <a:solidFill>
+          <a:schemeClr val="accent2">
+            <a:tint val="40000"/>
+            <a:hueOff val="0"/>
+            <a:satOff val="0"/>
+            <a:lumOff val="0"/>
+            <a:alphaOff val="0"/>
+          </a:schemeClr>
+        </a:solidFill>
+        <a:ln>
+          <a:noFill/>
+        </a:ln>
+        <a:effectLst/>
+      </dsp:spPr>
+      <dsp:style>
+        <a:lnRef idx="0">
+          <a:scrgbClr r="0" g="0" b="0"/>
+        </a:lnRef>
+        <a:fillRef idx="1">
+          <a:scrgbClr r="0" g="0" b="0"/>
+        </a:fillRef>
+        <a:effectRef idx="0">
+          <a:scrgbClr r="0" g="0" b="0"/>
+        </a:effectRef>
+        <a:fontRef idx="minor"/>
+      </dsp:style>
+      <dsp:txBody>
+        <a:bodyPr spcFirstLastPara="0" vert="horz" wrap="square" lIns="163576" tIns="163576" rIns="163576" bIns="163576" numCol="1" spcCol="1270" anchor="ctr" anchorCtr="0">
+          <a:noAutofit/>
+        </a:bodyPr>
+        <a:lstStyle/>
+        <a:p>
+          <a:pPr marL="0" lvl="0" indent="0" algn="ctr" defTabSz="1022350">
+            <a:lnSpc>
+              <a:spcPct val="90000"/>
+            </a:lnSpc>
+            <a:spcBef>
+              <a:spcPct val="0"/>
+            </a:spcBef>
+            <a:spcAft>
+              <a:spcPct val="35000"/>
+            </a:spcAft>
+            <a:buNone/>
+          </a:pPr>
+          <a:r>
+            <a:rPr lang="en-US" sz="2300" kern="1200" dirty="0"/>
+            <a:t>Data</a:t>
+          </a:r>
+        </a:p>
+      </dsp:txBody>
+      <dsp:txXfrm>
+        <a:off x="0" y="3921644"/>
+        <a:ext cx="2881745" cy="2072659"/>
+      </dsp:txXfrm>
+    </dsp:sp>
+    <dsp:sp modelId="{48B619C1-0227-4BB4-9330-65F19C463727}">
+      <dsp:nvSpPr>
+        <dsp:cNvPr id="0" name=""/>
+        <dsp:cNvSpPr/>
+      </dsp:nvSpPr>
+      <dsp:spPr>
+        <a:xfrm>
+          <a:off x="0" y="1720527"/>
+          <a:ext cx="9605818" cy="1167631"/>
+        </a:xfrm>
+        <a:prstGeom prst="roundRect">
+          <a:avLst>
+            <a:gd name="adj" fmla="val 10000"/>
+          </a:avLst>
+        </a:prstGeom>
+        <a:solidFill>
+          <a:schemeClr val="accent2">
+            <a:tint val="40000"/>
+            <a:hueOff val="0"/>
+            <a:satOff val="0"/>
+            <a:lumOff val="0"/>
+            <a:alphaOff val="0"/>
+          </a:schemeClr>
+        </a:solidFill>
+        <a:ln>
+          <a:noFill/>
+        </a:ln>
+        <a:effectLst/>
+      </dsp:spPr>
+      <dsp:style>
+        <a:lnRef idx="0">
+          <a:scrgbClr r="0" g="0" b="0"/>
+        </a:lnRef>
+        <a:fillRef idx="1">
+          <a:scrgbClr r="0" g="0" b="0"/>
+        </a:fillRef>
+        <a:effectRef idx="0">
+          <a:scrgbClr r="0" g="0" b="0"/>
+        </a:effectRef>
+        <a:fontRef idx="minor"/>
+      </dsp:style>
+      <dsp:txBody>
+        <a:bodyPr spcFirstLastPara="0" vert="horz" wrap="square" lIns="163576" tIns="163576" rIns="163576" bIns="163576" numCol="1" spcCol="1270" anchor="ctr" anchorCtr="0">
+          <a:noAutofit/>
+        </a:bodyPr>
+        <a:lstStyle/>
+        <a:p>
+          <a:pPr marL="0" lvl="0" indent="0" algn="ctr" defTabSz="1022350">
+            <a:lnSpc>
+              <a:spcPct val="90000"/>
+            </a:lnSpc>
+            <a:spcBef>
+              <a:spcPct val="0"/>
+            </a:spcBef>
+            <a:spcAft>
+              <a:spcPct val="35000"/>
+            </a:spcAft>
+            <a:buNone/>
+          </a:pPr>
+          <a:r>
+            <a:rPr lang="en-US" sz="2300" kern="1200" dirty="0"/>
+            <a:t>Energy system impact(s)</a:t>
+          </a:r>
+        </a:p>
+      </dsp:txBody>
+      <dsp:txXfrm>
+        <a:off x="0" y="1720527"/>
+        <a:ext cx="2881745" cy="1167631"/>
+      </dsp:txXfrm>
+    </dsp:sp>
+    <dsp:sp modelId="{45EDF92B-B007-4054-868A-FF8F49B471DF}">
+      <dsp:nvSpPr>
+        <dsp:cNvPr id="0" name=""/>
+        <dsp:cNvSpPr/>
+      </dsp:nvSpPr>
+      <dsp:spPr>
+        <a:xfrm>
+          <a:off x="0" y="0"/>
+          <a:ext cx="9605818" cy="731770"/>
+        </a:xfrm>
+        <a:prstGeom prst="roundRect">
+          <a:avLst>
+            <a:gd name="adj" fmla="val 10000"/>
+          </a:avLst>
+        </a:prstGeom>
+        <a:solidFill>
+          <a:schemeClr val="accent2">
+            <a:tint val="40000"/>
+            <a:hueOff val="0"/>
+            <a:satOff val="0"/>
+            <a:lumOff val="0"/>
+            <a:alphaOff val="0"/>
+          </a:schemeClr>
+        </a:solidFill>
+        <a:ln>
+          <a:noFill/>
+        </a:ln>
+        <a:effectLst/>
+      </dsp:spPr>
+      <dsp:style>
+        <a:lnRef idx="0">
+          <a:scrgbClr r="0" g="0" b="0"/>
+        </a:lnRef>
+        <a:fillRef idx="1">
+          <a:scrgbClr r="0" g="0" b="0"/>
+        </a:fillRef>
+        <a:effectRef idx="0">
+          <a:scrgbClr r="0" g="0" b="0"/>
+        </a:effectRef>
+        <a:fontRef idx="minor"/>
+      </dsp:style>
+      <dsp:txBody>
+        <a:bodyPr spcFirstLastPara="0" vert="horz" wrap="square" lIns="163576" tIns="163576" rIns="163576" bIns="163576" numCol="1" spcCol="1270" anchor="ctr" anchorCtr="0">
+          <a:noAutofit/>
+        </a:bodyPr>
+        <a:lstStyle/>
+        <a:p>
+          <a:pPr marL="0" lvl="0" indent="0" algn="ctr" defTabSz="1022350">
+            <a:lnSpc>
+              <a:spcPct val="90000"/>
+            </a:lnSpc>
+            <a:spcBef>
+              <a:spcPct val="0"/>
+            </a:spcBef>
+            <a:spcAft>
+              <a:spcPct val="35000"/>
+            </a:spcAft>
+            <a:buNone/>
+          </a:pPr>
+          <a:r>
+            <a:rPr lang="en-US" sz="2300" kern="1200" dirty="0"/>
+            <a:t>Parameter</a:t>
+          </a:r>
+        </a:p>
+      </dsp:txBody>
+      <dsp:txXfrm>
+        <a:off x="0" y="0"/>
+        <a:ext cx="2881745" cy="731770"/>
+      </dsp:txXfrm>
+    </dsp:sp>
+    <dsp:sp modelId="{5059CD49-787A-4F97-A63D-258DC2710265}">
+      <dsp:nvSpPr>
+        <dsp:cNvPr id="0" name=""/>
+        <dsp:cNvSpPr/>
+      </dsp:nvSpPr>
+      <dsp:spPr>
+        <a:xfrm>
+          <a:off x="5224810" y="167651"/>
+          <a:ext cx="3101397" cy="392425"/>
+        </a:xfrm>
+        <a:prstGeom prst="roundRect">
+          <a:avLst>
+            <a:gd name="adj" fmla="val 10000"/>
+          </a:avLst>
+        </a:prstGeom>
+        <a:solidFill>
+          <a:schemeClr val="accent1">
+            <a:hueOff val="0"/>
+            <a:satOff val="0"/>
+            <a:lumOff val="0"/>
+            <a:alphaOff val="0"/>
+          </a:schemeClr>
+        </a:solidFill>
+        <a:ln w="12700" cap="flat" cmpd="sng" algn="ctr">
+          <a:solidFill>
+            <a:schemeClr val="lt1">
+              <a:hueOff val="0"/>
+              <a:satOff val="0"/>
+              <a:lumOff val="0"/>
+              <a:alphaOff val="0"/>
+            </a:schemeClr>
+          </a:solidFill>
+          <a:prstDash val="solid"/>
+          <a:miter lim="800000"/>
+        </a:ln>
+        <a:effectLst/>
+      </dsp:spPr>
+      <dsp:style>
+        <a:lnRef idx="2">
+          <a:scrgbClr r="0" g="0" b="0"/>
+        </a:lnRef>
+        <a:fillRef idx="1">
+          <a:scrgbClr r="0" g="0" b="0"/>
+        </a:fillRef>
+        <a:effectRef idx="0">
+          <a:scrgbClr r="0" g="0" b="0"/>
+        </a:effectRef>
+        <a:fontRef idx="minor">
+          <a:schemeClr val="lt1"/>
+        </a:fontRef>
+      </dsp:style>
+      <dsp:txBody>
+        <a:bodyPr spcFirstLastPara="0" vert="horz" wrap="square" lIns="60960" tIns="60960" rIns="60960" bIns="60960" numCol="1" spcCol="1270" anchor="ctr" anchorCtr="0">
+          <a:noAutofit/>
+        </a:bodyPr>
+        <a:lstStyle/>
+        <a:p>
+          <a:pPr marL="0" lvl="0" indent="0" algn="ctr" defTabSz="711200">
+            <a:lnSpc>
+              <a:spcPct val="90000"/>
+            </a:lnSpc>
+            <a:spcBef>
+              <a:spcPct val="0"/>
+            </a:spcBef>
+            <a:spcAft>
+              <a:spcPct val="35000"/>
+            </a:spcAft>
+            <a:buNone/>
+          </a:pPr>
+          <a:r>
+            <a:rPr lang="en-US" sz="1600" kern="1200" dirty="0"/>
+            <a:t>Average Outage Duration</a:t>
+          </a:r>
+        </a:p>
+      </dsp:txBody>
+      <dsp:txXfrm>
+        <a:off x="5236304" y="179145"/>
+        <a:ext cx="3078409" cy="369437"/>
+      </dsp:txXfrm>
+    </dsp:sp>
+    <dsp:sp modelId="{26FFF9F0-A79F-4808-B871-8A25A06C6293}">
+      <dsp:nvSpPr>
+        <dsp:cNvPr id="0" name=""/>
+        <dsp:cNvSpPr/>
+      </dsp:nvSpPr>
+      <dsp:spPr>
+        <a:xfrm>
+          <a:off x="4624567" y="560076"/>
+          <a:ext cx="2150941" cy="1273180"/>
+        </a:xfrm>
+        <a:custGeom>
+          <a:avLst/>
+          <a:gdLst/>
+          <a:ahLst/>
+          <a:cxnLst/>
+          <a:rect l="0" t="0" r="0" b="0"/>
+          <a:pathLst>
+            <a:path>
+              <a:moveTo>
+                <a:pt x="2150941" y="0"/>
+              </a:moveTo>
+              <a:lnTo>
+                <a:pt x="2150941" y="636590"/>
+              </a:lnTo>
+              <a:lnTo>
+                <a:pt x="0" y="636590"/>
+              </a:lnTo>
+              <a:lnTo>
+                <a:pt x="0" y="1273180"/>
+              </a:lnTo>
+            </a:path>
+          </a:pathLst>
+        </a:custGeom>
+        <a:noFill/>
+        <a:ln w="12700" cap="flat" cmpd="sng" algn="ctr">
+          <a:solidFill>
+            <a:schemeClr val="accent2">
+              <a:hueOff val="0"/>
+              <a:satOff val="0"/>
+              <a:lumOff val="0"/>
+              <a:alphaOff val="0"/>
+            </a:schemeClr>
+          </a:solidFill>
+          <a:prstDash val="solid"/>
+          <a:miter lim="800000"/>
+        </a:ln>
+        <a:effectLst/>
+      </dsp:spPr>
+      <dsp:style>
+        <a:lnRef idx="2">
+          <a:scrgbClr r="0" g="0" b="0"/>
+        </a:lnRef>
+        <a:fillRef idx="0">
+          <a:scrgbClr r="0" g="0" b="0"/>
+        </a:fillRef>
+        <a:effectRef idx="0">
+          <a:scrgbClr r="0" g="0" b="0"/>
+        </a:effectRef>
+        <a:fontRef idx="minor"/>
+      </dsp:style>
+    </dsp:sp>
+    <dsp:sp modelId="{24C7E338-E59C-485F-908F-F17326E7FF65}">
+      <dsp:nvSpPr>
+        <dsp:cNvPr id="0" name=""/>
+        <dsp:cNvSpPr/>
+      </dsp:nvSpPr>
+      <dsp:spPr>
+        <a:xfrm>
+          <a:off x="4152833" y="1833256"/>
+          <a:ext cx="943468" cy="691166"/>
+        </a:xfrm>
+        <a:prstGeom prst="roundRect">
+          <a:avLst>
+            <a:gd name="adj" fmla="val 10000"/>
+          </a:avLst>
+        </a:prstGeom>
+        <a:solidFill>
+          <a:schemeClr val="accent2">
+            <a:hueOff val="0"/>
+            <a:satOff val="0"/>
+            <a:lumOff val="0"/>
+            <a:alphaOff val="0"/>
+          </a:schemeClr>
+        </a:solidFill>
+        <a:ln w="12700" cap="flat" cmpd="sng" algn="ctr">
+          <a:solidFill>
+            <a:schemeClr val="lt1">
+              <a:hueOff val="0"/>
+              <a:satOff val="0"/>
+              <a:lumOff val="0"/>
+              <a:alphaOff val="0"/>
+            </a:schemeClr>
+          </a:solidFill>
+          <a:prstDash val="solid"/>
+          <a:miter lim="800000"/>
+        </a:ln>
+        <a:effectLst/>
+      </dsp:spPr>
+      <dsp:style>
+        <a:lnRef idx="2">
+          <a:scrgbClr r="0" g="0" b="0"/>
+        </a:lnRef>
+        <a:fillRef idx="1">
+          <a:scrgbClr r="0" g="0" b="0"/>
+        </a:fillRef>
+        <a:effectRef idx="0">
+          <a:scrgbClr r="0" g="0" b="0"/>
+        </a:effectRef>
+        <a:fontRef idx="minor">
+          <a:schemeClr val="lt1"/>
+        </a:fontRef>
+      </dsp:style>
+      <dsp:txBody>
+        <a:bodyPr spcFirstLastPara="0" vert="horz" wrap="square" lIns="34290" tIns="34290" rIns="34290" bIns="34290" numCol="1" spcCol="1270" anchor="ctr" anchorCtr="0">
+          <a:noAutofit/>
+        </a:bodyPr>
+        <a:lstStyle/>
+        <a:p>
+          <a:pPr marL="0" lvl="0" indent="0" algn="ctr" defTabSz="400050">
+            <a:lnSpc>
+              <a:spcPct val="90000"/>
+            </a:lnSpc>
+            <a:spcBef>
+              <a:spcPct val="0"/>
+            </a:spcBef>
+            <a:spcAft>
+              <a:spcPct val="35000"/>
+            </a:spcAft>
+            <a:buNone/>
+          </a:pPr>
+          <a:r>
+            <a:rPr lang="en-US" sz="900" kern="1200" dirty="0"/>
+            <a:t>Wildfires</a:t>
+          </a:r>
+        </a:p>
+      </dsp:txBody>
+      <dsp:txXfrm>
+        <a:off x="4173077" y="1853500"/>
+        <a:ext cx="902980" cy="650678"/>
+      </dsp:txXfrm>
+    </dsp:sp>
+    <dsp:sp modelId="{07BACB36-D2AD-4234-ADEC-F45C22EDC1B2}">
+      <dsp:nvSpPr>
+        <dsp:cNvPr id="0" name=""/>
+        <dsp:cNvSpPr/>
+      </dsp:nvSpPr>
+      <dsp:spPr>
+        <a:xfrm>
+          <a:off x="3236921" y="2524423"/>
+          <a:ext cx="1387645" cy="1705307"/>
+        </a:xfrm>
+        <a:custGeom>
+          <a:avLst/>
+          <a:gdLst/>
+          <a:ahLst/>
+          <a:cxnLst/>
+          <a:rect l="0" t="0" r="0" b="0"/>
+          <a:pathLst>
+            <a:path>
+              <a:moveTo>
+                <a:pt x="1387645" y="0"/>
+              </a:moveTo>
+              <a:lnTo>
+                <a:pt x="1387645" y="852653"/>
+              </a:lnTo>
+              <a:lnTo>
+                <a:pt x="0" y="852653"/>
+              </a:lnTo>
+              <a:lnTo>
+                <a:pt x="0" y="1705307"/>
+              </a:lnTo>
+            </a:path>
+          </a:pathLst>
+        </a:custGeom>
+        <a:noFill/>
+        <a:ln w="12700" cap="flat" cmpd="sng" algn="ctr">
+          <a:solidFill>
+            <a:schemeClr val="accent3">
+              <a:hueOff val="0"/>
+              <a:satOff val="0"/>
+              <a:lumOff val="0"/>
+              <a:alphaOff val="0"/>
+            </a:schemeClr>
+          </a:solidFill>
+          <a:prstDash val="solid"/>
+          <a:miter lim="800000"/>
+        </a:ln>
+        <a:effectLst/>
+      </dsp:spPr>
+      <dsp:style>
+        <a:lnRef idx="2">
+          <a:scrgbClr r="0" g="0" b="0"/>
+        </a:lnRef>
+        <a:fillRef idx="0">
+          <a:scrgbClr r="0" g="0" b="0"/>
+        </a:fillRef>
+        <a:effectRef idx="0">
+          <a:scrgbClr r="0" g="0" b="0"/>
+        </a:effectRef>
+        <a:fontRef idx="minor"/>
+      </dsp:style>
+    </dsp:sp>
+    <dsp:sp modelId="{679876E1-0C87-4A14-AFD0-C9ECC635F932}">
+      <dsp:nvSpPr>
+        <dsp:cNvPr id="0" name=""/>
+        <dsp:cNvSpPr/>
+      </dsp:nvSpPr>
+      <dsp:spPr>
+        <a:xfrm>
+          <a:off x="2676029" y="4229730"/>
+          <a:ext cx="1121784" cy="1377027"/>
+        </a:xfrm>
+        <a:prstGeom prst="roundRect">
+          <a:avLst>
+            <a:gd name="adj" fmla="val 10000"/>
+          </a:avLst>
+        </a:prstGeom>
+        <a:solidFill>
+          <a:schemeClr val="accent3">
+            <a:hueOff val="0"/>
+            <a:satOff val="0"/>
+            <a:lumOff val="0"/>
+            <a:alphaOff val="0"/>
+          </a:schemeClr>
+        </a:solidFill>
+        <a:ln w="12700" cap="flat" cmpd="sng" algn="ctr">
+          <a:solidFill>
+            <a:schemeClr val="lt1">
+              <a:hueOff val="0"/>
+              <a:satOff val="0"/>
+              <a:lumOff val="0"/>
+              <a:alphaOff val="0"/>
+            </a:schemeClr>
+          </a:solidFill>
+          <a:prstDash val="solid"/>
+          <a:miter lim="800000"/>
+        </a:ln>
+        <a:effectLst/>
+      </dsp:spPr>
+      <dsp:style>
+        <a:lnRef idx="2">
+          <a:scrgbClr r="0" g="0" b="0"/>
+        </a:lnRef>
+        <a:fillRef idx="1">
+          <a:scrgbClr r="0" g="0" b="0"/>
+        </a:fillRef>
+        <a:effectRef idx="0">
+          <a:scrgbClr r="0" g="0" b="0"/>
+        </a:effectRef>
+        <a:fontRef idx="minor">
+          <a:schemeClr val="lt1"/>
+        </a:fontRef>
+      </dsp:style>
+      <dsp:txBody>
+        <a:bodyPr spcFirstLastPara="0" vert="horz" wrap="square" lIns="34290" tIns="34290" rIns="34290" bIns="34290" numCol="1" spcCol="1270" anchor="ctr" anchorCtr="0">
+          <a:noAutofit/>
+        </a:bodyPr>
+        <a:lstStyle/>
+        <a:p>
+          <a:pPr marL="0" lvl="0" indent="0" algn="ctr" defTabSz="400050">
+            <a:lnSpc>
+              <a:spcPct val="90000"/>
+            </a:lnSpc>
+            <a:spcBef>
+              <a:spcPct val="0"/>
+            </a:spcBef>
+            <a:spcAft>
+              <a:spcPct val="35000"/>
+            </a:spcAft>
+            <a:buNone/>
+          </a:pPr>
+          <a:r>
+            <a:rPr lang="en-US" sz="900" kern="1200" dirty="0"/>
+            <a:t>61% of the time there was little to no production due to snow-covered panels</a:t>
+          </a:r>
+        </a:p>
+      </dsp:txBody>
+      <dsp:txXfrm>
+        <a:off x="2708885" y="4262586"/>
+        <a:ext cx="1056072" cy="1311315"/>
+      </dsp:txXfrm>
+    </dsp:sp>
+    <dsp:sp modelId="{47BDBBC5-83BE-4692-95CB-A8D847A367F5}">
+      <dsp:nvSpPr>
+        <dsp:cNvPr id="0" name=""/>
+        <dsp:cNvSpPr/>
+      </dsp:nvSpPr>
+      <dsp:spPr>
+        <a:xfrm>
+          <a:off x="4439546" y="2524423"/>
+          <a:ext cx="185020" cy="1705315"/>
+        </a:xfrm>
+        <a:custGeom>
+          <a:avLst/>
+          <a:gdLst/>
+          <a:ahLst/>
+          <a:cxnLst/>
+          <a:rect l="0" t="0" r="0" b="0"/>
+          <a:pathLst>
+            <a:path>
+              <a:moveTo>
+                <a:pt x="185020" y="0"/>
+              </a:moveTo>
+              <a:lnTo>
+                <a:pt x="185020" y="852657"/>
+              </a:lnTo>
+              <a:lnTo>
+                <a:pt x="0" y="852657"/>
+              </a:lnTo>
+              <a:lnTo>
+                <a:pt x="0" y="1705315"/>
+              </a:lnTo>
+            </a:path>
+          </a:pathLst>
+        </a:custGeom>
+        <a:noFill/>
+        <a:ln w="12700" cap="flat" cmpd="sng" algn="ctr">
+          <a:solidFill>
+            <a:schemeClr val="accent3">
+              <a:hueOff val="0"/>
+              <a:satOff val="0"/>
+              <a:lumOff val="0"/>
+              <a:alphaOff val="0"/>
+            </a:schemeClr>
+          </a:solidFill>
+          <a:prstDash val="solid"/>
+          <a:miter lim="800000"/>
+        </a:ln>
+        <a:effectLst/>
+      </dsp:spPr>
+      <dsp:style>
+        <a:lnRef idx="2">
+          <a:scrgbClr r="0" g="0" b="0"/>
+        </a:lnRef>
+        <a:fillRef idx="0">
+          <a:scrgbClr r="0" g="0" b="0"/>
+        </a:fillRef>
+        <a:effectRef idx="0">
+          <a:scrgbClr r="0" g="0" b="0"/>
+        </a:effectRef>
+        <a:fontRef idx="minor"/>
+      </dsp:style>
+    </dsp:sp>
+    <dsp:sp modelId="{B8341881-1E1C-4A3F-85EE-6217C98810E0}">
+      <dsp:nvSpPr>
+        <dsp:cNvPr id="0" name=""/>
+        <dsp:cNvSpPr/>
+      </dsp:nvSpPr>
+      <dsp:spPr>
+        <a:xfrm>
+          <a:off x="3976924" y="4229738"/>
+          <a:ext cx="925244" cy="784112"/>
+        </a:xfrm>
+        <a:prstGeom prst="roundRect">
+          <a:avLst>
+            <a:gd name="adj" fmla="val 10000"/>
+          </a:avLst>
+        </a:prstGeom>
+        <a:solidFill>
+          <a:schemeClr val="accent3">
+            <a:hueOff val="0"/>
+            <a:satOff val="0"/>
+            <a:lumOff val="0"/>
+            <a:alphaOff val="0"/>
+          </a:schemeClr>
+        </a:solidFill>
+        <a:ln w="12700" cap="flat" cmpd="sng" algn="ctr">
+          <a:solidFill>
+            <a:schemeClr val="lt1">
+              <a:hueOff val="0"/>
+              <a:satOff val="0"/>
+              <a:lumOff val="0"/>
+              <a:alphaOff val="0"/>
+            </a:schemeClr>
+          </a:solidFill>
+          <a:prstDash val="solid"/>
+          <a:miter lim="800000"/>
+        </a:ln>
+        <a:effectLst/>
+      </dsp:spPr>
+      <dsp:style>
+        <a:lnRef idx="2">
+          <a:scrgbClr r="0" g="0" b="0"/>
+        </a:lnRef>
+        <a:fillRef idx="1">
+          <a:scrgbClr r="0" g="0" b="0"/>
+        </a:fillRef>
+        <a:effectRef idx="0">
+          <a:scrgbClr r="0" g="0" b="0"/>
+        </a:effectRef>
+        <a:fontRef idx="minor">
+          <a:schemeClr val="lt1"/>
+        </a:fontRef>
+      </dsp:style>
+      <dsp:txBody>
+        <a:bodyPr spcFirstLastPara="0" vert="horz" wrap="square" lIns="34290" tIns="34290" rIns="34290" bIns="34290" numCol="1" spcCol="1270" anchor="ctr" anchorCtr="0">
+          <a:noAutofit/>
+        </a:bodyPr>
+        <a:lstStyle/>
+        <a:p>
+          <a:pPr marL="0" lvl="0" indent="0" algn="ctr" defTabSz="400050">
+            <a:lnSpc>
+              <a:spcPct val="90000"/>
+            </a:lnSpc>
+            <a:spcBef>
+              <a:spcPct val="0"/>
+            </a:spcBef>
+            <a:spcAft>
+              <a:spcPct val="35000"/>
+            </a:spcAft>
+            <a:buNone/>
+          </a:pPr>
+          <a:r>
+            <a:rPr lang="en-US" sz="900" kern="1200" dirty="0"/>
+            <a:t>Effects of cloud cover on solar generation</a:t>
+          </a:r>
+        </a:p>
+      </dsp:txBody>
+      <dsp:txXfrm>
+        <a:off x="3999890" y="4252704"/>
+        <a:ext cx="879312" cy="738180"/>
+      </dsp:txXfrm>
+    </dsp:sp>
+    <dsp:sp modelId="{54C8ABC5-46E6-4715-9751-5ED1137F69FD}">
+      <dsp:nvSpPr>
+        <dsp:cNvPr id="0" name=""/>
+        <dsp:cNvSpPr/>
+      </dsp:nvSpPr>
+      <dsp:spPr>
+        <a:xfrm>
+          <a:off x="4624567" y="2524423"/>
+          <a:ext cx="1042715" cy="1704118"/>
+        </a:xfrm>
+        <a:custGeom>
+          <a:avLst/>
+          <a:gdLst/>
+          <a:ahLst/>
+          <a:cxnLst/>
+          <a:rect l="0" t="0" r="0" b="0"/>
+          <a:pathLst>
+            <a:path>
+              <a:moveTo>
+                <a:pt x="0" y="0"/>
+              </a:moveTo>
+              <a:lnTo>
+                <a:pt x="0" y="852059"/>
+              </a:lnTo>
+              <a:lnTo>
+                <a:pt x="1042715" y="852059"/>
+              </a:lnTo>
+              <a:lnTo>
+                <a:pt x="1042715" y="1704118"/>
+              </a:lnTo>
+            </a:path>
+          </a:pathLst>
+        </a:custGeom>
+        <a:noFill/>
+        <a:ln w="12700" cap="flat" cmpd="sng" algn="ctr">
+          <a:solidFill>
+            <a:schemeClr val="accent3">
+              <a:hueOff val="0"/>
+              <a:satOff val="0"/>
+              <a:lumOff val="0"/>
+              <a:alphaOff val="0"/>
+            </a:schemeClr>
+          </a:solidFill>
+          <a:prstDash val="solid"/>
+          <a:miter lim="800000"/>
+        </a:ln>
+        <a:effectLst/>
+      </dsp:spPr>
+      <dsp:style>
+        <a:lnRef idx="2">
+          <a:scrgbClr r="0" g="0" b="0"/>
+        </a:lnRef>
+        <a:fillRef idx="0">
+          <a:scrgbClr r="0" g="0" b="0"/>
+        </a:fillRef>
+        <a:effectRef idx="0">
+          <a:scrgbClr r="0" g="0" b="0"/>
+        </a:effectRef>
+        <a:fontRef idx="minor"/>
+      </dsp:style>
+    </dsp:sp>
+    <dsp:sp modelId="{12D6EFA1-E9B7-4657-9935-B1D340A75847}">
+      <dsp:nvSpPr>
+        <dsp:cNvPr id="0" name=""/>
+        <dsp:cNvSpPr/>
+      </dsp:nvSpPr>
+      <dsp:spPr>
+        <a:xfrm>
+          <a:off x="5140084" y="4228541"/>
+          <a:ext cx="1054397" cy="1645772"/>
+        </a:xfrm>
+        <a:prstGeom prst="roundRect">
+          <a:avLst>
+            <a:gd name="adj" fmla="val 10000"/>
+          </a:avLst>
+        </a:prstGeom>
+        <a:solidFill>
+          <a:schemeClr val="accent3">
+            <a:hueOff val="0"/>
+            <a:satOff val="0"/>
+            <a:lumOff val="0"/>
+            <a:alphaOff val="0"/>
+          </a:schemeClr>
+        </a:solidFill>
+        <a:ln w="12700" cap="flat" cmpd="sng" algn="ctr">
+          <a:solidFill>
+            <a:schemeClr val="lt1">
+              <a:hueOff val="0"/>
+              <a:satOff val="0"/>
+              <a:lumOff val="0"/>
+              <a:alphaOff val="0"/>
+            </a:schemeClr>
+          </a:solidFill>
+          <a:prstDash val="solid"/>
+          <a:miter lim="800000"/>
+        </a:ln>
+        <a:effectLst/>
+      </dsp:spPr>
+      <dsp:style>
+        <a:lnRef idx="2">
+          <a:scrgbClr r="0" g="0" b="0"/>
+        </a:lnRef>
+        <a:fillRef idx="1">
+          <a:scrgbClr r="0" g="0" b="0"/>
+        </a:fillRef>
+        <a:effectRef idx="0">
+          <a:scrgbClr r="0" g="0" b="0"/>
+        </a:effectRef>
+        <a:fontRef idx="minor">
+          <a:schemeClr val="lt1"/>
+        </a:fontRef>
+      </dsp:style>
+      <dsp:txBody>
+        <a:bodyPr spcFirstLastPara="0" vert="horz" wrap="square" lIns="34290" tIns="34290" rIns="34290" bIns="34290" numCol="1" spcCol="1270" anchor="ctr" anchorCtr="0">
+          <a:noAutofit/>
+        </a:bodyPr>
+        <a:lstStyle/>
+        <a:p>
+          <a:pPr marL="0" lvl="0" indent="0" algn="ctr" defTabSz="400050">
+            <a:lnSpc>
+              <a:spcPct val="90000"/>
+            </a:lnSpc>
+            <a:spcBef>
+              <a:spcPct val="0"/>
+            </a:spcBef>
+            <a:spcAft>
+              <a:spcPct val="35000"/>
+            </a:spcAft>
+            <a:buNone/>
+          </a:pPr>
+          <a:r>
+            <a:rPr lang="en-US" sz="900" kern="1200" dirty="0"/>
+            <a:t>Snow days experience a 54% reduction in solar production ratio compared to non-snow days</a:t>
+          </a:r>
+        </a:p>
+      </dsp:txBody>
+      <dsp:txXfrm>
+        <a:off x="5170966" y="4259423"/>
+        <a:ext cx="992633" cy="1584008"/>
+      </dsp:txXfrm>
+    </dsp:sp>
+    <dsp:sp modelId="{A32B63AF-FA67-4D50-9C81-974FAF3DFF6E}">
+      <dsp:nvSpPr>
+        <dsp:cNvPr id="0" name=""/>
+        <dsp:cNvSpPr/>
+      </dsp:nvSpPr>
+      <dsp:spPr>
+        <a:xfrm>
+          <a:off x="6775508" y="560076"/>
+          <a:ext cx="209266" cy="1280196"/>
+        </a:xfrm>
+        <a:custGeom>
+          <a:avLst/>
+          <a:gdLst/>
+          <a:ahLst/>
+          <a:cxnLst/>
+          <a:rect l="0" t="0" r="0" b="0"/>
+          <a:pathLst>
+            <a:path>
+              <a:moveTo>
+                <a:pt x="0" y="0"/>
+              </a:moveTo>
+              <a:lnTo>
+                <a:pt x="0" y="640098"/>
+              </a:lnTo>
+              <a:lnTo>
+                <a:pt x="209266" y="640098"/>
+              </a:lnTo>
+              <a:lnTo>
+                <a:pt x="209266" y="1280196"/>
+              </a:lnTo>
+            </a:path>
+          </a:pathLst>
+        </a:custGeom>
+        <a:noFill/>
+        <a:ln w="12700" cap="flat" cmpd="sng" algn="ctr">
+          <a:solidFill>
+            <a:schemeClr val="accent2">
+              <a:hueOff val="0"/>
+              <a:satOff val="0"/>
+              <a:lumOff val="0"/>
+              <a:alphaOff val="0"/>
+            </a:schemeClr>
+          </a:solidFill>
+          <a:prstDash val="solid"/>
+          <a:miter lim="800000"/>
+        </a:ln>
+        <a:effectLst/>
+      </dsp:spPr>
+      <dsp:style>
+        <a:lnRef idx="2">
+          <a:scrgbClr r="0" g="0" b="0"/>
+        </a:lnRef>
+        <a:fillRef idx="0">
+          <a:scrgbClr r="0" g="0" b="0"/>
+        </a:fillRef>
+        <a:effectRef idx="0">
+          <a:scrgbClr r="0" g="0" b="0"/>
+        </a:effectRef>
+        <a:fontRef idx="minor"/>
+      </dsp:style>
+    </dsp:sp>
+    <dsp:sp modelId="{0992AC3E-F881-494A-A457-6049D2B2C058}">
+      <dsp:nvSpPr>
+        <dsp:cNvPr id="0" name=""/>
+        <dsp:cNvSpPr/>
+      </dsp:nvSpPr>
+      <dsp:spPr>
+        <a:xfrm>
+          <a:off x="6435317" y="1840273"/>
+          <a:ext cx="1098916" cy="805456"/>
+        </a:xfrm>
+        <a:prstGeom prst="roundRect">
+          <a:avLst>
+            <a:gd name="adj" fmla="val 10000"/>
+          </a:avLst>
+        </a:prstGeom>
+        <a:solidFill>
+          <a:schemeClr val="accent2">
+            <a:hueOff val="0"/>
+            <a:satOff val="0"/>
+            <a:lumOff val="0"/>
+            <a:alphaOff val="0"/>
+          </a:schemeClr>
+        </a:solidFill>
+        <a:ln w="12700" cap="flat" cmpd="sng" algn="ctr">
+          <a:solidFill>
+            <a:schemeClr val="lt1">
+              <a:hueOff val="0"/>
+              <a:satOff val="0"/>
+              <a:lumOff val="0"/>
+              <a:alphaOff val="0"/>
+            </a:schemeClr>
+          </a:solidFill>
+          <a:prstDash val="solid"/>
+          <a:miter lim="800000"/>
+        </a:ln>
+        <a:effectLst/>
+      </dsp:spPr>
+      <dsp:style>
+        <a:lnRef idx="2">
+          <a:scrgbClr r="0" g="0" b="0"/>
+        </a:lnRef>
+        <a:fillRef idx="1">
+          <a:scrgbClr r="0" g="0" b="0"/>
+        </a:fillRef>
+        <a:effectRef idx="0">
+          <a:scrgbClr r="0" g="0" b="0"/>
+        </a:effectRef>
+        <a:fontRef idx="minor">
+          <a:schemeClr val="lt1"/>
+        </a:fontRef>
+      </dsp:style>
+      <dsp:txBody>
+        <a:bodyPr spcFirstLastPara="0" vert="horz" wrap="square" lIns="34290" tIns="34290" rIns="34290" bIns="34290" numCol="1" spcCol="1270" anchor="ctr" anchorCtr="0">
+          <a:noAutofit/>
+        </a:bodyPr>
+        <a:lstStyle/>
+        <a:p>
+          <a:pPr marL="0" lvl="0" indent="0" algn="ctr" defTabSz="400050">
+            <a:lnSpc>
+              <a:spcPct val="90000"/>
+            </a:lnSpc>
+            <a:spcBef>
+              <a:spcPct val="0"/>
+            </a:spcBef>
+            <a:spcAft>
+              <a:spcPct val="35000"/>
+            </a:spcAft>
+            <a:buNone/>
+          </a:pPr>
+          <a:r>
+            <a:rPr lang="en-US" sz="900" kern="1200" dirty="0"/>
+            <a:t>Hurricanes</a:t>
+          </a:r>
+        </a:p>
+      </dsp:txBody>
+      <dsp:txXfrm>
+        <a:off x="6458908" y="1863864"/>
+        <a:ext cx="1051734" cy="758274"/>
+      </dsp:txXfrm>
+    </dsp:sp>
+    <dsp:sp modelId="{536D6ED2-29CE-459C-BAF8-05E4F6D16AA4}">
+      <dsp:nvSpPr>
+        <dsp:cNvPr id="0" name=""/>
+        <dsp:cNvSpPr/>
+      </dsp:nvSpPr>
+      <dsp:spPr>
+        <a:xfrm>
+          <a:off x="6937089" y="2645730"/>
+          <a:ext cx="91440" cy="1609543"/>
+        </a:xfrm>
+        <a:custGeom>
+          <a:avLst/>
+          <a:gdLst/>
+          <a:ahLst/>
+          <a:cxnLst/>
+          <a:rect l="0" t="0" r="0" b="0"/>
+          <a:pathLst>
+            <a:path>
+              <a:moveTo>
+                <a:pt x="47686" y="0"/>
+              </a:moveTo>
+              <a:lnTo>
+                <a:pt x="47686" y="804771"/>
+              </a:lnTo>
+              <a:lnTo>
+                <a:pt x="45720" y="804771"/>
+              </a:lnTo>
+              <a:lnTo>
+                <a:pt x="45720" y="1609543"/>
+              </a:lnTo>
+            </a:path>
+          </a:pathLst>
+        </a:custGeom>
+        <a:noFill/>
+        <a:ln w="12700" cap="flat" cmpd="sng" algn="ctr">
+          <a:solidFill>
+            <a:schemeClr val="accent3">
+              <a:hueOff val="0"/>
+              <a:satOff val="0"/>
+              <a:lumOff val="0"/>
+              <a:alphaOff val="0"/>
+            </a:schemeClr>
+          </a:solidFill>
+          <a:prstDash val="solid"/>
+          <a:miter lim="800000"/>
+        </a:ln>
+        <a:effectLst/>
+      </dsp:spPr>
+      <dsp:style>
+        <a:lnRef idx="2">
+          <a:scrgbClr r="0" g="0" b="0"/>
+        </a:lnRef>
+        <a:fillRef idx="0">
+          <a:scrgbClr r="0" g="0" b="0"/>
+        </a:fillRef>
+        <a:effectRef idx="0">
+          <a:scrgbClr r="0" g="0" b="0"/>
+        </a:effectRef>
+        <a:fontRef idx="minor"/>
+      </dsp:style>
+    </dsp:sp>
+    <dsp:sp modelId="{A030F173-DB14-4FC9-8CF6-6C067C6E7465}">
+      <dsp:nvSpPr>
+        <dsp:cNvPr id="0" name=""/>
+        <dsp:cNvSpPr/>
+      </dsp:nvSpPr>
+      <dsp:spPr>
+        <a:xfrm>
+          <a:off x="6365875" y="4255273"/>
+          <a:ext cx="1233867" cy="1316582"/>
+        </a:xfrm>
+        <a:prstGeom prst="roundRect">
+          <a:avLst>
+            <a:gd name="adj" fmla="val 10000"/>
+          </a:avLst>
+        </a:prstGeom>
+        <a:solidFill>
+          <a:schemeClr val="accent3">
+            <a:hueOff val="0"/>
+            <a:satOff val="0"/>
+            <a:lumOff val="0"/>
+            <a:alphaOff val="0"/>
+          </a:schemeClr>
+        </a:solidFill>
+        <a:ln w="12700" cap="flat" cmpd="sng" algn="ctr">
+          <a:solidFill>
+            <a:schemeClr val="lt1">
+              <a:hueOff val="0"/>
+              <a:satOff val="0"/>
+              <a:lumOff val="0"/>
+              <a:alphaOff val="0"/>
+            </a:schemeClr>
+          </a:solidFill>
+          <a:prstDash val="solid"/>
+          <a:miter lim="800000"/>
+        </a:ln>
+        <a:effectLst/>
+      </dsp:spPr>
+      <dsp:style>
+        <a:lnRef idx="2">
+          <a:scrgbClr r="0" g="0" b="0"/>
+        </a:lnRef>
+        <a:fillRef idx="1">
+          <a:scrgbClr r="0" g="0" b="0"/>
+        </a:fillRef>
+        <a:effectRef idx="0">
+          <a:scrgbClr r="0" g="0" b="0"/>
+        </a:effectRef>
+        <a:fontRef idx="minor">
+          <a:schemeClr val="lt1"/>
+        </a:fontRef>
+      </dsp:style>
+      <dsp:txBody>
+        <a:bodyPr spcFirstLastPara="0" vert="horz" wrap="square" lIns="34290" tIns="34290" rIns="34290" bIns="34290" numCol="1" spcCol="1270" anchor="ctr" anchorCtr="0">
+          <a:noAutofit/>
+        </a:bodyPr>
+        <a:lstStyle/>
+        <a:p>
+          <a:pPr marL="0" lvl="0" indent="0" algn="ctr" defTabSz="400050">
+            <a:lnSpc>
+              <a:spcPct val="90000"/>
+            </a:lnSpc>
+            <a:spcBef>
+              <a:spcPct val="0"/>
+            </a:spcBef>
+            <a:spcAft>
+              <a:spcPct val="35000"/>
+            </a:spcAft>
+            <a:buNone/>
+          </a:pPr>
+          <a:r>
+            <a:rPr lang="en-US" sz="900" kern="1200" dirty="0"/>
+            <a:t>Not currently represented in REopt, but may have implications on larger scale generation (not during outages)</a:t>
+          </a:r>
+        </a:p>
+      </dsp:txBody>
+      <dsp:txXfrm>
+        <a:off x="6402014" y="4291412"/>
+        <a:ext cx="1161589" cy="1244304"/>
+      </dsp:txXfrm>
+    </dsp:sp>
+    <dsp:sp modelId="{77520C0C-9948-451D-AB96-FE0695717798}">
+      <dsp:nvSpPr>
+        <dsp:cNvPr id="0" name=""/>
+        <dsp:cNvSpPr/>
+      </dsp:nvSpPr>
+      <dsp:spPr>
+        <a:xfrm>
+          <a:off x="6775508" y="560076"/>
+          <a:ext cx="1753381" cy="1273180"/>
+        </a:xfrm>
+        <a:custGeom>
+          <a:avLst/>
+          <a:gdLst/>
+          <a:ahLst/>
+          <a:cxnLst/>
+          <a:rect l="0" t="0" r="0" b="0"/>
+          <a:pathLst>
+            <a:path>
+              <a:moveTo>
+                <a:pt x="0" y="0"/>
+              </a:moveTo>
+              <a:lnTo>
+                <a:pt x="0" y="636590"/>
+              </a:lnTo>
+              <a:lnTo>
+                <a:pt x="1753381" y="636590"/>
+              </a:lnTo>
+              <a:lnTo>
+                <a:pt x="1753381" y="1273180"/>
+              </a:lnTo>
+            </a:path>
+          </a:pathLst>
+        </a:custGeom>
+        <a:noFill/>
+        <a:ln w="12700" cap="flat" cmpd="sng" algn="ctr">
+          <a:solidFill>
+            <a:schemeClr val="accent2">
+              <a:hueOff val="0"/>
+              <a:satOff val="0"/>
+              <a:lumOff val="0"/>
+              <a:alphaOff val="0"/>
+            </a:schemeClr>
+          </a:solidFill>
+          <a:prstDash val="solid"/>
+          <a:miter lim="800000"/>
+        </a:ln>
+        <a:effectLst/>
+      </dsp:spPr>
+      <dsp:style>
+        <a:lnRef idx="2">
+          <a:scrgbClr r="0" g="0" b="0"/>
+        </a:lnRef>
+        <a:fillRef idx="0">
+          <a:scrgbClr r="0" g="0" b="0"/>
+        </a:fillRef>
+        <a:effectRef idx="0">
+          <a:scrgbClr r="0" g="0" b="0"/>
+        </a:effectRef>
+        <a:fontRef idx="minor"/>
+      </dsp:style>
+    </dsp:sp>
+    <dsp:sp modelId="{BEC6F031-4764-40F6-98E9-C0821A1786BB}">
+      <dsp:nvSpPr>
+        <dsp:cNvPr id="0" name=""/>
+        <dsp:cNvSpPr/>
+      </dsp:nvSpPr>
+      <dsp:spPr>
+        <a:xfrm>
+          <a:off x="7752511" y="1833256"/>
+          <a:ext cx="1552755" cy="920625"/>
+        </a:xfrm>
+        <a:prstGeom prst="roundRect">
+          <a:avLst>
+            <a:gd name="adj" fmla="val 10000"/>
+          </a:avLst>
+        </a:prstGeom>
+        <a:solidFill>
+          <a:schemeClr val="accent2">
+            <a:hueOff val="0"/>
+            <a:satOff val="0"/>
+            <a:lumOff val="0"/>
+            <a:alphaOff val="0"/>
+          </a:schemeClr>
+        </a:solidFill>
+        <a:ln w="12700" cap="flat" cmpd="sng" algn="ctr">
+          <a:solidFill>
+            <a:schemeClr val="lt1">
+              <a:hueOff val="0"/>
+              <a:satOff val="0"/>
+              <a:lumOff val="0"/>
+              <a:alphaOff val="0"/>
+            </a:schemeClr>
+          </a:solidFill>
+          <a:prstDash val="solid"/>
+          <a:miter lim="800000"/>
+        </a:ln>
+        <a:effectLst/>
+      </dsp:spPr>
+      <dsp:style>
+        <a:lnRef idx="2">
+          <a:scrgbClr r="0" g="0" b="0"/>
+        </a:lnRef>
+        <a:fillRef idx="1">
+          <a:scrgbClr r="0" g="0" b="0"/>
+        </a:fillRef>
+        <a:effectRef idx="0">
+          <a:scrgbClr r="0" g="0" b="0"/>
+        </a:effectRef>
+        <a:fontRef idx="minor">
+          <a:schemeClr val="lt1"/>
+        </a:fontRef>
+      </dsp:style>
+      <dsp:txBody>
+        <a:bodyPr spcFirstLastPara="0" vert="horz" wrap="square" lIns="34290" tIns="34290" rIns="34290" bIns="34290" numCol="1" spcCol="1270" anchor="ctr" anchorCtr="0">
+          <a:noAutofit/>
+        </a:bodyPr>
+        <a:lstStyle/>
+        <a:p>
+          <a:pPr marL="0" lvl="0" indent="0" algn="ctr" defTabSz="400050">
+            <a:lnSpc>
+              <a:spcPct val="90000"/>
+            </a:lnSpc>
+            <a:spcBef>
+              <a:spcPct val="0"/>
+            </a:spcBef>
+            <a:spcAft>
+              <a:spcPct val="35000"/>
+            </a:spcAft>
+            <a:buNone/>
+          </a:pPr>
+          <a:r>
+            <a:rPr lang="en-US" sz="900" kern="1200" dirty="0"/>
+            <a:t>Freezes/snowstorms</a:t>
+          </a:r>
+        </a:p>
+      </dsp:txBody>
+      <dsp:txXfrm>
+        <a:off x="7779475" y="1860220"/>
+        <a:ext cx="1498827" cy="866697"/>
+      </dsp:txXfrm>
+    </dsp:sp>
+    <dsp:sp modelId="{E7B4455F-8CC0-4A49-B48F-F6FA89302B28}">
+      <dsp:nvSpPr>
+        <dsp:cNvPr id="0" name=""/>
+        <dsp:cNvSpPr/>
+      </dsp:nvSpPr>
+      <dsp:spPr>
+        <a:xfrm>
+          <a:off x="8483169" y="2753882"/>
+          <a:ext cx="91440" cy="1345123"/>
+        </a:xfrm>
+        <a:custGeom>
+          <a:avLst/>
+          <a:gdLst/>
+          <a:ahLst/>
+          <a:cxnLst/>
+          <a:rect l="0" t="0" r="0" b="0"/>
+          <a:pathLst>
+            <a:path>
+              <a:moveTo>
+                <a:pt x="45720" y="0"/>
+              </a:moveTo>
+              <a:lnTo>
+                <a:pt x="45720" y="1345123"/>
+              </a:lnTo>
+            </a:path>
+          </a:pathLst>
+        </a:custGeom>
+        <a:noFill/>
+        <a:ln w="12700" cap="flat" cmpd="sng" algn="ctr">
+          <a:solidFill>
+            <a:schemeClr val="accent3">
+              <a:hueOff val="0"/>
+              <a:satOff val="0"/>
+              <a:lumOff val="0"/>
+              <a:alphaOff val="0"/>
+            </a:schemeClr>
+          </a:solidFill>
+          <a:prstDash val="solid"/>
+          <a:miter lim="800000"/>
+        </a:ln>
+        <a:effectLst/>
+      </dsp:spPr>
+      <dsp:style>
+        <a:lnRef idx="2">
+          <a:scrgbClr r="0" g="0" b="0"/>
+        </a:lnRef>
+        <a:fillRef idx="0">
+          <a:scrgbClr r="0" g="0" b="0"/>
+        </a:fillRef>
+        <a:effectRef idx="0">
+          <a:scrgbClr r="0" g="0" b="0"/>
+        </a:effectRef>
+        <a:fontRef idx="minor"/>
+      </dsp:style>
+    </dsp:sp>
+    <dsp:sp modelId="{4B59D9AD-04E3-4899-9AD5-798825400C09}">
+      <dsp:nvSpPr>
+        <dsp:cNvPr id="0" name=""/>
+        <dsp:cNvSpPr/>
+      </dsp:nvSpPr>
+      <dsp:spPr>
+        <a:xfrm>
+          <a:off x="7935966" y="4099006"/>
+          <a:ext cx="1185846" cy="1792814"/>
+        </a:xfrm>
+        <a:prstGeom prst="roundRect">
+          <a:avLst>
+            <a:gd name="adj" fmla="val 10000"/>
+          </a:avLst>
+        </a:prstGeom>
+        <a:solidFill>
+          <a:schemeClr val="accent3">
+            <a:hueOff val="0"/>
+            <a:satOff val="0"/>
+            <a:lumOff val="0"/>
+            <a:alphaOff val="0"/>
+          </a:schemeClr>
+        </a:solidFill>
+        <a:ln w="12700" cap="flat" cmpd="sng" algn="ctr">
+          <a:solidFill>
+            <a:schemeClr val="lt1">
+              <a:hueOff val="0"/>
+              <a:satOff val="0"/>
+              <a:lumOff val="0"/>
+              <a:alphaOff val="0"/>
+            </a:schemeClr>
+          </a:solidFill>
+          <a:prstDash val="solid"/>
+          <a:miter lim="800000"/>
+        </a:ln>
+        <a:effectLst/>
+      </dsp:spPr>
+      <dsp:style>
+        <a:lnRef idx="2">
+          <a:scrgbClr r="0" g="0" b="0"/>
+        </a:lnRef>
+        <a:fillRef idx="1">
+          <a:scrgbClr r="0" g="0" b="0"/>
+        </a:fillRef>
+        <a:effectRef idx="0">
+          <a:scrgbClr r="0" g="0" b="0"/>
+        </a:effectRef>
+        <a:fontRef idx="minor">
+          <a:schemeClr val="lt1"/>
+        </a:fontRef>
+      </dsp:style>
+      <dsp:txBody>
+        <a:bodyPr spcFirstLastPara="0" vert="horz" wrap="square" lIns="34290" tIns="34290" rIns="34290" bIns="34290" numCol="1" spcCol="1270" anchor="ctr" anchorCtr="0">
+          <a:noAutofit/>
+        </a:bodyPr>
+        <a:lstStyle/>
+        <a:p>
+          <a:pPr marL="0" lvl="0" indent="0" algn="ctr" defTabSz="400050">
+            <a:lnSpc>
+              <a:spcPct val="90000"/>
+            </a:lnSpc>
+            <a:spcBef>
+              <a:spcPct val="0"/>
+            </a:spcBef>
+            <a:spcAft>
+              <a:spcPct val="35000"/>
+            </a:spcAft>
+            <a:buNone/>
+          </a:pPr>
+          <a:r>
+            <a:rPr lang="en-US" sz="900" kern="1200" dirty="0"/>
+            <a:t>Acquire or develop approximate data to generate probabilities of whether extra fuel for generators can be acquired (via closed roads)</a:t>
+          </a:r>
+        </a:p>
+      </dsp:txBody>
+      <dsp:txXfrm>
+        <a:off x="7970698" y="4133738"/>
+        <a:ext cx="1116382" cy="1723350"/>
       </dsp:txXfrm>
     </dsp:sp>
   </dsp:spTree>
@@ -12305,6 +18603,1028 @@
 </dgm:layoutDef>
 </file>
 
+<file path=ppt/diagrams/layout4.xml><?xml version="1.0" encoding="utf-8"?>
+<dgm:layoutDef xmlns:dgm="http://schemas.openxmlformats.org/drawingml/2006/diagram" xmlns:a="http://schemas.openxmlformats.org/drawingml/2006/main" uniqueId="urn:microsoft.com/office/officeart/2005/8/layout/hierarchy6">
+  <dgm:title val=""/>
+  <dgm:desc val=""/>
+  <dgm:catLst>
+    <dgm:cat type="hierarchy" pri="3000"/>
+  </dgm:catLst>
+  <dgm:sampData>
+    <dgm:dataModel>
+      <dgm:ptLst>
+        <dgm:pt modelId="0" type="doc"/>
+        <dgm:pt modelId="1">
+          <dgm:prSet phldr="1"/>
+        </dgm:pt>
+        <dgm:pt modelId="2">
+          <dgm:prSet phldr="1"/>
+        </dgm:pt>
+        <dgm:pt modelId="21">
+          <dgm:prSet phldr="1"/>
+        </dgm:pt>
+        <dgm:pt modelId="22">
+          <dgm:prSet phldr="1"/>
+        </dgm:pt>
+        <dgm:pt modelId="3">
+          <dgm:prSet phldr="1"/>
+        </dgm:pt>
+        <dgm:pt modelId="31">
+          <dgm:prSet phldr="1"/>
+        </dgm:pt>
+        <dgm:pt modelId="4">
+          <dgm:prSet phldr="1"/>
+        </dgm:pt>
+        <dgm:pt modelId="5">
+          <dgm:prSet phldr="1"/>
+        </dgm:pt>
+        <dgm:pt modelId="6">
+          <dgm:prSet phldr="1"/>
+        </dgm:pt>
+      </dgm:ptLst>
+      <dgm:cxnLst>
+        <dgm:cxn modelId="7" srcId="0" destId="1" srcOrd="0" destOrd="0"/>
+        <dgm:cxn modelId="8" srcId="1" destId="2" srcOrd="0" destOrd="0"/>
+        <dgm:cxn modelId="9" srcId="1" destId="3" srcOrd="1" destOrd="0"/>
+        <dgm:cxn modelId="23" srcId="2" destId="21" srcOrd="0" destOrd="0"/>
+        <dgm:cxn modelId="24" srcId="2" destId="22" srcOrd="1" destOrd="0"/>
+        <dgm:cxn modelId="33" srcId="3" destId="31" srcOrd="0" destOrd="0"/>
+        <dgm:cxn modelId="10" srcId="0" destId="4" srcOrd="1" destOrd="0"/>
+        <dgm:cxn modelId="11" srcId="0" destId="5" srcOrd="2" destOrd="0"/>
+        <dgm:cxn modelId="12" srcId="0" destId="6" srcOrd="3" destOrd="0"/>
+      </dgm:cxnLst>
+      <dgm:bg/>
+      <dgm:whole/>
+    </dgm:dataModel>
+  </dgm:sampData>
+  <dgm:styleData>
+    <dgm:dataModel>
+      <dgm:ptLst>
+        <dgm:pt modelId="0" type="doc"/>
+        <dgm:pt modelId="1"/>
+        <dgm:pt modelId="11"/>
+        <dgm:pt modelId="12"/>
+        <dgm:pt modelId="2"/>
+        <dgm:pt modelId="3"/>
+      </dgm:ptLst>
+      <dgm:cxnLst>
+        <dgm:cxn modelId="4" srcId="0" destId="1" srcOrd="0" destOrd="0"/>
+        <dgm:cxn modelId="13" srcId="1" destId="11" srcOrd="0" destOrd="0"/>
+        <dgm:cxn modelId="14" srcId="1" destId="12" srcOrd="1" destOrd="0"/>
+        <dgm:cxn modelId="5" srcId="0" destId="2" srcOrd="1" destOrd="0"/>
+        <dgm:cxn modelId="6" srcId="0" destId="3" srcOrd="2" destOrd="0"/>
+      </dgm:cxnLst>
+      <dgm:bg/>
+      <dgm:whole/>
+    </dgm:dataModel>
+  </dgm:styleData>
+  <dgm:clrData>
+    <dgm:dataModel>
+      <dgm:ptLst>
+        <dgm:pt modelId="0" type="doc"/>
+        <dgm:pt modelId="1"/>
+        <dgm:pt modelId="2"/>
+        <dgm:pt modelId="21"/>
+        <dgm:pt modelId="211"/>
+        <dgm:pt modelId="3"/>
+        <dgm:pt modelId="31"/>
+        <dgm:pt modelId="311"/>
+        <dgm:pt modelId="4"/>
+        <dgm:pt modelId="5"/>
+        <dgm:pt modelId="6"/>
+        <dgm:pt modelId="7"/>
+      </dgm:ptLst>
+      <dgm:cxnLst>
+        <dgm:cxn modelId="8" srcId="0" destId="1" srcOrd="0" destOrd="0"/>
+        <dgm:cxn modelId="9" srcId="1" destId="2" srcOrd="0" destOrd="0"/>
+        <dgm:cxn modelId="10" srcId="1" destId="3" srcOrd="1" destOrd="0"/>
+        <dgm:cxn modelId="23" srcId="2" destId="21" srcOrd="0" destOrd="0"/>
+        <dgm:cxn modelId="24" srcId="21" destId="211" srcOrd="0" destOrd="0"/>
+        <dgm:cxn modelId="33" srcId="3" destId="31" srcOrd="0" destOrd="0"/>
+        <dgm:cxn modelId="34" srcId="31" destId="311" srcOrd="0" destOrd="0"/>
+        <dgm:cxn modelId="11" srcId="0" destId="4" srcOrd="1" destOrd="0"/>
+        <dgm:cxn modelId="12" srcId="0" destId="5" srcOrd="2" destOrd="0"/>
+        <dgm:cxn modelId="13" srcId="0" destId="6" srcOrd="3" destOrd="0"/>
+        <dgm:cxn modelId="14" srcId="0" destId="7" srcOrd="4" destOrd="0"/>
+      </dgm:cxnLst>
+      <dgm:bg/>
+      <dgm:whole/>
+    </dgm:dataModel>
+  </dgm:clrData>
+  <dgm:layoutNode name="mainComposite">
+    <dgm:varLst>
+      <dgm:chPref val="1"/>
+      <dgm:dir/>
+      <dgm:animOne val="branch"/>
+      <dgm:animLvl val="lvl"/>
+      <dgm:resizeHandles val="exact"/>
+    </dgm:varLst>
+    <dgm:alg type="composite">
+      <dgm:param type="vertAlign" val="mid"/>
+      <dgm:param type="horzAlign" val="ctr"/>
+    </dgm:alg>
+    <dgm:shape xmlns:r="http://schemas.openxmlformats.org/officeDocument/2006/relationships" r:blip="">
+      <dgm:adjLst/>
+    </dgm:shape>
+    <dgm:presOf/>
+    <dgm:choose name="Name0">
+      <dgm:if name="Name1" axis="ch" ptType="node" func="cnt" op="gte" val="2">
+        <dgm:choose name="Name2">
+          <dgm:if name="Name3" func="var" arg="dir" op="equ" val="norm">
+            <dgm:constrLst>
+              <dgm:constr type="l" for="ch" forName="hierFlow" refType="w" fact="0.3"/>
+              <dgm:constr type="t" for="ch" forName="hierFlow"/>
+              <dgm:constr type="r" for="ch" forName="hierFlow" refType="w" fact="0.98"/>
+              <dgm:constr type="b" for="ch" forName="hierFlow" refType="h" fact="0.98"/>
+              <dgm:constr type="l" for="ch" forName="bgShapesFlow"/>
+              <dgm:constr type="t" for="ch" forName="bgShapesFlow"/>
+              <dgm:constr type="r" for="ch" forName="bgShapesFlow" refType="w"/>
+              <dgm:constr type="b" for="ch" forName="bgShapesFlow" refType="h"/>
+              <dgm:constr type="w" for="des" forName="level1Shape" refType="w"/>
+              <dgm:constr type="h" for="des" forName="level1Shape" refType="w" refFor="des" refForName="level1Shape" fact="0.66667"/>
+              <dgm:constr type="w" for="des" forName="level2Shape" refType="w" refFor="des" refForName="level1Shape" op="equ"/>
+              <dgm:constr type="h" for="des" forName="level2Shape" refType="h" refFor="des" refForName="level1Shape" op="equ"/>
+              <dgm:constr type="sp" for="des" refType="h" refFor="des" refForName="level1Shape" op="equ" fact="0.4"/>
+              <dgm:constr type="sibSp" for="des" forName="hierChild1" refType="w" refFor="des" refForName="level1Shape" op="equ" fact="0.3"/>
+              <dgm:constr type="sibSp" for="des" forName="hierChild2" refType="sibSp" refFor="des" refForName="hierChild1" op="equ"/>
+              <dgm:constr type="sibSp" for="des" forName="hierChild3" refType="sibSp" refFor="des" refForName="hierChild1" op="equ"/>
+              <dgm:constr type="userA" for="des" refType="h" refFor="des" refForName="level1Shape" op="equ"/>
+              <dgm:constr type="userB" for="des" refType="sp" refFor="des" op="equ"/>
+              <dgm:constr type="h" for="des" forName="firstBuf" refType="h" refFor="des" refForName="level1Shape" fact="0.1"/>
+            </dgm:constrLst>
+          </dgm:if>
+          <dgm:else name="Name4">
+            <dgm:constrLst>
+              <dgm:constr type="l" for="ch" forName="hierFlow" refType="w" fact="0.02"/>
+              <dgm:constr type="t" for="ch" forName="hierFlow"/>
+              <dgm:constr type="r" for="ch" forName="hierFlow" refType="w" fact="0.7"/>
+              <dgm:constr type="b" for="ch" forName="hierFlow" refType="h" fact="0.98"/>
+              <dgm:constr type="l" for="ch" forName="bgShapesFlow"/>
+              <dgm:constr type="t" for="ch" forName="bgShapesFlow"/>
+              <dgm:constr type="r" for="ch" forName="bgShapesFlow" refType="w"/>
+              <dgm:constr type="b" for="ch" forName="bgShapesFlow" refType="h"/>
+              <dgm:constr type="w" for="des" forName="level1Shape" refType="w"/>
+              <dgm:constr type="h" for="des" forName="level1Shape" refType="w" refFor="des" refForName="level1Shape" fact="0.66667"/>
+              <dgm:constr type="w" for="des" forName="level2Shape" refType="w" refFor="des" refForName="level1Shape" op="equ"/>
+              <dgm:constr type="h" for="des" forName="level2Shape" refType="h" refFor="des" refForName="level1Shape" op="equ"/>
+              <dgm:constr type="sp" for="des" refType="h" refFor="des" refForName="level1Shape" op="equ" fact="0.4"/>
+              <dgm:constr type="sibSp" for="des" forName="hierChild1" refType="w" refFor="des" refForName="level1Shape" op="equ" fact="0.3"/>
+              <dgm:constr type="sibSp" for="des" forName="hierChild2" refType="sibSp" refFor="des" refForName="hierChild1" op="equ"/>
+              <dgm:constr type="sibSp" for="des" forName="hierChild3" refType="sibSp" refFor="des" refForName="hierChild1" op="equ"/>
+              <dgm:constr type="userA" for="des" refType="h" refFor="des" refForName="level1Shape" op="equ"/>
+              <dgm:constr type="userB" for="des" refType="sp" refFor="des" op="equ"/>
+              <dgm:constr type="h" for="des" forName="firstBuf" refType="h" refFor="des" refForName="level1Shape" fact="0.1"/>
+            </dgm:constrLst>
+          </dgm:else>
+        </dgm:choose>
+      </dgm:if>
+      <dgm:else name="Name5">
+        <dgm:constrLst>
+          <dgm:constr type="l" for="ch" forName="hierFlow"/>
+          <dgm:constr type="t" for="ch" forName="hierFlow"/>
+          <dgm:constr type="r" for="ch" forName="hierFlow" refType="w"/>
+          <dgm:constr type="b" for="ch" forName="hierFlow" refType="h"/>
+          <dgm:constr type="l" for="ch" forName="bgShapesFlow"/>
+          <dgm:constr type="t" for="ch" forName="bgShapesFlow"/>
+          <dgm:constr type="r" for="ch" forName="bgShapesFlow" refType="w"/>
+          <dgm:constr type="b" for="ch" forName="bgShapesFlow" refType="h"/>
+          <dgm:constr type="w" for="des" forName="level1Shape" refType="w"/>
+          <dgm:constr type="h" for="des" forName="level1Shape" refType="w" refFor="des" refForName="level1Shape" fact="0.66667"/>
+          <dgm:constr type="w" for="des" forName="level2Shape" refType="w" refFor="des" refForName="level1Shape" op="equ"/>
+          <dgm:constr type="h" for="des" forName="level2Shape" refType="h" refFor="des" refForName="level1Shape" op="equ"/>
+          <dgm:constr type="sp" for="des" refType="h" refFor="des" refForName="level1Shape" op="equ" fact="0.4"/>
+          <dgm:constr type="sibSp" for="des" forName="hierChild1" refType="w" refFor="des" refForName="level1Shape" op="equ" fact="0.3"/>
+          <dgm:constr type="sibSp" for="des" forName="hierChild2" refType="sibSp" refFor="des" refForName="hierChild1" op="equ"/>
+          <dgm:constr type="sibSp" for="des" forName="hierChild3" refType="sibSp" refFor="des" refForName="hierChild1" op="equ"/>
+          <dgm:constr type="userA" for="des" refType="h" refFor="des" refForName="level1Shape" op="equ"/>
+          <dgm:constr type="userB" for="des" refType="sp" refFor="des" op="equ"/>
+          <dgm:constr type="h" for="des" forName="firstBuf" refType="h" refFor="des" refForName="level1Shape" fact="0.1"/>
+        </dgm:constrLst>
+      </dgm:else>
+    </dgm:choose>
+    <dgm:ruleLst/>
+    <dgm:layoutNode name="hierFlow">
+      <dgm:alg type="lin">
+        <dgm:param type="linDir" val="fromT"/>
+        <dgm:param type="nodeVertAlign" val="t"/>
+        <dgm:param type="vertAlign" val="t"/>
+        <dgm:param type="nodeHorzAlign" val="ctr"/>
+        <dgm:param type="fallback" val="2D"/>
+      </dgm:alg>
+      <dgm:shape xmlns:r="http://schemas.openxmlformats.org/officeDocument/2006/relationships" r:blip="">
+        <dgm:adjLst/>
+      </dgm:shape>
+      <dgm:presOf/>
+      <dgm:constrLst/>
+      <dgm:ruleLst/>
+      <dgm:choose name="Name6">
+        <dgm:if name="Name7" axis="ch" ptType="node" func="cnt" op="gte" val="2">
+          <dgm:layoutNode name="firstBuf">
+            <dgm:alg type="sp"/>
+            <dgm:shape xmlns:r="http://schemas.openxmlformats.org/officeDocument/2006/relationships" r:blip="">
+              <dgm:adjLst/>
+            </dgm:shape>
+            <dgm:presOf/>
+            <dgm:constrLst/>
+            <dgm:ruleLst/>
+          </dgm:layoutNode>
+        </dgm:if>
+        <dgm:else name="Name8"/>
+      </dgm:choose>
+      <dgm:layoutNode name="hierChild1">
+        <dgm:varLst>
+          <dgm:chPref val="1"/>
+          <dgm:animOne val="branch"/>
+          <dgm:animLvl val="lvl"/>
+        </dgm:varLst>
+        <dgm:choose name="Name9">
+          <dgm:if name="Name10" func="var" arg="dir" op="equ" val="norm">
+            <dgm:alg type="hierChild">
+              <dgm:param type="linDir" val="fromL"/>
+              <dgm:param type="vertAlign" val="t"/>
+            </dgm:alg>
+          </dgm:if>
+          <dgm:else name="Name11">
+            <dgm:alg type="hierChild">
+              <dgm:param type="linDir" val="fromR"/>
+              <dgm:param type="vertAlign" val="t"/>
+            </dgm:alg>
+          </dgm:else>
+        </dgm:choose>
+        <dgm:shape xmlns:r="http://schemas.openxmlformats.org/officeDocument/2006/relationships" r:blip="">
+          <dgm:adjLst/>
+        </dgm:shape>
+        <dgm:presOf/>
+        <dgm:constrLst>
+          <dgm:constr type="primFontSz" for="des" ptType="node" op="equ"/>
+        </dgm:constrLst>
+        <dgm:ruleLst/>
+        <dgm:forEach name="Name12" axis="ch" cnt="3">
+          <dgm:forEach name="Name13" axis="self" ptType="node">
+            <dgm:layoutNode name="Name14">
+              <dgm:alg type="hierRoot"/>
+              <dgm:shape xmlns:r="http://schemas.openxmlformats.org/officeDocument/2006/relationships" r:blip="">
+                <dgm:adjLst/>
+              </dgm:shape>
+              <dgm:presOf/>
+              <dgm:constrLst/>
+              <dgm:ruleLst/>
+              <dgm:layoutNode name="level1Shape" styleLbl="node0">
+                <dgm:varLst>
+                  <dgm:chPref val="3"/>
+                </dgm:varLst>
+                <dgm:alg type="tx"/>
+                <dgm:shape xmlns:r="http://schemas.openxmlformats.org/officeDocument/2006/relationships" type="roundRect" r:blip="">
+                  <dgm:adjLst>
+                    <dgm:adj idx="1" val="0.1"/>
+                  </dgm:adjLst>
+                </dgm:shape>
+                <dgm:presOf axis="self"/>
+                <dgm:constrLst>
+                  <dgm:constr type="primFontSz" val="65"/>
+                  <dgm:constr type="tMarg" refType="primFontSz" fact="0.3"/>
+                  <dgm:constr type="bMarg" refType="primFontSz" fact="0.3"/>
+                  <dgm:constr type="lMarg" refType="primFontSz" fact="0.3"/>
+                  <dgm:constr type="rMarg" refType="primFontSz" fact="0.3"/>
+                </dgm:constrLst>
+                <dgm:ruleLst>
+                  <dgm:rule type="primFontSz" val="5" fact="NaN" max="NaN"/>
+                </dgm:ruleLst>
+              </dgm:layoutNode>
+              <dgm:layoutNode name="hierChild2">
+                <dgm:choose name="Name15">
+                  <dgm:if name="Name16" func="var" arg="dir" op="equ" val="norm">
+                    <dgm:alg type="hierChild">
+                      <dgm:param type="linDir" val="fromL"/>
+                    </dgm:alg>
+                  </dgm:if>
+                  <dgm:else name="Name17">
+                    <dgm:alg type="hierChild">
+                      <dgm:param type="linDir" val="fromR"/>
+                    </dgm:alg>
+                  </dgm:else>
+                </dgm:choose>
+                <dgm:shape xmlns:r="http://schemas.openxmlformats.org/officeDocument/2006/relationships" r:blip="">
+                  <dgm:adjLst/>
+                </dgm:shape>
+                <dgm:presOf/>
+                <dgm:constrLst/>
+                <dgm:ruleLst/>
+                <dgm:forEach name="repeat" axis="ch">
+                  <dgm:forEach name="Name18" axis="self" ptType="parTrans" cnt="1">
+                    <dgm:layoutNode name="Name19">
+                      <dgm:alg type="conn">
+                        <dgm:param type="dim" val="1D"/>
+                        <dgm:param type="endSty" val="noArr"/>
+                        <dgm:param type="connRout" val="bend"/>
+                        <dgm:param type="begPts" val="bCtr"/>
+                        <dgm:param type="endPts" val="tCtr"/>
+                      </dgm:alg>
+                      <dgm:shape xmlns:r="http://schemas.openxmlformats.org/officeDocument/2006/relationships" type="conn" r:blip="">
+                        <dgm:adjLst/>
+                      </dgm:shape>
+                      <dgm:presOf axis="self"/>
+                      <dgm:constrLst>
+                        <dgm:constr type="w" val="1"/>
+                        <dgm:constr type="h" val="1"/>
+                        <dgm:constr type="begPad"/>
+                        <dgm:constr type="endPad"/>
+                      </dgm:constrLst>
+                      <dgm:ruleLst/>
+                    </dgm:layoutNode>
+                  </dgm:forEach>
+                  <dgm:forEach name="Name20" axis="self" ptType="node">
+                    <dgm:layoutNode name="Name21">
+                      <dgm:alg type="hierRoot"/>
+                      <dgm:shape xmlns:r="http://schemas.openxmlformats.org/officeDocument/2006/relationships" r:blip="">
+                        <dgm:adjLst/>
+                      </dgm:shape>
+                      <dgm:presOf/>
+                      <dgm:constrLst/>
+                      <dgm:ruleLst/>
+                      <dgm:layoutNode name="level2Shape">
+                        <dgm:alg type="tx"/>
+                        <dgm:shape xmlns:r="http://schemas.openxmlformats.org/officeDocument/2006/relationships" type="roundRect" r:blip="">
+                          <dgm:adjLst>
+                            <dgm:adj idx="1" val="0.1"/>
+                          </dgm:adjLst>
+                        </dgm:shape>
+                        <dgm:presOf axis="self"/>
+                        <dgm:constrLst>
+                          <dgm:constr type="primFontSz" val="65"/>
+                          <dgm:constr type="tMarg" refType="primFontSz" fact="0.3"/>
+                          <dgm:constr type="bMarg" refType="primFontSz" fact="0.3"/>
+                          <dgm:constr type="lMarg" refType="primFontSz" fact="0.3"/>
+                          <dgm:constr type="rMarg" refType="primFontSz" fact="0.3"/>
+                        </dgm:constrLst>
+                        <dgm:ruleLst>
+                          <dgm:rule type="primFontSz" val="5" fact="NaN" max="NaN"/>
+                        </dgm:ruleLst>
+                      </dgm:layoutNode>
+                      <dgm:layoutNode name="hierChild3">
+                        <dgm:choose name="Name22">
+                          <dgm:if name="Name23" func="var" arg="dir" op="equ" val="norm">
+                            <dgm:alg type="hierChild">
+                              <dgm:param type="linDir" val="fromL"/>
+                            </dgm:alg>
+                          </dgm:if>
+                          <dgm:else name="Name24">
+                            <dgm:alg type="hierChild">
+                              <dgm:param type="linDir" val="fromR"/>
+                            </dgm:alg>
+                          </dgm:else>
+                        </dgm:choose>
+                        <dgm:shape xmlns:r="http://schemas.openxmlformats.org/officeDocument/2006/relationships" r:blip="">
+                          <dgm:adjLst/>
+                        </dgm:shape>
+                        <dgm:presOf/>
+                        <dgm:constrLst/>
+                        <dgm:ruleLst/>
+                        <dgm:forEach name="Name25" ref="repeat"/>
+                      </dgm:layoutNode>
+                    </dgm:layoutNode>
+                  </dgm:forEach>
+                </dgm:forEach>
+              </dgm:layoutNode>
+            </dgm:layoutNode>
+          </dgm:forEach>
+        </dgm:forEach>
+      </dgm:layoutNode>
+    </dgm:layoutNode>
+    <dgm:layoutNode name="bgShapesFlow">
+      <dgm:alg type="lin">
+        <dgm:param type="linDir" val="fromT"/>
+        <dgm:param type="nodeVertAlign" val="t"/>
+        <dgm:param type="vertAlign" val="t"/>
+        <dgm:param type="nodeHorzAlign" val="ctr"/>
+      </dgm:alg>
+      <dgm:shape xmlns:r="http://schemas.openxmlformats.org/officeDocument/2006/relationships" r:blip="">
+        <dgm:adjLst/>
+      </dgm:shape>
+      <dgm:presOf/>
+      <dgm:constrLst>
+        <dgm:constr type="userB"/>
+        <dgm:constr type="w" for="ch" forName="rectComp" refType="w"/>
+        <dgm:constr type="h" for="ch" forName="rectComp" refType="h"/>
+        <dgm:constr type="w" for="des" forName="bgRect" refType="w"/>
+        <dgm:constr type="primFontSz" for="des" forName="bgRectTx" op="equ"/>
+      </dgm:constrLst>
+      <dgm:ruleLst/>
+      <dgm:forEach name="Name26" axis="ch" ptType="node" st="2">
+        <dgm:layoutNode name="rectComp">
+          <dgm:alg type="composite">
+            <dgm:param type="vertAlign" val="t"/>
+            <dgm:param type="horzAlign" val="ctr"/>
+          </dgm:alg>
+          <dgm:shape xmlns:r="http://schemas.openxmlformats.org/officeDocument/2006/relationships" r:blip="">
+            <dgm:adjLst/>
+          </dgm:shape>
+          <dgm:presOf/>
+          <dgm:choose name="Name27">
+            <dgm:if name="Name28" func="var" arg="dir" op="equ" val="norm">
+              <dgm:constrLst>
+                <dgm:constr type="userA"/>
+                <dgm:constr type="l" for="ch" forName="bgRect"/>
+                <dgm:constr type="t" for="ch" forName="bgRect"/>
+                <dgm:constr type="h" for="ch" forName="bgRect" refType="userA" fact="1.2"/>
+                <dgm:constr type="l" for="ch" forName="bgRectTx"/>
+                <dgm:constr type="t" for="ch" forName="bgRectTx"/>
+                <dgm:constr type="w" for="ch" forName="bgRectTx" refType="w" refFor="ch" refForName="bgRect" fact="0.3"/>
+                <dgm:constr type="h" for="ch" forName="bgRectTx" refType="h" refFor="ch" refForName="bgRect" op="equ"/>
+              </dgm:constrLst>
+            </dgm:if>
+            <dgm:else name="Name29">
+              <dgm:constrLst>
+                <dgm:constr type="userA"/>
+                <dgm:constr type="l" for="ch" forName="bgRect"/>
+                <dgm:constr type="t" for="ch" forName="bgRect"/>
+                <dgm:constr type="h" for="ch" forName="bgRect" refType="userA" fact="1.2"/>
+                <dgm:constr type="r" for="ch" forName="bgRectTx" refType="w"/>
+                <dgm:constr type="t" for="ch" forName="bgRectTx"/>
+                <dgm:constr type="w" for="ch" forName="bgRectTx" refType="w" refFor="ch" refForName="bgRect" fact="0.3"/>
+                <dgm:constr type="h" for="ch" forName="bgRectTx" refType="h" refFor="ch" refForName="bgRect" op="equ"/>
+              </dgm:constrLst>
+            </dgm:else>
+          </dgm:choose>
+          <dgm:ruleLst/>
+          <dgm:layoutNode name="bgRect" styleLbl="bgShp">
+            <dgm:alg type="sp"/>
+            <dgm:shape xmlns:r="http://schemas.openxmlformats.org/officeDocument/2006/relationships" type="roundRect" r:blip="" zOrderOff="-999">
+              <dgm:adjLst>
+                <dgm:adj idx="1" val="0.1"/>
+              </dgm:adjLst>
+            </dgm:shape>
+            <dgm:presOf axis="desOrSelf" ptType="node"/>
+            <dgm:constrLst/>
+            <dgm:ruleLst/>
+          </dgm:layoutNode>
+          <dgm:layoutNode name="bgRectTx" styleLbl="bgShp">
+            <dgm:varLst>
+              <dgm:bulletEnabled val="1"/>
+            </dgm:varLst>
+            <dgm:alg type="tx"/>
+            <dgm:presOf axis="desOrSelf" ptType="node"/>
+            <dgm:shape xmlns:r="http://schemas.openxmlformats.org/officeDocument/2006/relationships" type="rect" r:blip="" zOrderOff="-999" hideGeom="1">
+              <dgm:adjLst/>
+            </dgm:shape>
+            <dgm:constrLst>
+              <dgm:constr type="primFontSz" val="65"/>
+            </dgm:constrLst>
+            <dgm:ruleLst>
+              <dgm:rule type="primFontSz" val="5" fact="NaN" max="NaN"/>
+            </dgm:ruleLst>
+          </dgm:layoutNode>
+        </dgm:layoutNode>
+        <dgm:choose name="Name30">
+          <dgm:if name="Name31" axis="self" ptType="node" func="revPos" op="gte" val="2">
+            <dgm:layoutNode name="spComp">
+              <dgm:alg type="composite">
+                <dgm:param type="vertAlign" val="t"/>
+                <dgm:param type="horzAlign" val="ctr"/>
+              </dgm:alg>
+              <dgm:shape xmlns:r="http://schemas.openxmlformats.org/officeDocument/2006/relationships" r:blip="">
+                <dgm:adjLst/>
+              </dgm:shape>
+              <dgm:presOf/>
+              <dgm:constrLst>
+                <dgm:constr type="userA"/>
+                <dgm:constr type="userB"/>
+                <dgm:constr type="l" for="ch" forName="vSp"/>
+                <dgm:constr type="t" for="ch" forName="vSp"/>
+                <dgm:constr type="h" for="ch" forName="vSp" refType="userB"/>
+                <dgm:constr type="hOff" for="ch" forName="vSp" refType="userA" fact="-0.2"/>
+              </dgm:constrLst>
+              <dgm:ruleLst/>
+              <dgm:layoutNode name="vSp">
+                <dgm:alg type="sp"/>
+                <dgm:shape xmlns:r="http://schemas.openxmlformats.org/officeDocument/2006/relationships" r:blip="">
+                  <dgm:adjLst/>
+                </dgm:shape>
+                <dgm:presOf/>
+                <dgm:constrLst/>
+                <dgm:ruleLst/>
+              </dgm:layoutNode>
+            </dgm:layoutNode>
+          </dgm:if>
+          <dgm:else name="Name32"/>
+        </dgm:choose>
+      </dgm:forEach>
+    </dgm:layoutNode>
+  </dgm:layoutNode>
+</dgm:layoutDef>
+</file>
+
+<file path=ppt/diagrams/layout5.xml><?xml version="1.0" encoding="utf-8"?>
+<dgm:layoutDef xmlns:dgm="http://schemas.openxmlformats.org/drawingml/2006/diagram" xmlns:a="http://schemas.openxmlformats.org/drawingml/2006/main" uniqueId="urn:microsoft.com/office/officeart/2005/8/layout/hierarchy6">
+  <dgm:title val=""/>
+  <dgm:desc val=""/>
+  <dgm:catLst>
+    <dgm:cat type="hierarchy" pri="3000"/>
+  </dgm:catLst>
+  <dgm:sampData>
+    <dgm:dataModel>
+      <dgm:ptLst>
+        <dgm:pt modelId="0" type="doc"/>
+        <dgm:pt modelId="1">
+          <dgm:prSet phldr="1"/>
+        </dgm:pt>
+        <dgm:pt modelId="2">
+          <dgm:prSet phldr="1"/>
+        </dgm:pt>
+        <dgm:pt modelId="21">
+          <dgm:prSet phldr="1"/>
+        </dgm:pt>
+        <dgm:pt modelId="22">
+          <dgm:prSet phldr="1"/>
+        </dgm:pt>
+        <dgm:pt modelId="3">
+          <dgm:prSet phldr="1"/>
+        </dgm:pt>
+        <dgm:pt modelId="31">
+          <dgm:prSet phldr="1"/>
+        </dgm:pt>
+        <dgm:pt modelId="4">
+          <dgm:prSet phldr="1"/>
+        </dgm:pt>
+        <dgm:pt modelId="5">
+          <dgm:prSet phldr="1"/>
+        </dgm:pt>
+        <dgm:pt modelId="6">
+          <dgm:prSet phldr="1"/>
+        </dgm:pt>
+      </dgm:ptLst>
+      <dgm:cxnLst>
+        <dgm:cxn modelId="7" srcId="0" destId="1" srcOrd="0" destOrd="0"/>
+        <dgm:cxn modelId="8" srcId="1" destId="2" srcOrd="0" destOrd="0"/>
+        <dgm:cxn modelId="9" srcId="1" destId="3" srcOrd="1" destOrd="0"/>
+        <dgm:cxn modelId="23" srcId="2" destId="21" srcOrd="0" destOrd="0"/>
+        <dgm:cxn modelId="24" srcId="2" destId="22" srcOrd="1" destOrd="0"/>
+        <dgm:cxn modelId="33" srcId="3" destId="31" srcOrd="0" destOrd="0"/>
+        <dgm:cxn modelId="10" srcId="0" destId="4" srcOrd="1" destOrd="0"/>
+        <dgm:cxn modelId="11" srcId="0" destId="5" srcOrd="2" destOrd="0"/>
+        <dgm:cxn modelId="12" srcId="0" destId="6" srcOrd="3" destOrd="0"/>
+      </dgm:cxnLst>
+      <dgm:bg/>
+      <dgm:whole/>
+    </dgm:dataModel>
+  </dgm:sampData>
+  <dgm:styleData>
+    <dgm:dataModel>
+      <dgm:ptLst>
+        <dgm:pt modelId="0" type="doc"/>
+        <dgm:pt modelId="1"/>
+        <dgm:pt modelId="11"/>
+        <dgm:pt modelId="12"/>
+        <dgm:pt modelId="2"/>
+        <dgm:pt modelId="3"/>
+      </dgm:ptLst>
+      <dgm:cxnLst>
+        <dgm:cxn modelId="4" srcId="0" destId="1" srcOrd="0" destOrd="0"/>
+        <dgm:cxn modelId="13" srcId="1" destId="11" srcOrd="0" destOrd="0"/>
+        <dgm:cxn modelId="14" srcId="1" destId="12" srcOrd="1" destOrd="0"/>
+        <dgm:cxn modelId="5" srcId="0" destId="2" srcOrd="1" destOrd="0"/>
+        <dgm:cxn modelId="6" srcId="0" destId="3" srcOrd="2" destOrd="0"/>
+      </dgm:cxnLst>
+      <dgm:bg/>
+      <dgm:whole/>
+    </dgm:dataModel>
+  </dgm:styleData>
+  <dgm:clrData>
+    <dgm:dataModel>
+      <dgm:ptLst>
+        <dgm:pt modelId="0" type="doc"/>
+        <dgm:pt modelId="1"/>
+        <dgm:pt modelId="2"/>
+        <dgm:pt modelId="21"/>
+        <dgm:pt modelId="211"/>
+        <dgm:pt modelId="3"/>
+        <dgm:pt modelId="31"/>
+        <dgm:pt modelId="311"/>
+        <dgm:pt modelId="4"/>
+        <dgm:pt modelId="5"/>
+        <dgm:pt modelId="6"/>
+        <dgm:pt modelId="7"/>
+      </dgm:ptLst>
+      <dgm:cxnLst>
+        <dgm:cxn modelId="8" srcId="0" destId="1" srcOrd="0" destOrd="0"/>
+        <dgm:cxn modelId="9" srcId="1" destId="2" srcOrd="0" destOrd="0"/>
+        <dgm:cxn modelId="10" srcId="1" destId="3" srcOrd="1" destOrd="0"/>
+        <dgm:cxn modelId="23" srcId="2" destId="21" srcOrd="0" destOrd="0"/>
+        <dgm:cxn modelId="24" srcId="21" destId="211" srcOrd="0" destOrd="0"/>
+        <dgm:cxn modelId="33" srcId="3" destId="31" srcOrd="0" destOrd="0"/>
+        <dgm:cxn modelId="34" srcId="31" destId="311" srcOrd="0" destOrd="0"/>
+        <dgm:cxn modelId="11" srcId="0" destId="4" srcOrd="1" destOrd="0"/>
+        <dgm:cxn modelId="12" srcId="0" destId="5" srcOrd="2" destOrd="0"/>
+        <dgm:cxn modelId="13" srcId="0" destId="6" srcOrd="3" destOrd="0"/>
+        <dgm:cxn modelId="14" srcId="0" destId="7" srcOrd="4" destOrd="0"/>
+      </dgm:cxnLst>
+      <dgm:bg/>
+      <dgm:whole/>
+    </dgm:dataModel>
+  </dgm:clrData>
+  <dgm:layoutNode name="mainComposite">
+    <dgm:varLst>
+      <dgm:chPref val="1"/>
+      <dgm:dir/>
+      <dgm:animOne val="branch"/>
+      <dgm:animLvl val="lvl"/>
+      <dgm:resizeHandles val="exact"/>
+    </dgm:varLst>
+    <dgm:alg type="composite">
+      <dgm:param type="vertAlign" val="mid"/>
+      <dgm:param type="horzAlign" val="ctr"/>
+    </dgm:alg>
+    <dgm:shape xmlns:r="http://schemas.openxmlformats.org/officeDocument/2006/relationships" r:blip="">
+      <dgm:adjLst/>
+    </dgm:shape>
+    <dgm:presOf/>
+    <dgm:choose name="Name0">
+      <dgm:if name="Name1" axis="ch" ptType="node" func="cnt" op="gte" val="2">
+        <dgm:choose name="Name2">
+          <dgm:if name="Name3" func="var" arg="dir" op="equ" val="norm">
+            <dgm:constrLst>
+              <dgm:constr type="l" for="ch" forName="hierFlow" refType="w" fact="0.3"/>
+              <dgm:constr type="t" for="ch" forName="hierFlow"/>
+              <dgm:constr type="r" for="ch" forName="hierFlow" refType="w" fact="0.98"/>
+              <dgm:constr type="b" for="ch" forName="hierFlow" refType="h" fact="0.98"/>
+              <dgm:constr type="l" for="ch" forName="bgShapesFlow"/>
+              <dgm:constr type="t" for="ch" forName="bgShapesFlow"/>
+              <dgm:constr type="r" for="ch" forName="bgShapesFlow" refType="w"/>
+              <dgm:constr type="b" for="ch" forName="bgShapesFlow" refType="h"/>
+              <dgm:constr type="w" for="des" forName="level1Shape" refType="w"/>
+              <dgm:constr type="h" for="des" forName="level1Shape" refType="w" refFor="des" refForName="level1Shape" fact="0.66667"/>
+              <dgm:constr type="w" for="des" forName="level2Shape" refType="w" refFor="des" refForName="level1Shape" op="equ"/>
+              <dgm:constr type="h" for="des" forName="level2Shape" refType="h" refFor="des" refForName="level1Shape" op="equ"/>
+              <dgm:constr type="sp" for="des" refType="h" refFor="des" refForName="level1Shape" op="equ" fact="0.4"/>
+              <dgm:constr type="sibSp" for="des" forName="hierChild1" refType="w" refFor="des" refForName="level1Shape" op="equ" fact="0.3"/>
+              <dgm:constr type="sibSp" for="des" forName="hierChild2" refType="sibSp" refFor="des" refForName="hierChild1" op="equ"/>
+              <dgm:constr type="sibSp" for="des" forName="hierChild3" refType="sibSp" refFor="des" refForName="hierChild1" op="equ"/>
+              <dgm:constr type="userA" for="des" refType="h" refFor="des" refForName="level1Shape" op="equ"/>
+              <dgm:constr type="userB" for="des" refType="sp" refFor="des" op="equ"/>
+              <dgm:constr type="h" for="des" forName="firstBuf" refType="h" refFor="des" refForName="level1Shape" fact="0.1"/>
+            </dgm:constrLst>
+          </dgm:if>
+          <dgm:else name="Name4">
+            <dgm:constrLst>
+              <dgm:constr type="l" for="ch" forName="hierFlow" refType="w" fact="0.02"/>
+              <dgm:constr type="t" for="ch" forName="hierFlow"/>
+              <dgm:constr type="r" for="ch" forName="hierFlow" refType="w" fact="0.7"/>
+              <dgm:constr type="b" for="ch" forName="hierFlow" refType="h" fact="0.98"/>
+              <dgm:constr type="l" for="ch" forName="bgShapesFlow"/>
+              <dgm:constr type="t" for="ch" forName="bgShapesFlow"/>
+              <dgm:constr type="r" for="ch" forName="bgShapesFlow" refType="w"/>
+              <dgm:constr type="b" for="ch" forName="bgShapesFlow" refType="h"/>
+              <dgm:constr type="w" for="des" forName="level1Shape" refType="w"/>
+              <dgm:constr type="h" for="des" forName="level1Shape" refType="w" refFor="des" refForName="level1Shape" fact="0.66667"/>
+              <dgm:constr type="w" for="des" forName="level2Shape" refType="w" refFor="des" refForName="level1Shape" op="equ"/>
+              <dgm:constr type="h" for="des" forName="level2Shape" refType="h" refFor="des" refForName="level1Shape" op="equ"/>
+              <dgm:constr type="sp" for="des" refType="h" refFor="des" refForName="level1Shape" op="equ" fact="0.4"/>
+              <dgm:constr type="sibSp" for="des" forName="hierChild1" refType="w" refFor="des" refForName="level1Shape" op="equ" fact="0.3"/>
+              <dgm:constr type="sibSp" for="des" forName="hierChild2" refType="sibSp" refFor="des" refForName="hierChild1" op="equ"/>
+              <dgm:constr type="sibSp" for="des" forName="hierChild3" refType="sibSp" refFor="des" refForName="hierChild1" op="equ"/>
+              <dgm:constr type="userA" for="des" refType="h" refFor="des" refForName="level1Shape" op="equ"/>
+              <dgm:constr type="userB" for="des" refType="sp" refFor="des" op="equ"/>
+              <dgm:constr type="h" for="des" forName="firstBuf" refType="h" refFor="des" refForName="level1Shape" fact="0.1"/>
+            </dgm:constrLst>
+          </dgm:else>
+        </dgm:choose>
+      </dgm:if>
+      <dgm:else name="Name5">
+        <dgm:constrLst>
+          <dgm:constr type="l" for="ch" forName="hierFlow"/>
+          <dgm:constr type="t" for="ch" forName="hierFlow"/>
+          <dgm:constr type="r" for="ch" forName="hierFlow" refType="w"/>
+          <dgm:constr type="b" for="ch" forName="hierFlow" refType="h"/>
+          <dgm:constr type="l" for="ch" forName="bgShapesFlow"/>
+          <dgm:constr type="t" for="ch" forName="bgShapesFlow"/>
+          <dgm:constr type="r" for="ch" forName="bgShapesFlow" refType="w"/>
+          <dgm:constr type="b" for="ch" forName="bgShapesFlow" refType="h"/>
+          <dgm:constr type="w" for="des" forName="level1Shape" refType="w"/>
+          <dgm:constr type="h" for="des" forName="level1Shape" refType="w" refFor="des" refForName="level1Shape" fact="0.66667"/>
+          <dgm:constr type="w" for="des" forName="level2Shape" refType="w" refFor="des" refForName="level1Shape" op="equ"/>
+          <dgm:constr type="h" for="des" forName="level2Shape" refType="h" refFor="des" refForName="level1Shape" op="equ"/>
+          <dgm:constr type="sp" for="des" refType="h" refFor="des" refForName="level1Shape" op="equ" fact="0.4"/>
+          <dgm:constr type="sibSp" for="des" forName="hierChild1" refType="w" refFor="des" refForName="level1Shape" op="equ" fact="0.3"/>
+          <dgm:constr type="sibSp" for="des" forName="hierChild2" refType="sibSp" refFor="des" refForName="hierChild1" op="equ"/>
+          <dgm:constr type="sibSp" for="des" forName="hierChild3" refType="sibSp" refFor="des" refForName="hierChild1" op="equ"/>
+          <dgm:constr type="userA" for="des" refType="h" refFor="des" refForName="level1Shape" op="equ"/>
+          <dgm:constr type="userB" for="des" refType="sp" refFor="des" op="equ"/>
+          <dgm:constr type="h" for="des" forName="firstBuf" refType="h" refFor="des" refForName="level1Shape" fact="0.1"/>
+        </dgm:constrLst>
+      </dgm:else>
+    </dgm:choose>
+    <dgm:ruleLst/>
+    <dgm:layoutNode name="hierFlow">
+      <dgm:alg type="lin">
+        <dgm:param type="linDir" val="fromT"/>
+        <dgm:param type="nodeVertAlign" val="t"/>
+        <dgm:param type="vertAlign" val="t"/>
+        <dgm:param type="nodeHorzAlign" val="ctr"/>
+        <dgm:param type="fallback" val="2D"/>
+      </dgm:alg>
+      <dgm:shape xmlns:r="http://schemas.openxmlformats.org/officeDocument/2006/relationships" r:blip="">
+        <dgm:adjLst/>
+      </dgm:shape>
+      <dgm:presOf/>
+      <dgm:constrLst/>
+      <dgm:ruleLst/>
+      <dgm:choose name="Name6">
+        <dgm:if name="Name7" axis="ch" ptType="node" func="cnt" op="gte" val="2">
+          <dgm:layoutNode name="firstBuf">
+            <dgm:alg type="sp"/>
+            <dgm:shape xmlns:r="http://schemas.openxmlformats.org/officeDocument/2006/relationships" r:blip="">
+              <dgm:adjLst/>
+            </dgm:shape>
+            <dgm:presOf/>
+            <dgm:constrLst/>
+            <dgm:ruleLst/>
+          </dgm:layoutNode>
+        </dgm:if>
+        <dgm:else name="Name8"/>
+      </dgm:choose>
+      <dgm:layoutNode name="hierChild1">
+        <dgm:varLst>
+          <dgm:chPref val="1"/>
+          <dgm:animOne val="branch"/>
+          <dgm:animLvl val="lvl"/>
+        </dgm:varLst>
+        <dgm:choose name="Name9">
+          <dgm:if name="Name10" func="var" arg="dir" op="equ" val="norm">
+            <dgm:alg type="hierChild">
+              <dgm:param type="linDir" val="fromL"/>
+              <dgm:param type="vertAlign" val="t"/>
+            </dgm:alg>
+          </dgm:if>
+          <dgm:else name="Name11">
+            <dgm:alg type="hierChild">
+              <dgm:param type="linDir" val="fromR"/>
+              <dgm:param type="vertAlign" val="t"/>
+            </dgm:alg>
+          </dgm:else>
+        </dgm:choose>
+        <dgm:shape xmlns:r="http://schemas.openxmlformats.org/officeDocument/2006/relationships" r:blip="">
+          <dgm:adjLst/>
+        </dgm:shape>
+        <dgm:presOf/>
+        <dgm:constrLst>
+          <dgm:constr type="primFontSz" for="des" ptType="node" op="equ"/>
+        </dgm:constrLst>
+        <dgm:ruleLst/>
+        <dgm:forEach name="Name12" axis="ch" cnt="3">
+          <dgm:forEach name="Name13" axis="self" ptType="node">
+            <dgm:layoutNode name="Name14">
+              <dgm:alg type="hierRoot"/>
+              <dgm:shape xmlns:r="http://schemas.openxmlformats.org/officeDocument/2006/relationships" r:blip="">
+                <dgm:adjLst/>
+              </dgm:shape>
+              <dgm:presOf/>
+              <dgm:constrLst/>
+              <dgm:ruleLst/>
+              <dgm:layoutNode name="level1Shape" styleLbl="node0">
+                <dgm:varLst>
+                  <dgm:chPref val="3"/>
+                </dgm:varLst>
+                <dgm:alg type="tx"/>
+                <dgm:shape xmlns:r="http://schemas.openxmlformats.org/officeDocument/2006/relationships" type="roundRect" r:blip="">
+                  <dgm:adjLst>
+                    <dgm:adj idx="1" val="0.1"/>
+                  </dgm:adjLst>
+                </dgm:shape>
+                <dgm:presOf axis="self"/>
+                <dgm:constrLst>
+                  <dgm:constr type="primFontSz" val="65"/>
+                  <dgm:constr type="tMarg" refType="primFontSz" fact="0.3"/>
+                  <dgm:constr type="bMarg" refType="primFontSz" fact="0.3"/>
+                  <dgm:constr type="lMarg" refType="primFontSz" fact="0.3"/>
+                  <dgm:constr type="rMarg" refType="primFontSz" fact="0.3"/>
+                </dgm:constrLst>
+                <dgm:ruleLst>
+                  <dgm:rule type="primFontSz" val="5" fact="NaN" max="NaN"/>
+                </dgm:ruleLst>
+              </dgm:layoutNode>
+              <dgm:layoutNode name="hierChild2">
+                <dgm:choose name="Name15">
+                  <dgm:if name="Name16" func="var" arg="dir" op="equ" val="norm">
+                    <dgm:alg type="hierChild">
+                      <dgm:param type="linDir" val="fromL"/>
+                    </dgm:alg>
+                  </dgm:if>
+                  <dgm:else name="Name17">
+                    <dgm:alg type="hierChild">
+                      <dgm:param type="linDir" val="fromR"/>
+                    </dgm:alg>
+                  </dgm:else>
+                </dgm:choose>
+                <dgm:shape xmlns:r="http://schemas.openxmlformats.org/officeDocument/2006/relationships" r:blip="">
+                  <dgm:adjLst/>
+                </dgm:shape>
+                <dgm:presOf/>
+                <dgm:constrLst/>
+                <dgm:ruleLst/>
+                <dgm:forEach name="repeat" axis="ch">
+                  <dgm:forEach name="Name18" axis="self" ptType="parTrans" cnt="1">
+                    <dgm:layoutNode name="Name19">
+                      <dgm:alg type="conn">
+                        <dgm:param type="dim" val="1D"/>
+                        <dgm:param type="endSty" val="noArr"/>
+                        <dgm:param type="connRout" val="bend"/>
+                        <dgm:param type="begPts" val="bCtr"/>
+                        <dgm:param type="endPts" val="tCtr"/>
+                      </dgm:alg>
+                      <dgm:shape xmlns:r="http://schemas.openxmlformats.org/officeDocument/2006/relationships" type="conn" r:blip="">
+                        <dgm:adjLst/>
+                      </dgm:shape>
+                      <dgm:presOf axis="self"/>
+                      <dgm:constrLst>
+                        <dgm:constr type="w" val="1"/>
+                        <dgm:constr type="h" val="1"/>
+                        <dgm:constr type="begPad"/>
+                        <dgm:constr type="endPad"/>
+                      </dgm:constrLst>
+                      <dgm:ruleLst/>
+                    </dgm:layoutNode>
+                  </dgm:forEach>
+                  <dgm:forEach name="Name20" axis="self" ptType="node">
+                    <dgm:layoutNode name="Name21">
+                      <dgm:alg type="hierRoot"/>
+                      <dgm:shape xmlns:r="http://schemas.openxmlformats.org/officeDocument/2006/relationships" r:blip="">
+                        <dgm:adjLst/>
+                      </dgm:shape>
+                      <dgm:presOf/>
+                      <dgm:constrLst/>
+                      <dgm:ruleLst/>
+                      <dgm:layoutNode name="level2Shape">
+                        <dgm:alg type="tx"/>
+                        <dgm:shape xmlns:r="http://schemas.openxmlformats.org/officeDocument/2006/relationships" type="roundRect" r:blip="">
+                          <dgm:adjLst>
+                            <dgm:adj idx="1" val="0.1"/>
+                          </dgm:adjLst>
+                        </dgm:shape>
+                        <dgm:presOf axis="self"/>
+                        <dgm:constrLst>
+                          <dgm:constr type="primFontSz" val="65"/>
+                          <dgm:constr type="tMarg" refType="primFontSz" fact="0.3"/>
+                          <dgm:constr type="bMarg" refType="primFontSz" fact="0.3"/>
+                          <dgm:constr type="lMarg" refType="primFontSz" fact="0.3"/>
+                          <dgm:constr type="rMarg" refType="primFontSz" fact="0.3"/>
+                        </dgm:constrLst>
+                        <dgm:ruleLst>
+                          <dgm:rule type="primFontSz" val="5" fact="NaN" max="NaN"/>
+                        </dgm:ruleLst>
+                      </dgm:layoutNode>
+                      <dgm:layoutNode name="hierChild3">
+                        <dgm:choose name="Name22">
+                          <dgm:if name="Name23" func="var" arg="dir" op="equ" val="norm">
+                            <dgm:alg type="hierChild">
+                              <dgm:param type="linDir" val="fromL"/>
+                            </dgm:alg>
+                          </dgm:if>
+                          <dgm:else name="Name24">
+                            <dgm:alg type="hierChild">
+                              <dgm:param type="linDir" val="fromR"/>
+                            </dgm:alg>
+                          </dgm:else>
+                        </dgm:choose>
+                        <dgm:shape xmlns:r="http://schemas.openxmlformats.org/officeDocument/2006/relationships" r:blip="">
+                          <dgm:adjLst/>
+                        </dgm:shape>
+                        <dgm:presOf/>
+                        <dgm:constrLst/>
+                        <dgm:ruleLst/>
+                        <dgm:forEach name="Name25" ref="repeat"/>
+                      </dgm:layoutNode>
+                    </dgm:layoutNode>
+                  </dgm:forEach>
+                </dgm:forEach>
+              </dgm:layoutNode>
+            </dgm:layoutNode>
+          </dgm:forEach>
+        </dgm:forEach>
+      </dgm:layoutNode>
+    </dgm:layoutNode>
+    <dgm:layoutNode name="bgShapesFlow">
+      <dgm:alg type="lin">
+        <dgm:param type="linDir" val="fromT"/>
+        <dgm:param type="nodeVertAlign" val="t"/>
+        <dgm:param type="vertAlign" val="t"/>
+        <dgm:param type="nodeHorzAlign" val="ctr"/>
+      </dgm:alg>
+      <dgm:shape xmlns:r="http://schemas.openxmlformats.org/officeDocument/2006/relationships" r:blip="">
+        <dgm:adjLst/>
+      </dgm:shape>
+      <dgm:presOf/>
+      <dgm:constrLst>
+        <dgm:constr type="userB"/>
+        <dgm:constr type="w" for="ch" forName="rectComp" refType="w"/>
+        <dgm:constr type="h" for="ch" forName="rectComp" refType="h"/>
+        <dgm:constr type="w" for="des" forName="bgRect" refType="w"/>
+        <dgm:constr type="primFontSz" for="des" forName="bgRectTx" op="equ"/>
+      </dgm:constrLst>
+      <dgm:ruleLst/>
+      <dgm:forEach name="Name26" axis="ch" ptType="node" st="2">
+        <dgm:layoutNode name="rectComp">
+          <dgm:alg type="composite">
+            <dgm:param type="vertAlign" val="t"/>
+            <dgm:param type="horzAlign" val="ctr"/>
+          </dgm:alg>
+          <dgm:shape xmlns:r="http://schemas.openxmlformats.org/officeDocument/2006/relationships" r:blip="">
+            <dgm:adjLst/>
+          </dgm:shape>
+          <dgm:presOf/>
+          <dgm:choose name="Name27">
+            <dgm:if name="Name28" func="var" arg="dir" op="equ" val="norm">
+              <dgm:constrLst>
+                <dgm:constr type="userA"/>
+                <dgm:constr type="l" for="ch" forName="bgRect"/>
+                <dgm:constr type="t" for="ch" forName="bgRect"/>
+                <dgm:constr type="h" for="ch" forName="bgRect" refType="userA" fact="1.2"/>
+                <dgm:constr type="l" for="ch" forName="bgRectTx"/>
+                <dgm:constr type="t" for="ch" forName="bgRectTx"/>
+                <dgm:constr type="w" for="ch" forName="bgRectTx" refType="w" refFor="ch" refForName="bgRect" fact="0.3"/>
+                <dgm:constr type="h" for="ch" forName="bgRectTx" refType="h" refFor="ch" refForName="bgRect" op="equ"/>
+              </dgm:constrLst>
+            </dgm:if>
+            <dgm:else name="Name29">
+              <dgm:constrLst>
+                <dgm:constr type="userA"/>
+                <dgm:constr type="l" for="ch" forName="bgRect"/>
+                <dgm:constr type="t" for="ch" forName="bgRect"/>
+                <dgm:constr type="h" for="ch" forName="bgRect" refType="userA" fact="1.2"/>
+                <dgm:constr type="r" for="ch" forName="bgRectTx" refType="w"/>
+                <dgm:constr type="t" for="ch" forName="bgRectTx"/>
+                <dgm:constr type="w" for="ch" forName="bgRectTx" refType="w" refFor="ch" refForName="bgRect" fact="0.3"/>
+                <dgm:constr type="h" for="ch" forName="bgRectTx" refType="h" refFor="ch" refForName="bgRect" op="equ"/>
+              </dgm:constrLst>
+            </dgm:else>
+          </dgm:choose>
+          <dgm:ruleLst/>
+          <dgm:layoutNode name="bgRect" styleLbl="bgShp">
+            <dgm:alg type="sp"/>
+            <dgm:shape xmlns:r="http://schemas.openxmlformats.org/officeDocument/2006/relationships" type="roundRect" r:blip="" zOrderOff="-999">
+              <dgm:adjLst>
+                <dgm:adj idx="1" val="0.1"/>
+              </dgm:adjLst>
+            </dgm:shape>
+            <dgm:presOf axis="desOrSelf" ptType="node"/>
+            <dgm:constrLst/>
+            <dgm:ruleLst/>
+          </dgm:layoutNode>
+          <dgm:layoutNode name="bgRectTx" styleLbl="bgShp">
+            <dgm:varLst>
+              <dgm:bulletEnabled val="1"/>
+            </dgm:varLst>
+            <dgm:alg type="tx"/>
+            <dgm:presOf axis="desOrSelf" ptType="node"/>
+            <dgm:shape xmlns:r="http://schemas.openxmlformats.org/officeDocument/2006/relationships" type="rect" r:blip="" zOrderOff="-999" hideGeom="1">
+              <dgm:adjLst/>
+            </dgm:shape>
+            <dgm:constrLst>
+              <dgm:constr type="primFontSz" val="65"/>
+            </dgm:constrLst>
+            <dgm:ruleLst>
+              <dgm:rule type="primFontSz" val="5" fact="NaN" max="NaN"/>
+            </dgm:ruleLst>
+          </dgm:layoutNode>
+        </dgm:layoutNode>
+        <dgm:choose name="Name30">
+          <dgm:if name="Name31" axis="self" ptType="node" func="revPos" op="gte" val="2">
+            <dgm:layoutNode name="spComp">
+              <dgm:alg type="composite">
+                <dgm:param type="vertAlign" val="t"/>
+                <dgm:param type="horzAlign" val="ctr"/>
+              </dgm:alg>
+              <dgm:shape xmlns:r="http://schemas.openxmlformats.org/officeDocument/2006/relationships" r:blip="">
+                <dgm:adjLst/>
+              </dgm:shape>
+              <dgm:presOf/>
+              <dgm:constrLst>
+                <dgm:constr type="userA"/>
+                <dgm:constr type="userB"/>
+                <dgm:constr type="l" for="ch" forName="vSp"/>
+                <dgm:constr type="t" for="ch" forName="vSp"/>
+                <dgm:constr type="h" for="ch" forName="vSp" refType="userB"/>
+                <dgm:constr type="hOff" for="ch" forName="vSp" refType="userA" fact="-0.2"/>
+              </dgm:constrLst>
+              <dgm:ruleLst/>
+              <dgm:layoutNode name="vSp">
+                <dgm:alg type="sp"/>
+                <dgm:shape xmlns:r="http://schemas.openxmlformats.org/officeDocument/2006/relationships" r:blip="">
+                  <dgm:adjLst/>
+                </dgm:shape>
+                <dgm:presOf/>
+                <dgm:constrLst/>
+                <dgm:ruleLst/>
+              </dgm:layoutNode>
+            </dgm:layoutNode>
+          </dgm:if>
+          <dgm:else name="Name32"/>
+        </dgm:choose>
+      </dgm:forEach>
+    </dgm:layoutNode>
+  </dgm:layoutNode>
+</dgm:layoutDef>
+</file>
+
 <file path=ppt/diagrams/quickStyle1.xml><?xml version="1.0" encoding="utf-8"?>
 <dgm:styleDef xmlns:dgm="http://schemas.openxmlformats.org/drawingml/2006/diagram" xmlns:a="http://schemas.openxmlformats.org/drawingml/2006/main" uniqueId="urn:microsoft.com/office/officeart/2005/8/quickstyle/simple1">
   <dgm:title val=""/>
@@ -14374,6 +21694,2074 @@
 </file>
 
 <file path=ppt/diagrams/quickStyle3.xml><?xml version="1.0" encoding="utf-8"?>
+<dgm:styleDef xmlns:dgm="http://schemas.openxmlformats.org/drawingml/2006/diagram" xmlns:a="http://schemas.openxmlformats.org/drawingml/2006/main" uniqueId="urn:microsoft.com/office/officeart/2005/8/quickstyle/simple1">
+  <dgm:title val=""/>
+  <dgm:desc val=""/>
+  <dgm:catLst>
+    <dgm:cat type="simple" pri="10100"/>
+  </dgm:catLst>
+  <dgm:scene3d>
+    <a:camera prst="orthographicFront"/>
+    <a:lightRig rig="threePt" dir="t"/>
+  </dgm:scene3d>
+  <dgm:styleLbl name="node0">
+    <dgm:scene3d>
+      <a:camera prst="orthographicFront"/>
+      <a:lightRig rig="threePt" dir="t"/>
+    </dgm:scene3d>
+    <dgm:sp3d/>
+    <dgm:txPr/>
+    <dgm:style>
+      <a:lnRef idx="2">
+        <a:scrgbClr r="0" g="0" b="0"/>
+      </a:lnRef>
+      <a:fillRef idx="1">
+        <a:scrgbClr r="0" g="0" b="0"/>
+      </a:fillRef>
+      <a:effectRef idx="0">
+        <a:scrgbClr r="0" g="0" b="0"/>
+      </a:effectRef>
+      <a:fontRef idx="minor">
+        <a:schemeClr val="lt1"/>
+      </a:fontRef>
+    </dgm:style>
+  </dgm:styleLbl>
+  <dgm:styleLbl name="lnNode1">
+    <dgm:scene3d>
+      <a:camera prst="orthographicFront"/>
+      <a:lightRig rig="threePt" dir="t"/>
+    </dgm:scene3d>
+    <dgm:sp3d/>
+    <dgm:txPr/>
+    <dgm:style>
+      <a:lnRef idx="2">
+        <a:scrgbClr r="0" g="0" b="0"/>
+      </a:lnRef>
+      <a:fillRef idx="1">
+        <a:scrgbClr r="0" g="0" b="0"/>
+      </a:fillRef>
+      <a:effectRef idx="0">
+        <a:scrgbClr r="0" g="0" b="0"/>
+      </a:effectRef>
+      <a:fontRef idx="minor">
+        <a:schemeClr val="lt1"/>
+      </a:fontRef>
+    </dgm:style>
+  </dgm:styleLbl>
+  <dgm:styleLbl name="vennNode1">
+    <dgm:scene3d>
+      <a:camera prst="orthographicFront"/>
+      <a:lightRig rig="threePt" dir="t"/>
+    </dgm:scene3d>
+    <dgm:sp3d/>
+    <dgm:txPr/>
+    <dgm:style>
+      <a:lnRef idx="2">
+        <a:scrgbClr r="0" g="0" b="0"/>
+      </a:lnRef>
+      <a:fillRef idx="1">
+        <a:scrgbClr r="0" g="0" b="0"/>
+      </a:fillRef>
+      <a:effectRef idx="0">
+        <a:scrgbClr r="0" g="0" b="0"/>
+      </a:effectRef>
+      <a:fontRef idx="minor">
+        <a:schemeClr val="tx1"/>
+      </a:fontRef>
+    </dgm:style>
+  </dgm:styleLbl>
+  <dgm:styleLbl name="alignNode1">
+    <dgm:scene3d>
+      <a:camera prst="orthographicFront"/>
+      <a:lightRig rig="threePt" dir="t"/>
+    </dgm:scene3d>
+    <dgm:sp3d/>
+    <dgm:txPr/>
+    <dgm:style>
+      <a:lnRef idx="2">
+        <a:scrgbClr r="0" g="0" b="0"/>
+      </a:lnRef>
+      <a:fillRef idx="1">
+        <a:scrgbClr r="0" g="0" b="0"/>
+      </a:fillRef>
+      <a:effectRef idx="0">
+        <a:scrgbClr r="0" g="0" b="0"/>
+      </a:effectRef>
+      <a:fontRef idx="minor">
+        <a:schemeClr val="lt1"/>
+      </a:fontRef>
+    </dgm:style>
+  </dgm:styleLbl>
+  <dgm:styleLbl name="node1">
+    <dgm:scene3d>
+      <a:camera prst="orthographicFront"/>
+      <a:lightRig rig="threePt" dir="t"/>
+    </dgm:scene3d>
+    <dgm:sp3d/>
+    <dgm:txPr/>
+    <dgm:style>
+      <a:lnRef idx="2">
+        <a:scrgbClr r="0" g="0" b="0"/>
+      </a:lnRef>
+      <a:fillRef idx="1">
+        <a:scrgbClr r="0" g="0" b="0"/>
+      </a:fillRef>
+      <a:effectRef idx="0">
+        <a:scrgbClr r="0" g="0" b="0"/>
+      </a:effectRef>
+      <a:fontRef idx="minor">
+        <a:schemeClr val="lt1"/>
+      </a:fontRef>
+    </dgm:style>
+  </dgm:styleLbl>
+  <dgm:styleLbl name="node2">
+    <dgm:scene3d>
+      <a:camera prst="orthographicFront"/>
+      <a:lightRig rig="threePt" dir="t"/>
+    </dgm:scene3d>
+    <dgm:sp3d/>
+    <dgm:txPr/>
+    <dgm:style>
+      <a:lnRef idx="2">
+        <a:scrgbClr r="0" g="0" b="0"/>
+      </a:lnRef>
+      <a:fillRef idx="1">
+        <a:scrgbClr r="0" g="0" b="0"/>
+      </a:fillRef>
+      <a:effectRef idx="0">
+        <a:scrgbClr r="0" g="0" b="0"/>
+      </a:effectRef>
+      <a:fontRef idx="minor">
+        <a:schemeClr val="lt1"/>
+      </a:fontRef>
+    </dgm:style>
+  </dgm:styleLbl>
+  <dgm:styleLbl name="node3">
+    <dgm:scene3d>
+      <a:camera prst="orthographicFront"/>
+      <a:lightRig rig="threePt" dir="t"/>
+    </dgm:scene3d>
+    <dgm:sp3d/>
+    <dgm:txPr/>
+    <dgm:style>
+      <a:lnRef idx="2">
+        <a:scrgbClr r="0" g="0" b="0"/>
+      </a:lnRef>
+      <a:fillRef idx="1">
+        <a:scrgbClr r="0" g="0" b="0"/>
+      </a:fillRef>
+      <a:effectRef idx="0">
+        <a:scrgbClr r="0" g="0" b="0"/>
+      </a:effectRef>
+      <a:fontRef idx="minor">
+        <a:schemeClr val="lt1"/>
+      </a:fontRef>
+    </dgm:style>
+  </dgm:styleLbl>
+  <dgm:styleLbl name="node4">
+    <dgm:scene3d>
+      <a:camera prst="orthographicFront"/>
+      <a:lightRig rig="threePt" dir="t"/>
+    </dgm:scene3d>
+    <dgm:sp3d/>
+    <dgm:txPr/>
+    <dgm:style>
+      <a:lnRef idx="2">
+        <a:scrgbClr r="0" g="0" b="0"/>
+      </a:lnRef>
+      <a:fillRef idx="1">
+        <a:scrgbClr r="0" g="0" b="0"/>
+      </a:fillRef>
+      <a:effectRef idx="0">
+        <a:scrgbClr r="0" g="0" b="0"/>
+      </a:effectRef>
+      <a:fontRef idx="minor">
+        <a:schemeClr val="lt1"/>
+      </a:fontRef>
+    </dgm:style>
+  </dgm:styleLbl>
+  <dgm:styleLbl name="fgImgPlace1">
+    <dgm:scene3d>
+      <a:camera prst="orthographicFront"/>
+      <a:lightRig rig="threePt" dir="t"/>
+    </dgm:scene3d>
+    <dgm:sp3d/>
+    <dgm:txPr/>
+    <dgm:style>
+      <a:lnRef idx="2">
+        <a:scrgbClr r="0" g="0" b="0"/>
+      </a:lnRef>
+      <a:fillRef idx="1">
+        <a:scrgbClr r="0" g="0" b="0"/>
+      </a:fillRef>
+      <a:effectRef idx="0">
+        <a:scrgbClr r="0" g="0" b="0"/>
+      </a:effectRef>
+      <a:fontRef idx="minor"/>
+    </dgm:style>
+  </dgm:styleLbl>
+  <dgm:styleLbl name="alignImgPlace1">
+    <dgm:scene3d>
+      <a:camera prst="orthographicFront"/>
+      <a:lightRig rig="threePt" dir="t"/>
+    </dgm:scene3d>
+    <dgm:sp3d/>
+    <dgm:txPr/>
+    <dgm:style>
+      <a:lnRef idx="2">
+        <a:scrgbClr r="0" g="0" b="0"/>
+      </a:lnRef>
+      <a:fillRef idx="1">
+        <a:scrgbClr r="0" g="0" b="0"/>
+      </a:fillRef>
+      <a:effectRef idx="0">
+        <a:scrgbClr r="0" g="0" b="0"/>
+      </a:effectRef>
+      <a:fontRef idx="minor"/>
+    </dgm:style>
+  </dgm:styleLbl>
+  <dgm:styleLbl name="bgImgPlace1">
+    <dgm:scene3d>
+      <a:camera prst="orthographicFront"/>
+      <a:lightRig rig="threePt" dir="t"/>
+    </dgm:scene3d>
+    <dgm:sp3d/>
+    <dgm:txPr/>
+    <dgm:style>
+      <a:lnRef idx="2">
+        <a:scrgbClr r="0" g="0" b="0"/>
+      </a:lnRef>
+      <a:fillRef idx="1">
+        <a:scrgbClr r="0" g="0" b="0"/>
+      </a:fillRef>
+      <a:effectRef idx="0">
+        <a:scrgbClr r="0" g="0" b="0"/>
+      </a:effectRef>
+      <a:fontRef idx="minor"/>
+    </dgm:style>
+  </dgm:styleLbl>
+  <dgm:styleLbl name="sibTrans2D1">
+    <dgm:scene3d>
+      <a:camera prst="orthographicFront"/>
+      <a:lightRig rig="threePt" dir="t"/>
+    </dgm:scene3d>
+    <dgm:sp3d/>
+    <dgm:txPr/>
+    <dgm:style>
+      <a:lnRef idx="0">
+        <a:scrgbClr r="0" g="0" b="0"/>
+      </a:lnRef>
+      <a:fillRef idx="1">
+        <a:scrgbClr r="0" g="0" b="0"/>
+      </a:fillRef>
+      <a:effectRef idx="0">
+        <a:scrgbClr r="0" g="0" b="0"/>
+      </a:effectRef>
+      <a:fontRef idx="minor">
+        <a:schemeClr val="lt1"/>
+      </a:fontRef>
+    </dgm:style>
+  </dgm:styleLbl>
+  <dgm:styleLbl name="fgSibTrans2D1">
+    <dgm:scene3d>
+      <a:camera prst="orthographicFront"/>
+      <a:lightRig rig="threePt" dir="t"/>
+    </dgm:scene3d>
+    <dgm:sp3d/>
+    <dgm:txPr/>
+    <dgm:style>
+      <a:lnRef idx="0">
+        <a:scrgbClr r="0" g="0" b="0"/>
+      </a:lnRef>
+      <a:fillRef idx="1">
+        <a:scrgbClr r="0" g="0" b="0"/>
+      </a:fillRef>
+      <a:effectRef idx="0">
+        <a:scrgbClr r="0" g="0" b="0"/>
+      </a:effectRef>
+      <a:fontRef idx="minor">
+        <a:schemeClr val="lt1"/>
+      </a:fontRef>
+    </dgm:style>
+  </dgm:styleLbl>
+  <dgm:styleLbl name="bgSibTrans2D1">
+    <dgm:scene3d>
+      <a:camera prst="orthographicFront"/>
+      <a:lightRig rig="threePt" dir="t"/>
+    </dgm:scene3d>
+    <dgm:sp3d/>
+    <dgm:txPr/>
+    <dgm:style>
+      <a:lnRef idx="0">
+        <a:scrgbClr r="0" g="0" b="0"/>
+      </a:lnRef>
+      <a:fillRef idx="1">
+        <a:scrgbClr r="0" g="0" b="0"/>
+      </a:fillRef>
+      <a:effectRef idx="0">
+        <a:scrgbClr r="0" g="0" b="0"/>
+      </a:effectRef>
+      <a:fontRef idx="minor">
+        <a:schemeClr val="lt1"/>
+      </a:fontRef>
+    </dgm:style>
+  </dgm:styleLbl>
+  <dgm:styleLbl name="sibTrans1D1">
+    <dgm:scene3d>
+      <a:camera prst="orthographicFront"/>
+      <a:lightRig rig="threePt" dir="t"/>
+    </dgm:scene3d>
+    <dgm:sp3d/>
+    <dgm:txPr/>
+    <dgm:style>
+      <a:lnRef idx="1">
+        <a:scrgbClr r="0" g="0" b="0"/>
+      </a:lnRef>
+      <a:fillRef idx="0">
+        <a:scrgbClr r="0" g="0" b="0"/>
+      </a:fillRef>
+      <a:effectRef idx="0">
+        <a:scrgbClr r="0" g="0" b="0"/>
+      </a:effectRef>
+      <a:fontRef idx="minor"/>
+    </dgm:style>
+  </dgm:styleLbl>
+  <dgm:styleLbl name="callout">
+    <dgm:scene3d>
+      <a:camera prst="orthographicFront"/>
+      <a:lightRig rig="threePt" dir="t"/>
+    </dgm:scene3d>
+    <dgm:sp3d/>
+    <dgm:txPr/>
+    <dgm:style>
+      <a:lnRef idx="2">
+        <a:scrgbClr r="0" g="0" b="0"/>
+      </a:lnRef>
+      <a:fillRef idx="1">
+        <a:scrgbClr r="0" g="0" b="0"/>
+      </a:fillRef>
+      <a:effectRef idx="0">
+        <a:scrgbClr r="0" g="0" b="0"/>
+      </a:effectRef>
+      <a:fontRef idx="minor"/>
+    </dgm:style>
+  </dgm:styleLbl>
+  <dgm:styleLbl name="asst0">
+    <dgm:scene3d>
+      <a:camera prst="orthographicFront"/>
+      <a:lightRig rig="threePt" dir="t"/>
+    </dgm:scene3d>
+    <dgm:sp3d/>
+    <dgm:txPr/>
+    <dgm:style>
+      <a:lnRef idx="2">
+        <a:scrgbClr r="0" g="0" b="0"/>
+      </a:lnRef>
+      <a:fillRef idx="1">
+        <a:scrgbClr r="0" g="0" b="0"/>
+      </a:fillRef>
+      <a:effectRef idx="0">
+        <a:scrgbClr r="0" g="0" b="0"/>
+      </a:effectRef>
+      <a:fontRef idx="minor">
+        <a:schemeClr val="lt1"/>
+      </a:fontRef>
+    </dgm:style>
+  </dgm:styleLbl>
+  <dgm:styleLbl name="asst1">
+    <dgm:scene3d>
+      <a:camera prst="orthographicFront"/>
+      <a:lightRig rig="threePt" dir="t"/>
+    </dgm:scene3d>
+    <dgm:sp3d/>
+    <dgm:txPr/>
+    <dgm:style>
+      <a:lnRef idx="2">
+        <a:scrgbClr r="0" g="0" b="0"/>
+      </a:lnRef>
+      <a:fillRef idx="1">
+        <a:scrgbClr r="0" g="0" b="0"/>
+      </a:fillRef>
+      <a:effectRef idx="0">
+        <a:scrgbClr r="0" g="0" b="0"/>
+      </a:effectRef>
+      <a:fontRef idx="minor">
+        <a:schemeClr val="lt1"/>
+      </a:fontRef>
+    </dgm:style>
+  </dgm:styleLbl>
+  <dgm:styleLbl name="asst2">
+    <dgm:scene3d>
+      <a:camera prst="orthographicFront"/>
+      <a:lightRig rig="threePt" dir="t"/>
+    </dgm:scene3d>
+    <dgm:sp3d/>
+    <dgm:txPr/>
+    <dgm:style>
+      <a:lnRef idx="2">
+        <a:scrgbClr r="0" g="0" b="0"/>
+      </a:lnRef>
+      <a:fillRef idx="1">
+        <a:scrgbClr r="0" g="0" b="0"/>
+      </a:fillRef>
+      <a:effectRef idx="0">
+        <a:scrgbClr r="0" g="0" b="0"/>
+      </a:effectRef>
+      <a:fontRef idx="minor">
+        <a:schemeClr val="lt1"/>
+      </a:fontRef>
+    </dgm:style>
+  </dgm:styleLbl>
+  <dgm:styleLbl name="asst3">
+    <dgm:scene3d>
+      <a:camera prst="orthographicFront"/>
+      <a:lightRig rig="threePt" dir="t"/>
+    </dgm:scene3d>
+    <dgm:sp3d/>
+    <dgm:txPr/>
+    <dgm:style>
+      <a:lnRef idx="2">
+        <a:scrgbClr r="0" g="0" b="0"/>
+      </a:lnRef>
+      <a:fillRef idx="1">
+        <a:scrgbClr r="0" g="0" b="0"/>
+      </a:fillRef>
+      <a:effectRef idx="0">
+        <a:scrgbClr r="0" g="0" b="0"/>
+      </a:effectRef>
+      <a:fontRef idx="minor">
+        <a:schemeClr val="lt1"/>
+      </a:fontRef>
+    </dgm:style>
+  </dgm:styleLbl>
+  <dgm:styleLbl name="asst4">
+    <dgm:scene3d>
+      <a:camera prst="orthographicFront"/>
+      <a:lightRig rig="threePt" dir="t"/>
+    </dgm:scene3d>
+    <dgm:sp3d/>
+    <dgm:txPr/>
+    <dgm:style>
+      <a:lnRef idx="2">
+        <a:scrgbClr r="0" g="0" b="0"/>
+      </a:lnRef>
+      <a:fillRef idx="1">
+        <a:scrgbClr r="0" g="0" b="0"/>
+      </a:fillRef>
+      <a:effectRef idx="0">
+        <a:scrgbClr r="0" g="0" b="0"/>
+      </a:effectRef>
+      <a:fontRef idx="minor">
+        <a:schemeClr val="lt1"/>
+      </a:fontRef>
+    </dgm:style>
+  </dgm:styleLbl>
+  <dgm:styleLbl name="parChTrans2D1">
+    <dgm:scene3d>
+      <a:camera prst="orthographicFront"/>
+      <a:lightRig rig="threePt" dir="t"/>
+    </dgm:scene3d>
+    <dgm:sp3d/>
+    <dgm:txPr/>
+    <dgm:style>
+      <a:lnRef idx="2">
+        <a:scrgbClr r="0" g="0" b="0"/>
+      </a:lnRef>
+      <a:fillRef idx="1">
+        <a:scrgbClr r="0" g="0" b="0"/>
+      </a:fillRef>
+      <a:effectRef idx="0">
+        <a:scrgbClr r="0" g="0" b="0"/>
+      </a:effectRef>
+      <a:fontRef idx="minor">
+        <a:schemeClr val="lt1"/>
+      </a:fontRef>
+    </dgm:style>
+  </dgm:styleLbl>
+  <dgm:styleLbl name="parChTrans2D2">
+    <dgm:scene3d>
+      <a:camera prst="orthographicFront"/>
+      <a:lightRig rig="threePt" dir="t"/>
+    </dgm:scene3d>
+    <dgm:sp3d/>
+    <dgm:txPr/>
+    <dgm:style>
+      <a:lnRef idx="2">
+        <a:scrgbClr r="0" g="0" b="0"/>
+      </a:lnRef>
+      <a:fillRef idx="1">
+        <a:scrgbClr r="0" g="0" b="0"/>
+      </a:fillRef>
+      <a:effectRef idx="0">
+        <a:scrgbClr r="0" g="0" b="0"/>
+      </a:effectRef>
+      <a:fontRef idx="minor">
+        <a:schemeClr val="lt1"/>
+      </a:fontRef>
+    </dgm:style>
+  </dgm:styleLbl>
+  <dgm:styleLbl name="parChTrans2D3">
+    <dgm:scene3d>
+      <a:camera prst="orthographicFront"/>
+      <a:lightRig rig="threePt" dir="t"/>
+    </dgm:scene3d>
+    <dgm:sp3d/>
+    <dgm:txPr/>
+    <dgm:style>
+      <a:lnRef idx="2">
+        <a:scrgbClr r="0" g="0" b="0"/>
+      </a:lnRef>
+      <a:fillRef idx="1">
+        <a:scrgbClr r="0" g="0" b="0"/>
+      </a:fillRef>
+      <a:effectRef idx="0">
+        <a:scrgbClr r="0" g="0" b="0"/>
+      </a:effectRef>
+      <a:fontRef idx="minor">
+        <a:schemeClr val="lt1"/>
+      </a:fontRef>
+    </dgm:style>
+  </dgm:styleLbl>
+  <dgm:styleLbl name="parChTrans2D4">
+    <dgm:scene3d>
+      <a:camera prst="orthographicFront"/>
+      <a:lightRig rig="threePt" dir="t"/>
+    </dgm:scene3d>
+    <dgm:sp3d/>
+    <dgm:txPr/>
+    <dgm:style>
+      <a:lnRef idx="2">
+        <a:scrgbClr r="0" g="0" b="0"/>
+      </a:lnRef>
+      <a:fillRef idx="1">
+        <a:scrgbClr r="0" g="0" b="0"/>
+      </a:fillRef>
+      <a:effectRef idx="0">
+        <a:scrgbClr r="0" g="0" b="0"/>
+      </a:effectRef>
+      <a:fontRef idx="minor">
+        <a:schemeClr val="lt1"/>
+      </a:fontRef>
+    </dgm:style>
+  </dgm:styleLbl>
+  <dgm:styleLbl name="parChTrans1D1">
+    <dgm:scene3d>
+      <a:camera prst="orthographicFront"/>
+      <a:lightRig rig="threePt" dir="t"/>
+    </dgm:scene3d>
+    <dgm:sp3d/>
+    <dgm:txPr/>
+    <dgm:style>
+      <a:lnRef idx="2">
+        <a:scrgbClr r="0" g="0" b="0"/>
+      </a:lnRef>
+      <a:fillRef idx="0">
+        <a:scrgbClr r="0" g="0" b="0"/>
+      </a:fillRef>
+      <a:effectRef idx="0">
+        <a:scrgbClr r="0" g="0" b="0"/>
+      </a:effectRef>
+      <a:fontRef idx="minor"/>
+    </dgm:style>
+  </dgm:styleLbl>
+  <dgm:styleLbl name="parChTrans1D2">
+    <dgm:scene3d>
+      <a:camera prst="orthographicFront"/>
+      <a:lightRig rig="threePt" dir="t"/>
+    </dgm:scene3d>
+    <dgm:sp3d/>
+    <dgm:txPr/>
+    <dgm:style>
+      <a:lnRef idx="2">
+        <a:scrgbClr r="0" g="0" b="0"/>
+      </a:lnRef>
+      <a:fillRef idx="0">
+        <a:scrgbClr r="0" g="0" b="0"/>
+      </a:fillRef>
+      <a:effectRef idx="0">
+        <a:scrgbClr r="0" g="0" b="0"/>
+      </a:effectRef>
+      <a:fontRef idx="minor"/>
+    </dgm:style>
+  </dgm:styleLbl>
+  <dgm:styleLbl name="parChTrans1D3">
+    <dgm:scene3d>
+      <a:camera prst="orthographicFront"/>
+      <a:lightRig rig="threePt" dir="t"/>
+    </dgm:scene3d>
+    <dgm:sp3d/>
+    <dgm:txPr/>
+    <dgm:style>
+      <a:lnRef idx="2">
+        <a:scrgbClr r="0" g="0" b="0"/>
+      </a:lnRef>
+      <a:fillRef idx="0">
+        <a:scrgbClr r="0" g="0" b="0"/>
+      </a:fillRef>
+      <a:effectRef idx="0">
+        <a:scrgbClr r="0" g="0" b="0"/>
+      </a:effectRef>
+      <a:fontRef idx="minor"/>
+    </dgm:style>
+  </dgm:styleLbl>
+  <dgm:styleLbl name="parChTrans1D4">
+    <dgm:scene3d>
+      <a:camera prst="orthographicFront"/>
+      <a:lightRig rig="threePt" dir="t"/>
+    </dgm:scene3d>
+    <dgm:sp3d/>
+    <dgm:txPr/>
+    <dgm:style>
+      <a:lnRef idx="2">
+        <a:scrgbClr r="0" g="0" b="0"/>
+      </a:lnRef>
+      <a:fillRef idx="0">
+        <a:scrgbClr r="0" g="0" b="0"/>
+      </a:fillRef>
+      <a:effectRef idx="0">
+        <a:scrgbClr r="0" g="0" b="0"/>
+      </a:effectRef>
+      <a:fontRef idx="minor"/>
+    </dgm:style>
+  </dgm:styleLbl>
+  <dgm:styleLbl name="fgAcc1">
+    <dgm:scene3d>
+      <a:camera prst="orthographicFront"/>
+      <a:lightRig rig="threePt" dir="t"/>
+    </dgm:scene3d>
+    <dgm:sp3d/>
+    <dgm:txPr/>
+    <dgm:style>
+      <a:lnRef idx="2">
+        <a:scrgbClr r="0" g="0" b="0"/>
+      </a:lnRef>
+      <a:fillRef idx="1">
+        <a:scrgbClr r="0" g="0" b="0"/>
+      </a:fillRef>
+      <a:effectRef idx="0">
+        <a:scrgbClr r="0" g="0" b="0"/>
+      </a:effectRef>
+      <a:fontRef idx="minor"/>
+    </dgm:style>
+  </dgm:styleLbl>
+  <dgm:styleLbl name="conFgAcc1">
+    <dgm:scene3d>
+      <a:camera prst="orthographicFront"/>
+      <a:lightRig rig="threePt" dir="t"/>
+    </dgm:scene3d>
+    <dgm:sp3d/>
+    <dgm:txPr/>
+    <dgm:style>
+      <a:lnRef idx="2">
+        <a:scrgbClr r="0" g="0" b="0"/>
+      </a:lnRef>
+      <a:fillRef idx="1">
+        <a:scrgbClr r="0" g="0" b="0"/>
+      </a:fillRef>
+      <a:effectRef idx="0">
+        <a:scrgbClr r="0" g="0" b="0"/>
+      </a:effectRef>
+      <a:fontRef idx="minor"/>
+    </dgm:style>
+  </dgm:styleLbl>
+  <dgm:styleLbl name="alignAcc1">
+    <dgm:scene3d>
+      <a:camera prst="orthographicFront"/>
+      <a:lightRig rig="threePt" dir="t"/>
+    </dgm:scene3d>
+    <dgm:sp3d/>
+    <dgm:txPr/>
+    <dgm:style>
+      <a:lnRef idx="2">
+        <a:scrgbClr r="0" g="0" b="0"/>
+      </a:lnRef>
+      <a:fillRef idx="1">
+        <a:scrgbClr r="0" g="0" b="0"/>
+      </a:fillRef>
+      <a:effectRef idx="0">
+        <a:scrgbClr r="0" g="0" b="0"/>
+      </a:effectRef>
+      <a:fontRef idx="minor"/>
+    </dgm:style>
+  </dgm:styleLbl>
+  <dgm:styleLbl name="trAlignAcc1">
+    <dgm:scene3d>
+      <a:camera prst="orthographicFront"/>
+      <a:lightRig rig="threePt" dir="t"/>
+    </dgm:scene3d>
+    <dgm:sp3d/>
+    <dgm:txPr/>
+    <dgm:style>
+      <a:lnRef idx="1">
+        <a:scrgbClr r="0" g="0" b="0"/>
+      </a:lnRef>
+      <a:fillRef idx="1">
+        <a:scrgbClr r="0" g="0" b="0"/>
+      </a:fillRef>
+      <a:effectRef idx="0">
+        <a:scrgbClr r="0" g="0" b="0"/>
+      </a:effectRef>
+      <a:fontRef idx="minor"/>
+    </dgm:style>
+  </dgm:styleLbl>
+  <dgm:styleLbl name="bgAcc1">
+    <dgm:scene3d>
+      <a:camera prst="orthographicFront"/>
+      <a:lightRig rig="threePt" dir="t"/>
+    </dgm:scene3d>
+    <dgm:sp3d/>
+    <dgm:txPr/>
+    <dgm:style>
+      <a:lnRef idx="2">
+        <a:scrgbClr r="0" g="0" b="0"/>
+      </a:lnRef>
+      <a:fillRef idx="1">
+        <a:scrgbClr r="0" g="0" b="0"/>
+      </a:fillRef>
+      <a:effectRef idx="0">
+        <a:scrgbClr r="0" g="0" b="0"/>
+      </a:effectRef>
+      <a:fontRef idx="minor"/>
+    </dgm:style>
+  </dgm:styleLbl>
+  <dgm:styleLbl name="solidFgAcc1">
+    <dgm:scene3d>
+      <a:camera prst="orthographicFront"/>
+      <a:lightRig rig="threePt" dir="t"/>
+    </dgm:scene3d>
+    <dgm:sp3d/>
+    <dgm:txPr/>
+    <dgm:style>
+      <a:lnRef idx="2">
+        <a:scrgbClr r="0" g="0" b="0"/>
+      </a:lnRef>
+      <a:fillRef idx="1">
+        <a:scrgbClr r="0" g="0" b="0"/>
+      </a:fillRef>
+      <a:effectRef idx="0">
+        <a:scrgbClr r="0" g="0" b="0"/>
+      </a:effectRef>
+      <a:fontRef idx="minor"/>
+    </dgm:style>
+  </dgm:styleLbl>
+  <dgm:styleLbl name="solidAlignAcc1">
+    <dgm:scene3d>
+      <a:camera prst="orthographicFront"/>
+      <a:lightRig rig="threePt" dir="t"/>
+    </dgm:scene3d>
+    <dgm:sp3d/>
+    <dgm:txPr/>
+    <dgm:style>
+      <a:lnRef idx="2">
+        <a:scrgbClr r="0" g="0" b="0"/>
+      </a:lnRef>
+      <a:fillRef idx="1">
+        <a:scrgbClr r="0" g="0" b="0"/>
+      </a:fillRef>
+      <a:effectRef idx="0">
+        <a:scrgbClr r="0" g="0" b="0"/>
+      </a:effectRef>
+      <a:fontRef idx="minor"/>
+    </dgm:style>
+  </dgm:styleLbl>
+  <dgm:styleLbl name="solidBgAcc1">
+    <dgm:scene3d>
+      <a:camera prst="orthographicFront"/>
+      <a:lightRig rig="threePt" dir="t"/>
+    </dgm:scene3d>
+    <dgm:sp3d/>
+    <dgm:txPr/>
+    <dgm:style>
+      <a:lnRef idx="2">
+        <a:scrgbClr r="0" g="0" b="0"/>
+      </a:lnRef>
+      <a:fillRef idx="1">
+        <a:scrgbClr r="0" g="0" b="0"/>
+      </a:fillRef>
+      <a:effectRef idx="0">
+        <a:scrgbClr r="0" g="0" b="0"/>
+      </a:effectRef>
+      <a:fontRef idx="minor"/>
+    </dgm:style>
+  </dgm:styleLbl>
+  <dgm:styleLbl name="fgAccFollowNode1">
+    <dgm:scene3d>
+      <a:camera prst="orthographicFront"/>
+      <a:lightRig rig="threePt" dir="t"/>
+    </dgm:scene3d>
+    <dgm:sp3d/>
+    <dgm:txPr/>
+    <dgm:style>
+      <a:lnRef idx="2">
+        <a:scrgbClr r="0" g="0" b="0"/>
+      </a:lnRef>
+      <a:fillRef idx="1">
+        <a:scrgbClr r="0" g="0" b="0"/>
+      </a:fillRef>
+      <a:effectRef idx="0">
+        <a:scrgbClr r="0" g="0" b="0"/>
+      </a:effectRef>
+      <a:fontRef idx="minor"/>
+    </dgm:style>
+  </dgm:styleLbl>
+  <dgm:styleLbl name="alignAccFollowNode1">
+    <dgm:scene3d>
+      <a:camera prst="orthographicFront"/>
+      <a:lightRig rig="threePt" dir="t"/>
+    </dgm:scene3d>
+    <dgm:sp3d/>
+    <dgm:txPr/>
+    <dgm:style>
+      <a:lnRef idx="2">
+        <a:scrgbClr r="0" g="0" b="0"/>
+      </a:lnRef>
+      <a:fillRef idx="1">
+        <a:scrgbClr r="0" g="0" b="0"/>
+      </a:fillRef>
+      <a:effectRef idx="0">
+        <a:scrgbClr r="0" g="0" b="0"/>
+      </a:effectRef>
+      <a:fontRef idx="minor"/>
+    </dgm:style>
+  </dgm:styleLbl>
+  <dgm:styleLbl name="bgAccFollowNode1">
+    <dgm:scene3d>
+      <a:camera prst="orthographicFront"/>
+      <a:lightRig rig="threePt" dir="t"/>
+    </dgm:scene3d>
+    <dgm:sp3d/>
+    <dgm:txPr/>
+    <dgm:style>
+      <a:lnRef idx="2">
+        <a:scrgbClr r="0" g="0" b="0"/>
+      </a:lnRef>
+      <a:fillRef idx="1">
+        <a:scrgbClr r="0" g="0" b="0"/>
+      </a:fillRef>
+      <a:effectRef idx="0">
+        <a:scrgbClr r="0" g="0" b="0"/>
+      </a:effectRef>
+      <a:fontRef idx="minor"/>
+    </dgm:style>
+  </dgm:styleLbl>
+  <dgm:styleLbl name="fgAcc0">
+    <dgm:scene3d>
+      <a:camera prst="orthographicFront"/>
+      <a:lightRig rig="threePt" dir="t"/>
+    </dgm:scene3d>
+    <dgm:sp3d/>
+    <dgm:txPr/>
+    <dgm:style>
+      <a:lnRef idx="2">
+        <a:scrgbClr r="0" g="0" b="0"/>
+      </a:lnRef>
+      <a:fillRef idx="1">
+        <a:scrgbClr r="0" g="0" b="0"/>
+      </a:fillRef>
+      <a:effectRef idx="0">
+        <a:scrgbClr r="0" g="0" b="0"/>
+      </a:effectRef>
+      <a:fontRef idx="minor"/>
+    </dgm:style>
+  </dgm:styleLbl>
+  <dgm:styleLbl name="fgAcc2">
+    <dgm:scene3d>
+      <a:camera prst="orthographicFront"/>
+      <a:lightRig rig="threePt" dir="t"/>
+    </dgm:scene3d>
+    <dgm:sp3d/>
+    <dgm:txPr/>
+    <dgm:style>
+      <a:lnRef idx="2">
+        <a:scrgbClr r="0" g="0" b="0"/>
+      </a:lnRef>
+      <a:fillRef idx="1">
+        <a:scrgbClr r="0" g="0" b="0"/>
+      </a:fillRef>
+      <a:effectRef idx="0">
+        <a:scrgbClr r="0" g="0" b="0"/>
+      </a:effectRef>
+      <a:fontRef idx="minor"/>
+    </dgm:style>
+  </dgm:styleLbl>
+  <dgm:styleLbl name="fgAcc3">
+    <dgm:scene3d>
+      <a:camera prst="orthographicFront"/>
+      <a:lightRig rig="threePt" dir="t"/>
+    </dgm:scene3d>
+    <dgm:sp3d/>
+    <dgm:txPr/>
+    <dgm:style>
+      <a:lnRef idx="2">
+        <a:scrgbClr r="0" g="0" b="0"/>
+      </a:lnRef>
+      <a:fillRef idx="1">
+        <a:scrgbClr r="0" g="0" b="0"/>
+      </a:fillRef>
+      <a:effectRef idx="0">
+        <a:scrgbClr r="0" g="0" b="0"/>
+      </a:effectRef>
+      <a:fontRef idx="minor"/>
+    </dgm:style>
+  </dgm:styleLbl>
+  <dgm:styleLbl name="fgAcc4">
+    <dgm:scene3d>
+      <a:camera prst="orthographicFront"/>
+      <a:lightRig rig="threePt" dir="t"/>
+    </dgm:scene3d>
+    <dgm:sp3d/>
+    <dgm:txPr/>
+    <dgm:style>
+      <a:lnRef idx="2">
+        <a:scrgbClr r="0" g="0" b="0"/>
+      </a:lnRef>
+      <a:fillRef idx="1">
+        <a:scrgbClr r="0" g="0" b="0"/>
+      </a:fillRef>
+      <a:effectRef idx="0">
+        <a:scrgbClr r="0" g="0" b="0"/>
+      </a:effectRef>
+      <a:fontRef idx="minor"/>
+    </dgm:style>
+  </dgm:styleLbl>
+  <dgm:styleLbl name="bgShp">
+    <dgm:scene3d>
+      <a:camera prst="orthographicFront"/>
+      <a:lightRig rig="threePt" dir="t"/>
+    </dgm:scene3d>
+    <dgm:sp3d/>
+    <dgm:txPr/>
+    <dgm:style>
+      <a:lnRef idx="0">
+        <a:scrgbClr r="0" g="0" b="0"/>
+      </a:lnRef>
+      <a:fillRef idx="1">
+        <a:scrgbClr r="0" g="0" b="0"/>
+      </a:fillRef>
+      <a:effectRef idx="0">
+        <a:scrgbClr r="0" g="0" b="0"/>
+      </a:effectRef>
+      <a:fontRef idx="minor"/>
+    </dgm:style>
+  </dgm:styleLbl>
+  <dgm:styleLbl name="dkBgShp">
+    <dgm:scene3d>
+      <a:camera prst="orthographicFront"/>
+      <a:lightRig rig="threePt" dir="t"/>
+    </dgm:scene3d>
+    <dgm:sp3d/>
+    <dgm:txPr/>
+    <dgm:style>
+      <a:lnRef idx="0">
+        <a:scrgbClr r="0" g="0" b="0"/>
+      </a:lnRef>
+      <a:fillRef idx="1">
+        <a:scrgbClr r="0" g="0" b="0"/>
+      </a:fillRef>
+      <a:effectRef idx="0">
+        <a:scrgbClr r="0" g="0" b="0"/>
+      </a:effectRef>
+      <a:fontRef idx="minor"/>
+    </dgm:style>
+  </dgm:styleLbl>
+  <dgm:styleLbl name="trBgShp">
+    <dgm:scene3d>
+      <a:camera prst="orthographicFront"/>
+      <a:lightRig rig="threePt" dir="t"/>
+    </dgm:scene3d>
+    <dgm:sp3d/>
+    <dgm:txPr/>
+    <dgm:style>
+      <a:lnRef idx="0">
+        <a:scrgbClr r="0" g="0" b="0"/>
+      </a:lnRef>
+      <a:fillRef idx="1">
+        <a:scrgbClr r="0" g="0" b="0"/>
+      </a:fillRef>
+      <a:effectRef idx="0">
+        <a:scrgbClr r="0" g="0" b="0"/>
+      </a:effectRef>
+      <a:fontRef idx="minor"/>
+    </dgm:style>
+  </dgm:styleLbl>
+  <dgm:styleLbl name="fgShp">
+    <dgm:scene3d>
+      <a:camera prst="orthographicFront"/>
+      <a:lightRig rig="threePt" dir="t"/>
+    </dgm:scene3d>
+    <dgm:sp3d/>
+    <dgm:txPr/>
+    <dgm:style>
+      <a:lnRef idx="2">
+        <a:scrgbClr r="0" g="0" b="0"/>
+      </a:lnRef>
+      <a:fillRef idx="1">
+        <a:scrgbClr r="0" g="0" b="0"/>
+      </a:fillRef>
+      <a:effectRef idx="0">
+        <a:scrgbClr r="0" g="0" b="0"/>
+      </a:effectRef>
+      <a:fontRef idx="minor"/>
+    </dgm:style>
+  </dgm:styleLbl>
+  <dgm:styleLbl name="revTx">
+    <dgm:scene3d>
+      <a:camera prst="orthographicFront"/>
+      <a:lightRig rig="threePt" dir="t"/>
+    </dgm:scene3d>
+    <dgm:sp3d/>
+    <dgm:txPr/>
+    <dgm:style>
+      <a:lnRef idx="0">
+        <a:scrgbClr r="0" g="0" b="0"/>
+      </a:lnRef>
+      <a:fillRef idx="0">
+        <a:scrgbClr r="0" g="0" b="0"/>
+      </a:fillRef>
+      <a:effectRef idx="0">
+        <a:scrgbClr r="0" g="0" b="0"/>
+      </a:effectRef>
+      <a:fontRef idx="minor"/>
+    </dgm:style>
+  </dgm:styleLbl>
+</dgm:styleDef>
+</file>
+
+<file path=ppt/diagrams/quickStyle4.xml><?xml version="1.0" encoding="utf-8"?>
+<dgm:styleDef xmlns:dgm="http://schemas.openxmlformats.org/drawingml/2006/diagram" xmlns:a="http://schemas.openxmlformats.org/drawingml/2006/main" uniqueId="urn:microsoft.com/office/officeart/2005/8/quickstyle/simple1">
+  <dgm:title val=""/>
+  <dgm:desc val=""/>
+  <dgm:catLst>
+    <dgm:cat type="simple" pri="10100"/>
+  </dgm:catLst>
+  <dgm:scene3d>
+    <a:camera prst="orthographicFront"/>
+    <a:lightRig rig="threePt" dir="t"/>
+  </dgm:scene3d>
+  <dgm:styleLbl name="node0">
+    <dgm:scene3d>
+      <a:camera prst="orthographicFront"/>
+      <a:lightRig rig="threePt" dir="t"/>
+    </dgm:scene3d>
+    <dgm:sp3d/>
+    <dgm:txPr/>
+    <dgm:style>
+      <a:lnRef idx="2">
+        <a:scrgbClr r="0" g="0" b="0"/>
+      </a:lnRef>
+      <a:fillRef idx="1">
+        <a:scrgbClr r="0" g="0" b="0"/>
+      </a:fillRef>
+      <a:effectRef idx="0">
+        <a:scrgbClr r="0" g="0" b="0"/>
+      </a:effectRef>
+      <a:fontRef idx="minor">
+        <a:schemeClr val="lt1"/>
+      </a:fontRef>
+    </dgm:style>
+  </dgm:styleLbl>
+  <dgm:styleLbl name="lnNode1">
+    <dgm:scene3d>
+      <a:camera prst="orthographicFront"/>
+      <a:lightRig rig="threePt" dir="t"/>
+    </dgm:scene3d>
+    <dgm:sp3d/>
+    <dgm:txPr/>
+    <dgm:style>
+      <a:lnRef idx="2">
+        <a:scrgbClr r="0" g="0" b="0"/>
+      </a:lnRef>
+      <a:fillRef idx="1">
+        <a:scrgbClr r="0" g="0" b="0"/>
+      </a:fillRef>
+      <a:effectRef idx="0">
+        <a:scrgbClr r="0" g="0" b="0"/>
+      </a:effectRef>
+      <a:fontRef idx="minor">
+        <a:schemeClr val="lt1"/>
+      </a:fontRef>
+    </dgm:style>
+  </dgm:styleLbl>
+  <dgm:styleLbl name="vennNode1">
+    <dgm:scene3d>
+      <a:camera prst="orthographicFront"/>
+      <a:lightRig rig="threePt" dir="t"/>
+    </dgm:scene3d>
+    <dgm:sp3d/>
+    <dgm:txPr/>
+    <dgm:style>
+      <a:lnRef idx="2">
+        <a:scrgbClr r="0" g="0" b="0"/>
+      </a:lnRef>
+      <a:fillRef idx="1">
+        <a:scrgbClr r="0" g="0" b="0"/>
+      </a:fillRef>
+      <a:effectRef idx="0">
+        <a:scrgbClr r="0" g="0" b="0"/>
+      </a:effectRef>
+      <a:fontRef idx="minor">
+        <a:schemeClr val="tx1"/>
+      </a:fontRef>
+    </dgm:style>
+  </dgm:styleLbl>
+  <dgm:styleLbl name="alignNode1">
+    <dgm:scene3d>
+      <a:camera prst="orthographicFront"/>
+      <a:lightRig rig="threePt" dir="t"/>
+    </dgm:scene3d>
+    <dgm:sp3d/>
+    <dgm:txPr/>
+    <dgm:style>
+      <a:lnRef idx="2">
+        <a:scrgbClr r="0" g="0" b="0"/>
+      </a:lnRef>
+      <a:fillRef idx="1">
+        <a:scrgbClr r="0" g="0" b="0"/>
+      </a:fillRef>
+      <a:effectRef idx="0">
+        <a:scrgbClr r="0" g="0" b="0"/>
+      </a:effectRef>
+      <a:fontRef idx="minor">
+        <a:schemeClr val="lt1"/>
+      </a:fontRef>
+    </dgm:style>
+  </dgm:styleLbl>
+  <dgm:styleLbl name="node1">
+    <dgm:scene3d>
+      <a:camera prst="orthographicFront"/>
+      <a:lightRig rig="threePt" dir="t"/>
+    </dgm:scene3d>
+    <dgm:sp3d/>
+    <dgm:txPr/>
+    <dgm:style>
+      <a:lnRef idx="2">
+        <a:scrgbClr r="0" g="0" b="0"/>
+      </a:lnRef>
+      <a:fillRef idx="1">
+        <a:scrgbClr r="0" g="0" b="0"/>
+      </a:fillRef>
+      <a:effectRef idx="0">
+        <a:scrgbClr r="0" g="0" b="0"/>
+      </a:effectRef>
+      <a:fontRef idx="minor">
+        <a:schemeClr val="lt1"/>
+      </a:fontRef>
+    </dgm:style>
+  </dgm:styleLbl>
+  <dgm:styleLbl name="node2">
+    <dgm:scene3d>
+      <a:camera prst="orthographicFront"/>
+      <a:lightRig rig="threePt" dir="t"/>
+    </dgm:scene3d>
+    <dgm:sp3d/>
+    <dgm:txPr/>
+    <dgm:style>
+      <a:lnRef idx="2">
+        <a:scrgbClr r="0" g="0" b="0"/>
+      </a:lnRef>
+      <a:fillRef idx="1">
+        <a:scrgbClr r="0" g="0" b="0"/>
+      </a:fillRef>
+      <a:effectRef idx="0">
+        <a:scrgbClr r="0" g="0" b="0"/>
+      </a:effectRef>
+      <a:fontRef idx="minor">
+        <a:schemeClr val="lt1"/>
+      </a:fontRef>
+    </dgm:style>
+  </dgm:styleLbl>
+  <dgm:styleLbl name="node3">
+    <dgm:scene3d>
+      <a:camera prst="orthographicFront"/>
+      <a:lightRig rig="threePt" dir="t"/>
+    </dgm:scene3d>
+    <dgm:sp3d/>
+    <dgm:txPr/>
+    <dgm:style>
+      <a:lnRef idx="2">
+        <a:scrgbClr r="0" g="0" b="0"/>
+      </a:lnRef>
+      <a:fillRef idx="1">
+        <a:scrgbClr r="0" g="0" b="0"/>
+      </a:fillRef>
+      <a:effectRef idx="0">
+        <a:scrgbClr r="0" g="0" b="0"/>
+      </a:effectRef>
+      <a:fontRef idx="minor">
+        <a:schemeClr val="lt1"/>
+      </a:fontRef>
+    </dgm:style>
+  </dgm:styleLbl>
+  <dgm:styleLbl name="node4">
+    <dgm:scene3d>
+      <a:camera prst="orthographicFront"/>
+      <a:lightRig rig="threePt" dir="t"/>
+    </dgm:scene3d>
+    <dgm:sp3d/>
+    <dgm:txPr/>
+    <dgm:style>
+      <a:lnRef idx="2">
+        <a:scrgbClr r="0" g="0" b="0"/>
+      </a:lnRef>
+      <a:fillRef idx="1">
+        <a:scrgbClr r="0" g="0" b="0"/>
+      </a:fillRef>
+      <a:effectRef idx="0">
+        <a:scrgbClr r="0" g="0" b="0"/>
+      </a:effectRef>
+      <a:fontRef idx="minor">
+        <a:schemeClr val="lt1"/>
+      </a:fontRef>
+    </dgm:style>
+  </dgm:styleLbl>
+  <dgm:styleLbl name="fgImgPlace1">
+    <dgm:scene3d>
+      <a:camera prst="orthographicFront"/>
+      <a:lightRig rig="threePt" dir="t"/>
+    </dgm:scene3d>
+    <dgm:sp3d/>
+    <dgm:txPr/>
+    <dgm:style>
+      <a:lnRef idx="2">
+        <a:scrgbClr r="0" g="0" b="0"/>
+      </a:lnRef>
+      <a:fillRef idx="1">
+        <a:scrgbClr r="0" g="0" b="0"/>
+      </a:fillRef>
+      <a:effectRef idx="0">
+        <a:scrgbClr r="0" g="0" b="0"/>
+      </a:effectRef>
+      <a:fontRef idx="minor"/>
+    </dgm:style>
+  </dgm:styleLbl>
+  <dgm:styleLbl name="alignImgPlace1">
+    <dgm:scene3d>
+      <a:camera prst="orthographicFront"/>
+      <a:lightRig rig="threePt" dir="t"/>
+    </dgm:scene3d>
+    <dgm:sp3d/>
+    <dgm:txPr/>
+    <dgm:style>
+      <a:lnRef idx="2">
+        <a:scrgbClr r="0" g="0" b="0"/>
+      </a:lnRef>
+      <a:fillRef idx="1">
+        <a:scrgbClr r="0" g="0" b="0"/>
+      </a:fillRef>
+      <a:effectRef idx="0">
+        <a:scrgbClr r="0" g="0" b="0"/>
+      </a:effectRef>
+      <a:fontRef idx="minor"/>
+    </dgm:style>
+  </dgm:styleLbl>
+  <dgm:styleLbl name="bgImgPlace1">
+    <dgm:scene3d>
+      <a:camera prst="orthographicFront"/>
+      <a:lightRig rig="threePt" dir="t"/>
+    </dgm:scene3d>
+    <dgm:sp3d/>
+    <dgm:txPr/>
+    <dgm:style>
+      <a:lnRef idx="2">
+        <a:scrgbClr r="0" g="0" b="0"/>
+      </a:lnRef>
+      <a:fillRef idx="1">
+        <a:scrgbClr r="0" g="0" b="0"/>
+      </a:fillRef>
+      <a:effectRef idx="0">
+        <a:scrgbClr r="0" g="0" b="0"/>
+      </a:effectRef>
+      <a:fontRef idx="minor"/>
+    </dgm:style>
+  </dgm:styleLbl>
+  <dgm:styleLbl name="sibTrans2D1">
+    <dgm:scene3d>
+      <a:camera prst="orthographicFront"/>
+      <a:lightRig rig="threePt" dir="t"/>
+    </dgm:scene3d>
+    <dgm:sp3d/>
+    <dgm:txPr/>
+    <dgm:style>
+      <a:lnRef idx="0">
+        <a:scrgbClr r="0" g="0" b="0"/>
+      </a:lnRef>
+      <a:fillRef idx="1">
+        <a:scrgbClr r="0" g="0" b="0"/>
+      </a:fillRef>
+      <a:effectRef idx="0">
+        <a:scrgbClr r="0" g="0" b="0"/>
+      </a:effectRef>
+      <a:fontRef idx="minor">
+        <a:schemeClr val="lt1"/>
+      </a:fontRef>
+    </dgm:style>
+  </dgm:styleLbl>
+  <dgm:styleLbl name="fgSibTrans2D1">
+    <dgm:scene3d>
+      <a:camera prst="orthographicFront"/>
+      <a:lightRig rig="threePt" dir="t"/>
+    </dgm:scene3d>
+    <dgm:sp3d/>
+    <dgm:txPr/>
+    <dgm:style>
+      <a:lnRef idx="0">
+        <a:scrgbClr r="0" g="0" b="0"/>
+      </a:lnRef>
+      <a:fillRef idx="1">
+        <a:scrgbClr r="0" g="0" b="0"/>
+      </a:fillRef>
+      <a:effectRef idx="0">
+        <a:scrgbClr r="0" g="0" b="0"/>
+      </a:effectRef>
+      <a:fontRef idx="minor">
+        <a:schemeClr val="lt1"/>
+      </a:fontRef>
+    </dgm:style>
+  </dgm:styleLbl>
+  <dgm:styleLbl name="bgSibTrans2D1">
+    <dgm:scene3d>
+      <a:camera prst="orthographicFront"/>
+      <a:lightRig rig="threePt" dir="t"/>
+    </dgm:scene3d>
+    <dgm:sp3d/>
+    <dgm:txPr/>
+    <dgm:style>
+      <a:lnRef idx="0">
+        <a:scrgbClr r="0" g="0" b="0"/>
+      </a:lnRef>
+      <a:fillRef idx="1">
+        <a:scrgbClr r="0" g="0" b="0"/>
+      </a:fillRef>
+      <a:effectRef idx="0">
+        <a:scrgbClr r="0" g="0" b="0"/>
+      </a:effectRef>
+      <a:fontRef idx="minor">
+        <a:schemeClr val="lt1"/>
+      </a:fontRef>
+    </dgm:style>
+  </dgm:styleLbl>
+  <dgm:styleLbl name="sibTrans1D1">
+    <dgm:scene3d>
+      <a:camera prst="orthographicFront"/>
+      <a:lightRig rig="threePt" dir="t"/>
+    </dgm:scene3d>
+    <dgm:sp3d/>
+    <dgm:txPr/>
+    <dgm:style>
+      <a:lnRef idx="1">
+        <a:scrgbClr r="0" g="0" b="0"/>
+      </a:lnRef>
+      <a:fillRef idx="0">
+        <a:scrgbClr r="0" g="0" b="0"/>
+      </a:fillRef>
+      <a:effectRef idx="0">
+        <a:scrgbClr r="0" g="0" b="0"/>
+      </a:effectRef>
+      <a:fontRef idx="minor"/>
+    </dgm:style>
+  </dgm:styleLbl>
+  <dgm:styleLbl name="callout">
+    <dgm:scene3d>
+      <a:camera prst="orthographicFront"/>
+      <a:lightRig rig="threePt" dir="t"/>
+    </dgm:scene3d>
+    <dgm:sp3d/>
+    <dgm:txPr/>
+    <dgm:style>
+      <a:lnRef idx="2">
+        <a:scrgbClr r="0" g="0" b="0"/>
+      </a:lnRef>
+      <a:fillRef idx="1">
+        <a:scrgbClr r="0" g="0" b="0"/>
+      </a:fillRef>
+      <a:effectRef idx="0">
+        <a:scrgbClr r="0" g="0" b="0"/>
+      </a:effectRef>
+      <a:fontRef idx="minor"/>
+    </dgm:style>
+  </dgm:styleLbl>
+  <dgm:styleLbl name="asst0">
+    <dgm:scene3d>
+      <a:camera prst="orthographicFront"/>
+      <a:lightRig rig="threePt" dir="t"/>
+    </dgm:scene3d>
+    <dgm:sp3d/>
+    <dgm:txPr/>
+    <dgm:style>
+      <a:lnRef idx="2">
+        <a:scrgbClr r="0" g="0" b="0"/>
+      </a:lnRef>
+      <a:fillRef idx="1">
+        <a:scrgbClr r="0" g="0" b="0"/>
+      </a:fillRef>
+      <a:effectRef idx="0">
+        <a:scrgbClr r="0" g="0" b="0"/>
+      </a:effectRef>
+      <a:fontRef idx="minor">
+        <a:schemeClr val="lt1"/>
+      </a:fontRef>
+    </dgm:style>
+  </dgm:styleLbl>
+  <dgm:styleLbl name="asst1">
+    <dgm:scene3d>
+      <a:camera prst="orthographicFront"/>
+      <a:lightRig rig="threePt" dir="t"/>
+    </dgm:scene3d>
+    <dgm:sp3d/>
+    <dgm:txPr/>
+    <dgm:style>
+      <a:lnRef idx="2">
+        <a:scrgbClr r="0" g="0" b="0"/>
+      </a:lnRef>
+      <a:fillRef idx="1">
+        <a:scrgbClr r="0" g="0" b="0"/>
+      </a:fillRef>
+      <a:effectRef idx="0">
+        <a:scrgbClr r="0" g="0" b="0"/>
+      </a:effectRef>
+      <a:fontRef idx="minor">
+        <a:schemeClr val="lt1"/>
+      </a:fontRef>
+    </dgm:style>
+  </dgm:styleLbl>
+  <dgm:styleLbl name="asst2">
+    <dgm:scene3d>
+      <a:camera prst="orthographicFront"/>
+      <a:lightRig rig="threePt" dir="t"/>
+    </dgm:scene3d>
+    <dgm:sp3d/>
+    <dgm:txPr/>
+    <dgm:style>
+      <a:lnRef idx="2">
+        <a:scrgbClr r="0" g="0" b="0"/>
+      </a:lnRef>
+      <a:fillRef idx="1">
+        <a:scrgbClr r="0" g="0" b="0"/>
+      </a:fillRef>
+      <a:effectRef idx="0">
+        <a:scrgbClr r="0" g="0" b="0"/>
+      </a:effectRef>
+      <a:fontRef idx="minor">
+        <a:schemeClr val="lt1"/>
+      </a:fontRef>
+    </dgm:style>
+  </dgm:styleLbl>
+  <dgm:styleLbl name="asst3">
+    <dgm:scene3d>
+      <a:camera prst="orthographicFront"/>
+      <a:lightRig rig="threePt" dir="t"/>
+    </dgm:scene3d>
+    <dgm:sp3d/>
+    <dgm:txPr/>
+    <dgm:style>
+      <a:lnRef idx="2">
+        <a:scrgbClr r="0" g="0" b="0"/>
+      </a:lnRef>
+      <a:fillRef idx="1">
+        <a:scrgbClr r="0" g="0" b="0"/>
+      </a:fillRef>
+      <a:effectRef idx="0">
+        <a:scrgbClr r="0" g="0" b="0"/>
+      </a:effectRef>
+      <a:fontRef idx="minor">
+        <a:schemeClr val="lt1"/>
+      </a:fontRef>
+    </dgm:style>
+  </dgm:styleLbl>
+  <dgm:styleLbl name="asst4">
+    <dgm:scene3d>
+      <a:camera prst="orthographicFront"/>
+      <a:lightRig rig="threePt" dir="t"/>
+    </dgm:scene3d>
+    <dgm:sp3d/>
+    <dgm:txPr/>
+    <dgm:style>
+      <a:lnRef idx="2">
+        <a:scrgbClr r="0" g="0" b="0"/>
+      </a:lnRef>
+      <a:fillRef idx="1">
+        <a:scrgbClr r="0" g="0" b="0"/>
+      </a:fillRef>
+      <a:effectRef idx="0">
+        <a:scrgbClr r="0" g="0" b="0"/>
+      </a:effectRef>
+      <a:fontRef idx="minor">
+        <a:schemeClr val="lt1"/>
+      </a:fontRef>
+    </dgm:style>
+  </dgm:styleLbl>
+  <dgm:styleLbl name="parChTrans2D1">
+    <dgm:scene3d>
+      <a:camera prst="orthographicFront"/>
+      <a:lightRig rig="threePt" dir="t"/>
+    </dgm:scene3d>
+    <dgm:sp3d/>
+    <dgm:txPr/>
+    <dgm:style>
+      <a:lnRef idx="2">
+        <a:scrgbClr r="0" g="0" b="0"/>
+      </a:lnRef>
+      <a:fillRef idx="1">
+        <a:scrgbClr r="0" g="0" b="0"/>
+      </a:fillRef>
+      <a:effectRef idx="0">
+        <a:scrgbClr r="0" g="0" b="0"/>
+      </a:effectRef>
+      <a:fontRef idx="minor">
+        <a:schemeClr val="lt1"/>
+      </a:fontRef>
+    </dgm:style>
+  </dgm:styleLbl>
+  <dgm:styleLbl name="parChTrans2D2">
+    <dgm:scene3d>
+      <a:camera prst="orthographicFront"/>
+      <a:lightRig rig="threePt" dir="t"/>
+    </dgm:scene3d>
+    <dgm:sp3d/>
+    <dgm:txPr/>
+    <dgm:style>
+      <a:lnRef idx="2">
+        <a:scrgbClr r="0" g="0" b="0"/>
+      </a:lnRef>
+      <a:fillRef idx="1">
+        <a:scrgbClr r="0" g="0" b="0"/>
+      </a:fillRef>
+      <a:effectRef idx="0">
+        <a:scrgbClr r="0" g="0" b="0"/>
+      </a:effectRef>
+      <a:fontRef idx="minor">
+        <a:schemeClr val="lt1"/>
+      </a:fontRef>
+    </dgm:style>
+  </dgm:styleLbl>
+  <dgm:styleLbl name="parChTrans2D3">
+    <dgm:scene3d>
+      <a:camera prst="orthographicFront"/>
+      <a:lightRig rig="threePt" dir="t"/>
+    </dgm:scene3d>
+    <dgm:sp3d/>
+    <dgm:txPr/>
+    <dgm:style>
+      <a:lnRef idx="2">
+        <a:scrgbClr r="0" g="0" b="0"/>
+      </a:lnRef>
+      <a:fillRef idx="1">
+        <a:scrgbClr r="0" g="0" b="0"/>
+      </a:fillRef>
+      <a:effectRef idx="0">
+        <a:scrgbClr r="0" g="0" b="0"/>
+      </a:effectRef>
+      <a:fontRef idx="minor">
+        <a:schemeClr val="lt1"/>
+      </a:fontRef>
+    </dgm:style>
+  </dgm:styleLbl>
+  <dgm:styleLbl name="parChTrans2D4">
+    <dgm:scene3d>
+      <a:camera prst="orthographicFront"/>
+      <a:lightRig rig="threePt" dir="t"/>
+    </dgm:scene3d>
+    <dgm:sp3d/>
+    <dgm:txPr/>
+    <dgm:style>
+      <a:lnRef idx="2">
+        <a:scrgbClr r="0" g="0" b="0"/>
+      </a:lnRef>
+      <a:fillRef idx="1">
+        <a:scrgbClr r="0" g="0" b="0"/>
+      </a:fillRef>
+      <a:effectRef idx="0">
+        <a:scrgbClr r="0" g="0" b="0"/>
+      </a:effectRef>
+      <a:fontRef idx="minor">
+        <a:schemeClr val="lt1"/>
+      </a:fontRef>
+    </dgm:style>
+  </dgm:styleLbl>
+  <dgm:styleLbl name="parChTrans1D1">
+    <dgm:scene3d>
+      <a:camera prst="orthographicFront"/>
+      <a:lightRig rig="threePt" dir="t"/>
+    </dgm:scene3d>
+    <dgm:sp3d/>
+    <dgm:txPr/>
+    <dgm:style>
+      <a:lnRef idx="2">
+        <a:scrgbClr r="0" g="0" b="0"/>
+      </a:lnRef>
+      <a:fillRef idx="0">
+        <a:scrgbClr r="0" g="0" b="0"/>
+      </a:fillRef>
+      <a:effectRef idx="0">
+        <a:scrgbClr r="0" g="0" b="0"/>
+      </a:effectRef>
+      <a:fontRef idx="minor"/>
+    </dgm:style>
+  </dgm:styleLbl>
+  <dgm:styleLbl name="parChTrans1D2">
+    <dgm:scene3d>
+      <a:camera prst="orthographicFront"/>
+      <a:lightRig rig="threePt" dir="t"/>
+    </dgm:scene3d>
+    <dgm:sp3d/>
+    <dgm:txPr/>
+    <dgm:style>
+      <a:lnRef idx="2">
+        <a:scrgbClr r="0" g="0" b="0"/>
+      </a:lnRef>
+      <a:fillRef idx="0">
+        <a:scrgbClr r="0" g="0" b="0"/>
+      </a:fillRef>
+      <a:effectRef idx="0">
+        <a:scrgbClr r="0" g="0" b="0"/>
+      </a:effectRef>
+      <a:fontRef idx="minor"/>
+    </dgm:style>
+  </dgm:styleLbl>
+  <dgm:styleLbl name="parChTrans1D3">
+    <dgm:scene3d>
+      <a:camera prst="orthographicFront"/>
+      <a:lightRig rig="threePt" dir="t"/>
+    </dgm:scene3d>
+    <dgm:sp3d/>
+    <dgm:txPr/>
+    <dgm:style>
+      <a:lnRef idx="2">
+        <a:scrgbClr r="0" g="0" b="0"/>
+      </a:lnRef>
+      <a:fillRef idx="0">
+        <a:scrgbClr r="0" g="0" b="0"/>
+      </a:fillRef>
+      <a:effectRef idx="0">
+        <a:scrgbClr r="0" g="0" b="0"/>
+      </a:effectRef>
+      <a:fontRef idx="minor"/>
+    </dgm:style>
+  </dgm:styleLbl>
+  <dgm:styleLbl name="parChTrans1D4">
+    <dgm:scene3d>
+      <a:camera prst="orthographicFront"/>
+      <a:lightRig rig="threePt" dir="t"/>
+    </dgm:scene3d>
+    <dgm:sp3d/>
+    <dgm:txPr/>
+    <dgm:style>
+      <a:lnRef idx="2">
+        <a:scrgbClr r="0" g="0" b="0"/>
+      </a:lnRef>
+      <a:fillRef idx="0">
+        <a:scrgbClr r="0" g="0" b="0"/>
+      </a:fillRef>
+      <a:effectRef idx="0">
+        <a:scrgbClr r="0" g="0" b="0"/>
+      </a:effectRef>
+      <a:fontRef idx="minor"/>
+    </dgm:style>
+  </dgm:styleLbl>
+  <dgm:styleLbl name="fgAcc1">
+    <dgm:scene3d>
+      <a:camera prst="orthographicFront"/>
+      <a:lightRig rig="threePt" dir="t"/>
+    </dgm:scene3d>
+    <dgm:sp3d/>
+    <dgm:txPr/>
+    <dgm:style>
+      <a:lnRef idx="2">
+        <a:scrgbClr r="0" g="0" b="0"/>
+      </a:lnRef>
+      <a:fillRef idx="1">
+        <a:scrgbClr r="0" g="0" b="0"/>
+      </a:fillRef>
+      <a:effectRef idx="0">
+        <a:scrgbClr r="0" g="0" b="0"/>
+      </a:effectRef>
+      <a:fontRef idx="minor"/>
+    </dgm:style>
+  </dgm:styleLbl>
+  <dgm:styleLbl name="conFgAcc1">
+    <dgm:scene3d>
+      <a:camera prst="orthographicFront"/>
+      <a:lightRig rig="threePt" dir="t"/>
+    </dgm:scene3d>
+    <dgm:sp3d/>
+    <dgm:txPr/>
+    <dgm:style>
+      <a:lnRef idx="2">
+        <a:scrgbClr r="0" g="0" b="0"/>
+      </a:lnRef>
+      <a:fillRef idx="1">
+        <a:scrgbClr r="0" g="0" b="0"/>
+      </a:fillRef>
+      <a:effectRef idx="0">
+        <a:scrgbClr r="0" g="0" b="0"/>
+      </a:effectRef>
+      <a:fontRef idx="minor"/>
+    </dgm:style>
+  </dgm:styleLbl>
+  <dgm:styleLbl name="alignAcc1">
+    <dgm:scene3d>
+      <a:camera prst="orthographicFront"/>
+      <a:lightRig rig="threePt" dir="t"/>
+    </dgm:scene3d>
+    <dgm:sp3d/>
+    <dgm:txPr/>
+    <dgm:style>
+      <a:lnRef idx="2">
+        <a:scrgbClr r="0" g="0" b="0"/>
+      </a:lnRef>
+      <a:fillRef idx="1">
+        <a:scrgbClr r="0" g="0" b="0"/>
+      </a:fillRef>
+      <a:effectRef idx="0">
+        <a:scrgbClr r="0" g="0" b="0"/>
+      </a:effectRef>
+      <a:fontRef idx="minor"/>
+    </dgm:style>
+  </dgm:styleLbl>
+  <dgm:styleLbl name="trAlignAcc1">
+    <dgm:scene3d>
+      <a:camera prst="orthographicFront"/>
+      <a:lightRig rig="threePt" dir="t"/>
+    </dgm:scene3d>
+    <dgm:sp3d/>
+    <dgm:txPr/>
+    <dgm:style>
+      <a:lnRef idx="1">
+        <a:scrgbClr r="0" g="0" b="0"/>
+      </a:lnRef>
+      <a:fillRef idx="1">
+        <a:scrgbClr r="0" g="0" b="0"/>
+      </a:fillRef>
+      <a:effectRef idx="0">
+        <a:scrgbClr r="0" g="0" b="0"/>
+      </a:effectRef>
+      <a:fontRef idx="minor"/>
+    </dgm:style>
+  </dgm:styleLbl>
+  <dgm:styleLbl name="bgAcc1">
+    <dgm:scene3d>
+      <a:camera prst="orthographicFront"/>
+      <a:lightRig rig="threePt" dir="t"/>
+    </dgm:scene3d>
+    <dgm:sp3d/>
+    <dgm:txPr/>
+    <dgm:style>
+      <a:lnRef idx="2">
+        <a:scrgbClr r="0" g="0" b="0"/>
+      </a:lnRef>
+      <a:fillRef idx="1">
+        <a:scrgbClr r="0" g="0" b="0"/>
+      </a:fillRef>
+      <a:effectRef idx="0">
+        <a:scrgbClr r="0" g="0" b="0"/>
+      </a:effectRef>
+      <a:fontRef idx="minor"/>
+    </dgm:style>
+  </dgm:styleLbl>
+  <dgm:styleLbl name="solidFgAcc1">
+    <dgm:scene3d>
+      <a:camera prst="orthographicFront"/>
+      <a:lightRig rig="threePt" dir="t"/>
+    </dgm:scene3d>
+    <dgm:sp3d/>
+    <dgm:txPr/>
+    <dgm:style>
+      <a:lnRef idx="2">
+        <a:scrgbClr r="0" g="0" b="0"/>
+      </a:lnRef>
+      <a:fillRef idx="1">
+        <a:scrgbClr r="0" g="0" b="0"/>
+      </a:fillRef>
+      <a:effectRef idx="0">
+        <a:scrgbClr r="0" g="0" b="0"/>
+      </a:effectRef>
+      <a:fontRef idx="minor"/>
+    </dgm:style>
+  </dgm:styleLbl>
+  <dgm:styleLbl name="solidAlignAcc1">
+    <dgm:scene3d>
+      <a:camera prst="orthographicFront"/>
+      <a:lightRig rig="threePt" dir="t"/>
+    </dgm:scene3d>
+    <dgm:sp3d/>
+    <dgm:txPr/>
+    <dgm:style>
+      <a:lnRef idx="2">
+        <a:scrgbClr r="0" g="0" b="0"/>
+      </a:lnRef>
+      <a:fillRef idx="1">
+        <a:scrgbClr r="0" g="0" b="0"/>
+      </a:fillRef>
+      <a:effectRef idx="0">
+        <a:scrgbClr r="0" g="0" b="0"/>
+      </a:effectRef>
+      <a:fontRef idx="minor"/>
+    </dgm:style>
+  </dgm:styleLbl>
+  <dgm:styleLbl name="solidBgAcc1">
+    <dgm:scene3d>
+      <a:camera prst="orthographicFront"/>
+      <a:lightRig rig="threePt" dir="t"/>
+    </dgm:scene3d>
+    <dgm:sp3d/>
+    <dgm:txPr/>
+    <dgm:style>
+      <a:lnRef idx="2">
+        <a:scrgbClr r="0" g="0" b="0"/>
+      </a:lnRef>
+      <a:fillRef idx="1">
+        <a:scrgbClr r="0" g="0" b="0"/>
+      </a:fillRef>
+      <a:effectRef idx="0">
+        <a:scrgbClr r="0" g="0" b="0"/>
+      </a:effectRef>
+      <a:fontRef idx="minor"/>
+    </dgm:style>
+  </dgm:styleLbl>
+  <dgm:styleLbl name="fgAccFollowNode1">
+    <dgm:scene3d>
+      <a:camera prst="orthographicFront"/>
+      <a:lightRig rig="threePt" dir="t"/>
+    </dgm:scene3d>
+    <dgm:sp3d/>
+    <dgm:txPr/>
+    <dgm:style>
+      <a:lnRef idx="2">
+        <a:scrgbClr r="0" g="0" b="0"/>
+      </a:lnRef>
+      <a:fillRef idx="1">
+        <a:scrgbClr r="0" g="0" b="0"/>
+      </a:fillRef>
+      <a:effectRef idx="0">
+        <a:scrgbClr r="0" g="0" b="0"/>
+      </a:effectRef>
+      <a:fontRef idx="minor"/>
+    </dgm:style>
+  </dgm:styleLbl>
+  <dgm:styleLbl name="alignAccFollowNode1">
+    <dgm:scene3d>
+      <a:camera prst="orthographicFront"/>
+      <a:lightRig rig="threePt" dir="t"/>
+    </dgm:scene3d>
+    <dgm:sp3d/>
+    <dgm:txPr/>
+    <dgm:style>
+      <a:lnRef idx="2">
+        <a:scrgbClr r="0" g="0" b="0"/>
+      </a:lnRef>
+      <a:fillRef idx="1">
+        <a:scrgbClr r="0" g="0" b="0"/>
+      </a:fillRef>
+      <a:effectRef idx="0">
+        <a:scrgbClr r="0" g="0" b="0"/>
+      </a:effectRef>
+      <a:fontRef idx="minor"/>
+    </dgm:style>
+  </dgm:styleLbl>
+  <dgm:styleLbl name="bgAccFollowNode1">
+    <dgm:scene3d>
+      <a:camera prst="orthographicFront"/>
+      <a:lightRig rig="threePt" dir="t"/>
+    </dgm:scene3d>
+    <dgm:sp3d/>
+    <dgm:txPr/>
+    <dgm:style>
+      <a:lnRef idx="2">
+        <a:scrgbClr r="0" g="0" b="0"/>
+      </a:lnRef>
+      <a:fillRef idx="1">
+        <a:scrgbClr r="0" g="0" b="0"/>
+      </a:fillRef>
+      <a:effectRef idx="0">
+        <a:scrgbClr r="0" g="0" b="0"/>
+      </a:effectRef>
+      <a:fontRef idx="minor"/>
+    </dgm:style>
+  </dgm:styleLbl>
+  <dgm:styleLbl name="fgAcc0">
+    <dgm:scene3d>
+      <a:camera prst="orthographicFront"/>
+      <a:lightRig rig="threePt" dir="t"/>
+    </dgm:scene3d>
+    <dgm:sp3d/>
+    <dgm:txPr/>
+    <dgm:style>
+      <a:lnRef idx="2">
+        <a:scrgbClr r="0" g="0" b="0"/>
+      </a:lnRef>
+      <a:fillRef idx="1">
+        <a:scrgbClr r="0" g="0" b="0"/>
+      </a:fillRef>
+      <a:effectRef idx="0">
+        <a:scrgbClr r="0" g="0" b="0"/>
+      </a:effectRef>
+      <a:fontRef idx="minor"/>
+    </dgm:style>
+  </dgm:styleLbl>
+  <dgm:styleLbl name="fgAcc2">
+    <dgm:scene3d>
+      <a:camera prst="orthographicFront"/>
+      <a:lightRig rig="threePt" dir="t"/>
+    </dgm:scene3d>
+    <dgm:sp3d/>
+    <dgm:txPr/>
+    <dgm:style>
+      <a:lnRef idx="2">
+        <a:scrgbClr r="0" g="0" b="0"/>
+      </a:lnRef>
+      <a:fillRef idx="1">
+        <a:scrgbClr r="0" g="0" b="0"/>
+      </a:fillRef>
+      <a:effectRef idx="0">
+        <a:scrgbClr r="0" g="0" b="0"/>
+      </a:effectRef>
+      <a:fontRef idx="minor"/>
+    </dgm:style>
+  </dgm:styleLbl>
+  <dgm:styleLbl name="fgAcc3">
+    <dgm:scene3d>
+      <a:camera prst="orthographicFront"/>
+      <a:lightRig rig="threePt" dir="t"/>
+    </dgm:scene3d>
+    <dgm:sp3d/>
+    <dgm:txPr/>
+    <dgm:style>
+      <a:lnRef idx="2">
+        <a:scrgbClr r="0" g="0" b="0"/>
+      </a:lnRef>
+      <a:fillRef idx="1">
+        <a:scrgbClr r="0" g="0" b="0"/>
+      </a:fillRef>
+      <a:effectRef idx="0">
+        <a:scrgbClr r="0" g="0" b="0"/>
+      </a:effectRef>
+      <a:fontRef idx="minor"/>
+    </dgm:style>
+  </dgm:styleLbl>
+  <dgm:styleLbl name="fgAcc4">
+    <dgm:scene3d>
+      <a:camera prst="orthographicFront"/>
+      <a:lightRig rig="threePt" dir="t"/>
+    </dgm:scene3d>
+    <dgm:sp3d/>
+    <dgm:txPr/>
+    <dgm:style>
+      <a:lnRef idx="2">
+        <a:scrgbClr r="0" g="0" b="0"/>
+      </a:lnRef>
+      <a:fillRef idx="1">
+        <a:scrgbClr r="0" g="0" b="0"/>
+      </a:fillRef>
+      <a:effectRef idx="0">
+        <a:scrgbClr r="0" g="0" b="0"/>
+      </a:effectRef>
+      <a:fontRef idx="minor"/>
+    </dgm:style>
+  </dgm:styleLbl>
+  <dgm:styleLbl name="bgShp">
+    <dgm:scene3d>
+      <a:camera prst="orthographicFront"/>
+      <a:lightRig rig="threePt" dir="t"/>
+    </dgm:scene3d>
+    <dgm:sp3d/>
+    <dgm:txPr/>
+    <dgm:style>
+      <a:lnRef idx="0">
+        <a:scrgbClr r="0" g="0" b="0"/>
+      </a:lnRef>
+      <a:fillRef idx="1">
+        <a:scrgbClr r="0" g="0" b="0"/>
+      </a:fillRef>
+      <a:effectRef idx="0">
+        <a:scrgbClr r="0" g="0" b="0"/>
+      </a:effectRef>
+      <a:fontRef idx="minor"/>
+    </dgm:style>
+  </dgm:styleLbl>
+  <dgm:styleLbl name="dkBgShp">
+    <dgm:scene3d>
+      <a:camera prst="orthographicFront"/>
+      <a:lightRig rig="threePt" dir="t"/>
+    </dgm:scene3d>
+    <dgm:sp3d/>
+    <dgm:txPr/>
+    <dgm:style>
+      <a:lnRef idx="0">
+        <a:scrgbClr r="0" g="0" b="0"/>
+      </a:lnRef>
+      <a:fillRef idx="1">
+        <a:scrgbClr r="0" g="0" b="0"/>
+      </a:fillRef>
+      <a:effectRef idx="0">
+        <a:scrgbClr r="0" g="0" b="0"/>
+      </a:effectRef>
+      <a:fontRef idx="minor"/>
+    </dgm:style>
+  </dgm:styleLbl>
+  <dgm:styleLbl name="trBgShp">
+    <dgm:scene3d>
+      <a:camera prst="orthographicFront"/>
+      <a:lightRig rig="threePt" dir="t"/>
+    </dgm:scene3d>
+    <dgm:sp3d/>
+    <dgm:txPr/>
+    <dgm:style>
+      <a:lnRef idx="0">
+        <a:scrgbClr r="0" g="0" b="0"/>
+      </a:lnRef>
+      <a:fillRef idx="1">
+        <a:scrgbClr r="0" g="0" b="0"/>
+      </a:fillRef>
+      <a:effectRef idx="0">
+        <a:scrgbClr r="0" g="0" b="0"/>
+      </a:effectRef>
+      <a:fontRef idx="minor"/>
+    </dgm:style>
+  </dgm:styleLbl>
+  <dgm:styleLbl name="fgShp">
+    <dgm:scene3d>
+      <a:camera prst="orthographicFront"/>
+      <a:lightRig rig="threePt" dir="t"/>
+    </dgm:scene3d>
+    <dgm:sp3d/>
+    <dgm:txPr/>
+    <dgm:style>
+      <a:lnRef idx="2">
+        <a:scrgbClr r="0" g="0" b="0"/>
+      </a:lnRef>
+      <a:fillRef idx="1">
+        <a:scrgbClr r="0" g="0" b="0"/>
+      </a:fillRef>
+      <a:effectRef idx="0">
+        <a:scrgbClr r="0" g="0" b="0"/>
+      </a:effectRef>
+      <a:fontRef idx="minor"/>
+    </dgm:style>
+  </dgm:styleLbl>
+  <dgm:styleLbl name="revTx">
+    <dgm:scene3d>
+      <a:camera prst="orthographicFront"/>
+      <a:lightRig rig="threePt" dir="t"/>
+    </dgm:scene3d>
+    <dgm:sp3d/>
+    <dgm:txPr/>
+    <dgm:style>
+      <a:lnRef idx="0">
+        <a:scrgbClr r="0" g="0" b="0"/>
+      </a:lnRef>
+      <a:fillRef idx="0">
+        <a:scrgbClr r="0" g="0" b="0"/>
+      </a:fillRef>
+      <a:effectRef idx="0">
+        <a:scrgbClr r="0" g="0" b="0"/>
+      </a:effectRef>
+      <a:fontRef idx="minor"/>
+    </dgm:style>
+  </dgm:styleLbl>
+</dgm:styleDef>
+</file>
+
+<file path=ppt/diagrams/quickStyle5.xml><?xml version="1.0" encoding="utf-8"?>
 <dgm:styleDef xmlns:dgm="http://schemas.openxmlformats.org/drawingml/2006/diagram" xmlns:a="http://schemas.openxmlformats.org/drawingml/2006/main" uniqueId="urn:microsoft.com/office/officeart/2005/8/quickstyle/simple1">
   <dgm:title val=""/>
   <dgm:desc val=""/>
@@ -17073,7 +26461,7 @@
           <a:p>
             <a:fld id="{8F72BA41-EC5B-4197-BCC8-0FD2E523CD7A}" type="datetimeFigureOut">
               <a:rPr lang="en-US" smtClean="0"/>
-              <a:t>2/3/2022</a:t>
+              <a:t>2/7/2022</a:t>
             </a:fld>
             <a:endParaRPr lang="en-US"/>
           </a:p>
@@ -17276,7 +26664,7 @@
           <a:p>
             <a:fld id="{8F72BA41-EC5B-4197-BCC8-0FD2E523CD7A}" type="datetimeFigureOut">
               <a:rPr lang="en-US" smtClean="0"/>
-              <a:t>2/3/2022</a:t>
+              <a:t>2/7/2022</a:t>
             </a:fld>
             <a:endParaRPr lang="en-US"/>
           </a:p>
@@ -18997,7 +28385,7 @@
           <a:p>
             <a:fld id="{8F72BA41-EC5B-4197-BCC8-0FD2E523CD7A}" type="datetimeFigureOut">
               <a:rPr lang="en-US" smtClean="0"/>
-              <a:t>2/3/2022</a:t>
+              <a:t>2/7/2022</a:t>
             </a:fld>
             <a:endParaRPr lang="en-US"/>
           </a:p>
@@ -19196,7 +28584,7 @@
           <a:p>
             <a:fld id="{8F72BA41-EC5B-4197-BCC8-0FD2E523CD7A}" type="datetimeFigureOut">
               <a:rPr lang="en-US" smtClean="0"/>
-              <a:t>2/3/2022</a:t>
+              <a:t>2/7/2022</a:t>
             </a:fld>
             <a:endParaRPr lang="en-US"/>
           </a:p>
@@ -20986,7 +30374,7 @@
           <a:p>
             <a:fld id="{8F72BA41-EC5B-4197-BCC8-0FD2E523CD7A}" type="datetimeFigureOut">
               <a:rPr lang="en-US" smtClean="0"/>
-              <a:t>2/3/2022</a:t>
+              <a:t>2/7/2022</a:t>
             </a:fld>
             <a:endParaRPr lang="en-US"/>
           </a:p>
@@ -21259,7 +30647,7 @@
           <a:p>
             <a:fld id="{8F72BA41-EC5B-4197-BCC8-0FD2E523CD7A}" type="datetimeFigureOut">
               <a:rPr lang="en-US" smtClean="0"/>
-              <a:t>2/3/2022</a:t>
+              <a:t>2/7/2022</a:t>
             </a:fld>
             <a:endParaRPr lang="en-US"/>
           </a:p>
@@ -21679,7 +31067,7 @@
           <a:p>
             <a:fld id="{8F72BA41-EC5B-4197-BCC8-0FD2E523CD7A}" type="datetimeFigureOut">
               <a:rPr lang="en-US" smtClean="0"/>
-              <a:t>2/3/2022</a:t>
+              <a:t>2/7/2022</a:t>
             </a:fld>
             <a:endParaRPr lang="en-US"/>
           </a:p>
@@ -21835,7 +31223,7 @@
           <a:p>
             <a:fld id="{8F72BA41-EC5B-4197-BCC8-0FD2E523CD7A}" type="datetimeFigureOut">
               <a:rPr lang="en-US" smtClean="0"/>
-              <a:t>2/3/2022</a:t>
+              <a:t>2/7/2022</a:t>
             </a:fld>
             <a:endParaRPr lang="en-US"/>
           </a:p>
@@ -23403,7 +32791,7 @@
           <a:p>
             <a:fld id="{8F72BA41-EC5B-4197-BCC8-0FD2E523CD7A}" type="datetimeFigureOut">
               <a:rPr lang="en-US" smtClean="0"/>
-              <a:t>2/3/2022</a:t>
+              <a:t>2/7/2022</a:t>
             </a:fld>
             <a:endParaRPr lang="en-US"/>
           </a:p>
@@ -25254,7 +34642,7 @@
           <a:p>
             <a:fld id="{8F72BA41-EC5B-4197-BCC8-0FD2E523CD7A}" type="datetimeFigureOut">
               <a:rPr lang="en-US" smtClean="0"/>
-              <a:t>2/3/2022</a:t>
+              <a:t>2/7/2022</a:t>
             </a:fld>
             <a:endParaRPr lang="en-US"/>
           </a:p>
@@ -27067,7 +36455,7 @@
           <a:p>
             <a:fld id="{8F72BA41-EC5B-4197-BCC8-0FD2E523CD7A}" type="datetimeFigureOut">
               <a:rPr lang="en-US" smtClean="0"/>
-              <a:t>2/3/2022</a:t>
+              <a:t>2/7/2022</a:t>
             </a:fld>
             <a:endParaRPr lang="en-US"/>
           </a:p>
@@ -28761,7 +38149,7 @@
             <a:fld id="{8F72BA41-EC5B-4197-BCC8-0FD2E523CD7A}" type="datetimeFigureOut">
               <a:rPr lang="en-US" smtClean="0"/>
               <a:pPr/>
-              <a:t>2/3/2022</a:t>
+              <a:t>2/7/2022</a:t>
             </a:fld>
             <a:endParaRPr lang="en-US" dirty="0"/>
           </a:p>
@@ -31542,7 +40930,7 @@
           <p:nvPr>
             <p:extLst>
               <p:ext uri="{D42A27DB-BD31-4B8C-83A1-F6EECF244321}">
-                <p14:modId xmlns:p14="http://schemas.microsoft.com/office/powerpoint/2010/main" val="1639361604"/>
+                <p14:modId xmlns:p14="http://schemas.microsoft.com/office/powerpoint/2010/main" val="3061231001"/>
               </p:ext>
             </p:extLst>
           </p:nvPr>
@@ -31600,7 +40988,7 @@
           <p:nvPr>
             <p:extLst>
               <p:ext uri="{D42A27DB-BD31-4B8C-83A1-F6EECF244321}">
-                <p14:modId xmlns:p14="http://schemas.microsoft.com/office/powerpoint/2010/main" val="726905235"/>
+                <p14:modId xmlns:p14="http://schemas.microsoft.com/office/powerpoint/2010/main" val="3625153861"/>
               </p:ext>
             </p:extLst>
           </p:nvPr>
@@ -31619,6 +41007,240 @@
     <p:extLst>
       <p:ext uri="{BB962C8B-B14F-4D97-AF65-F5344CB8AC3E}">
         <p14:creationId xmlns:p14="http://schemas.microsoft.com/office/powerpoint/2010/main" val="344920128"/>
+      </p:ext>
+    </p:extLst>
+  </p:cSld>
+  <p:clrMapOvr>
+    <a:masterClrMapping/>
+  </p:clrMapOvr>
+</p:sld>
+</file>
+
+<file path=ppt/slides/slide6.xml><?xml version="1.0" encoding="utf-8"?>
+<p:sld xmlns:a="http://schemas.openxmlformats.org/drawingml/2006/main" xmlns:r="http://schemas.openxmlformats.org/officeDocument/2006/relationships" xmlns:p="http://schemas.openxmlformats.org/presentationml/2006/main">
+  <p:cSld>
+    <p:spTree>
+      <p:nvGrpSpPr>
+        <p:cNvPr id="1" name=""/>
+        <p:cNvGrpSpPr/>
+        <p:nvPr/>
+      </p:nvGrpSpPr>
+      <p:grpSpPr>
+        <a:xfrm>
+          <a:off x="0" y="0"/>
+          <a:ext cx="0" cy="0"/>
+          <a:chOff x="0" y="0"/>
+          <a:chExt cx="0" cy="0"/>
+        </a:xfrm>
+      </p:grpSpPr>
+      <p:sp>
+        <p:nvSpPr>
+          <p:cNvPr id="2" name="Title 1">
+            <a:extLst>
+              <a:ext uri="{FF2B5EF4-FFF2-40B4-BE49-F238E27FC236}">
+                <a16:creationId xmlns:a16="http://schemas.microsoft.com/office/drawing/2014/main" id="{AF5EE9A5-B555-49D6-9406-AD51837847C5}"/>
+              </a:ext>
+            </a:extLst>
+          </p:cNvPr>
+          <p:cNvSpPr>
+            <a:spLocks noGrp="1"/>
+          </p:cNvSpPr>
+          <p:nvPr>
+            <p:ph type="title"/>
+          </p:nvPr>
+        </p:nvSpPr>
+        <p:spPr/>
+        <p:txBody>
+          <a:bodyPr/>
+          <a:lstStyle/>
+          <a:p>
+            <a:r>
+              <a:rPr lang="en-US" dirty="0"/>
+              <a:t>Still under construction…</a:t>
+            </a:r>
+          </a:p>
+        </p:txBody>
+      </p:sp>
+    </p:spTree>
+    <p:extLst>
+      <p:ext uri="{BB962C8B-B14F-4D97-AF65-F5344CB8AC3E}">
+        <p14:creationId xmlns:p14="http://schemas.microsoft.com/office/powerpoint/2010/main" val="4118463415"/>
+      </p:ext>
+    </p:extLst>
+  </p:cSld>
+  <p:clrMapOvr>
+    <a:masterClrMapping/>
+  </p:clrMapOvr>
+</p:sld>
+</file>
+
+<file path=ppt/slides/slide7.xml><?xml version="1.0" encoding="utf-8"?>
+<p:sld xmlns:a="http://schemas.openxmlformats.org/drawingml/2006/main" xmlns:r="http://schemas.openxmlformats.org/officeDocument/2006/relationships" xmlns:p="http://schemas.openxmlformats.org/presentationml/2006/main">
+  <p:cSld>
+    <p:spTree>
+      <p:nvGrpSpPr>
+        <p:cNvPr id="1" name=""/>
+        <p:cNvGrpSpPr/>
+        <p:nvPr/>
+      </p:nvGrpSpPr>
+      <p:grpSpPr>
+        <a:xfrm>
+          <a:off x="0" y="0"/>
+          <a:ext cx="0" cy="0"/>
+          <a:chOff x="0" y="0"/>
+          <a:chExt cx="0" cy="0"/>
+        </a:xfrm>
+      </p:grpSpPr>
+      <p:graphicFrame>
+        <p:nvGraphicFramePr>
+          <p:cNvPr id="2" name="Diagram 1">
+            <a:extLst>
+              <a:ext uri="{FF2B5EF4-FFF2-40B4-BE49-F238E27FC236}">
+                <a16:creationId xmlns:a16="http://schemas.microsoft.com/office/drawing/2014/main" id="{38503381-C20D-458F-B573-EEBB6AF40771}"/>
+              </a:ext>
+            </a:extLst>
+          </p:cNvPr>
+          <p:cNvGraphicFramePr/>
+          <p:nvPr>
+            <p:extLst>
+              <p:ext uri="{D42A27DB-BD31-4B8C-83A1-F6EECF244321}">
+                <p14:modId xmlns:p14="http://schemas.microsoft.com/office/powerpoint/2010/main" val="58497453"/>
+              </p:ext>
+            </p:extLst>
+          </p:nvPr>
+        </p:nvGraphicFramePr>
+        <p:xfrm>
+          <a:off x="1293091" y="314037"/>
+          <a:ext cx="9605818" cy="6229926"/>
+        </p:xfrm>
+        <a:graphic>
+          <a:graphicData uri="http://schemas.openxmlformats.org/drawingml/2006/diagram">
+            <dgm:relIds xmlns:dgm="http://schemas.openxmlformats.org/drawingml/2006/diagram" xmlns:r="http://schemas.openxmlformats.org/officeDocument/2006/relationships" r:dm="rId2" r:lo="rId3" r:qs="rId4" r:cs="rId5"/>
+          </a:graphicData>
+        </a:graphic>
+      </p:graphicFrame>
+    </p:spTree>
+    <p:extLst>
+      <p:ext uri="{BB962C8B-B14F-4D97-AF65-F5344CB8AC3E}">
+        <p14:creationId xmlns:p14="http://schemas.microsoft.com/office/powerpoint/2010/main" val="3292851247"/>
+      </p:ext>
+    </p:extLst>
+  </p:cSld>
+  <p:clrMapOvr>
+    <a:masterClrMapping/>
+  </p:clrMapOvr>
+</p:sld>
+</file>
+
+<file path=ppt/slides/slide8.xml><?xml version="1.0" encoding="utf-8"?>
+<p:sld xmlns:a="http://schemas.openxmlformats.org/drawingml/2006/main" xmlns:r="http://schemas.openxmlformats.org/officeDocument/2006/relationships" xmlns:p="http://schemas.openxmlformats.org/presentationml/2006/main">
+  <p:cSld>
+    <p:spTree>
+      <p:nvGrpSpPr>
+        <p:cNvPr id="1" name=""/>
+        <p:cNvGrpSpPr/>
+        <p:nvPr/>
+      </p:nvGrpSpPr>
+      <p:grpSpPr>
+        <a:xfrm>
+          <a:off x="0" y="0"/>
+          <a:ext cx="0" cy="0"/>
+          <a:chOff x="0" y="0"/>
+          <a:chExt cx="0" cy="0"/>
+        </a:xfrm>
+      </p:grpSpPr>
+      <p:graphicFrame>
+        <p:nvGraphicFramePr>
+          <p:cNvPr id="2" name="Diagram 1">
+            <a:extLst>
+              <a:ext uri="{FF2B5EF4-FFF2-40B4-BE49-F238E27FC236}">
+                <a16:creationId xmlns:a16="http://schemas.microsoft.com/office/drawing/2014/main" id="{38503381-C20D-458F-B573-EEBB6AF40771}"/>
+              </a:ext>
+            </a:extLst>
+          </p:cNvPr>
+          <p:cNvGraphicFramePr/>
+          <p:nvPr>
+            <p:extLst>
+              <p:ext uri="{D42A27DB-BD31-4B8C-83A1-F6EECF244321}">
+                <p14:modId xmlns:p14="http://schemas.microsoft.com/office/powerpoint/2010/main" val="1432105598"/>
+              </p:ext>
+            </p:extLst>
+          </p:nvPr>
+        </p:nvGraphicFramePr>
+        <p:xfrm>
+          <a:off x="1293091" y="314037"/>
+          <a:ext cx="9605818" cy="6229926"/>
+        </p:xfrm>
+        <a:graphic>
+          <a:graphicData uri="http://schemas.openxmlformats.org/drawingml/2006/diagram">
+            <dgm:relIds xmlns:dgm="http://schemas.openxmlformats.org/drawingml/2006/diagram" xmlns:r="http://schemas.openxmlformats.org/officeDocument/2006/relationships" r:dm="rId2" r:lo="rId3" r:qs="rId4" r:cs="rId5"/>
+          </a:graphicData>
+        </a:graphic>
+      </p:graphicFrame>
+    </p:spTree>
+    <p:extLst>
+      <p:ext uri="{BB962C8B-B14F-4D97-AF65-F5344CB8AC3E}">
+        <p14:creationId xmlns:p14="http://schemas.microsoft.com/office/powerpoint/2010/main" val="193296516"/>
+      </p:ext>
+    </p:extLst>
+  </p:cSld>
+  <p:clrMapOvr>
+    <a:masterClrMapping/>
+  </p:clrMapOvr>
+</p:sld>
+</file>
+
+<file path=ppt/slides/slide9.xml><?xml version="1.0" encoding="utf-8"?>
+<p:sld xmlns:a="http://schemas.openxmlformats.org/drawingml/2006/main" xmlns:r="http://schemas.openxmlformats.org/officeDocument/2006/relationships" xmlns:p="http://schemas.openxmlformats.org/presentationml/2006/main">
+  <p:cSld>
+    <p:spTree>
+      <p:nvGrpSpPr>
+        <p:cNvPr id="1" name=""/>
+        <p:cNvGrpSpPr/>
+        <p:nvPr/>
+      </p:nvGrpSpPr>
+      <p:grpSpPr>
+        <a:xfrm>
+          <a:off x="0" y="0"/>
+          <a:ext cx="0" cy="0"/>
+          <a:chOff x="0" y="0"/>
+          <a:chExt cx="0" cy="0"/>
+        </a:xfrm>
+      </p:grpSpPr>
+      <p:sp>
+        <p:nvSpPr>
+          <p:cNvPr id="2" name="Title 1">
+            <a:extLst>
+              <a:ext uri="{FF2B5EF4-FFF2-40B4-BE49-F238E27FC236}">
+                <a16:creationId xmlns:a16="http://schemas.microsoft.com/office/drawing/2014/main" id="{5518527C-C1BC-4173-B794-2D359694BCCA}"/>
+              </a:ext>
+            </a:extLst>
+          </p:cNvPr>
+          <p:cNvSpPr>
+            <a:spLocks noGrp="1"/>
+          </p:cNvSpPr>
+          <p:nvPr>
+            <p:ph type="title"/>
+          </p:nvPr>
+        </p:nvSpPr>
+        <p:spPr/>
+        <p:txBody>
+          <a:bodyPr>
+            <a:normAutofit fontScale="90000"/>
+          </a:bodyPr>
+          <a:lstStyle/>
+          <a:p>
+            <a:r>
+              <a:rPr lang="en-US" dirty="0"/>
+              <a:t>Process diagram showing flow of all components</a:t>
+            </a:r>
+          </a:p>
+        </p:txBody>
+      </p:sp>
+    </p:spTree>
+    <p:extLst>
+      <p:ext uri="{BB962C8B-B14F-4D97-AF65-F5344CB8AC3E}">
+        <p14:creationId xmlns:p14="http://schemas.microsoft.com/office/powerpoint/2010/main" val="865626750"/>
       </p:ext>
     </p:extLst>
   </p:cSld>
